--- a/cheatsheets/EIX.pptx
+++ b/cheatsheets/EIX.pptx
@@ -8,7 +8,7 @@
     <p:notesMasterId r:id="rId3"/>
   </p:notesMasterIdLst>
   <p:sldIdLst>
-    <p:sldId id="256" r:id="rId2"/>
+    <p:sldId id="258" r:id="rId2"/>
   </p:sldIdLst>
   <p:sldSz cx="13970000" cy="10795000"/>
   <p:notesSz cx="6858000" cy="9144000"/>
@@ -318,6 +318,18 @@
 </p:presentation>
 </file>
 
+<file path=ppt/commentAuthors.xml><?xml version="1.0" encoding="utf-8"?>
+<p:cmAuthorLst xmlns:a="http://schemas.openxmlformats.org/drawingml/2006/main" xmlns:r="http://schemas.openxmlformats.org/officeDocument/2006/relationships" xmlns:p="http://schemas.openxmlformats.org/presentationml/2006/main">
+  <p:cmAuthor id="1" name="Emanowicz Karol (234353)" initials="EK(" lastIdx="0" clrIdx="0">
+    <p:extLst>
+      <p:ext uri="{19B8F6BF-5375-455C-9EA6-DF929625EA0E}">
+        <p15:presenceInfo xmlns:p15="http://schemas.microsoft.com/office/powerpoint/2012/main" userId="Emanowicz Karol (234353)" providerId="None"/>
+      </p:ext>
+    </p:extLst>
+  </p:cmAuthor>
+</p:cmAuthorLst>
+</file>
+
 <file path=ppt/notesMasters/notesMaster1.xml><?xml version="1.0" encoding="utf-8"?>
 <p:notesMaster xmlns:a="http://schemas.openxmlformats.org/drawingml/2006/main" xmlns:r="http://schemas.openxmlformats.org/officeDocument/2006/relationships" xmlns:p="http://schemas.openxmlformats.org/presentationml/2006/main">
   <p:cSld>
@@ -557,7 +569,7 @@
     </p:spTree>
     <p:extLst>
       <p:ext uri="{BB962C8B-B14F-4D97-AF65-F5344CB8AC3E}">
-        <p14:creationId xmlns:p14="http://schemas.microsoft.com/office/powerpoint/2010/main" val="4107067818"/>
+        <p14:creationId xmlns:p14="http://schemas.microsoft.com/office/powerpoint/2010/main" val="4171077190"/>
       </p:ext>
     </p:extLst>
   </p:cSld>
@@ -2206,7 +2218,7 @@
           </a:ln>
           <a:extLst>
             <a:ext uri="{C572A759-6A51-4108-AA02-DFA0A04FC94B}">
-              <ma14:wrappingTextBoxFlag xmlns:ma14="http://schemas.microsoft.com/office/mac/drawingml/2011/main" xmlns="" val="1"/>
+              <ma14:wrappingTextBoxFlag xmlns="" xmlns:m="http://schemas.openxmlformats.org/officeDocument/2006/math" xmlns:a14="http://schemas.microsoft.com/office/drawing/2010/main" xmlns:ma14="http://schemas.microsoft.com/office/mac/drawingml/2011/main" val="1"/>
             </a:ext>
           </a:extLst>
         </p:spPr>
@@ -2245,7 +2257,7 @@
           </a:ln>
           <a:extLst>
             <a:ext uri="{C572A759-6A51-4108-AA02-DFA0A04FC94B}">
-              <ma14:wrappingTextBoxFlag xmlns:ma14="http://schemas.microsoft.com/office/mac/drawingml/2011/main" xmlns="" val="1"/>
+              <ma14:wrappingTextBoxFlag xmlns="" xmlns:m="http://schemas.openxmlformats.org/officeDocument/2006/math" xmlns:a14="http://schemas.microsoft.com/office/drawing/2010/main" xmlns:ma14="http://schemas.microsoft.com/office/mac/drawingml/2011/main" val="1"/>
             </a:ext>
           </a:extLst>
         </p:spPr>
@@ -3164,15 +3176,975 @@
           <a:chExt cx="0" cy="0"/>
         </a:xfrm>
       </p:grpSpPr>
+      <p:grpSp>
+        <p:nvGrpSpPr>
+          <p:cNvPr id="34" name="Group">
+            <a:extLst>
+              <a:ext uri="{FF2B5EF4-FFF2-40B4-BE49-F238E27FC236}">
+                <a16:creationId xmlns:a16="http://schemas.microsoft.com/office/drawing/2014/main" id="{40875CC5-6FFD-4099-A347-962A75C8C28D}"/>
+              </a:ext>
+            </a:extLst>
+          </p:cNvPr>
+          <p:cNvGrpSpPr/>
+          <p:nvPr/>
+        </p:nvGrpSpPr>
+        <p:grpSpPr>
+          <a:xfrm>
+            <a:off x="8369105" y="-1013161"/>
+            <a:ext cx="6159575" cy="3553962"/>
+            <a:chOff x="0" y="51032"/>
+            <a:chExt cx="6159573" cy="3553961"/>
+          </a:xfrm>
+        </p:grpSpPr>
+        <p:grpSp>
+          <p:nvGrpSpPr>
+            <p:cNvPr id="35" name="Group">
+              <a:extLst>
+                <a:ext uri="{FF2B5EF4-FFF2-40B4-BE49-F238E27FC236}">
+                  <a16:creationId xmlns:a16="http://schemas.microsoft.com/office/drawing/2014/main" id="{C18B65BC-2165-420E-9855-4FBBC25A43BE}"/>
+                </a:ext>
+              </a:extLst>
+            </p:cNvPr>
+            <p:cNvGrpSpPr/>
+            <p:nvPr/>
+          </p:nvGrpSpPr>
+          <p:grpSpPr>
+            <a:xfrm>
+              <a:off x="24975" y="51032"/>
+              <a:ext cx="6134599" cy="2980091"/>
+              <a:chOff x="0" y="51032"/>
+              <a:chExt cx="6134598" cy="2980090"/>
+            </a:xfrm>
+          </p:grpSpPr>
+          <p:sp>
+            <p:nvSpPr>
+              <p:cNvPr id="38" name="Triangle">
+                <a:extLst>
+                  <a:ext uri="{FF2B5EF4-FFF2-40B4-BE49-F238E27FC236}">
+                    <a16:creationId xmlns:a16="http://schemas.microsoft.com/office/drawing/2014/main" id="{68E01453-27F0-4AF3-B6AB-E87442E4AB3D}"/>
+                  </a:ext>
+                </a:extLst>
+              </p:cNvPr>
+              <p:cNvSpPr/>
+              <p:nvPr/>
+            </p:nvSpPr>
+            <p:spPr>
+              <a:xfrm rot="1800000">
+                <a:off x="1177377" y="304285"/>
+                <a:ext cx="1319509" cy="1143860"/>
+              </a:xfrm>
+              <a:prstGeom prst="triangle">
+                <a:avLst/>
+              </a:prstGeom>
+              <a:solidFill>
+                <a:srgbClr val="DEDFE0"/>
+              </a:solidFill>
+              <a:ln w="3175" cap="flat">
+                <a:solidFill>
+                  <a:srgbClr val="DEDFE0"/>
+                </a:solidFill>
+                <a:prstDash val="solid"/>
+                <a:miter lim="400000"/>
+              </a:ln>
+              <a:effectLst/>
+            </p:spPr>
+            <p:txBody>
+              <a:bodyPr wrap="square" lIns="54570" tIns="54570" rIns="54570" bIns="54570" numCol="1" anchor="ctr">
+                <a:noAutofit/>
+              </a:bodyPr>
+              <a:lstStyle/>
+              <a:p>
+                <a:pPr>
+                  <a:lnSpc>
+                    <a:spcPct val="80000"/>
+                  </a:lnSpc>
+                  <a:spcBef>
+                    <a:spcPts val="0"/>
+                  </a:spcBef>
+                  <a:defRPr b="0">
+                    <a:solidFill>
+                      <a:srgbClr val="000000"/>
+                    </a:solidFill>
+                  </a:defRPr>
+                </a:pPr>
+                <a:endParaRPr/>
+              </a:p>
+            </p:txBody>
+          </p:sp>
+          <p:sp>
+            <p:nvSpPr>
+              <p:cNvPr id="39" name="Circle">
+                <a:extLst>
+                  <a:ext uri="{FF2B5EF4-FFF2-40B4-BE49-F238E27FC236}">
+                    <a16:creationId xmlns:a16="http://schemas.microsoft.com/office/drawing/2014/main" id="{2337B41F-3C5D-4B41-AF81-3FBF2BE8D44A}"/>
+                  </a:ext>
+                </a:extLst>
+              </p:cNvPr>
+              <p:cNvSpPr/>
+              <p:nvPr/>
+            </p:nvSpPr>
+            <p:spPr>
+              <a:xfrm flipH="1">
+                <a:off x="1550782" y="838357"/>
+                <a:ext cx="422090" cy="422090"/>
+              </a:xfrm>
+              <a:prstGeom prst="ellipse">
+                <a:avLst/>
+              </a:prstGeom>
+              <a:solidFill>
+                <a:srgbClr val="EFEFF0"/>
+              </a:solidFill>
+              <a:ln w="12700" cap="flat">
+                <a:noFill/>
+                <a:miter lim="400000"/>
+              </a:ln>
+              <a:effectLst/>
+            </p:spPr>
+            <p:txBody>
+              <a:bodyPr wrap="square" lIns="54570" tIns="54570" rIns="54570" bIns="54570" numCol="1" anchor="ctr">
+                <a:noAutofit/>
+              </a:bodyPr>
+              <a:lstStyle/>
+              <a:p>
+                <a:pPr>
+                  <a:lnSpc>
+                    <a:spcPct val="80000"/>
+                  </a:lnSpc>
+                  <a:spcBef>
+                    <a:spcPts val="0"/>
+                  </a:spcBef>
+                  <a:defRPr b="0">
+                    <a:solidFill>
+                      <a:srgbClr val="000000"/>
+                    </a:solidFill>
+                  </a:defRPr>
+                </a:pPr>
+                <a:endParaRPr/>
+              </a:p>
+            </p:txBody>
+          </p:sp>
+          <p:sp>
+            <p:nvSpPr>
+              <p:cNvPr id="40" name="Circle">
+                <a:extLst>
+                  <a:ext uri="{FF2B5EF4-FFF2-40B4-BE49-F238E27FC236}">
+                    <a16:creationId xmlns:a16="http://schemas.microsoft.com/office/drawing/2014/main" id="{1CC8AA5A-3678-45DD-AFC0-6DBE8EDA6B59}"/>
+                  </a:ext>
+                </a:extLst>
+              </p:cNvPr>
+              <p:cNvSpPr/>
+              <p:nvPr/>
+            </p:nvSpPr>
+            <p:spPr>
+              <a:xfrm flipH="1">
+                <a:off x="0" y="819778"/>
+                <a:ext cx="422089" cy="422090"/>
+              </a:xfrm>
+              <a:prstGeom prst="ellipse">
+                <a:avLst/>
+              </a:prstGeom>
+              <a:solidFill>
+                <a:srgbClr val="DEDFE0"/>
+              </a:solidFill>
+              <a:ln w="12700" cap="flat">
+                <a:noFill/>
+                <a:miter lim="400000"/>
+              </a:ln>
+              <a:effectLst/>
+            </p:spPr>
+            <p:txBody>
+              <a:bodyPr wrap="square" lIns="54570" tIns="54570" rIns="54570" bIns="54570" numCol="1" anchor="ctr">
+                <a:noAutofit/>
+              </a:bodyPr>
+              <a:lstStyle/>
+              <a:p>
+                <a:pPr>
+                  <a:lnSpc>
+                    <a:spcPct val="80000"/>
+                  </a:lnSpc>
+                  <a:spcBef>
+                    <a:spcPts val="0"/>
+                  </a:spcBef>
+                  <a:defRPr b="0">
+                    <a:solidFill>
+                      <a:srgbClr val="000000"/>
+                    </a:solidFill>
+                  </a:defRPr>
+                </a:pPr>
+                <a:endParaRPr/>
+              </a:p>
+            </p:txBody>
+          </p:sp>
+          <p:sp>
+            <p:nvSpPr>
+              <p:cNvPr id="41" name="Triangle">
+                <a:extLst>
+                  <a:ext uri="{FF2B5EF4-FFF2-40B4-BE49-F238E27FC236}">
+                    <a16:creationId xmlns:a16="http://schemas.microsoft.com/office/drawing/2014/main" id="{88131B6C-4511-408A-B69B-93CBC3AC20D9}"/>
+                  </a:ext>
+                </a:extLst>
+              </p:cNvPr>
+              <p:cNvSpPr/>
+              <p:nvPr/>
+            </p:nvSpPr>
+            <p:spPr>
+              <a:xfrm rot="19800000">
+                <a:off x="2896973" y="973389"/>
+                <a:ext cx="1319509" cy="1143860"/>
+              </a:xfrm>
+              <a:prstGeom prst="triangle">
+                <a:avLst/>
+              </a:prstGeom>
+              <a:solidFill>
+                <a:srgbClr val="EFEFF0"/>
+              </a:solidFill>
+              <a:ln w="6350" cap="flat">
+                <a:solidFill>
+                  <a:srgbClr val="EFEFF0"/>
+                </a:solidFill>
+                <a:prstDash val="solid"/>
+                <a:miter lim="400000"/>
+              </a:ln>
+              <a:effectLst/>
+            </p:spPr>
+            <p:txBody>
+              <a:bodyPr wrap="square" lIns="54570" tIns="54570" rIns="54570" bIns="54570" numCol="1" anchor="ctr">
+                <a:noAutofit/>
+              </a:bodyPr>
+              <a:lstStyle/>
+              <a:p>
+                <a:pPr>
+                  <a:lnSpc>
+                    <a:spcPct val="80000"/>
+                  </a:lnSpc>
+                  <a:spcBef>
+                    <a:spcPts val="0"/>
+                  </a:spcBef>
+                  <a:defRPr b="0">
+                    <a:solidFill>
+                      <a:srgbClr val="000000"/>
+                    </a:solidFill>
+                  </a:defRPr>
+                </a:pPr>
+                <a:endParaRPr/>
+              </a:p>
+            </p:txBody>
+          </p:sp>
+          <p:sp>
+            <p:nvSpPr>
+              <p:cNvPr id="42" name="Triangle">
+                <a:extLst>
+                  <a:ext uri="{FF2B5EF4-FFF2-40B4-BE49-F238E27FC236}">
+                    <a16:creationId xmlns:a16="http://schemas.microsoft.com/office/drawing/2014/main" id="{CFB0D139-17B0-425A-87C3-F69DB5F29AF3}"/>
+                  </a:ext>
+                </a:extLst>
+              </p:cNvPr>
+              <p:cNvSpPr/>
+              <p:nvPr/>
+            </p:nvSpPr>
+            <p:spPr>
+              <a:xfrm rot="1800000">
+                <a:off x="3470359" y="1634009"/>
+                <a:ext cx="1319509" cy="1143861"/>
+              </a:xfrm>
+              <a:prstGeom prst="triangle">
+                <a:avLst/>
+              </a:prstGeom>
+              <a:solidFill>
+                <a:srgbClr val="DEDFE0"/>
+              </a:solidFill>
+              <a:ln w="6350" cap="flat">
+                <a:solidFill>
+                  <a:srgbClr val="DEDFE0"/>
+                </a:solidFill>
+                <a:prstDash val="solid"/>
+                <a:miter lim="400000"/>
+              </a:ln>
+              <a:effectLst/>
+            </p:spPr>
+            <p:txBody>
+              <a:bodyPr wrap="square" lIns="54570" tIns="54570" rIns="54570" bIns="54570" numCol="1" anchor="ctr">
+                <a:noAutofit/>
+              </a:bodyPr>
+              <a:lstStyle/>
+              <a:p>
+                <a:pPr>
+                  <a:lnSpc>
+                    <a:spcPct val="80000"/>
+                  </a:lnSpc>
+                  <a:spcBef>
+                    <a:spcPts val="0"/>
+                  </a:spcBef>
+                  <a:defRPr b="0">
+                    <a:solidFill>
+                      <a:srgbClr val="000000"/>
+                    </a:solidFill>
+                  </a:defRPr>
+                </a:pPr>
+                <a:endParaRPr/>
+              </a:p>
+            </p:txBody>
+          </p:sp>
+          <p:sp>
+            <p:nvSpPr>
+              <p:cNvPr id="43" name="Circle">
+                <a:extLst>
+                  <a:ext uri="{FF2B5EF4-FFF2-40B4-BE49-F238E27FC236}">
+                    <a16:creationId xmlns:a16="http://schemas.microsoft.com/office/drawing/2014/main" id="{66250775-9B19-44CF-B4F4-4C2D54BC6C2D}"/>
+                  </a:ext>
+                </a:extLst>
+              </p:cNvPr>
+              <p:cNvSpPr/>
+              <p:nvPr/>
+            </p:nvSpPr>
+            <p:spPr>
+              <a:xfrm flipH="1">
+                <a:off x="3461021" y="1507461"/>
+                <a:ext cx="422090" cy="422090"/>
+              </a:xfrm>
+              <a:prstGeom prst="ellipse">
+                <a:avLst/>
+              </a:prstGeom>
+              <a:solidFill>
+                <a:srgbClr val="DEDFE0"/>
+              </a:solidFill>
+              <a:ln w="12700" cap="flat">
+                <a:noFill/>
+                <a:miter lim="400000"/>
+              </a:ln>
+              <a:effectLst/>
+            </p:spPr>
+            <p:txBody>
+              <a:bodyPr wrap="square" lIns="54570" tIns="54570" rIns="54570" bIns="54570" numCol="1" anchor="ctr">
+                <a:noAutofit/>
+              </a:bodyPr>
+              <a:lstStyle/>
+              <a:p>
+                <a:pPr>
+                  <a:lnSpc>
+                    <a:spcPct val="80000"/>
+                  </a:lnSpc>
+                  <a:spcBef>
+                    <a:spcPts val="0"/>
+                  </a:spcBef>
+                  <a:defRPr b="0">
+                    <a:solidFill>
+                      <a:srgbClr val="000000"/>
+                    </a:solidFill>
+                  </a:defRPr>
+                </a:pPr>
+                <a:endParaRPr/>
+              </a:p>
+            </p:txBody>
+          </p:sp>
+          <p:sp>
+            <p:nvSpPr>
+              <p:cNvPr id="44" name="Circle">
+                <a:extLst>
+                  <a:ext uri="{FF2B5EF4-FFF2-40B4-BE49-F238E27FC236}">
+                    <a16:creationId xmlns:a16="http://schemas.microsoft.com/office/drawing/2014/main" id="{A3223397-C8DF-4AE4-B754-766B280EDD34}"/>
+                  </a:ext>
+                </a:extLst>
+              </p:cNvPr>
+              <p:cNvSpPr/>
+              <p:nvPr/>
+            </p:nvSpPr>
+            <p:spPr>
+              <a:xfrm flipH="1">
+                <a:off x="3843763" y="2168082"/>
+                <a:ext cx="422090" cy="422090"/>
+              </a:xfrm>
+              <a:prstGeom prst="ellipse">
+                <a:avLst/>
+              </a:prstGeom>
+              <a:solidFill>
+                <a:srgbClr val="EFEFF0"/>
+              </a:solidFill>
+              <a:ln w="12700" cap="flat">
+                <a:noFill/>
+                <a:miter lim="400000"/>
+              </a:ln>
+              <a:effectLst/>
+            </p:spPr>
+            <p:txBody>
+              <a:bodyPr wrap="square" lIns="54570" tIns="54570" rIns="54570" bIns="54570" numCol="1" anchor="ctr">
+                <a:noAutofit/>
+              </a:bodyPr>
+              <a:lstStyle/>
+              <a:p>
+                <a:pPr>
+                  <a:lnSpc>
+                    <a:spcPct val="80000"/>
+                  </a:lnSpc>
+                  <a:spcBef>
+                    <a:spcPts val="0"/>
+                  </a:spcBef>
+                  <a:defRPr b="0">
+                    <a:solidFill>
+                      <a:srgbClr val="000000"/>
+                    </a:solidFill>
+                  </a:defRPr>
+                </a:pPr>
+                <a:endParaRPr/>
+              </a:p>
+            </p:txBody>
+          </p:sp>
+          <p:sp>
+            <p:nvSpPr>
+              <p:cNvPr id="45" name="Triangle">
+                <a:extLst>
+                  <a:ext uri="{FF2B5EF4-FFF2-40B4-BE49-F238E27FC236}">
+                    <a16:creationId xmlns:a16="http://schemas.microsoft.com/office/drawing/2014/main" id="{4F05CF2D-AE13-4ADC-871D-AFECB124891B}"/>
+                  </a:ext>
+                </a:extLst>
+              </p:cNvPr>
+              <p:cNvSpPr/>
+              <p:nvPr/>
+            </p:nvSpPr>
+            <p:spPr>
+              <a:xfrm rot="1800000">
+                <a:off x="3470359" y="312963"/>
+                <a:ext cx="1319509" cy="1143861"/>
+              </a:xfrm>
+              <a:prstGeom prst="triangle">
+                <a:avLst/>
+              </a:prstGeom>
+              <a:solidFill>
+                <a:srgbClr val="DEDFE0"/>
+              </a:solidFill>
+              <a:ln w="6350" cap="flat">
+                <a:solidFill>
+                  <a:srgbClr val="DEDFE0"/>
+                </a:solidFill>
+                <a:prstDash val="solid"/>
+                <a:miter lim="400000"/>
+              </a:ln>
+              <a:effectLst/>
+            </p:spPr>
+            <p:txBody>
+              <a:bodyPr wrap="square" lIns="54570" tIns="54570" rIns="54570" bIns="54570" numCol="1" anchor="ctr">
+                <a:noAutofit/>
+              </a:bodyPr>
+              <a:lstStyle/>
+              <a:p>
+                <a:pPr>
+                  <a:lnSpc>
+                    <a:spcPct val="80000"/>
+                  </a:lnSpc>
+                  <a:spcBef>
+                    <a:spcPts val="0"/>
+                  </a:spcBef>
+                  <a:defRPr b="0">
+                    <a:solidFill>
+                      <a:srgbClr val="000000"/>
+                    </a:solidFill>
+                  </a:defRPr>
+                </a:pPr>
+                <a:endParaRPr/>
+              </a:p>
+            </p:txBody>
+          </p:sp>
+          <p:sp>
+            <p:nvSpPr>
+              <p:cNvPr id="46" name="Circle">
+                <a:extLst>
+                  <a:ext uri="{FF2B5EF4-FFF2-40B4-BE49-F238E27FC236}">
+                    <a16:creationId xmlns:a16="http://schemas.microsoft.com/office/drawing/2014/main" id="{AABC5D6B-94B4-4D81-9143-24FA795F5C8A}"/>
+                  </a:ext>
+                </a:extLst>
+              </p:cNvPr>
+              <p:cNvSpPr/>
+              <p:nvPr/>
+            </p:nvSpPr>
+            <p:spPr>
+              <a:xfrm flipH="1">
+                <a:off x="3843763" y="847036"/>
+                <a:ext cx="422090" cy="422090"/>
+              </a:xfrm>
+              <a:prstGeom prst="ellipse">
+                <a:avLst/>
+              </a:prstGeom>
+              <a:solidFill>
+                <a:srgbClr val="EFEFF0"/>
+              </a:solidFill>
+              <a:ln w="12700" cap="flat">
+                <a:noFill/>
+                <a:miter lim="400000"/>
+              </a:ln>
+              <a:effectLst/>
+            </p:spPr>
+            <p:txBody>
+              <a:bodyPr wrap="square" lIns="54570" tIns="54570" rIns="54570" bIns="54570" numCol="1" anchor="ctr">
+                <a:noAutofit/>
+              </a:bodyPr>
+              <a:lstStyle/>
+              <a:p>
+                <a:pPr>
+                  <a:lnSpc>
+                    <a:spcPct val="80000"/>
+                  </a:lnSpc>
+                  <a:spcBef>
+                    <a:spcPts val="0"/>
+                  </a:spcBef>
+                  <a:defRPr b="0">
+                    <a:solidFill>
+                      <a:srgbClr val="000000"/>
+                    </a:solidFill>
+                  </a:defRPr>
+                </a:pPr>
+                <a:endParaRPr/>
+              </a:p>
+            </p:txBody>
+          </p:sp>
+          <p:sp>
+            <p:nvSpPr>
+              <p:cNvPr id="47" name="Triangle">
+                <a:extLst>
+                  <a:ext uri="{FF2B5EF4-FFF2-40B4-BE49-F238E27FC236}">
+                    <a16:creationId xmlns:a16="http://schemas.microsoft.com/office/drawing/2014/main" id="{DA2E12CD-8277-4C8F-988D-7D772F0F5B2D}"/>
+                  </a:ext>
+                </a:extLst>
+              </p:cNvPr>
+              <p:cNvSpPr/>
+              <p:nvPr/>
+            </p:nvSpPr>
+            <p:spPr>
+              <a:xfrm rot="19800000">
+                <a:off x="4044130" y="318647"/>
+                <a:ext cx="1319509" cy="1143861"/>
+              </a:xfrm>
+              <a:prstGeom prst="triangle">
+                <a:avLst/>
+              </a:prstGeom>
+              <a:solidFill>
+                <a:srgbClr val="EFEFF0"/>
+              </a:solidFill>
+              <a:ln w="6350" cap="flat">
+                <a:solidFill>
+                  <a:srgbClr val="EFEFF0"/>
+                </a:solidFill>
+                <a:prstDash val="solid"/>
+                <a:miter lim="400000"/>
+              </a:ln>
+              <a:effectLst/>
+            </p:spPr>
+            <p:txBody>
+              <a:bodyPr wrap="square" lIns="54570" tIns="54570" rIns="54570" bIns="54570" numCol="1" anchor="ctr">
+                <a:noAutofit/>
+              </a:bodyPr>
+              <a:lstStyle/>
+              <a:p>
+                <a:pPr>
+                  <a:lnSpc>
+                    <a:spcPct val="80000"/>
+                  </a:lnSpc>
+                  <a:spcBef>
+                    <a:spcPts val="0"/>
+                  </a:spcBef>
+                  <a:defRPr b="0">
+                    <a:solidFill>
+                      <a:srgbClr val="000000"/>
+                    </a:solidFill>
+                  </a:defRPr>
+                </a:pPr>
+                <a:endParaRPr/>
+              </a:p>
+            </p:txBody>
+          </p:sp>
+          <p:sp>
+            <p:nvSpPr>
+              <p:cNvPr id="48" name="Circle">
+                <a:extLst>
+                  <a:ext uri="{FF2B5EF4-FFF2-40B4-BE49-F238E27FC236}">
+                    <a16:creationId xmlns:a16="http://schemas.microsoft.com/office/drawing/2014/main" id="{F7B4DB59-BA49-466B-A2E9-9DA07974B80F}"/>
+                  </a:ext>
+                </a:extLst>
+              </p:cNvPr>
+              <p:cNvSpPr/>
+              <p:nvPr/>
+            </p:nvSpPr>
+            <p:spPr>
+              <a:xfrm flipH="1">
+                <a:off x="4608178" y="852720"/>
+                <a:ext cx="422090" cy="422090"/>
+              </a:xfrm>
+              <a:prstGeom prst="ellipse">
+                <a:avLst/>
+              </a:prstGeom>
+              <a:solidFill>
+                <a:srgbClr val="DEDFE0"/>
+              </a:solidFill>
+              <a:ln w="12700" cap="flat">
+                <a:noFill/>
+                <a:miter lim="400000"/>
+              </a:ln>
+              <a:effectLst/>
+            </p:spPr>
+            <p:txBody>
+              <a:bodyPr wrap="square" lIns="54570" tIns="54570" rIns="54570" bIns="54570" numCol="1" anchor="ctr">
+                <a:noAutofit/>
+              </a:bodyPr>
+              <a:lstStyle/>
+              <a:p>
+                <a:pPr>
+                  <a:lnSpc>
+                    <a:spcPct val="80000"/>
+                  </a:lnSpc>
+                  <a:spcBef>
+                    <a:spcPts val="0"/>
+                  </a:spcBef>
+                  <a:defRPr b="0">
+                    <a:solidFill>
+                      <a:srgbClr val="000000"/>
+                    </a:solidFill>
+                  </a:defRPr>
+                </a:pPr>
+                <a:endParaRPr/>
+              </a:p>
+            </p:txBody>
+          </p:sp>
+          <p:sp>
+            <p:nvSpPr>
+              <p:cNvPr id="49" name="Triangle">
+                <a:extLst>
+                  <a:ext uri="{FF2B5EF4-FFF2-40B4-BE49-F238E27FC236}">
+                    <a16:creationId xmlns:a16="http://schemas.microsoft.com/office/drawing/2014/main" id="{05CC1FF0-84C6-48B0-A53A-D73D950D50EC}"/>
+                  </a:ext>
+                </a:extLst>
+              </p:cNvPr>
+              <p:cNvSpPr/>
+              <p:nvPr/>
+            </p:nvSpPr>
+            <p:spPr>
+              <a:xfrm rot="1800000">
+                <a:off x="4617515" y="979268"/>
+                <a:ext cx="1319509" cy="1143861"/>
+              </a:xfrm>
+              <a:prstGeom prst="triangle">
+                <a:avLst/>
+              </a:prstGeom>
+              <a:solidFill>
+                <a:srgbClr val="DEDFE0"/>
+              </a:solidFill>
+              <a:ln w="6350" cap="flat">
+                <a:solidFill>
+                  <a:srgbClr val="DEDFE0"/>
+                </a:solidFill>
+                <a:prstDash val="solid"/>
+                <a:miter lim="400000"/>
+              </a:ln>
+              <a:effectLst/>
+            </p:spPr>
+            <p:txBody>
+              <a:bodyPr wrap="square" lIns="54570" tIns="54570" rIns="54570" bIns="54570" numCol="1" anchor="ctr">
+                <a:noAutofit/>
+              </a:bodyPr>
+              <a:lstStyle/>
+              <a:p>
+                <a:pPr>
+                  <a:lnSpc>
+                    <a:spcPct val="80000"/>
+                  </a:lnSpc>
+                  <a:spcBef>
+                    <a:spcPts val="0"/>
+                  </a:spcBef>
+                  <a:defRPr b="0">
+                    <a:solidFill>
+                      <a:srgbClr val="000000"/>
+                    </a:solidFill>
+                  </a:defRPr>
+                </a:pPr>
+                <a:endParaRPr/>
+              </a:p>
+            </p:txBody>
+          </p:sp>
+          <p:sp>
+            <p:nvSpPr>
+              <p:cNvPr id="50" name="Circle">
+                <a:extLst>
+                  <a:ext uri="{FF2B5EF4-FFF2-40B4-BE49-F238E27FC236}">
+                    <a16:creationId xmlns:a16="http://schemas.microsoft.com/office/drawing/2014/main" id="{C315CA56-3419-48B9-A178-A38E05B1E557}"/>
+                  </a:ext>
+                </a:extLst>
+              </p:cNvPr>
+              <p:cNvSpPr/>
+              <p:nvPr/>
+            </p:nvSpPr>
+            <p:spPr>
+              <a:xfrm flipH="1">
+                <a:off x="4990920" y="1513341"/>
+                <a:ext cx="422090" cy="422090"/>
+              </a:xfrm>
+              <a:prstGeom prst="ellipse">
+                <a:avLst/>
+              </a:prstGeom>
+              <a:solidFill>
+                <a:srgbClr val="EFEFF0"/>
+              </a:solidFill>
+              <a:ln w="12700" cap="flat">
+                <a:noFill/>
+                <a:miter lim="400000"/>
+              </a:ln>
+              <a:effectLst/>
+            </p:spPr>
+            <p:txBody>
+              <a:bodyPr wrap="square" lIns="54570" tIns="54570" rIns="54570" bIns="54570" numCol="1" anchor="ctr">
+                <a:noAutofit/>
+              </a:bodyPr>
+              <a:lstStyle/>
+              <a:p>
+                <a:pPr>
+                  <a:lnSpc>
+                    <a:spcPct val="80000"/>
+                  </a:lnSpc>
+                  <a:spcBef>
+                    <a:spcPts val="0"/>
+                  </a:spcBef>
+                  <a:defRPr b="0">
+                    <a:solidFill>
+                      <a:srgbClr val="000000"/>
+                    </a:solidFill>
+                  </a:defRPr>
+                </a:pPr>
+                <a:endParaRPr/>
+              </a:p>
+            </p:txBody>
+          </p:sp>
+          <p:sp>
+            <p:nvSpPr>
+              <p:cNvPr id="51" name="Triangle">
+                <a:extLst>
+                  <a:ext uri="{FF2B5EF4-FFF2-40B4-BE49-F238E27FC236}">
+                    <a16:creationId xmlns:a16="http://schemas.microsoft.com/office/drawing/2014/main" id="{F79700D7-7302-43E7-A566-235742B10E9C}"/>
+                  </a:ext>
+                </a:extLst>
+              </p:cNvPr>
+              <p:cNvSpPr/>
+              <p:nvPr/>
+            </p:nvSpPr>
+            <p:spPr>
+              <a:xfrm rot="19800000">
+                <a:off x="1751148" y="309969"/>
+                <a:ext cx="1319510" cy="1143860"/>
+              </a:xfrm>
+              <a:prstGeom prst="triangle">
+                <a:avLst/>
+              </a:prstGeom>
+              <a:solidFill>
+                <a:srgbClr val="EFEFF0"/>
+              </a:solidFill>
+              <a:ln w="6350" cap="flat">
+                <a:solidFill>
+                  <a:srgbClr val="EFEFF0"/>
+                </a:solidFill>
+                <a:prstDash val="solid"/>
+                <a:miter lim="400000"/>
+              </a:ln>
+              <a:effectLst/>
+            </p:spPr>
+            <p:txBody>
+              <a:bodyPr wrap="square" lIns="54570" tIns="54570" rIns="54570" bIns="54570" numCol="1" anchor="ctr">
+                <a:noAutofit/>
+              </a:bodyPr>
+              <a:lstStyle/>
+              <a:p>
+                <a:pPr>
+                  <a:lnSpc>
+                    <a:spcPct val="80000"/>
+                  </a:lnSpc>
+                  <a:spcBef>
+                    <a:spcPts val="0"/>
+                  </a:spcBef>
+                  <a:defRPr b="0">
+                    <a:solidFill>
+                      <a:srgbClr val="000000"/>
+                    </a:solidFill>
+                  </a:defRPr>
+                </a:pPr>
+                <a:endParaRPr/>
+              </a:p>
+            </p:txBody>
+          </p:sp>
+          <p:sp>
+            <p:nvSpPr>
+              <p:cNvPr id="52" name="Circle">
+                <a:extLst>
+                  <a:ext uri="{FF2B5EF4-FFF2-40B4-BE49-F238E27FC236}">
+                    <a16:creationId xmlns:a16="http://schemas.microsoft.com/office/drawing/2014/main" id="{32C834C8-912C-43DA-B9C3-2469FBE2D261}"/>
+                  </a:ext>
+                </a:extLst>
+              </p:cNvPr>
+              <p:cNvSpPr/>
+              <p:nvPr/>
+            </p:nvSpPr>
+            <p:spPr>
+              <a:xfrm flipH="1">
+                <a:off x="2315196" y="844041"/>
+                <a:ext cx="422090" cy="422090"/>
+              </a:xfrm>
+              <a:prstGeom prst="ellipse">
+                <a:avLst/>
+              </a:prstGeom>
+              <a:solidFill>
+                <a:srgbClr val="DEDFE0"/>
+              </a:solidFill>
+              <a:ln w="12700" cap="flat">
+                <a:noFill/>
+                <a:miter lim="400000"/>
+              </a:ln>
+              <a:effectLst/>
+            </p:spPr>
+            <p:txBody>
+              <a:bodyPr wrap="square" lIns="54570" tIns="54570" rIns="54570" bIns="54570" numCol="1" anchor="ctr">
+                <a:noAutofit/>
+              </a:bodyPr>
+              <a:lstStyle/>
+              <a:p>
+                <a:pPr>
+                  <a:lnSpc>
+                    <a:spcPct val="80000"/>
+                  </a:lnSpc>
+                  <a:spcBef>
+                    <a:spcPts val="0"/>
+                  </a:spcBef>
+                  <a:defRPr b="0">
+                    <a:solidFill>
+                      <a:srgbClr val="000000"/>
+                    </a:solidFill>
+                  </a:defRPr>
+                </a:pPr>
+                <a:endParaRPr/>
+              </a:p>
+            </p:txBody>
+          </p:sp>
+        </p:grpSp>
+        <p:sp>
+          <p:nvSpPr>
+            <p:cNvPr id="36" name="Rectangle">
+              <a:extLst>
+                <a:ext uri="{FF2B5EF4-FFF2-40B4-BE49-F238E27FC236}">
+                  <a16:creationId xmlns:a16="http://schemas.microsoft.com/office/drawing/2014/main" id="{27613C16-9A02-43D3-BF9C-9FD348349D3F}"/>
+                </a:ext>
+              </a:extLst>
+            </p:cNvPr>
+            <p:cNvSpPr/>
+            <p:nvPr/>
+          </p:nvSpPr>
+          <p:spPr>
+            <a:xfrm>
+              <a:off x="1682" y="1038072"/>
+              <a:ext cx="5593304" cy="2566922"/>
+            </a:xfrm>
+            <a:prstGeom prst="rect">
+              <a:avLst/>
+            </a:prstGeom>
+            <a:gradFill flip="none" rotWithShape="1">
+              <a:gsLst>
+                <a:gs pos="0">
+                  <a:srgbClr val="FFFFFF">
+                    <a:alpha val="0"/>
+                  </a:srgbClr>
+                </a:gs>
+                <a:gs pos="20382">
+                  <a:srgbClr val="FFFFFF">
+                    <a:alpha val="45796"/>
+                  </a:srgbClr>
+                </a:gs>
+                <a:gs pos="35803">
+                  <a:srgbClr val="FFFFFF">
+                    <a:alpha val="72898"/>
+                  </a:srgbClr>
+                </a:gs>
+                <a:gs pos="55434">
+                  <a:srgbClr val="FFFFFF"/>
+                </a:gs>
+              </a:gsLst>
+              <a:path path="shape">
+                <a:fillToRect l="49659" t="-26178" r="50340" b="126178"/>
+              </a:path>
+            </a:gradFill>
+            <a:ln w="12700" cap="flat">
+              <a:noFill/>
+              <a:miter lim="400000"/>
+            </a:ln>
+            <a:effectLst/>
+          </p:spPr>
+          <p:txBody>
+            <a:bodyPr wrap="square" lIns="54570" tIns="54570" rIns="54570" bIns="54570" numCol="1" anchor="ctr">
+              <a:noAutofit/>
+            </a:bodyPr>
+            <a:lstStyle/>
+            <a:p>
+              <a:pPr>
+                <a:lnSpc>
+                  <a:spcPct val="80000"/>
+                </a:lnSpc>
+                <a:spcBef>
+                  <a:spcPts val="0"/>
+                </a:spcBef>
+                <a:defRPr b="0">
+                  <a:solidFill>
+                    <a:srgbClr val="000000"/>
+                  </a:solidFill>
+                </a:defRPr>
+              </a:pPr>
+              <a:endParaRPr/>
+            </a:p>
+          </p:txBody>
+        </p:sp>
+        <p:pic>
+          <p:nvPicPr>
+            <p:cNvPr id="37" name="Image" descr="Image">
+              <a:extLst>
+                <a:ext uri="{FF2B5EF4-FFF2-40B4-BE49-F238E27FC236}">
+                  <a16:creationId xmlns:a16="http://schemas.microsoft.com/office/drawing/2014/main" id="{E2EFAE6F-1CF2-4816-A523-EACA747C6B44}"/>
+                </a:ext>
+              </a:extLst>
+            </p:cNvPr>
+            <p:cNvPicPr>
+              <a:picLocks noChangeAspect="1"/>
+            </p:cNvPicPr>
+            <p:nvPr/>
+          </p:nvPicPr>
+          <p:blipFill>
+            <a:blip r:embed="rId3">
+              <a:extLst/>
+            </a:blip>
+            <a:stretch>
+              <a:fillRect/>
+            </a:stretch>
+          </p:blipFill>
+          <p:spPr>
+            <a:xfrm>
+              <a:off x="0" y="379670"/>
+              <a:ext cx="5603816" cy="2992964"/>
+            </a:xfrm>
+            <a:prstGeom prst="rect">
+              <a:avLst/>
+            </a:prstGeom>
+            <a:ln w="12700" cap="flat">
+              <a:noFill/>
+              <a:miter lim="400000"/>
+            </a:ln>
+            <a:effectLst/>
+          </p:spPr>
+        </p:pic>
+      </p:grpSp>
       <p:sp>
         <p:nvSpPr>
-          <p:cNvPr id="128" name="Line"/>
+          <p:cNvPr id="4" name="Line">
+            <a:extLst>
+              <a:ext uri="{FF2B5EF4-FFF2-40B4-BE49-F238E27FC236}">
+                <a16:creationId xmlns:a16="http://schemas.microsoft.com/office/drawing/2014/main" id="{647793AC-427C-444B-9E29-D348BC88704A}"/>
+              </a:ext>
+            </a:extLst>
+          </p:cNvPr>
           <p:cNvSpPr/>
           <p:nvPr/>
         </p:nvSpPr>
         <p:spPr>
           <a:xfrm>
-            <a:off x="344039" y="10212319"/>
+            <a:off x="372890" y="10384640"/>
             <a:ext cx="13434202" cy="1"/>
           </a:xfrm>
           <a:prstGeom prst="line">
@@ -3208,182 +4180,339 @@
       </p:sp>
       <p:sp>
         <p:nvSpPr>
-          <p:cNvPr id="132" name="Line"/>
-          <p:cNvSpPr/>
+          <p:cNvPr id="5" name="Four Column Layout : : CHEAT SHEET">
+            <a:extLst>
+              <a:ext uri="{FF2B5EF4-FFF2-40B4-BE49-F238E27FC236}">
+                <a16:creationId xmlns:a16="http://schemas.microsoft.com/office/drawing/2014/main" id="{317546E1-3049-4A46-BB5B-3CF20E6DBED5}"/>
+              </a:ext>
+            </a:extLst>
+          </p:cNvPr>
+          <p:cNvSpPr txBox="1">
+            <a:spLocks/>
+          </p:cNvSpPr>
           <p:nvPr/>
         </p:nvSpPr>
         <p:spPr>
           <a:xfrm>
-            <a:off x="737443" y="1068352"/>
-            <a:ext cx="3037294" cy="1"/>
-          </a:xfrm>
-          <a:prstGeom prst="line">
-            <a:avLst/>
-          </a:prstGeom>
-          <a:ln w="3175">
-            <a:solidFill>
-              <a:srgbClr val="FFF2C5"/>
-            </a:solidFill>
-            <a:miter lim="400000"/>
-          </a:ln>
-        </p:spPr>
-        <p:txBody>
-          <a:bodyPr lIns="54570" tIns="54570" rIns="54570" bIns="54570" anchor="ctr"/>
-          <a:lstStyle/>
-          <a:p>
-            <a:pPr>
-              <a:lnSpc>
-                <a:spcPct val="80000"/>
-              </a:lnSpc>
-              <a:spcBef>
-                <a:spcPts val="600"/>
-              </a:spcBef>
-              <a:defRPr b="0">
-                <a:solidFill>
-                  <a:srgbClr val="000000"/>
-                </a:solidFill>
-              </a:defRPr>
-            </a:pPr>
-            <a:endParaRPr dirty="0"/>
-          </a:p>
-        </p:txBody>
-      </p:sp>
-      <p:sp>
-        <p:nvSpPr>
-          <p:cNvPr id="133" name="Four Column Layout : : CHEAT SHEET"/>
-          <p:cNvSpPr txBox="1">
-            <a:spLocks noGrp="1"/>
-          </p:cNvSpPr>
-          <p:nvPr>
-            <p:ph type="title"/>
-          </p:nvPr>
-        </p:nvSpPr>
-        <p:spPr>
-          <a:xfrm>
-            <a:off x="669125" y="298823"/>
+            <a:off x="369220" y="326388"/>
             <a:ext cx="11930456" cy="803346"/>
           </a:xfrm>
           <a:prstGeom prst="rect">
             <a:avLst/>
           </a:prstGeom>
+          <a:ln w="12700">
+            <a:miter lim="400000"/>
+          </a:ln>
+          <a:extLst>
+            <a:ext uri="{C572A759-6A51-4108-AA02-DFA0A04FC94B}">
+              <ma14:wrappingTextBoxFlag xmlns="" xmlns:m="http://schemas.openxmlformats.org/officeDocument/2006/math" xmlns:a14="http://schemas.microsoft.com/office/drawing/2010/main" xmlns:ma14="http://schemas.microsoft.com/office/mac/drawingml/2011/main" val="1"/>
+            </a:ext>
+          </a:extLst>
         </p:spPr>
         <p:txBody>
           <a:bodyPr lIns="0" tIns="0" rIns="0" bIns="0" anchor="t">
             <a:normAutofit/>
           </a:bodyPr>
-          <a:lstStyle/>
-          <a:p>
-            <a:r>
-              <a:rPr lang="pl-PL" dirty="0">
+          <a:lstStyle>
+            <a:lvl1pPr marL="0" marR="0" indent="0" algn="l" defTabSz="584200" rtl="0" latinLnBrk="0">
+              <a:lnSpc>
+                <a:spcPct val="80000"/>
+              </a:lnSpc>
+              <a:spcBef>
+                <a:spcPts val="0"/>
+              </a:spcBef>
+              <a:spcAft>
+                <a:spcPts val="0"/>
+              </a:spcAft>
+              <a:buClrTx/>
+              <a:buSzTx/>
+              <a:buFontTx/>
+              <a:buNone/>
+              <a:tabLst/>
+              <a:defRPr sz="4800" b="0" i="0" u="none" strike="noStrike" cap="none" spc="0" baseline="0">
+                <a:ln>
+                  <a:noFill/>
+                </a:ln>
+                <a:solidFill>
+                  <a:srgbClr val="585858"/>
+                </a:solidFill>
+                <a:uFillTx/>
+                <a:latin typeface="+mn-lt"/>
+                <a:ea typeface="+mn-ea"/>
+                <a:cs typeface="+mn-cs"/>
+                <a:sym typeface="Source Sans Pro Light"/>
+              </a:defRPr>
+            </a:lvl1pPr>
+            <a:lvl2pPr marL="0" marR="0" indent="228600" algn="l" defTabSz="584200" rtl="0" latinLnBrk="0">
+              <a:lnSpc>
+                <a:spcPct val="80000"/>
+              </a:lnSpc>
+              <a:spcBef>
+                <a:spcPts val="0"/>
+              </a:spcBef>
+              <a:spcAft>
+                <a:spcPts val="0"/>
+              </a:spcAft>
+              <a:buClrTx/>
+              <a:buSzTx/>
+              <a:buFontTx/>
+              <a:buNone/>
+              <a:tabLst/>
+              <a:defRPr sz="4800" b="0" i="0" u="none" strike="noStrike" cap="none" spc="0" baseline="0">
+                <a:ln>
+                  <a:noFill/>
+                </a:ln>
+                <a:solidFill>
+                  <a:srgbClr val="585858"/>
+                </a:solidFill>
+                <a:uFillTx/>
+                <a:latin typeface="+mn-lt"/>
+                <a:ea typeface="+mn-ea"/>
+                <a:cs typeface="+mn-cs"/>
+                <a:sym typeface="Source Sans Pro Light"/>
+              </a:defRPr>
+            </a:lvl2pPr>
+            <a:lvl3pPr marL="0" marR="0" indent="457200" algn="l" defTabSz="584200" rtl="0" latinLnBrk="0">
+              <a:lnSpc>
+                <a:spcPct val="80000"/>
+              </a:lnSpc>
+              <a:spcBef>
+                <a:spcPts val="0"/>
+              </a:spcBef>
+              <a:spcAft>
+                <a:spcPts val="0"/>
+              </a:spcAft>
+              <a:buClrTx/>
+              <a:buSzTx/>
+              <a:buFontTx/>
+              <a:buNone/>
+              <a:tabLst/>
+              <a:defRPr sz="4800" b="0" i="0" u="none" strike="noStrike" cap="none" spc="0" baseline="0">
+                <a:ln>
+                  <a:noFill/>
+                </a:ln>
+                <a:solidFill>
+                  <a:srgbClr val="585858"/>
+                </a:solidFill>
+                <a:uFillTx/>
+                <a:latin typeface="+mn-lt"/>
+                <a:ea typeface="+mn-ea"/>
+                <a:cs typeface="+mn-cs"/>
+                <a:sym typeface="Source Sans Pro Light"/>
+              </a:defRPr>
+            </a:lvl3pPr>
+            <a:lvl4pPr marL="0" marR="0" indent="685800" algn="l" defTabSz="584200" rtl="0" latinLnBrk="0">
+              <a:lnSpc>
+                <a:spcPct val="80000"/>
+              </a:lnSpc>
+              <a:spcBef>
+                <a:spcPts val="0"/>
+              </a:spcBef>
+              <a:spcAft>
+                <a:spcPts val="0"/>
+              </a:spcAft>
+              <a:buClrTx/>
+              <a:buSzTx/>
+              <a:buFontTx/>
+              <a:buNone/>
+              <a:tabLst/>
+              <a:defRPr sz="4800" b="0" i="0" u="none" strike="noStrike" cap="none" spc="0" baseline="0">
+                <a:ln>
+                  <a:noFill/>
+                </a:ln>
+                <a:solidFill>
+                  <a:srgbClr val="585858"/>
+                </a:solidFill>
+                <a:uFillTx/>
+                <a:latin typeface="+mn-lt"/>
+                <a:ea typeface="+mn-ea"/>
+                <a:cs typeface="+mn-cs"/>
+                <a:sym typeface="Source Sans Pro Light"/>
+              </a:defRPr>
+            </a:lvl4pPr>
+            <a:lvl5pPr marL="0" marR="0" indent="914400" algn="l" defTabSz="584200" rtl="0" latinLnBrk="0">
+              <a:lnSpc>
+                <a:spcPct val="80000"/>
+              </a:lnSpc>
+              <a:spcBef>
+                <a:spcPts val="0"/>
+              </a:spcBef>
+              <a:spcAft>
+                <a:spcPts val="0"/>
+              </a:spcAft>
+              <a:buClrTx/>
+              <a:buSzTx/>
+              <a:buFontTx/>
+              <a:buNone/>
+              <a:tabLst/>
+              <a:defRPr sz="4800" b="0" i="0" u="none" strike="noStrike" cap="none" spc="0" baseline="0">
+                <a:ln>
+                  <a:noFill/>
+                </a:ln>
+                <a:solidFill>
+                  <a:srgbClr val="585858"/>
+                </a:solidFill>
+                <a:uFillTx/>
+                <a:latin typeface="+mn-lt"/>
+                <a:ea typeface="+mn-ea"/>
+                <a:cs typeface="+mn-cs"/>
+                <a:sym typeface="Source Sans Pro Light"/>
+              </a:defRPr>
+            </a:lvl5pPr>
+            <a:lvl6pPr marL="0" marR="0" indent="1143000" algn="l" defTabSz="584200" rtl="0" latinLnBrk="0">
+              <a:lnSpc>
+                <a:spcPct val="80000"/>
+              </a:lnSpc>
+              <a:spcBef>
+                <a:spcPts val="0"/>
+              </a:spcBef>
+              <a:spcAft>
+                <a:spcPts val="0"/>
+              </a:spcAft>
+              <a:buClrTx/>
+              <a:buSzTx/>
+              <a:buFontTx/>
+              <a:buNone/>
+              <a:tabLst/>
+              <a:defRPr sz="4800" b="0" i="0" u="none" strike="noStrike" cap="none" spc="0" baseline="0">
+                <a:ln>
+                  <a:noFill/>
+                </a:ln>
+                <a:solidFill>
+                  <a:srgbClr val="585858"/>
+                </a:solidFill>
+                <a:uFillTx/>
+                <a:latin typeface="+mn-lt"/>
+                <a:ea typeface="+mn-ea"/>
+                <a:cs typeface="+mn-cs"/>
+                <a:sym typeface="Source Sans Pro Light"/>
+              </a:defRPr>
+            </a:lvl6pPr>
+            <a:lvl7pPr marL="0" marR="0" indent="1371600" algn="l" defTabSz="584200" rtl="0" latinLnBrk="0">
+              <a:lnSpc>
+                <a:spcPct val="80000"/>
+              </a:lnSpc>
+              <a:spcBef>
+                <a:spcPts val="0"/>
+              </a:spcBef>
+              <a:spcAft>
+                <a:spcPts val="0"/>
+              </a:spcAft>
+              <a:buClrTx/>
+              <a:buSzTx/>
+              <a:buFontTx/>
+              <a:buNone/>
+              <a:tabLst/>
+              <a:defRPr sz="4800" b="0" i="0" u="none" strike="noStrike" cap="none" spc="0" baseline="0">
+                <a:ln>
+                  <a:noFill/>
+                </a:ln>
+                <a:solidFill>
+                  <a:srgbClr val="585858"/>
+                </a:solidFill>
+                <a:uFillTx/>
+                <a:latin typeface="+mn-lt"/>
+                <a:ea typeface="+mn-ea"/>
+                <a:cs typeface="+mn-cs"/>
+                <a:sym typeface="Source Sans Pro Light"/>
+              </a:defRPr>
+            </a:lvl7pPr>
+            <a:lvl8pPr marL="0" marR="0" indent="1600200" algn="l" defTabSz="584200" rtl="0" latinLnBrk="0">
+              <a:lnSpc>
+                <a:spcPct val="80000"/>
+              </a:lnSpc>
+              <a:spcBef>
+                <a:spcPts val="0"/>
+              </a:spcBef>
+              <a:spcAft>
+                <a:spcPts val="0"/>
+              </a:spcAft>
+              <a:buClrTx/>
+              <a:buSzTx/>
+              <a:buFontTx/>
+              <a:buNone/>
+              <a:tabLst/>
+              <a:defRPr sz="4800" b="0" i="0" u="none" strike="noStrike" cap="none" spc="0" baseline="0">
+                <a:ln>
+                  <a:noFill/>
+                </a:ln>
+                <a:solidFill>
+                  <a:srgbClr val="585858"/>
+                </a:solidFill>
+                <a:uFillTx/>
+                <a:latin typeface="+mn-lt"/>
+                <a:ea typeface="+mn-ea"/>
+                <a:cs typeface="+mn-cs"/>
+                <a:sym typeface="Source Sans Pro Light"/>
+              </a:defRPr>
+            </a:lvl8pPr>
+            <a:lvl9pPr marL="0" marR="0" indent="1828800" algn="l" defTabSz="584200" rtl="0" latinLnBrk="0">
+              <a:lnSpc>
+                <a:spcPct val="80000"/>
+              </a:lnSpc>
+              <a:spcBef>
+                <a:spcPts val="0"/>
+              </a:spcBef>
+              <a:spcAft>
+                <a:spcPts val="0"/>
+              </a:spcAft>
+              <a:buClrTx/>
+              <a:buSzTx/>
+              <a:buFontTx/>
+              <a:buNone/>
+              <a:tabLst/>
+              <a:defRPr sz="4800" b="0" i="0" u="none" strike="noStrike" cap="none" spc="0" baseline="0">
+                <a:ln>
+                  <a:noFill/>
+                </a:ln>
+                <a:solidFill>
+                  <a:srgbClr val="585858"/>
+                </a:solidFill>
+                <a:uFillTx/>
+                <a:latin typeface="+mn-lt"/>
+                <a:ea typeface="+mn-ea"/>
+                <a:cs typeface="+mn-cs"/>
+                <a:sym typeface="Source Sans Pro Light"/>
+              </a:defRPr>
+            </a:lvl9pPr>
+          </a:lstStyle>
+          <a:p>
+            <a:pPr hangingPunct="1"/>
+            <a:r>
+              <a:rPr lang="en-US" dirty="0">
                 <a:solidFill>
                   <a:schemeClr val="accent5">
                     <a:lumMod val="75000"/>
                   </a:schemeClr>
                 </a:solidFill>
               </a:rPr>
-              <a:t>EIX </a:t>
-            </a:r>
-            <a:r>
-              <a:rPr dirty="0">
+              <a:t>EIX : :  </a:t>
+            </a:r>
+            <a:r>
+              <a:rPr lang="en-US" sz="3300" dirty="0">
                 <a:solidFill>
                   <a:schemeClr val="accent5">
                     <a:lumMod val="75000"/>
                   </a:schemeClr>
                 </a:solidFill>
-              </a:rPr>
-              <a:t>:</a:t>
-            </a:r>
-            <a:r>
-              <a:rPr lang="pl-PL" dirty="0">
+                <a:latin typeface="Source Sans Pro Semibold"/>
+                <a:sym typeface="Source Sans Pro Semibold"/>
+              </a:rPr>
+              <a:t>Explain Interactions in </a:t>
+            </a:r>
+            <a:r>
+              <a:rPr lang="en-US" sz="3300" dirty="0" err="1">
                 <a:solidFill>
                   <a:schemeClr val="accent5">
                     <a:lumMod val="75000"/>
                   </a:schemeClr>
                 </a:solidFill>
-              </a:rPr>
-              <a:t> :</a:t>
-            </a:r>
-            <a:r>
-              <a:rPr dirty="0">
-                <a:solidFill>
-                  <a:schemeClr val="accent5">
-                    <a:lumMod val="75000"/>
-                  </a:schemeClr>
-                </a:solidFill>
-              </a:rPr>
-              <a:t> </a:t>
-            </a:r>
-            <a:r>
-              <a:rPr lang="pl-PL" dirty="0">
-                <a:solidFill>
-                  <a:schemeClr val="accent5">
-                    <a:lumMod val="75000"/>
-                  </a:schemeClr>
-                </a:solidFill>
-              </a:rPr>
-              <a:t> </a:t>
-            </a:r>
-            <a:r>
-              <a:rPr lang="pl-PL" sz="3300" dirty="0" err="1">
-                <a:solidFill>
-                  <a:schemeClr val="accent5">
-                    <a:lumMod val="75000"/>
-                  </a:schemeClr>
-                </a:solidFill>
                 <a:latin typeface="Source Sans Pro Semibold"/>
                 <a:sym typeface="Source Sans Pro Semibold"/>
               </a:rPr>
-              <a:t>Explain</a:t>
-            </a:r>
-            <a:r>
-              <a:rPr lang="pl-PL" sz="3300" dirty="0">
-                <a:solidFill>
-                  <a:schemeClr val="accent5">
-                    <a:lumMod val="75000"/>
-                  </a:schemeClr>
-                </a:solidFill>
-                <a:latin typeface="Source Sans Pro Semibold"/>
-                <a:sym typeface="Source Sans Pro Semibold"/>
-              </a:rPr>
-              <a:t> </a:t>
-            </a:r>
-            <a:r>
-              <a:rPr lang="pl-PL" sz="3300" dirty="0" err="1">
-                <a:solidFill>
-                  <a:schemeClr val="accent5">
-                    <a:lumMod val="75000"/>
-                  </a:schemeClr>
-                </a:solidFill>
-                <a:latin typeface="Source Sans Pro Semibold"/>
-                <a:sym typeface="Source Sans Pro Semibold"/>
-              </a:rPr>
-              <a:t>Interactions</a:t>
-            </a:r>
-            <a:r>
-              <a:rPr lang="pl-PL" sz="3300" dirty="0">
-                <a:solidFill>
-                  <a:schemeClr val="accent5">
-                    <a:lumMod val="75000"/>
-                  </a:schemeClr>
-                </a:solidFill>
-                <a:latin typeface="Source Sans Pro Semibold"/>
-                <a:sym typeface="Source Sans Pro Semibold"/>
-              </a:rPr>
-              <a:t> in </a:t>
-            </a:r>
-            <a:r>
-              <a:rPr lang="pl-PL" sz="3300" dirty="0" err="1">
-                <a:solidFill>
-                  <a:schemeClr val="accent5">
-                    <a:lumMod val="75000"/>
-                  </a:schemeClr>
-                </a:solidFill>
-                <a:latin typeface="Source Sans Pro Semibold"/>
-                <a:sym typeface="Source Sans Pro Semibold"/>
-              </a:rPr>
               <a:t>XGBoost</a:t>
             </a:r>
-            <a:endParaRPr dirty="0">
+            <a:endParaRPr lang="en-US" dirty="0">
               <a:solidFill>
                 <a:schemeClr val="accent5">
                   <a:lumMod val="75000"/>
@@ -3395,14 +4524,20 @@
       </p:sp>
       <p:sp>
         <p:nvSpPr>
-          <p:cNvPr id="135" name="Line"/>
+          <p:cNvPr id="6" name="Line">
+            <a:extLst>
+              <a:ext uri="{FF2B5EF4-FFF2-40B4-BE49-F238E27FC236}">
+                <a16:creationId xmlns:a16="http://schemas.microsoft.com/office/drawing/2014/main" id="{023EE6D5-E5A1-4E97-AB58-F6EC7FEF9C45}"/>
+              </a:ext>
+            </a:extLst>
+          </p:cNvPr>
           <p:cNvSpPr/>
           <p:nvPr/>
         </p:nvSpPr>
         <p:spPr>
-          <a:xfrm>
-            <a:off x="708165" y="919920"/>
-            <a:ext cx="3878878" cy="15371"/>
+          <a:xfrm flipV="1">
+            <a:off x="452630" y="941291"/>
+            <a:ext cx="3927405" cy="17616"/>
           </a:xfrm>
           <a:prstGeom prst="line">
             <a:avLst/>
@@ -3437,13 +4572,19 @@
       </p:sp>
       <p:sp>
         <p:nvSpPr>
-          <p:cNvPr id="188" name="Layout Suggestions"/>
+          <p:cNvPr id="7" name="Layout Suggestions">
+            <a:extLst>
+              <a:ext uri="{FF2B5EF4-FFF2-40B4-BE49-F238E27FC236}">
+                <a16:creationId xmlns:a16="http://schemas.microsoft.com/office/drawing/2014/main" id="{733314E8-D5CD-40B8-8E83-E863CD045522}"/>
+              </a:ext>
+            </a:extLst>
+          </p:cNvPr>
           <p:cNvSpPr txBox="1"/>
           <p:nvPr/>
         </p:nvSpPr>
         <p:spPr>
           <a:xfrm>
-            <a:off x="4138774" y="1119531"/>
+            <a:off x="3981003" y="1119531"/>
             <a:ext cx="25713" cy="333425"/>
           </a:xfrm>
           <a:prstGeom prst="rect">
@@ -3454,7 +4595,7 @@
           </a:ln>
           <a:extLst>
             <a:ext uri="{C572A759-6A51-4108-AA02-DFA0A04FC94B}">
-              <ma14:wrappingTextBoxFlag xmlns:ma14="http://schemas.microsoft.com/office/mac/drawingml/2011/main" xmlns="" val="1"/>
+              <ma14:wrappingTextBoxFlag xmlns="" xmlns:ma14="http://schemas.microsoft.com/office/mac/drawingml/2011/main" val="1"/>
             </a:ext>
           </a:extLst>
         </p:spPr>
@@ -3483,13 +4624,19 @@
       </p:sp>
       <p:sp>
         <p:nvSpPr>
-          <p:cNvPr id="189" name="Line"/>
+          <p:cNvPr id="8" name="Line">
+            <a:extLst>
+              <a:ext uri="{FF2B5EF4-FFF2-40B4-BE49-F238E27FC236}">
+                <a16:creationId xmlns:a16="http://schemas.microsoft.com/office/drawing/2014/main" id="{EB5FA8E9-D989-4026-9CA5-93DC3EC99C0B}"/>
+              </a:ext>
+            </a:extLst>
+          </p:cNvPr>
           <p:cNvSpPr/>
           <p:nvPr/>
         </p:nvSpPr>
         <p:spPr>
           <a:xfrm flipV="1">
-            <a:off x="4779757" y="926776"/>
+            <a:off x="4779757" y="926460"/>
             <a:ext cx="8309370" cy="8515"/>
           </a:xfrm>
           <a:prstGeom prst="line">
@@ -3525,7 +4672,13 @@
       </p:sp>
       <p:sp>
         <p:nvSpPr>
-          <p:cNvPr id="196" name="Useful Elements"/>
+          <p:cNvPr id="9" name="Useful Elements">
+            <a:extLst>
+              <a:ext uri="{FF2B5EF4-FFF2-40B4-BE49-F238E27FC236}">
+                <a16:creationId xmlns:a16="http://schemas.microsoft.com/office/drawing/2014/main" id="{EF9C9B62-A030-416D-868C-CF3A2F39594A}"/>
+              </a:ext>
+            </a:extLst>
+          </p:cNvPr>
           <p:cNvSpPr txBox="1"/>
           <p:nvPr/>
         </p:nvSpPr>
@@ -3542,7 +4695,7 @@
           </a:ln>
           <a:extLst>
             <a:ext uri="{C572A759-6A51-4108-AA02-DFA0A04FC94B}">
-              <ma14:wrappingTextBoxFlag xmlns:ma14="http://schemas.microsoft.com/office/mac/drawingml/2011/main" xmlns="" val="1"/>
+              <ma14:wrappingTextBoxFlag xmlns="" xmlns:ma14="http://schemas.microsoft.com/office/mac/drawingml/2011/main" val="1"/>
             </a:ext>
           </a:extLst>
         </p:spPr>
@@ -3571,14 +4724,20 @@
       </p:sp>
       <p:sp>
         <p:nvSpPr>
-          <p:cNvPr id="197" name="Line"/>
+          <p:cNvPr id="10" name="Line">
+            <a:extLst>
+              <a:ext uri="{FF2B5EF4-FFF2-40B4-BE49-F238E27FC236}">
+                <a16:creationId xmlns:a16="http://schemas.microsoft.com/office/drawing/2014/main" id="{642E33BF-6FB0-4927-A26B-B0F22202C148}"/>
+              </a:ext>
+            </a:extLst>
+          </p:cNvPr>
           <p:cNvSpPr/>
           <p:nvPr/>
         </p:nvSpPr>
         <p:spPr>
-          <a:xfrm>
-            <a:off x="8934442" y="5319265"/>
-            <a:ext cx="3753606" cy="0"/>
+          <a:xfrm rot="5400000" flipV="1">
+            <a:off x="6037542" y="7802390"/>
+            <a:ext cx="5121444" cy="1"/>
           </a:xfrm>
           <a:prstGeom prst="line">
             <a:avLst/>
@@ -3613,998 +4772,10 @@
       </p:sp>
       <p:sp>
         <p:nvSpPr>
-          <p:cNvPr id="274" name="ggplot(mpg, aes(hwy, cty)) +…">
+          <p:cNvPr id="11" name="Line">
             <a:extLst>
               <a:ext uri="{FF2B5EF4-FFF2-40B4-BE49-F238E27FC236}">
-                <a16:creationId xmlns:a16="http://schemas.microsoft.com/office/drawing/2014/main" id="{92264ED0-5088-455E-AC76-25568490DC7D}"/>
-              </a:ext>
-            </a:extLst>
-          </p:cNvPr>
-          <p:cNvSpPr txBox="1"/>
-          <p:nvPr/>
-        </p:nvSpPr>
-        <p:spPr>
-          <a:xfrm>
-            <a:off x="693282" y="3065170"/>
-            <a:ext cx="3795194" cy="1033536"/>
-          </a:xfrm>
-          <a:prstGeom prst="rect">
-            <a:avLst/>
-          </a:prstGeom>
-          <a:solidFill>
-            <a:srgbClr val="FFFFFF"/>
-          </a:solidFill>
-          <a:ln w="12700">
-            <a:solidFill>
-              <a:srgbClr val="A6AAA9"/>
-            </a:solidFill>
-            <a:miter lim="400000"/>
-          </a:ln>
-          <a:extLst>
-            <a:ext uri="{C572A759-6A51-4108-AA02-DFA0A04FC94B}">
-              <ma14:wrappingTextBoxFlag xmlns:ma14="http://schemas.microsoft.com/office/mac/drawingml/2011/main" xmlns="" val="1"/>
-            </a:ext>
-          </a:extLst>
-        </p:spPr>
-        <p:txBody>
-          <a:bodyPr wrap="square" lIns="54570" tIns="54570" rIns="54570" bIns="54570" anchor="ctr">
-            <a:spAutoFit/>
-          </a:bodyPr>
-          <a:lstStyle/>
-          <a:p>
-            <a:pPr>
-              <a:spcBef>
-                <a:spcPts val="0"/>
-              </a:spcBef>
-              <a:defRPr b="0">
-                <a:solidFill>
-                  <a:srgbClr val="000000"/>
-                </a:solidFill>
-                <a:latin typeface="Menlo"/>
-                <a:ea typeface="Menlo"/>
-                <a:cs typeface="Menlo"/>
-                <a:sym typeface="Menlo"/>
-              </a:defRPr>
-            </a:pPr>
-            <a:r>
-              <a:rPr lang="pl-PL" dirty="0" err="1"/>
-              <a:t>library</a:t>
-            </a:r>
-            <a:r>
-              <a:rPr lang="pl-PL" dirty="0"/>
-              <a:t>("Matrix")</a:t>
-            </a:r>
-          </a:p>
-          <a:p>
-            <a:pPr>
-              <a:spcBef>
-                <a:spcPts val="0"/>
-              </a:spcBef>
-              <a:defRPr b="0">
-                <a:solidFill>
-                  <a:srgbClr val="000000"/>
-                </a:solidFill>
-                <a:latin typeface="Menlo"/>
-                <a:ea typeface="Menlo"/>
-                <a:cs typeface="Menlo"/>
-                <a:sym typeface="Menlo"/>
-              </a:defRPr>
-            </a:pPr>
-            <a:r>
-              <a:rPr lang="pl-PL" dirty="0" err="1"/>
-              <a:t>library</a:t>
-            </a:r>
-            <a:r>
-              <a:rPr lang="pl-PL" dirty="0"/>
-              <a:t>("</a:t>
-            </a:r>
-            <a:r>
-              <a:rPr lang="pl-PL" dirty="0" err="1"/>
-              <a:t>data.table</a:t>
-            </a:r>
-            <a:r>
-              <a:rPr lang="pl-PL" dirty="0"/>
-              <a:t>")</a:t>
-            </a:r>
-          </a:p>
-          <a:p>
-            <a:pPr>
-              <a:spcBef>
-                <a:spcPts val="0"/>
-              </a:spcBef>
-              <a:defRPr b="0">
-                <a:solidFill>
-                  <a:srgbClr val="000000"/>
-                </a:solidFill>
-                <a:latin typeface="Menlo"/>
-                <a:ea typeface="Menlo"/>
-                <a:cs typeface="Menlo"/>
-                <a:sym typeface="Menlo"/>
-              </a:defRPr>
-            </a:pPr>
-            <a:r>
-              <a:rPr lang="pl-PL" dirty="0" err="1"/>
-              <a:t>library</a:t>
-            </a:r>
-            <a:r>
-              <a:rPr lang="pl-PL" dirty="0"/>
-              <a:t>("</a:t>
-            </a:r>
-            <a:r>
-              <a:rPr lang="pl-PL" dirty="0" err="1"/>
-              <a:t>xgboost</a:t>
-            </a:r>
-            <a:r>
-              <a:rPr lang="pl-PL" dirty="0"/>
-              <a:t>”)</a:t>
-            </a:r>
-          </a:p>
-          <a:p>
-            <a:pPr>
-              <a:spcBef>
-                <a:spcPts val="0"/>
-              </a:spcBef>
-              <a:defRPr b="0">
-                <a:solidFill>
-                  <a:srgbClr val="000000"/>
-                </a:solidFill>
-                <a:latin typeface="Menlo"/>
-                <a:ea typeface="Menlo"/>
-                <a:cs typeface="Menlo"/>
-                <a:sym typeface="Menlo"/>
-              </a:defRPr>
-            </a:pPr>
-            <a:r>
-              <a:rPr lang="pl-PL" dirty="0" err="1"/>
-              <a:t>library</a:t>
-            </a:r>
-            <a:r>
-              <a:rPr lang="pl-PL" dirty="0"/>
-              <a:t>("</a:t>
-            </a:r>
-            <a:r>
-              <a:rPr lang="pl-PL" dirty="0" err="1"/>
-              <a:t>devtools</a:t>
-            </a:r>
-            <a:r>
-              <a:rPr lang="pl-PL" dirty="0"/>
-              <a:t>")</a:t>
-            </a:r>
-          </a:p>
-          <a:p>
-            <a:pPr>
-              <a:spcBef>
-                <a:spcPts val="0"/>
-              </a:spcBef>
-              <a:defRPr b="0">
-                <a:solidFill>
-                  <a:srgbClr val="000000"/>
-                </a:solidFill>
-                <a:latin typeface="Menlo"/>
-                <a:ea typeface="Menlo"/>
-                <a:cs typeface="Menlo"/>
-                <a:sym typeface="Menlo"/>
-              </a:defRPr>
-            </a:pPr>
-            <a:r>
-              <a:rPr lang="pl-PL" dirty="0" err="1"/>
-              <a:t>install_github</a:t>
-            </a:r>
-            <a:r>
-              <a:rPr lang="pl-PL" dirty="0"/>
-              <a:t>(„</a:t>
-            </a:r>
-            <a:r>
-              <a:rPr lang="pl-PL" dirty="0" err="1"/>
-              <a:t>ekarbowiak</a:t>
-            </a:r>
-            <a:r>
-              <a:rPr lang="pl-PL" dirty="0"/>
-              <a:t>/EIX")</a:t>
-            </a:r>
-            <a:endParaRPr dirty="0"/>
-          </a:p>
-        </p:txBody>
-      </p:sp>
-      <p:sp>
-        <p:nvSpPr>
-          <p:cNvPr id="275" name="ggplot(mpg, aes(hwy, cty)) +…">
-            <a:extLst>
-              <a:ext uri="{FF2B5EF4-FFF2-40B4-BE49-F238E27FC236}">
-                <a16:creationId xmlns:a16="http://schemas.microsoft.com/office/drawing/2014/main" id="{92A12DA8-B8A4-4DE6-81DC-F56215F8C836}"/>
-              </a:ext>
-            </a:extLst>
-          </p:cNvPr>
-          <p:cNvSpPr txBox="1"/>
-          <p:nvPr/>
-        </p:nvSpPr>
-        <p:spPr>
-          <a:xfrm>
-            <a:off x="693282" y="4139063"/>
-            <a:ext cx="3795194" cy="1772199"/>
-          </a:xfrm>
-          <a:prstGeom prst="rect">
-            <a:avLst/>
-          </a:prstGeom>
-          <a:solidFill>
-            <a:srgbClr val="FFFFFF"/>
-          </a:solidFill>
-          <a:ln w="12700">
-            <a:solidFill>
-              <a:srgbClr val="A6AAA9"/>
-            </a:solidFill>
-            <a:miter lim="400000"/>
-          </a:ln>
-          <a:extLst>
-            <a:ext uri="{C572A759-6A51-4108-AA02-DFA0A04FC94B}">
-              <ma14:wrappingTextBoxFlag xmlns:ma14="http://schemas.microsoft.com/office/mac/drawingml/2011/main" xmlns="" val="1"/>
-            </a:ext>
-          </a:extLst>
-        </p:spPr>
-        <p:txBody>
-          <a:bodyPr wrap="square" lIns="54570" tIns="54570" rIns="54570" bIns="54570" anchor="ctr">
-            <a:spAutoFit/>
-          </a:bodyPr>
-          <a:lstStyle/>
-          <a:p>
-            <a:pPr>
-              <a:lnSpc>
-                <a:spcPct val="90000"/>
-              </a:lnSpc>
-              <a:spcBef>
-                <a:spcPts val="0"/>
-              </a:spcBef>
-              <a:buClr>
-                <a:srgbClr val="000000"/>
-              </a:buClr>
-              <a:buSzPct val="100000"/>
-              <a:defRPr b="0">
-                <a:solidFill>
-                  <a:srgbClr val="000000"/>
-                </a:solidFill>
-              </a:defRPr>
-            </a:pPr>
-            <a:r>
-              <a:rPr lang="pl-PL" dirty="0">
-                <a:latin typeface="Menlo"/>
-              </a:rPr>
-              <a:t>data&lt;-</a:t>
-            </a:r>
-            <a:r>
-              <a:rPr lang="pl-PL" dirty="0" err="1">
-                <a:latin typeface="Menlo"/>
-              </a:rPr>
-              <a:t>data.table</a:t>
-            </a:r>
-            <a:r>
-              <a:rPr lang="pl-PL" dirty="0">
-                <a:latin typeface="Menlo"/>
-              </a:rPr>
-              <a:t>(</a:t>
-            </a:r>
-            <a:r>
-              <a:rPr lang="pl-PL" dirty="0" err="1">
-                <a:latin typeface="Menlo"/>
-              </a:rPr>
-              <a:t>HR_data</a:t>
-            </a:r>
-            <a:r>
-              <a:rPr lang="pl-PL" dirty="0">
-                <a:latin typeface="Menlo"/>
-              </a:rPr>
-              <a:t>, </a:t>
-            </a:r>
-            <a:r>
-              <a:rPr lang="pl-PL" dirty="0" err="1">
-                <a:latin typeface="Menlo"/>
-              </a:rPr>
-              <a:t>keep.rownames</a:t>
-            </a:r>
-            <a:r>
-              <a:rPr lang="pl-PL" dirty="0">
-                <a:latin typeface="Menlo"/>
-              </a:rPr>
-              <a:t> = F)</a:t>
-            </a:r>
-          </a:p>
-          <a:p>
-            <a:pPr>
-              <a:lnSpc>
-                <a:spcPct val="90000"/>
-              </a:lnSpc>
-              <a:spcBef>
-                <a:spcPts val="0"/>
-              </a:spcBef>
-              <a:buClr>
-                <a:srgbClr val="000000"/>
-              </a:buClr>
-              <a:buSzPct val="100000"/>
-              <a:defRPr b="0">
-                <a:solidFill>
-                  <a:srgbClr val="000000"/>
-                </a:solidFill>
-              </a:defRPr>
-            </a:pPr>
-            <a:r>
-              <a:rPr lang="pl-PL" dirty="0" err="1">
-                <a:latin typeface="Menlo"/>
-              </a:rPr>
-              <a:t>sparse_matrix</a:t>
-            </a:r>
-            <a:r>
-              <a:rPr lang="pl-PL" dirty="0">
-                <a:latin typeface="Menlo"/>
-              </a:rPr>
-              <a:t> &lt;- Matrix::</a:t>
-            </a:r>
-            <a:r>
-              <a:rPr lang="pl-PL" dirty="0" err="1">
-                <a:latin typeface="Menlo"/>
-              </a:rPr>
-              <a:t>sparse.model.matrix</a:t>
-            </a:r>
-            <a:r>
-              <a:rPr lang="pl-PL" dirty="0">
-                <a:latin typeface="Menlo"/>
-              </a:rPr>
-              <a:t>(</a:t>
-            </a:r>
-            <a:r>
-              <a:rPr lang="pl-PL" dirty="0" err="1">
-                <a:latin typeface="Menlo"/>
-              </a:rPr>
-              <a:t>left</a:t>
-            </a:r>
-            <a:r>
-              <a:rPr lang="pl-PL" dirty="0">
-                <a:latin typeface="Menlo"/>
-              </a:rPr>
-              <a:t>~.-1, data = data)</a:t>
-            </a:r>
-          </a:p>
-          <a:p>
-            <a:pPr>
-              <a:lnSpc>
-                <a:spcPct val="90000"/>
-              </a:lnSpc>
-              <a:spcBef>
-                <a:spcPts val="0"/>
-              </a:spcBef>
-              <a:buClr>
-                <a:srgbClr val="000000"/>
-              </a:buClr>
-              <a:buSzPct val="100000"/>
-              <a:defRPr b="0">
-                <a:solidFill>
-                  <a:srgbClr val="000000"/>
-                </a:solidFill>
-              </a:defRPr>
-            </a:pPr>
-            <a:r>
-              <a:rPr lang="pl-PL" dirty="0" err="1">
-                <a:latin typeface="Menlo"/>
-              </a:rPr>
-              <a:t>label</a:t>
-            </a:r>
-            <a:r>
-              <a:rPr lang="pl-PL" dirty="0">
-                <a:latin typeface="Menlo"/>
-              </a:rPr>
-              <a:t> = data[,</a:t>
-            </a:r>
-            <a:r>
-              <a:rPr lang="pl-PL" dirty="0" err="1">
-                <a:latin typeface="Menlo"/>
-              </a:rPr>
-              <a:t>left</a:t>
-            </a:r>
-            <a:r>
-              <a:rPr lang="pl-PL" dirty="0">
-                <a:latin typeface="Menlo"/>
-              </a:rPr>
-              <a:t>]==1</a:t>
-            </a:r>
-          </a:p>
-          <a:p>
-            <a:pPr>
-              <a:lnSpc>
-                <a:spcPct val="90000"/>
-              </a:lnSpc>
-              <a:spcBef>
-                <a:spcPts val="0"/>
-              </a:spcBef>
-              <a:buClr>
-                <a:srgbClr val="000000"/>
-              </a:buClr>
-              <a:buSzPct val="100000"/>
-              <a:defRPr b="0">
-                <a:solidFill>
-                  <a:srgbClr val="000000"/>
-                </a:solidFill>
-              </a:defRPr>
-            </a:pPr>
-            <a:r>
-              <a:rPr lang="pl-PL" dirty="0" err="1">
-                <a:latin typeface="Menlo"/>
-              </a:rPr>
-              <a:t>xgb.train.data</a:t>
-            </a:r>
-            <a:r>
-              <a:rPr lang="pl-PL" dirty="0">
-                <a:latin typeface="Menlo"/>
-              </a:rPr>
-              <a:t> = </a:t>
-            </a:r>
-            <a:r>
-              <a:rPr lang="pl-PL" dirty="0" err="1">
-                <a:latin typeface="Menlo"/>
-              </a:rPr>
-              <a:t>xgb.DMatrix</a:t>
-            </a:r>
-            <a:r>
-              <a:rPr lang="pl-PL" dirty="0">
-                <a:latin typeface="Menlo"/>
-              </a:rPr>
-              <a:t>(</a:t>
-            </a:r>
-            <a:r>
-              <a:rPr lang="pl-PL" dirty="0" err="1">
-                <a:latin typeface="Menlo"/>
-              </a:rPr>
-              <a:t>sparse_matrix,label</a:t>
-            </a:r>
-            <a:r>
-              <a:rPr lang="pl-PL" dirty="0">
-                <a:latin typeface="Menlo"/>
-              </a:rPr>
-              <a:t> = </a:t>
-            </a:r>
-            <a:r>
-              <a:rPr lang="pl-PL" dirty="0" err="1">
-                <a:latin typeface="Menlo"/>
-              </a:rPr>
-              <a:t>label,missing</a:t>
-            </a:r>
-            <a:r>
-              <a:rPr lang="pl-PL" dirty="0">
-                <a:latin typeface="Menlo"/>
-              </a:rPr>
-              <a:t> = NA)</a:t>
-            </a:r>
-          </a:p>
-          <a:p>
-            <a:pPr>
-              <a:lnSpc>
-                <a:spcPct val="90000"/>
-              </a:lnSpc>
-              <a:spcBef>
-                <a:spcPts val="0"/>
-              </a:spcBef>
-              <a:buClr>
-                <a:srgbClr val="000000"/>
-              </a:buClr>
-              <a:buSzPct val="100000"/>
-              <a:defRPr b="0">
-                <a:solidFill>
-                  <a:srgbClr val="000000"/>
-                </a:solidFill>
-              </a:defRPr>
-            </a:pPr>
-            <a:r>
-              <a:rPr lang="pl-PL" dirty="0">
-                <a:latin typeface="Menlo"/>
-              </a:rPr>
-              <a:t>param &lt;- list(</a:t>
-            </a:r>
-            <a:r>
-              <a:rPr lang="pl-PL" dirty="0" err="1">
-                <a:latin typeface="Menlo"/>
-              </a:rPr>
-              <a:t>objective</a:t>
-            </a:r>
-            <a:r>
-              <a:rPr lang="pl-PL" dirty="0">
-                <a:latin typeface="Menlo"/>
-              </a:rPr>
-              <a:t> = "</a:t>
-            </a:r>
-            <a:r>
-              <a:rPr lang="pl-PL" dirty="0" err="1">
-                <a:latin typeface="Menlo"/>
-              </a:rPr>
-              <a:t>binary:logistic</a:t>
-            </a:r>
-            <a:r>
-              <a:rPr lang="pl-PL" dirty="0">
-                <a:latin typeface="Menlo"/>
-              </a:rPr>
-              <a:t>", </a:t>
-            </a:r>
-            <a:r>
-              <a:rPr lang="pl-PL" dirty="0" err="1">
-                <a:latin typeface="Menlo"/>
-              </a:rPr>
-              <a:t>base_score</a:t>
-            </a:r>
-            <a:r>
-              <a:rPr lang="pl-PL" dirty="0">
-                <a:latin typeface="Menlo"/>
-              </a:rPr>
-              <a:t> = 0.5,max_depth=2)</a:t>
-            </a:r>
-          </a:p>
-          <a:p>
-            <a:pPr>
-              <a:lnSpc>
-                <a:spcPct val="90000"/>
-              </a:lnSpc>
-              <a:spcBef>
-                <a:spcPts val="0"/>
-              </a:spcBef>
-              <a:buClr>
-                <a:srgbClr val="000000"/>
-              </a:buClr>
-              <a:buSzPct val="100000"/>
-              <a:defRPr b="0">
-                <a:solidFill>
-                  <a:srgbClr val="000000"/>
-                </a:solidFill>
-              </a:defRPr>
-            </a:pPr>
-            <a:r>
-              <a:rPr lang="pl-PL" dirty="0" err="1">
-                <a:latin typeface="Menlo"/>
-              </a:rPr>
-              <a:t>xgb.model</a:t>
-            </a:r>
-            <a:r>
-              <a:rPr lang="pl-PL" dirty="0">
-                <a:latin typeface="Menlo"/>
-              </a:rPr>
-              <a:t> &lt;-</a:t>
-            </a:r>
-            <a:r>
-              <a:rPr lang="pl-PL" dirty="0" err="1">
-                <a:latin typeface="Menlo"/>
-              </a:rPr>
-              <a:t>xgboost</a:t>
-            </a:r>
-            <a:r>
-              <a:rPr lang="pl-PL" dirty="0">
-                <a:latin typeface="Menlo"/>
-              </a:rPr>
-              <a:t>(param = </a:t>
-            </a:r>
-            <a:r>
-              <a:rPr lang="pl-PL" dirty="0" err="1">
-                <a:latin typeface="Menlo"/>
-              </a:rPr>
-              <a:t>param,data</a:t>
-            </a:r>
-            <a:r>
-              <a:rPr lang="pl-PL" dirty="0">
-                <a:latin typeface="Menlo"/>
-              </a:rPr>
-              <a:t> = </a:t>
-            </a:r>
-            <a:r>
-              <a:rPr lang="pl-PL" dirty="0" err="1">
-                <a:latin typeface="Menlo"/>
-              </a:rPr>
-              <a:t>xgb.train.data,nrounds</a:t>
-            </a:r>
-            <a:r>
-              <a:rPr lang="pl-PL" dirty="0">
-                <a:latin typeface="Menlo"/>
-              </a:rPr>
-              <a:t> = 50,verbose = FALSE)</a:t>
-            </a:r>
-          </a:p>
-        </p:txBody>
-      </p:sp>
-      <p:sp>
-        <p:nvSpPr>
-          <p:cNvPr id="276" name="ggplot(mpg, aes(hwy, cty)) +…">
-            <a:extLst>
-              <a:ext uri="{FF2B5EF4-FFF2-40B4-BE49-F238E27FC236}">
-                <a16:creationId xmlns:a16="http://schemas.microsoft.com/office/drawing/2014/main" id="{8B3EDB1F-312D-4DA1-8891-4DC139BBD30F}"/>
-              </a:ext>
-            </a:extLst>
-          </p:cNvPr>
-          <p:cNvSpPr txBox="1"/>
-          <p:nvPr/>
-        </p:nvSpPr>
-        <p:spPr>
-          <a:xfrm>
-            <a:off x="4833057" y="2973639"/>
-            <a:ext cx="2446780" cy="442605"/>
-          </a:xfrm>
-          <a:prstGeom prst="rect">
-            <a:avLst/>
-          </a:prstGeom>
-          <a:solidFill>
-            <a:srgbClr val="FFFFFF"/>
-          </a:solidFill>
-          <a:ln w="12700">
-            <a:solidFill>
-              <a:srgbClr val="A6AAA9"/>
-            </a:solidFill>
-            <a:miter lim="400000"/>
-          </a:ln>
-          <a:extLst>
-            <a:ext uri="{C572A759-6A51-4108-AA02-DFA0A04FC94B}">
-              <ma14:wrappingTextBoxFlag xmlns:ma14="http://schemas.microsoft.com/office/mac/drawingml/2011/main" xmlns="" val="1"/>
-            </a:ext>
-          </a:extLst>
-        </p:spPr>
-        <p:txBody>
-          <a:bodyPr wrap="square" lIns="54570" tIns="54570" rIns="54570" bIns="54570" anchor="ctr">
-            <a:spAutoFit/>
-          </a:bodyPr>
-          <a:lstStyle/>
-          <a:p>
-            <a:pPr>
-              <a:lnSpc>
-                <a:spcPct val="90000"/>
-              </a:lnSpc>
-              <a:spcBef>
-                <a:spcPts val="0"/>
-              </a:spcBef>
-              <a:buClr>
-                <a:srgbClr val="000000"/>
-              </a:buClr>
-              <a:buSzPct val="100000"/>
-              <a:defRPr b="0">
-                <a:solidFill>
-                  <a:srgbClr val="000000"/>
-                </a:solidFill>
-              </a:defRPr>
-            </a:pPr>
-            <a:r>
-              <a:rPr lang="pl-PL" dirty="0" err="1">
-                <a:latin typeface="Menlo"/>
-              </a:rPr>
-              <a:t>importanceTable</a:t>
-            </a:r>
-            <a:r>
-              <a:rPr lang="pl-PL" dirty="0">
-                <a:latin typeface="Menlo"/>
-              </a:rPr>
-              <a:t>(</a:t>
-            </a:r>
-            <a:r>
-              <a:rPr lang="pl-PL" dirty="0" err="1">
-                <a:latin typeface="Menlo"/>
-              </a:rPr>
-              <a:t>xgb.model</a:t>
-            </a:r>
-            <a:r>
-              <a:rPr lang="pl-PL" dirty="0">
-                <a:latin typeface="Menlo"/>
-              </a:rPr>
-              <a:t>, </a:t>
-            </a:r>
-            <a:r>
-              <a:rPr lang="pl-PL" dirty="0" err="1">
-                <a:latin typeface="Menlo"/>
-              </a:rPr>
-              <a:t>sparse_matrix</a:t>
-            </a:r>
-            <a:r>
-              <a:rPr lang="pl-PL" dirty="0">
-                <a:latin typeface="Menlo"/>
-              </a:rPr>
-              <a:t>, </a:t>
-            </a:r>
-            <a:r>
-              <a:rPr lang="pl-PL" dirty="0" err="1">
-                <a:latin typeface="Menlo"/>
-              </a:rPr>
-              <a:t>opt</a:t>
-            </a:r>
-            <a:r>
-              <a:rPr lang="pl-PL" dirty="0">
-                <a:latin typeface="Menlo"/>
-              </a:rPr>
-              <a:t>=”</a:t>
-            </a:r>
-            <a:r>
-              <a:rPr lang="pl-PL" dirty="0" err="1">
-                <a:latin typeface="Menlo"/>
-              </a:rPr>
-              <a:t>mixed</a:t>
-            </a:r>
-            <a:r>
-              <a:rPr lang="pl-PL" dirty="0">
-                <a:latin typeface="Menlo"/>
-              </a:rPr>
-              <a:t>”)</a:t>
-            </a:r>
-          </a:p>
-        </p:txBody>
-      </p:sp>
-      <p:sp>
-        <p:nvSpPr>
-          <p:cNvPr id="278" name="ggplot(mpg, aes(hwy, cty)) +…">
-            <a:extLst>
-              <a:ext uri="{FF2B5EF4-FFF2-40B4-BE49-F238E27FC236}">
-                <a16:creationId xmlns:a16="http://schemas.microsoft.com/office/drawing/2014/main" id="{01D5236D-832B-4AB1-9786-13E75B97F99D}"/>
-              </a:ext>
-            </a:extLst>
-          </p:cNvPr>
-          <p:cNvSpPr txBox="1"/>
-          <p:nvPr/>
-        </p:nvSpPr>
-        <p:spPr>
-          <a:xfrm>
-            <a:off x="8934441" y="5872524"/>
-            <a:ext cx="4093939" cy="609402"/>
-          </a:xfrm>
-          <a:prstGeom prst="rect">
-            <a:avLst/>
-          </a:prstGeom>
-          <a:solidFill>
-            <a:srgbClr val="FFFFFF"/>
-          </a:solidFill>
-          <a:ln w="12700">
-            <a:solidFill>
-              <a:srgbClr val="A6AAA9"/>
-            </a:solidFill>
-            <a:miter lim="400000"/>
-          </a:ln>
-          <a:extLst>
-            <a:ext uri="{C572A759-6A51-4108-AA02-DFA0A04FC94B}">
-              <ma14:wrappingTextBoxFlag xmlns:ma14="http://schemas.microsoft.com/office/mac/drawingml/2011/main" xmlns="" val="1"/>
-            </a:ext>
-          </a:extLst>
-        </p:spPr>
-        <p:txBody>
-          <a:bodyPr wrap="square" lIns="54570" tIns="54570" rIns="54570" bIns="54570" anchor="ctr">
-            <a:spAutoFit/>
-          </a:bodyPr>
-          <a:lstStyle/>
-          <a:p>
-            <a:pPr>
-              <a:lnSpc>
-                <a:spcPct val="90000"/>
-              </a:lnSpc>
-              <a:spcBef>
-                <a:spcPts val="0"/>
-              </a:spcBef>
-              <a:buClr>
-                <a:srgbClr val="000000"/>
-              </a:buClr>
-              <a:buSzPct val="100000"/>
-              <a:defRPr b="0">
-                <a:solidFill>
-                  <a:srgbClr val="000000"/>
-                </a:solidFill>
-              </a:defRPr>
-            </a:pPr>
-            <a:r>
-              <a:rPr lang="pl-PL" dirty="0">
-                <a:latin typeface="Menlo"/>
-              </a:rPr>
-              <a:t>id&lt;-9</a:t>
-            </a:r>
-          </a:p>
-          <a:p>
-            <a:pPr>
-              <a:lnSpc>
-                <a:spcPct val="90000"/>
-              </a:lnSpc>
-              <a:spcBef>
-                <a:spcPts val="0"/>
-              </a:spcBef>
-              <a:buClr>
-                <a:srgbClr val="000000"/>
-              </a:buClr>
-              <a:buSzPct val="100000"/>
-              <a:defRPr b="0">
-                <a:solidFill>
-                  <a:srgbClr val="000000"/>
-                </a:solidFill>
-              </a:defRPr>
-            </a:pPr>
-            <a:r>
-              <a:rPr lang="pl-PL" dirty="0" err="1">
-                <a:latin typeface="Menlo"/>
-              </a:rPr>
-              <a:t>new_observation</a:t>
-            </a:r>
-            <a:r>
-              <a:rPr lang="pl-PL" dirty="0">
-                <a:latin typeface="Menlo"/>
-              </a:rPr>
-              <a:t>&lt;-</a:t>
-            </a:r>
-            <a:r>
-              <a:rPr lang="pl-PL" dirty="0" err="1">
-                <a:latin typeface="Menlo"/>
-              </a:rPr>
-              <a:t>sparse_matrix</a:t>
-            </a:r>
-            <a:r>
-              <a:rPr lang="pl-PL" dirty="0">
-                <a:latin typeface="Menlo"/>
-              </a:rPr>
-              <a:t>[id,]</a:t>
-            </a:r>
-          </a:p>
-          <a:p>
-            <a:pPr>
-              <a:lnSpc>
-                <a:spcPct val="90000"/>
-              </a:lnSpc>
-              <a:spcBef>
-                <a:spcPts val="0"/>
-              </a:spcBef>
-              <a:buClr>
-                <a:srgbClr val="000000"/>
-              </a:buClr>
-              <a:buSzPct val="100000"/>
-              <a:defRPr b="0">
-                <a:solidFill>
-                  <a:srgbClr val="000000"/>
-                </a:solidFill>
-              </a:defRPr>
-            </a:pPr>
-            <a:r>
-              <a:rPr lang="pl-PL" dirty="0" err="1">
-                <a:latin typeface="Menlo"/>
-              </a:rPr>
-              <a:t>waterfallPlot</a:t>
-            </a:r>
-            <a:r>
-              <a:rPr lang="pl-PL" dirty="0">
-                <a:latin typeface="Menlo"/>
-              </a:rPr>
-              <a:t>(</a:t>
-            </a:r>
-            <a:r>
-              <a:rPr lang="pl-PL" dirty="0" err="1">
-                <a:latin typeface="Menlo"/>
-              </a:rPr>
-              <a:t>xgb.model</a:t>
-            </a:r>
-            <a:r>
-              <a:rPr lang="pl-PL" dirty="0">
-                <a:latin typeface="Menlo"/>
-              </a:rPr>
-              <a:t>, </a:t>
-            </a:r>
-            <a:r>
-              <a:rPr lang="pl-PL" dirty="0" err="1">
-                <a:latin typeface="Menlo"/>
-              </a:rPr>
-              <a:t>new_observation</a:t>
-            </a:r>
-            <a:r>
-              <a:rPr lang="pl-PL" dirty="0">
-                <a:latin typeface="Menlo"/>
-              </a:rPr>
-              <a:t>, </a:t>
-            </a:r>
-            <a:r>
-              <a:rPr lang="pl-PL" dirty="0" err="1">
-                <a:latin typeface="Menlo"/>
-              </a:rPr>
-              <a:t>opt</a:t>
-            </a:r>
-            <a:r>
-              <a:rPr lang="pl-PL" dirty="0">
-                <a:latin typeface="Menlo"/>
-              </a:rPr>
-              <a:t>="</a:t>
-            </a:r>
-            <a:r>
-              <a:rPr lang="pl-PL" dirty="0" err="1">
-                <a:latin typeface="Menlo"/>
-              </a:rPr>
-              <a:t>interactions</a:t>
-            </a:r>
-            <a:r>
-              <a:rPr lang="pl-PL" dirty="0">
-                <a:latin typeface="Menlo"/>
-              </a:rPr>
-              <a:t>”)</a:t>
-            </a:r>
-          </a:p>
-        </p:txBody>
-      </p:sp>
-      <p:sp>
-        <p:nvSpPr>
-          <p:cNvPr id="279" name="ggplot(mpg, aes(hwy, cty)) +…">
-            <a:extLst>
-              <a:ext uri="{FF2B5EF4-FFF2-40B4-BE49-F238E27FC236}">
-                <a16:creationId xmlns:a16="http://schemas.microsoft.com/office/drawing/2014/main" id="{9D82C427-0F25-4FF2-B2F3-4EDD6CA13EDE}"/>
-              </a:ext>
-            </a:extLst>
-          </p:cNvPr>
-          <p:cNvSpPr txBox="1"/>
-          <p:nvPr/>
-        </p:nvSpPr>
-        <p:spPr>
-          <a:xfrm>
-            <a:off x="847585" y="6535942"/>
-            <a:ext cx="3430211" cy="479538"/>
-          </a:xfrm>
-          <a:prstGeom prst="rect">
-            <a:avLst/>
-          </a:prstGeom>
-          <a:solidFill>
-            <a:srgbClr val="FFFFFF"/>
-          </a:solidFill>
-          <a:ln w="12700">
-            <a:solidFill>
-              <a:srgbClr val="A6AAA9"/>
-            </a:solidFill>
-            <a:miter lim="400000"/>
-          </a:ln>
-          <a:extLst>
-            <a:ext uri="{C572A759-6A51-4108-AA02-DFA0A04FC94B}">
-              <ma14:wrappingTextBoxFlag xmlns:ma14="http://schemas.microsoft.com/office/mac/drawingml/2011/main" xmlns="" val="1"/>
-            </a:ext>
-          </a:extLst>
-        </p:spPr>
-        <p:txBody>
-          <a:bodyPr wrap="square" lIns="54570" tIns="54570" rIns="54570" bIns="54570" anchor="ctr">
-            <a:spAutoFit/>
-          </a:bodyPr>
-          <a:lstStyle/>
-          <a:p>
-            <a:pPr>
-              <a:spcBef>
-                <a:spcPts val="0"/>
-              </a:spcBef>
-              <a:defRPr b="0">
-                <a:solidFill>
-                  <a:srgbClr val="000000"/>
-                </a:solidFill>
-                <a:latin typeface="Menlo"/>
-                <a:ea typeface="Menlo"/>
-                <a:cs typeface="Menlo"/>
-                <a:sym typeface="Menlo"/>
-              </a:defRPr>
-            </a:pPr>
-            <a:r>
-              <a:rPr lang="fr-FR" dirty="0"/>
-              <a:t>lollipopPlot(xgb.model, sparse_matrix</a:t>
-            </a:r>
-            <a:r>
-              <a:rPr lang="pl-PL" dirty="0"/>
-              <a:t>, </a:t>
-            </a:r>
-            <a:r>
-              <a:rPr lang="pl-PL" dirty="0" err="1"/>
-              <a:t>labels</a:t>
-            </a:r>
-            <a:r>
-              <a:rPr lang="pl-PL" dirty="0"/>
-              <a:t>="</a:t>
-            </a:r>
-            <a:r>
-              <a:rPr lang="pl-PL" dirty="0" err="1"/>
-              <a:t>topAll</a:t>
-            </a:r>
-            <a:r>
-              <a:rPr lang="pl-PL" dirty="0"/>
-              <a:t>",log=TRUE</a:t>
-            </a:r>
-            <a:r>
-              <a:rPr lang="fr-FR" dirty="0"/>
-              <a:t>)</a:t>
-            </a:r>
-            <a:endParaRPr lang="pl-PL" dirty="0"/>
-          </a:p>
-        </p:txBody>
-      </p:sp>
-      <p:sp>
-        <p:nvSpPr>
-          <p:cNvPr id="281" name="Line">
-            <a:extLst>
-              <a:ext uri="{FF2B5EF4-FFF2-40B4-BE49-F238E27FC236}">
-                <a16:creationId xmlns:a16="http://schemas.microsoft.com/office/drawing/2014/main" id="{68D47802-E2DC-4141-8F57-316C629B1095}"/>
+                <a16:creationId xmlns:a16="http://schemas.microsoft.com/office/drawing/2014/main" id="{163AD57E-649E-4DBE-81DD-74C74EA837B6}"/>
               </a:ext>
             </a:extLst>
           </p:cNvPr>
@@ -4612,9 +4783,9 @@
           <p:nvPr/>
         </p:nvSpPr>
         <p:spPr>
-          <a:xfrm flipV="1">
-            <a:off x="743008" y="6003695"/>
-            <a:ext cx="3716798" cy="15078"/>
+          <a:xfrm rot="5400000">
+            <a:off x="-117846" y="5617982"/>
+            <a:ext cx="9343861" cy="25712"/>
           </a:xfrm>
           <a:prstGeom prst="line">
             <a:avLst/>
@@ -4649,10 +4820,10 @@
       </p:sp>
       <p:sp>
         <p:nvSpPr>
-          <p:cNvPr id="282" name="Basics">
+          <p:cNvPr id="12" name="Basics">
             <a:extLst>
               <a:ext uri="{FF2B5EF4-FFF2-40B4-BE49-F238E27FC236}">
-                <a16:creationId xmlns:a16="http://schemas.microsoft.com/office/drawing/2014/main" id="{922E79BF-AE94-4974-94DF-CC830B5C2217}"/>
+                <a16:creationId xmlns:a16="http://schemas.microsoft.com/office/drawing/2014/main" id="{1322E81E-5ABD-4649-8BFF-F03BF925940E}"/>
               </a:ext>
             </a:extLst>
           </p:cNvPr>
@@ -4661,7 +4832,7 @@
         </p:nvSpPr>
         <p:spPr>
           <a:xfrm>
-            <a:off x="737443" y="6093738"/>
+            <a:off x="543282" y="5677604"/>
             <a:ext cx="3048912" cy="340029"/>
           </a:xfrm>
           <a:prstGeom prst="rect">
@@ -4672,7 +4843,7 @@
           </a:ln>
           <a:extLst>
             <a:ext uri="{C572A759-6A51-4108-AA02-DFA0A04FC94B}">
-              <ma14:wrappingTextBoxFlag xmlns:ma14="http://schemas.microsoft.com/office/mac/drawingml/2011/main" xmlns="" val="1"/>
+              <ma14:wrappingTextBoxFlag xmlns="" xmlns:ma14="http://schemas.microsoft.com/office/mac/drawingml/2011/main" val="1"/>
             </a:ext>
           </a:extLst>
         </p:spPr>
@@ -4730,10 +4901,10 @@
       </p:sp>
       <p:sp>
         <p:nvSpPr>
-          <p:cNvPr id="283" name="Layout Suggestions">
+          <p:cNvPr id="13" name="Layout Suggestions">
             <a:extLst>
               <a:ext uri="{FF2B5EF4-FFF2-40B4-BE49-F238E27FC236}">
-                <a16:creationId xmlns:a16="http://schemas.microsoft.com/office/drawing/2014/main" id="{BDA72791-EF8C-4549-B2D6-12C3F0483DA6}"/>
+                <a16:creationId xmlns:a16="http://schemas.microsoft.com/office/drawing/2014/main" id="{314596E1-D1B7-4037-B41A-C721B0CF6237}"/>
               </a:ext>
             </a:extLst>
           </p:cNvPr>
@@ -4742,8 +4913,8 @@
         </p:nvSpPr>
         <p:spPr>
           <a:xfrm>
-            <a:off x="8934441" y="5402345"/>
-            <a:ext cx="4398640" cy="647806"/>
+            <a:off x="8738949" y="5126397"/>
+            <a:ext cx="4490012" cy="647806"/>
           </a:xfrm>
           <a:prstGeom prst="rect">
             <a:avLst/>
@@ -4753,7 +4924,7 @@
           </a:ln>
           <a:extLst>
             <a:ext uri="{C572A759-6A51-4108-AA02-DFA0A04FC94B}">
-              <ma14:wrappingTextBoxFlag xmlns:ma14="http://schemas.microsoft.com/office/mac/drawingml/2011/main" xmlns="" val="1"/>
+              <ma14:wrappingTextBoxFlag xmlns="" xmlns:ma14="http://schemas.microsoft.com/office/mac/drawingml/2011/main" val="1"/>
             </a:ext>
           </a:extLst>
         </p:spPr>
@@ -4785,7 +4956,7 @@
                   </a:schemeClr>
                 </a:solidFill>
               </a:rPr>
-              <a:t>Prediction</a:t>
+              <a:t>Explanation</a:t>
             </a:r>
             <a:r>
               <a:rPr lang="pl-PL" dirty="0">
@@ -4796,7 +4967,7 @@
                   </a:schemeClr>
                 </a:solidFill>
               </a:rPr>
-              <a:t> of single </a:t>
+              <a:t> of a single </a:t>
             </a:r>
             <a:r>
               <a:rPr lang="pl-PL" dirty="0" err="1">
@@ -4807,7 +4978,7 @@
                   </a:schemeClr>
                 </a:solidFill>
               </a:rPr>
-              <a:t>observation</a:t>
+              <a:t>prediction</a:t>
             </a:r>
             <a:endParaRPr lang="pl-PL" dirty="0">
               <a:solidFill>
@@ -4845,10 +5016,10 @@
       </p:sp>
       <p:sp>
         <p:nvSpPr>
-          <p:cNvPr id="284" name="Basics">
+          <p:cNvPr id="14" name="Basics">
             <a:extLst>
               <a:ext uri="{FF2B5EF4-FFF2-40B4-BE49-F238E27FC236}">
-                <a16:creationId xmlns:a16="http://schemas.microsoft.com/office/drawing/2014/main" id="{6AE81990-4AAD-4295-9EB6-5869F464493E}"/>
+                <a16:creationId xmlns:a16="http://schemas.microsoft.com/office/drawing/2014/main" id="{1497B82F-BC13-40A2-9587-76371ABD88B4}"/>
               </a:ext>
             </a:extLst>
           </p:cNvPr>
@@ -4868,7 +5039,7 @@
           </a:ln>
           <a:extLst>
             <a:ext uri="{C572A759-6A51-4108-AA02-DFA0A04FC94B}">
-              <ma14:wrappingTextBoxFlag xmlns:ma14="http://schemas.microsoft.com/office/mac/drawingml/2011/main" xmlns="" val="1"/>
+              <ma14:wrappingTextBoxFlag xmlns="" xmlns:ma14="http://schemas.microsoft.com/office/mac/drawingml/2011/main" val="1"/>
             </a:ext>
           </a:extLst>
         </p:spPr>
@@ -4959,95 +5130,10 @@
       </p:sp>
       <p:sp>
         <p:nvSpPr>
-          <p:cNvPr id="13" name="Prostokąt 12">
+          <p:cNvPr id="16" name="Layout Suggestions">
             <a:extLst>
               <a:ext uri="{FF2B5EF4-FFF2-40B4-BE49-F238E27FC236}">
-                <a16:creationId xmlns:a16="http://schemas.microsoft.com/office/drawing/2014/main" id="{6BBE609F-5DCA-4179-8394-4F13B925B70D}"/>
-              </a:ext>
-            </a:extLst>
-          </p:cNvPr>
-          <p:cNvSpPr/>
-          <p:nvPr/>
-        </p:nvSpPr>
-        <p:spPr>
-          <a:xfrm>
-            <a:off x="5421061" y="10240758"/>
-            <a:ext cx="2799653" cy="276999"/>
-          </a:xfrm>
-          <a:prstGeom prst="rect">
-            <a:avLst/>
-          </a:prstGeom>
-        </p:spPr>
-        <p:txBody>
-          <a:bodyPr wrap="square">
-            <a:spAutoFit/>
-          </a:bodyPr>
-          <a:lstStyle/>
-          <a:p>
-            <a:r>
-              <a:rPr lang="pl-PL" dirty="0">
-                <a:hlinkClick r:id="rId3"/>
-              </a:rPr>
-              <a:t>https://github.com/ekarbowiak/EIX</a:t>
-            </a:r>
-            <a:endParaRPr lang="pl-PL" dirty="0"/>
-          </a:p>
-        </p:txBody>
-      </p:sp>
-      <p:sp>
-        <p:nvSpPr>
-          <p:cNvPr id="26" name="Line">
-            <a:extLst>
-              <a:ext uri="{FF2B5EF4-FFF2-40B4-BE49-F238E27FC236}">
-                <a16:creationId xmlns:a16="http://schemas.microsoft.com/office/drawing/2014/main" id="{93C06AE5-ED1C-4183-9199-77D70D0B4E6B}"/>
-              </a:ext>
-            </a:extLst>
-          </p:cNvPr>
-          <p:cNvSpPr/>
-          <p:nvPr/>
-        </p:nvSpPr>
-        <p:spPr>
-          <a:xfrm>
-            <a:off x="4959125" y="5319265"/>
-            <a:ext cx="3753606" cy="0"/>
-          </a:xfrm>
-          <a:prstGeom prst="line">
-            <a:avLst/>
-          </a:prstGeom>
-          <a:ln w="3175">
-            <a:solidFill>
-              <a:srgbClr val="767C85"/>
-            </a:solidFill>
-            <a:miter lim="400000"/>
-          </a:ln>
-        </p:spPr>
-        <p:txBody>
-          <a:bodyPr lIns="54570" tIns="54570" rIns="54570" bIns="54570" anchor="ctr"/>
-          <a:lstStyle/>
-          <a:p>
-            <a:pPr>
-              <a:lnSpc>
-                <a:spcPct val="80000"/>
-              </a:lnSpc>
-              <a:spcBef>
-                <a:spcPts val="600"/>
-              </a:spcBef>
-              <a:defRPr b="0">
-                <a:solidFill>
-                  <a:srgbClr val="000000"/>
-                </a:solidFill>
-              </a:defRPr>
-            </a:pPr>
-            <a:endParaRPr dirty="0"/>
-          </a:p>
-        </p:txBody>
-      </p:sp>
-      <p:sp>
-        <p:nvSpPr>
-          <p:cNvPr id="28" name="ggplot(mpg, aes(hwy, cty)) +…">
-            <a:extLst>
-              <a:ext uri="{FF2B5EF4-FFF2-40B4-BE49-F238E27FC236}">
-                <a16:creationId xmlns:a16="http://schemas.microsoft.com/office/drawing/2014/main" id="{8590B516-74C9-49EA-8C93-BF3D5A00EACB}"/>
+                <a16:creationId xmlns:a16="http://schemas.microsoft.com/office/drawing/2014/main" id="{5990B48A-8412-457F-AE36-61D807C940DB}"/>
               </a:ext>
             </a:extLst>
           </p:cNvPr>
@@ -5056,116 +5142,7 @@
         </p:nvSpPr>
         <p:spPr>
           <a:xfrm>
-            <a:off x="4960414" y="5723565"/>
-            <a:ext cx="3765617" cy="442605"/>
-          </a:xfrm>
-          <a:prstGeom prst="rect">
-            <a:avLst/>
-          </a:prstGeom>
-          <a:solidFill>
-            <a:srgbClr val="FFFFFF"/>
-          </a:solidFill>
-          <a:ln w="12700">
-            <a:solidFill>
-              <a:srgbClr val="A6AAA9"/>
-            </a:solidFill>
-            <a:miter lim="400000"/>
-          </a:ln>
-          <a:extLst>
-            <a:ext uri="{C572A759-6A51-4108-AA02-DFA0A04FC94B}">
-              <ma14:wrappingTextBoxFlag xmlns:ma14="http://schemas.microsoft.com/office/mac/drawingml/2011/main" xmlns="" val="1"/>
-            </a:ext>
-          </a:extLst>
-        </p:spPr>
-        <p:txBody>
-          <a:bodyPr wrap="square" lIns="54570" tIns="54570" rIns="54570" bIns="54570" anchor="ctr">
-            <a:spAutoFit/>
-          </a:bodyPr>
-          <a:lstStyle/>
-          <a:p>
-            <a:pPr>
-              <a:lnSpc>
-                <a:spcPct val="90000"/>
-              </a:lnSpc>
-              <a:spcBef>
-                <a:spcPts val="0"/>
-              </a:spcBef>
-              <a:buClr>
-                <a:srgbClr val="000000"/>
-              </a:buClr>
-              <a:buSzPct val="100000"/>
-              <a:defRPr b="0">
-                <a:solidFill>
-                  <a:srgbClr val="000000"/>
-                </a:solidFill>
-              </a:defRPr>
-            </a:pPr>
-            <a:r>
-              <a:rPr lang="pl-PL" dirty="0" err="1">
-                <a:latin typeface="Menlo"/>
-              </a:rPr>
-              <a:t>interactionsPlot</a:t>
-            </a:r>
-            <a:r>
-              <a:rPr lang="pl-PL" dirty="0">
-                <a:latin typeface="Menlo"/>
-              </a:rPr>
-              <a:t>(</a:t>
-            </a:r>
-            <a:r>
-              <a:rPr lang="pl-PL" dirty="0" err="1">
-                <a:latin typeface="Menlo"/>
-              </a:rPr>
-              <a:t>xgb.model,sparse_matrix</a:t>
-            </a:r>
-            <a:r>
-              <a:rPr lang="pl-PL" dirty="0">
-                <a:latin typeface="Menlo"/>
-              </a:rPr>
-              <a:t>, </a:t>
-            </a:r>
-            <a:r>
-              <a:rPr lang="pl-PL" dirty="0" err="1">
-                <a:latin typeface="Menlo"/>
-              </a:rPr>
-              <a:t>opt</a:t>
-            </a:r>
-            <a:r>
-              <a:rPr lang="pl-PL" dirty="0">
-                <a:latin typeface="Menlo"/>
-              </a:rPr>
-              <a:t>=”</a:t>
-            </a:r>
-            <a:r>
-              <a:rPr lang="pl-PL" dirty="0" err="1">
-                <a:latin typeface="Menlo"/>
-              </a:rPr>
-              <a:t>interactions</a:t>
-            </a:r>
-            <a:r>
-              <a:rPr lang="pl-PL" dirty="0">
-                <a:latin typeface="Menlo"/>
-              </a:rPr>
-              <a:t>")</a:t>
-            </a:r>
-          </a:p>
-        </p:txBody>
-      </p:sp>
-      <p:sp>
-        <p:nvSpPr>
-          <p:cNvPr id="29" name="Layout Suggestions">
-            <a:extLst>
-              <a:ext uri="{FF2B5EF4-FFF2-40B4-BE49-F238E27FC236}">
-                <a16:creationId xmlns:a16="http://schemas.microsoft.com/office/drawing/2014/main" id="{46CD4AB8-1A59-41FF-9B0B-D43826262239}"/>
-              </a:ext>
-            </a:extLst>
-          </p:cNvPr>
-          <p:cNvSpPr txBox="1"/>
-          <p:nvPr/>
-        </p:nvSpPr>
-        <p:spPr>
-          <a:xfrm>
-            <a:off x="4959125" y="5363597"/>
+            <a:off x="4746399" y="5126397"/>
             <a:ext cx="1641475" cy="647806"/>
           </a:xfrm>
           <a:prstGeom prst="rect">
@@ -5176,7 +5153,7 @@
           </a:ln>
           <a:extLst>
             <a:ext uri="{C572A759-6A51-4108-AA02-DFA0A04FC94B}">
-              <ma14:wrappingTextBoxFlag xmlns:ma14="http://schemas.microsoft.com/office/mac/drawingml/2011/main" xmlns="" val="1"/>
+              <ma14:wrappingTextBoxFlag xmlns="" xmlns:ma14="http://schemas.microsoft.com/office/mac/drawingml/2011/main" val="1"/>
             </a:ext>
           </a:extLst>
         </p:spPr>
@@ -5246,10 +5223,10 @@
       </p:sp>
       <p:pic>
         <p:nvPicPr>
-          <p:cNvPr id="3" name="Obraz 2">
+          <p:cNvPr id="17" name="Obraz 16">
             <a:extLst>
               <a:ext uri="{FF2B5EF4-FFF2-40B4-BE49-F238E27FC236}">
-                <a16:creationId xmlns:a16="http://schemas.microsoft.com/office/drawing/2014/main" id="{94A5D7DC-A78E-4D3C-BF36-CE0967ABD4C2}"/>
+                <a16:creationId xmlns:a16="http://schemas.microsoft.com/office/drawing/2014/main" id="{B53BDE8D-0AFB-4316-8035-300B171DEFBF}"/>
               </a:ext>
             </a:extLst>
           </p:cNvPr>
@@ -5272,8 +5249,8 @@
         </p:blipFill>
         <p:spPr>
           <a:xfrm>
-            <a:off x="10214186" y="2134167"/>
-            <a:ext cx="2857931" cy="2857931"/>
+            <a:off x="10558446" y="2284079"/>
+            <a:ext cx="2665468" cy="2790534"/>
           </a:xfrm>
           <a:prstGeom prst="rect">
             <a:avLst/>
@@ -5282,10 +5259,10 @@
       </p:pic>
       <p:pic>
         <p:nvPicPr>
-          <p:cNvPr id="5" name="Obraz 4">
+          <p:cNvPr id="18" name="Obraz 17">
             <a:extLst>
               <a:ext uri="{FF2B5EF4-FFF2-40B4-BE49-F238E27FC236}">
-                <a16:creationId xmlns:a16="http://schemas.microsoft.com/office/drawing/2014/main" id="{24FEB0F2-BED6-461E-83E4-7ADDF8656D7B}"/>
+                <a16:creationId xmlns:a16="http://schemas.microsoft.com/office/drawing/2014/main" id="{A90FFA45-371F-474D-93B2-0853C62CDB48}"/>
               </a:ext>
             </a:extLst>
           </p:cNvPr>
@@ -5307,8 +5284,8 @@
         </p:blipFill>
         <p:spPr>
           <a:xfrm>
-            <a:off x="4959125" y="7374374"/>
-            <a:ext cx="3766906" cy="2777737"/>
+            <a:off x="4737741" y="7881078"/>
+            <a:ext cx="3630618" cy="2497320"/>
           </a:xfrm>
           <a:prstGeom prst="rect">
             <a:avLst/>
@@ -5317,10 +5294,10 @@
       </p:pic>
       <p:pic>
         <p:nvPicPr>
-          <p:cNvPr id="8" name="Obraz 7">
+          <p:cNvPr id="19" name="Obraz 18">
             <a:extLst>
               <a:ext uri="{FF2B5EF4-FFF2-40B4-BE49-F238E27FC236}">
-                <a16:creationId xmlns:a16="http://schemas.microsoft.com/office/drawing/2014/main" id="{AFC307FD-C12B-47BB-81C8-493BAFEA0E44}"/>
+                <a16:creationId xmlns:a16="http://schemas.microsoft.com/office/drawing/2014/main" id="{96292575-CA5A-459A-9E1D-71AED5518428}"/>
               </a:ext>
             </a:extLst>
           </p:cNvPr>
@@ -5343,8 +5320,8 @@
         </p:blipFill>
         <p:spPr>
           <a:xfrm>
-            <a:off x="847585" y="7146846"/>
-            <a:ext cx="3430211" cy="3430211"/>
+            <a:off x="543283" y="7292824"/>
+            <a:ext cx="3827146" cy="3085574"/>
           </a:xfrm>
           <a:prstGeom prst="rect">
             <a:avLst/>
@@ -5353,10 +5330,10 @@
       </p:pic>
       <p:pic>
         <p:nvPicPr>
-          <p:cNvPr id="11" name="Obraz 10">
+          <p:cNvPr id="20" name="Obraz 19">
             <a:extLst>
               <a:ext uri="{FF2B5EF4-FFF2-40B4-BE49-F238E27FC236}">
-                <a16:creationId xmlns:a16="http://schemas.microsoft.com/office/drawing/2014/main" id="{B0CE31DB-D086-4814-941C-38A5F0094288}"/>
+                <a16:creationId xmlns:a16="http://schemas.microsoft.com/office/drawing/2014/main" id="{F02BB887-4FEC-43A5-A4DD-372457D44117}"/>
               </a:ext>
             </a:extLst>
           </p:cNvPr>
@@ -5365,7 +5342,7 @@
           </p:cNvPicPr>
           <p:nvPr/>
         </p:nvPicPr>
-        <p:blipFill>
+        <p:blipFill rotWithShape="1">
           <a:blip r:embed="rId7">
             <a:extLst>
               <a:ext uri="{28A0092B-C50C-407E-A947-70E740481C1C}">
@@ -5373,14 +5350,13 @@
               </a:ext>
             </a:extLst>
           </a:blip>
-          <a:stretch>
-            <a:fillRect/>
-          </a:stretch>
+          <a:srcRect l="2789" r="3227"/>
+          <a:stretch/>
         </p:blipFill>
         <p:spPr>
           <a:xfrm>
-            <a:off x="7378404" y="2155542"/>
-            <a:ext cx="2852793" cy="2852793"/>
+            <a:off x="7902110" y="2283839"/>
+            <a:ext cx="2588646" cy="2790774"/>
           </a:xfrm>
           <a:prstGeom prst="rect">
             <a:avLst/>
@@ -5389,10 +5365,10 @@
       </p:pic>
       <p:pic>
         <p:nvPicPr>
-          <p:cNvPr id="14" name="Obraz 13">
+          <p:cNvPr id="21" name="Obraz 20">
             <a:extLst>
               <a:ext uri="{FF2B5EF4-FFF2-40B4-BE49-F238E27FC236}">
-                <a16:creationId xmlns:a16="http://schemas.microsoft.com/office/drawing/2014/main" id="{74A13240-8C64-46AB-A68A-ACAE24A1CC6A}"/>
+                <a16:creationId xmlns:a16="http://schemas.microsoft.com/office/drawing/2014/main" id="{A0140A2C-F837-4493-B638-C377FC6FC92E}"/>
               </a:ext>
             </a:extLst>
           </p:cNvPr>
@@ -5415,8 +5391,8 @@
         </p:blipFill>
         <p:spPr>
           <a:xfrm>
-            <a:off x="9119098" y="6512450"/>
-            <a:ext cx="3909282" cy="3909282"/>
+            <a:off x="8827429" y="7007475"/>
+            <a:ext cx="4037650" cy="3343350"/>
           </a:xfrm>
           <a:prstGeom prst="rect">
             <a:avLst/>
@@ -5425,10 +5401,10 @@
       </p:pic>
       <p:sp>
         <p:nvSpPr>
-          <p:cNvPr id="39" name="ggplot(mpg, aes(hwy, cty)) +…">
+          <p:cNvPr id="22" name="pole tekstowe 21">
             <a:extLst>
               <a:ext uri="{FF2B5EF4-FFF2-40B4-BE49-F238E27FC236}">
-                <a16:creationId xmlns:a16="http://schemas.microsoft.com/office/drawing/2014/main" id="{C2FE09EC-3AA3-4195-98E7-B2D4310C7D5F}"/>
+                <a16:creationId xmlns:a16="http://schemas.microsoft.com/office/drawing/2014/main" id="{5BF82FC0-935A-4B6C-81DF-297CE6EA3F71}"/>
               </a:ext>
             </a:extLst>
           </p:cNvPr>
@@ -5437,274 +5413,8 @@
         </p:nvSpPr>
         <p:spPr>
           <a:xfrm>
-            <a:off x="10231198" y="1476381"/>
-            <a:ext cx="2797182" cy="608804"/>
-          </a:xfrm>
-          <a:prstGeom prst="rect">
-            <a:avLst/>
-          </a:prstGeom>
-          <a:solidFill>
-            <a:srgbClr val="FFFFFF"/>
-          </a:solidFill>
-          <a:ln w="12700">
-            <a:solidFill>
-              <a:srgbClr val="A6AAA9"/>
-            </a:solidFill>
-            <a:miter lim="400000"/>
-          </a:ln>
-          <a:extLst>
-            <a:ext uri="{C572A759-6A51-4108-AA02-DFA0A04FC94B}">
-              <ma14:wrappingTextBoxFlag xmlns:ma14="http://schemas.microsoft.com/office/mac/drawingml/2011/main" xmlns="" val="1"/>
-            </a:ext>
-          </a:extLst>
-        </p:spPr>
-        <p:txBody>
-          <a:bodyPr wrap="square" lIns="54570" tIns="54570" rIns="54570" bIns="54570" anchor="ctr">
-            <a:spAutoFit/>
-          </a:bodyPr>
-          <a:lstStyle/>
-          <a:p>
-            <a:pPr>
-              <a:lnSpc>
-                <a:spcPct val="90000"/>
-              </a:lnSpc>
-              <a:spcBef>
-                <a:spcPts val="0"/>
-              </a:spcBef>
-              <a:buClr>
-                <a:srgbClr val="000000"/>
-              </a:buClr>
-              <a:buSzPct val="100000"/>
-              <a:defRPr b="0">
-                <a:solidFill>
-                  <a:srgbClr val="000000"/>
-                </a:solidFill>
-              </a:defRPr>
-            </a:pPr>
-            <a:r>
-              <a:rPr lang="pl-PL" dirty="0" err="1">
-                <a:latin typeface="Menlo"/>
-              </a:rPr>
-              <a:t>importancePlot</a:t>
-            </a:r>
-            <a:r>
-              <a:rPr lang="pl-PL" dirty="0">
-                <a:latin typeface="Menlo"/>
-              </a:rPr>
-              <a:t>(</a:t>
-            </a:r>
-            <a:r>
-              <a:rPr lang="pl-PL" dirty="0" err="1">
-                <a:latin typeface="Menlo"/>
-              </a:rPr>
-              <a:t>xgb.model</a:t>
-            </a:r>
-            <a:r>
-              <a:rPr lang="pl-PL" dirty="0">
-                <a:latin typeface="Menlo"/>
-              </a:rPr>
-              <a:t>, </a:t>
-            </a:r>
-            <a:r>
-              <a:rPr lang="pl-PL" dirty="0" err="1">
-                <a:latin typeface="Menlo"/>
-              </a:rPr>
-              <a:t>sparse_matrix</a:t>
-            </a:r>
-            <a:r>
-              <a:rPr lang="pl-PL" dirty="0">
-                <a:latin typeface="Menlo"/>
-              </a:rPr>
-              <a:t>,</a:t>
-            </a:r>
-            <a:r>
-              <a:rPr lang="en-US" dirty="0">
-                <a:latin typeface="Menlo"/>
-              </a:rPr>
-              <a:t> </a:t>
-            </a:r>
-            <a:r>
-              <a:rPr lang="en-US" dirty="0" err="1">
-                <a:latin typeface="Menlo"/>
-              </a:rPr>
-              <a:t>xlab</a:t>
-            </a:r>
-            <a:r>
-              <a:rPr lang="en-US" dirty="0">
-                <a:latin typeface="Menlo"/>
-              </a:rPr>
-              <a:t>="</a:t>
-            </a:r>
-            <a:r>
-              <a:rPr lang="en-US" dirty="0" err="1">
-                <a:latin typeface="Menlo"/>
-              </a:rPr>
-              <a:t>sumCover</a:t>
-            </a:r>
-            <a:r>
-              <a:rPr lang="en-US" dirty="0">
-                <a:latin typeface="Menlo"/>
-              </a:rPr>
-              <a:t>", </a:t>
-            </a:r>
-            <a:r>
-              <a:rPr lang="en-US" dirty="0" err="1">
-                <a:latin typeface="Menlo"/>
-              </a:rPr>
-              <a:t>ylab</a:t>
-            </a:r>
-            <a:r>
-              <a:rPr lang="en-US" dirty="0">
-                <a:latin typeface="Menlo"/>
-              </a:rPr>
-              <a:t>="</a:t>
-            </a:r>
-            <a:r>
-              <a:rPr lang="en-US" dirty="0" err="1">
-                <a:latin typeface="Menlo"/>
-              </a:rPr>
-              <a:t>sumGain</a:t>
-            </a:r>
-            <a:r>
-              <a:rPr lang="en-US" dirty="0">
-                <a:latin typeface="Menlo"/>
-              </a:rPr>
-              <a:t>", opt="mixed", top=10</a:t>
-            </a:r>
-            <a:r>
-              <a:rPr lang="pl-PL" dirty="0">
-                <a:latin typeface="Menlo"/>
-              </a:rPr>
-              <a:t>”)</a:t>
-            </a:r>
-          </a:p>
-        </p:txBody>
-      </p:sp>
-      <p:sp>
-        <p:nvSpPr>
-          <p:cNvPr id="40" name="ggplot(mpg, aes(hwy, cty)) +…">
-            <a:extLst>
-              <a:ext uri="{FF2B5EF4-FFF2-40B4-BE49-F238E27FC236}">
-                <a16:creationId xmlns:a16="http://schemas.microsoft.com/office/drawing/2014/main" id="{BDBE7A7D-4AD5-418F-BBE7-133909114034}"/>
-              </a:ext>
-            </a:extLst>
-          </p:cNvPr>
-          <p:cNvSpPr txBox="1"/>
-          <p:nvPr/>
-        </p:nvSpPr>
-        <p:spPr>
-          <a:xfrm>
-            <a:off x="7494615" y="1646073"/>
-            <a:ext cx="2620369" cy="442605"/>
-          </a:xfrm>
-          <a:prstGeom prst="rect">
-            <a:avLst/>
-          </a:prstGeom>
-          <a:solidFill>
-            <a:srgbClr val="FFFFFF"/>
-          </a:solidFill>
-          <a:ln w="12700">
-            <a:solidFill>
-              <a:srgbClr val="A6AAA9"/>
-            </a:solidFill>
-            <a:miter lim="400000"/>
-          </a:ln>
-          <a:extLst>
-            <a:ext uri="{C572A759-6A51-4108-AA02-DFA0A04FC94B}">
-              <ma14:wrappingTextBoxFlag xmlns:ma14="http://schemas.microsoft.com/office/mac/drawingml/2011/main" xmlns="" val="1"/>
-            </a:ext>
-          </a:extLst>
-        </p:spPr>
-        <p:txBody>
-          <a:bodyPr wrap="square" lIns="54570" tIns="54570" rIns="54570" bIns="54570" anchor="ctr">
-            <a:spAutoFit/>
-          </a:bodyPr>
-          <a:lstStyle/>
-          <a:p>
-            <a:pPr>
-              <a:lnSpc>
-                <a:spcPct val="90000"/>
-              </a:lnSpc>
-              <a:spcBef>
-                <a:spcPts val="0"/>
-              </a:spcBef>
-              <a:buClr>
-                <a:srgbClr val="000000"/>
-              </a:buClr>
-              <a:buSzPct val="100000"/>
-              <a:defRPr b="0">
-                <a:solidFill>
-                  <a:srgbClr val="000000"/>
-                </a:solidFill>
-              </a:defRPr>
-            </a:pPr>
-            <a:r>
-              <a:rPr lang="pl-PL" dirty="0" err="1">
-                <a:latin typeface="Menlo"/>
-              </a:rPr>
-              <a:t>radarPlot</a:t>
-            </a:r>
-            <a:r>
-              <a:rPr lang="pl-PL" dirty="0">
-                <a:latin typeface="Menlo"/>
-              </a:rPr>
-              <a:t>(</a:t>
-            </a:r>
-            <a:r>
-              <a:rPr lang="pl-PL" dirty="0" err="1">
-                <a:latin typeface="Menlo"/>
-              </a:rPr>
-              <a:t>xgb.model,sparse_matrix,top</a:t>
-            </a:r>
-            <a:r>
-              <a:rPr lang="pl-PL" dirty="0">
-                <a:latin typeface="Menlo"/>
-              </a:rPr>
-              <a:t>=10, </a:t>
-            </a:r>
-            <a:r>
-              <a:rPr lang="pl-PL" dirty="0" err="1">
-                <a:latin typeface="Menlo"/>
-              </a:rPr>
-              <a:t>opt</a:t>
-            </a:r>
-            <a:r>
-              <a:rPr lang="pl-PL" dirty="0">
-                <a:latin typeface="Menlo"/>
-              </a:rPr>
-              <a:t>="</a:t>
-            </a:r>
-            <a:r>
-              <a:rPr lang="pl-PL" dirty="0" err="1">
-                <a:latin typeface="Menlo"/>
-              </a:rPr>
-              <a:t>mixed</a:t>
-            </a:r>
-            <a:r>
-              <a:rPr lang="pl-PL" dirty="0">
-                <a:latin typeface="Menlo"/>
-              </a:rPr>
-              <a:t>")</a:t>
-            </a:r>
-          </a:p>
-        </p:txBody>
-      </p:sp>
-      <p:sp>
-        <p:nvSpPr>
-          <p:cNvPr id="15" name="pole tekstowe 14">
-            <a:extLst>
-              <a:ext uri="{FF2B5EF4-FFF2-40B4-BE49-F238E27FC236}">
-                <a16:creationId xmlns:a16="http://schemas.microsoft.com/office/drawing/2014/main" id="{0A63126A-7C44-4573-9C27-433729268270}"/>
-              </a:ext>
-            </a:extLst>
-          </p:cNvPr>
-          <p:cNvSpPr txBox="1"/>
-          <p:nvPr/>
-        </p:nvSpPr>
-        <p:spPr>
-          <a:xfrm>
-            <a:off x="703810" y="882099"/>
-            <a:ext cx="3795194" cy="2403141"/>
+            <a:off x="543282" y="1044347"/>
+            <a:ext cx="3795194" cy="1823495"/>
           </a:xfrm>
           <a:prstGeom prst="rect">
             <a:avLst/>
@@ -5736,80 +5446,1438 @@
           <a:lstStyle/>
           <a:p>
             <a:r>
-              <a:rPr lang="en-US" dirty="0"/>
-              <a:t>The `EIX` package is the set of tools to structure mining of </a:t>
-            </a:r>
-            <a:r>
-              <a:rPr lang="en-US" dirty="0" err="1"/>
+              <a:rPr lang="en-US" b="0" dirty="0">
+                <a:solidFill>
+                  <a:srgbClr val="000000"/>
+                </a:solidFill>
+              </a:rPr>
+              <a:t>The </a:t>
+            </a:r>
+            <a:r>
+              <a:rPr lang="en-US" dirty="0">
+                <a:solidFill>
+                  <a:srgbClr val="000000"/>
+                </a:solidFill>
+              </a:rPr>
+              <a:t>EIX</a:t>
+            </a:r>
+            <a:r>
+              <a:rPr lang="en-US" b="0" dirty="0">
+                <a:solidFill>
+                  <a:srgbClr val="000000"/>
+                </a:solidFill>
+              </a:rPr>
+              <a:t> </a:t>
+            </a:r>
+            <a:r>
+              <a:rPr lang="pl-PL" b="0" dirty="0">
+                <a:solidFill>
+                  <a:srgbClr val="000000"/>
+                </a:solidFill>
+              </a:rPr>
+              <a:t>(</a:t>
+            </a:r>
+            <a:r>
+              <a:rPr lang="pl-PL" dirty="0" err="1">
+                <a:solidFill>
+                  <a:schemeClr val="accent5">
+                    <a:lumMod val="75000"/>
+                  </a:schemeClr>
+                </a:solidFill>
+                <a:latin typeface="Source Sans Pro Semibold"/>
+                <a:sym typeface="Source Sans Pro Semibold"/>
+              </a:rPr>
+              <a:t>Explain</a:t>
+            </a:r>
+            <a:r>
+              <a:rPr lang="pl-PL" dirty="0">
+                <a:solidFill>
+                  <a:schemeClr val="accent5">
+                    <a:lumMod val="75000"/>
+                  </a:schemeClr>
+                </a:solidFill>
+                <a:latin typeface="Source Sans Pro Semibold"/>
+                <a:sym typeface="Source Sans Pro Semibold"/>
+              </a:rPr>
+              <a:t> </a:t>
+            </a:r>
+            <a:r>
+              <a:rPr lang="pl-PL" dirty="0" err="1">
+                <a:solidFill>
+                  <a:schemeClr val="accent5">
+                    <a:lumMod val="75000"/>
+                  </a:schemeClr>
+                </a:solidFill>
+                <a:latin typeface="Source Sans Pro Semibold"/>
+                <a:sym typeface="Source Sans Pro Semibold"/>
+              </a:rPr>
+              <a:t>Interactions</a:t>
+            </a:r>
+            <a:r>
+              <a:rPr lang="pl-PL" dirty="0">
+                <a:solidFill>
+                  <a:schemeClr val="accent5">
+                    <a:lumMod val="75000"/>
+                  </a:schemeClr>
+                </a:solidFill>
+                <a:latin typeface="Source Sans Pro Semibold"/>
+                <a:sym typeface="Source Sans Pro Semibold"/>
+              </a:rPr>
+              <a:t> in </a:t>
+            </a:r>
+            <a:r>
+              <a:rPr lang="pl-PL" dirty="0" err="1">
+                <a:solidFill>
+                  <a:schemeClr val="accent5">
+                    <a:lumMod val="75000"/>
+                  </a:schemeClr>
+                </a:solidFill>
+                <a:latin typeface="Source Sans Pro Semibold"/>
+                <a:sym typeface="Source Sans Pro Semibold"/>
+              </a:rPr>
               <a:t>XGBoost</a:t>
             </a:r>
             <a:r>
-              <a:rPr lang="en-US" dirty="0"/>
+              <a:rPr lang="pl-PL" b="0" dirty="0">
+                <a:solidFill>
+                  <a:srgbClr val="000000"/>
+                </a:solidFill>
+              </a:rPr>
+              <a:t>) </a:t>
+            </a:r>
+            <a:r>
+              <a:rPr lang="en-US" b="0" dirty="0">
+                <a:solidFill>
+                  <a:srgbClr val="000000"/>
+                </a:solidFill>
+              </a:rPr>
+              <a:t>package supports structure mining from </a:t>
+            </a:r>
+            <a:r>
+              <a:rPr lang="en-US" b="0" dirty="0" err="1">
+                <a:solidFill>
+                  <a:srgbClr val="000000"/>
+                </a:solidFill>
+              </a:rPr>
+              <a:t>XGBoost</a:t>
+            </a:r>
+            <a:r>
+              <a:rPr lang="en-US" b="0" dirty="0">
+                <a:solidFill>
+                  <a:srgbClr val="000000"/>
+                </a:solidFill>
+              </a:rPr>
               <a:t> and </a:t>
             </a:r>
             <a:r>
-              <a:rPr lang="en-US" dirty="0" err="1"/>
+              <a:rPr lang="en-US" b="0" dirty="0" err="1">
+                <a:solidFill>
+                  <a:srgbClr val="000000"/>
+                </a:solidFill>
+              </a:rPr>
               <a:t>LightGBM</a:t>
             </a:r>
             <a:r>
-              <a:rPr lang="en-US" dirty="0"/>
-              <a:t> models. </a:t>
+              <a:rPr lang="en-US" b="0" dirty="0">
+                <a:solidFill>
+                  <a:srgbClr val="000000"/>
+                </a:solidFill>
+              </a:rPr>
+              <a:t> models.</a:t>
+            </a:r>
+            <a:endParaRPr lang="pl-PL" b="0" dirty="0">
+              <a:solidFill>
+                <a:srgbClr val="000000"/>
+              </a:solidFill>
+            </a:endParaRPr>
+          </a:p>
+          <a:p>
+            <a:r>
+              <a:rPr lang="en-US" b="0" dirty="0">
+                <a:solidFill>
+                  <a:srgbClr val="000000"/>
+                </a:solidFill>
+              </a:rPr>
+              <a:t>Key functionalities of this package cover: vi</a:t>
+            </a:r>
+            <a:r>
+              <a:rPr lang="pl-PL" b="0" dirty="0">
+                <a:solidFill>
+                  <a:srgbClr val="000000"/>
+                </a:solidFill>
+              </a:rPr>
+              <a:t>s</a:t>
+            </a:r>
+            <a:r>
+              <a:rPr lang="en-US" b="0" dirty="0" err="1">
+                <a:solidFill>
+                  <a:srgbClr val="000000"/>
+                </a:solidFill>
+              </a:rPr>
+              <a:t>uali</a:t>
+            </a:r>
+            <a:r>
+              <a:rPr lang="pl-PL" b="0" dirty="0">
+                <a:solidFill>
+                  <a:srgbClr val="000000"/>
+                </a:solidFill>
+              </a:rPr>
+              <a:t>s</a:t>
+            </a:r>
+            <a:r>
+              <a:rPr lang="en-US" b="0" dirty="0" err="1">
+                <a:solidFill>
+                  <a:srgbClr val="000000"/>
+                </a:solidFill>
+              </a:rPr>
+              <a:t>ation</a:t>
+            </a:r>
+            <a:r>
+              <a:rPr lang="en-US" b="0" dirty="0">
+                <a:solidFill>
+                  <a:srgbClr val="000000"/>
+                </a:solidFill>
+              </a:rPr>
+              <a:t> of tree-based ensembles models, identification of interactions, measuring of variable importance,</a:t>
+            </a:r>
+            <a:r>
+              <a:rPr lang="pl-PL" b="0" dirty="0">
+                <a:solidFill>
+                  <a:srgbClr val="000000"/>
+                </a:solidFill>
+              </a:rPr>
+              <a:t> </a:t>
+            </a:r>
+            <a:r>
+              <a:rPr lang="en-US" b="0" dirty="0">
+                <a:solidFill>
+                  <a:srgbClr val="000000"/>
+                </a:solidFill>
+              </a:rPr>
+              <a:t>measuring of interaction importance, explanation of single prediction</a:t>
+            </a:r>
+            <a:r>
+              <a:rPr lang="pl-PL" b="0" dirty="0">
+                <a:solidFill>
+                  <a:srgbClr val="000000"/>
+                </a:solidFill>
+              </a:rPr>
+              <a:t> </a:t>
+            </a:r>
+            <a:r>
+              <a:rPr lang="en-US" b="0" dirty="0">
+                <a:solidFill>
+                  <a:srgbClr val="000000"/>
+                </a:solidFill>
+              </a:rPr>
+              <a:t>with break down plots (based on </a:t>
+            </a:r>
+            <a:r>
+              <a:rPr lang="en-US" dirty="0" err="1">
+                <a:solidFill>
+                  <a:srgbClr val="000000"/>
+                </a:solidFill>
+              </a:rPr>
+              <a:t>xgboostExplainer</a:t>
+            </a:r>
+            <a:r>
+              <a:rPr lang="en-US" b="0" dirty="0">
+                <a:solidFill>
+                  <a:srgbClr val="000000"/>
+                </a:solidFill>
+              </a:rPr>
+              <a:t> and </a:t>
+            </a:r>
+            <a:r>
+              <a:rPr lang="en-US" dirty="0" err="1">
+                <a:solidFill>
+                  <a:srgbClr val="000000"/>
+                </a:solidFill>
+              </a:rPr>
+              <a:t>breakDown</a:t>
+            </a:r>
+            <a:r>
+              <a:rPr lang="en-US" b="0" dirty="0">
+                <a:solidFill>
+                  <a:srgbClr val="000000"/>
+                </a:solidFill>
+              </a:rPr>
+              <a:t> packages).</a:t>
+            </a:r>
+            <a:endParaRPr lang="pl-PL" b="0" dirty="0">
+              <a:solidFill>
+                <a:srgbClr val="000000"/>
+              </a:solidFill>
+            </a:endParaRPr>
+          </a:p>
+        </p:txBody>
+      </p:sp>
+      <p:sp>
+        <p:nvSpPr>
+          <p:cNvPr id="23" name="pole tekstowe 22">
+            <a:extLst>
+              <a:ext uri="{FF2B5EF4-FFF2-40B4-BE49-F238E27FC236}">
+                <a16:creationId xmlns:a16="http://schemas.microsoft.com/office/drawing/2014/main" id="{52EC9916-C2CA-4F38-9CCA-A8A0ADD56FD6}"/>
+              </a:ext>
+            </a:extLst>
+          </p:cNvPr>
+          <p:cNvSpPr txBox="1"/>
+          <p:nvPr/>
+        </p:nvSpPr>
+        <p:spPr>
+          <a:xfrm>
+            <a:off x="4695841" y="6808476"/>
+            <a:ext cx="3672518" cy="1084832"/>
+          </a:xfrm>
+          <a:prstGeom prst="rect">
+            <a:avLst/>
+          </a:prstGeom>
+          <a:noFill/>
+          <a:ln w="12700" cap="flat">
+            <a:noFill/>
+            <a:miter lim="400000"/>
+          </a:ln>
+          <a:effectLst/>
+          <a:sp3d/>
+        </p:spPr>
+        <p:style>
+          <a:lnRef idx="0">
+            <a:scrgbClr r="0" g="0" b="0"/>
+          </a:lnRef>
+          <a:fillRef idx="0">
+            <a:scrgbClr r="0" g="0" b="0"/>
+          </a:fillRef>
+          <a:effectRef idx="0">
+            <a:scrgbClr r="0" g="0" b="0"/>
+          </a:effectRef>
+          <a:fontRef idx="none"/>
+        </p:style>
+        <p:txBody>
+          <a:bodyPr rot="0" spcFirstLastPara="1" vertOverflow="overflow" horzOverflow="overflow" vert="horz" wrap="square" lIns="54570" tIns="54570" rIns="54570" bIns="54570" numCol="1" spcCol="38100" rtlCol="0" anchor="ctr">
+            <a:spAutoFit/>
+          </a:bodyPr>
+          <a:lstStyle/>
+          <a:p>
+            <a:pPr marL="171450" indent="-171450">
+              <a:buFont typeface="Arial" panose="020B0604020202020204" pitchFamily="34" charset="0"/>
+              <a:buChar char="•"/>
+            </a:pPr>
+            <a:r>
+              <a:rPr lang="pl-PL" dirty="0" err="1">
+                <a:solidFill>
+                  <a:srgbClr val="000000"/>
+                </a:solidFill>
+                <a:latin typeface="Menlo"/>
+              </a:rPr>
+              <a:t>option</a:t>
+            </a:r>
+            <a:r>
+              <a:rPr lang="pl-PL" dirty="0">
+                <a:solidFill>
+                  <a:srgbClr val="000000"/>
+                </a:solidFill>
+                <a:latin typeface="Menlo"/>
+              </a:rPr>
+              <a:t> = </a:t>
+            </a:r>
+            <a:r>
+              <a:rPr lang="en-US" dirty="0">
+                <a:solidFill>
+                  <a:srgbClr val="000000"/>
+                </a:solidFill>
+              </a:rPr>
+              <a:t>"</a:t>
+            </a:r>
+            <a:r>
+              <a:rPr lang="pl-PL" dirty="0" err="1">
+                <a:solidFill>
+                  <a:srgbClr val="000000"/>
+                </a:solidFill>
+                <a:latin typeface="Menlo"/>
+              </a:rPr>
+              <a:t>interactions</a:t>
+            </a:r>
+            <a:r>
+              <a:rPr lang="en-US" dirty="0">
+                <a:solidFill>
+                  <a:srgbClr val="000000"/>
+                </a:solidFill>
+              </a:rPr>
+              <a:t>"</a:t>
+            </a:r>
+            <a:r>
+              <a:rPr lang="pl-PL" dirty="0">
+                <a:solidFill>
+                  <a:srgbClr val="000000"/>
+                </a:solidFill>
+                <a:latin typeface="Menlo"/>
+              </a:rPr>
+              <a:t> </a:t>
+            </a:r>
+            <a:r>
+              <a:rPr lang="pl-PL" b="0" dirty="0">
+                <a:solidFill>
+                  <a:srgbClr val="000000"/>
+                </a:solidFill>
+                <a:latin typeface="Menlo"/>
+              </a:rPr>
+              <a:t>- </a:t>
+            </a:r>
+            <a:r>
+              <a:rPr lang="en-US" b="0" dirty="0">
+                <a:solidFill>
+                  <a:srgbClr val="000000"/>
+                </a:solidFill>
+              </a:rPr>
+              <a:t> these pairs of variables in which variable on the bottom (child) has higher gain than variable on the top (parent)</a:t>
+            </a:r>
+            <a:r>
+              <a:rPr lang="pl-PL" b="0" dirty="0">
+                <a:solidFill>
+                  <a:srgbClr val="000000"/>
+                </a:solidFill>
+              </a:rPr>
+              <a:t> . </a:t>
+            </a:r>
+            <a:r>
+              <a:rPr lang="pl-PL" b="0" dirty="0" err="1">
+                <a:solidFill>
+                  <a:srgbClr val="000000"/>
+                </a:solidFill>
+              </a:rPr>
+              <a:t>Default</a:t>
+            </a:r>
+            <a:r>
+              <a:rPr lang="pl-PL" b="0" dirty="0">
+                <a:solidFill>
+                  <a:srgbClr val="000000"/>
+                </a:solidFill>
+              </a:rPr>
+              <a:t> </a:t>
+            </a:r>
+            <a:r>
+              <a:rPr lang="pl-PL" b="0" dirty="0" err="1">
+                <a:solidFill>
+                  <a:srgbClr val="000000"/>
+                </a:solidFill>
+              </a:rPr>
+              <a:t>option</a:t>
+            </a:r>
+            <a:r>
+              <a:rPr lang="pl-PL" b="0" dirty="0">
+                <a:solidFill>
+                  <a:srgbClr val="000000"/>
+                </a:solidFill>
+              </a:rPr>
+              <a:t>.</a:t>
+            </a:r>
+          </a:p>
+          <a:p>
+            <a:pPr marL="171450" indent="-171450">
+              <a:buFont typeface="Arial" panose="020B0604020202020204" pitchFamily="34" charset="0"/>
+              <a:buChar char="•"/>
+            </a:pPr>
+            <a:r>
+              <a:rPr lang="pl-PL" dirty="0" err="1">
+                <a:solidFill>
+                  <a:srgbClr val="000000"/>
+                </a:solidFill>
+              </a:rPr>
+              <a:t>option</a:t>
+            </a:r>
+            <a:r>
+              <a:rPr lang="pl-PL" dirty="0">
+                <a:solidFill>
+                  <a:srgbClr val="000000"/>
+                </a:solidFill>
+              </a:rPr>
+              <a:t> = </a:t>
+            </a:r>
+            <a:r>
+              <a:rPr lang="en-US" dirty="0">
+                <a:solidFill>
+                  <a:srgbClr val="000000"/>
+                </a:solidFill>
+              </a:rPr>
+              <a:t>"</a:t>
+            </a:r>
+            <a:r>
+              <a:rPr lang="pl-PL" dirty="0" err="1">
+                <a:solidFill>
+                  <a:srgbClr val="000000"/>
+                </a:solidFill>
+              </a:rPr>
+              <a:t>pairs</a:t>
+            </a:r>
+            <a:r>
+              <a:rPr lang="en-US" dirty="0">
+                <a:solidFill>
+                  <a:srgbClr val="000000"/>
+                </a:solidFill>
+              </a:rPr>
+              <a:t>"</a:t>
+            </a:r>
+            <a:r>
+              <a:rPr lang="pl-PL" dirty="0">
+                <a:solidFill>
+                  <a:srgbClr val="000000"/>
+                </a:solidFill>
+              </a:rPr>
+              <a:t> </a:t>
+            </a:r>
+            <a:r>
+              <a:rPr lang="pl-PL" b="0" dirty="0">
+                <a:solidFill>
+                  <a:srgbClr val="000000"/>
+                </a:solidFill>
+              </a:rPr>
+              <a:t>- </a:t>
+            </a:r>
+            <a:r>
+              <a:rPr lang="en-US" b="0" dirty="0">
+                <a:solidFill>
+                  <a:srgbClr val="000000"/>
+                </a:solidFill>
+              </a:rPr>
+              <a:t>all pairs of variable</a:t>
+            </a:r>
+            <a:r>
+              <a:rPr lang="pl-PL" b="0" dirty="0">
+                <a:solidFill>
+                  <a:srgbClr val="000000"/>
+                </a:solidFill>
+              </a:rPr>
+              <a:t>s</a:t>
+            </a:r>
+            <a:r>
+              <a:rPr lang="en-US" b="0" dirty="0">
+                <a:solidFill>
+                  <a:srgbClr val="000000"/>
+                </a:solidFill>
+              </a:rPr>
+              <a:t>, which occur in the model one above the other</a:t>
+            </a:r>
+            <a:r>
+              <a:rPr lang="pl-PL" b="0" dirty="0">
+                <a:solidFill>
+                  <a:srgbClr val="000000"/>
+                </a:solidFill>
+              </a:rPr>
+              <a:t>.</a:t>
+            </a:r>
+            <a:endParaRPr kumimoji="0" lang="pl-PL" sz="1200" b="0" i="0" u="none" strike="noStrike" cap="none" spc="0" normalizeH="0" baseline="0" dirty="0">
+              <a:ln>
+                <a:noFill/>
+              </a:ln>
+              <a:solidFill>
+                <a:srgbClr val="000000"/>
+              </a:solidFill>
+              <a:effectLst/>
+              <a:uFillTx/>
+              <a:sym typeface="Source Sans Pro"/>
+            </a:endParaRPr>
+          </a:p>
+        </p:txBody>
+      </p:sp>
+      <p:sp>
+        <p:nvSpPr>
+          <p:cNvPr id="24" name="pole tekstowe 23">
+            <a:extLst>
+              <a:ext uri="{FF2B5EF4-FFF2-40B4-BE49-F238E27FC236}">
+                <a16:creationId xmlns:a16="http://schemas.microsoft.com/office/drawing/2014/main" id="{596C0F7B-9CED-4B41-B4CA-533527B828C7}"/>
+              </a:ext>
+            </a:extLst>
+          </p:cNvPr>
+          <p:cNvSpPr txBox="1"/>
+          <p:nvPr/>
+        </p:nvSpPr>
+        <p:spPr>
+          <a:xfrm>
+            <a:off x="4737739" y="2277596"/>
+            <a:ext cx="3164371" cy="1295146"/>
+          </a:xfrm>
+          <a:prstGeom prst="rect">
+            <a:avLst/>
+          </a:prstGeom>
+          <a:noFill/>
+          <a:ln w="12700" cap="flat">
+            <a:noFill/>
+            <a:miter lim="400000"/>
+          </a:ln>
+          <a:effectLst/>
+          <a:sp3d/>
+        </p:spPr>
+        <p:style>
+          <a:lnRef idx="0">
+            <a:scrgbClr r="0" g="0" b="0"/>
+          </a:lnRef>
+          <a:fillRef idx="0">
+            <a:scrgbClr r="0" g="0" b="0"/>
+          </a:fillRef>
+          <a:effectRef idx="0">
+            <a:scrgbClr r="0" g="0" b="0"/>
+          </a:effectRef>
+          <a:fontRef idx="none"/>
+        </p:style>
+        <p:txBody>
+          <a:bodyPr rot="0" spcFirstLastPara="1" vertOverflow="overflow" horzOverflow="overflow" vert="horz" wrap="square" lIns="54570" tIns="54570" rIns="54570" bIns="54570" numCol="1" spcCol="38100" rtlCol="0" anchor="ctr">
+            <a:spAutoFit/>
+          </a:bodyPr>
+          <a:lstStyle/>
+          <a:p>
+            <a:pPr marL="171450" indent="-171450">
+              <a:buFont typeface="Arial" panose="020B0604020202020204" pitchFamily="34" charset="0"/>
+              <a:buChar char="•"/>
+            </a:pPr>
+            <a:r>
+              <a:rPr lang="en-US" dirty="0">
+                <a:solidFill>
+                  <a:srgbClr val="000000"/>
+                </a:solidFill>
+              </a:rPr>
+              <a:t> opt</a:t>
+            </a:r>
+            <a:r>
+              <a:rPr lang="pl-PL" dirty="0" err="1">
+                <a:solidFill>
+                  <a:srgbClr val="000000"/>
+                </a:solidFill>
+              </a:rPr>
+              <a:t>ion</a:t>
+            </a:r>
+            <a:r>
+              <a:rPr lang="pl-PL" dirty="0">
+                <a:solidFill>
+                  <a:srgbClr val="000000"/>
+                </a:solidFill>
+              </a:rPr>
+              <a:t> </a:t>
+            </a:r>
+            <a:r>
+              <a:rPr lang="en-US" dirty="0">
+                <a:solidFill>
+                  <a:srgbClr val="000000"/>
+                </a:solidFill>
+              </a:rPr>
+              <a:t>=</a:t>
+            </a:r>
+            <a:r>
+              <a:rPr lang="pl-PL" dirty="0">
+                <a:solidFill>
+                  <a:srgbClr val="000000"/>
+                </a:solidFill>
+              </a:rPr>
+              <a:t> </a:t>
+            </a:r>
+            <a:r>
+              <a:rPr lang="en-US" dirty="0">
+                <a:solidFill>
+                  <a:srgbClr val="000000"/>
+                </a:solidFill>
+              </a:rPr>
+              <a:t>" </a:t>
+            </a:r>
+            <a:r>
+              <a:rPr lang="pl-PL" dirty="0" err="1">
+                <a:solidFill>
+                  <a:srgbClr val="000000"/>
+                </a:solidFill>
+              </a:rPr>
+              <a:t>variables</a:t>
+            </a:r>
+            <a:r>
+              <a:rPr lang="en-US" dirty="0">
+                <a:solidFill>
+                  <a:srgbClr val="000000"/>
+                </a:solidFill>
+              </a:rPr>
+              <a:t>" </a:t>
+            </a:r>
+            <a:r>
+              <a:rPr lang="en-US" b="0" dirty="0">
+                <a:solidFill>
+                  <a:srgbClr val="000000"/>
+                </a:solidFill>
+              </a:rPr>
+              <a:t>- </a:t>
+            </a:r>
+            <a:r>
+              <a:rPr lang="pl-PL" b="0" dirty="0" err="1">
+                <a:solidFill>
+                  <a:srgbClr val="000000"/>
+                </a:solidFill>
+              </a:rPr>
+              <a:t>object</a:t>
+            </a:r>
+            <a:r>
+              <a:rPr lang="en-US" b="0" dirty="0">
+                <a:solidFill>
+                  <a:srgbClr val="000000"/>
+                </a:solidFill>
+              </a:rPr>
+              <a:t> consists only single variable</a:t>
+            </a:r>
+            <a:r>
+              <a:rPr lang="pl-PL" b="0" dirty="0">
+                <a:solidFill>
+                  <a:srgbClr val="000000"/>
+                </a:solidFill>
+              </a:rPr>
+              <a:t>s</a:t>
+            </a:r>
+          </a:p>
+          <a:p>
+            <a:pPr marL="171450" indent="-171450">
+              <a:buFont typeface="Arial" panose="020B0604020202020204" pitchFamily="34" charset="0"/>
+              <a:buChar char="•"/>
+            </a:pPr>
+            <a:r>
+              <a:rPr lang="en-US" b="0" dirty="0">
+                <a:solidFill>
+                  <a:srgbClr val="000000"/>
+                </a:solidFill>
+              </a:rPr>
+              <a:t> </a:t>
+            </a:r>
+            <a:r>
+              <a:rPr lang="en-US" dirty="0">
+                <a:solidFill>
+                  <a:srgbClr val="000000"/>
+                </a:solidFill>
+              </a:rPr>
+              <a:t>opt</a:t>
+            </a:r>
+            <a:r>
+              <a:rPr lang="pl-PL" dirty="0" err="1">
+                <a:solidFill>
+                  <a:srgbClr val="000000"/>
+                </a:solidFill>
+              </a:rPr>
+              <a:t>ion</a:t>
+            </a:r>
+            <a:r>
+              <a:rPr lang="pl-PL" dirty="0">
+                <a:solidFill>
+                  <a:srgbClr val="000000"/>
+                </a:solidFill>
+              </a:rPr>
+              <a:t> </a:t>
+            </a:r>
+            <a:r>
+              <a:rPr lang="en-US" dirty="0">
+                <a:solidFill>
+                  <a:srgbClr val="000000"/>
+                </a:solidFill>
+              </a:rPr>
+              <a:t>=</a:t>
+            </a:r>
+            <a:r>
+              <a:rPr lang="pl-PL" dirty="0">
+                <a:solidFill>
+                  <a:srgbClr val="000000"/>
+                </a:solidFill>
+              </a:rPr>
+              <a:t> </a:t>
+            </a:r>
+            <a:r>
+              <a:rPr lang="en-US" dirty="0">
+                <a:solidFill>
+                  <a:srgbClr val="000000"/>
+                </a:solidFill>
+              </a:rPr>
+              <a:t>"interactions"</a:t>
+            </a:r>
+            <a:r>
+              <a:rPr lang="pl-PL" dirty="0">
+                <a:solidFill>
+                  <a:srgbClr val="000000"/>
+                </a:solidFill>
+              </a:rPr>
+              <a:t> </a:t>
+            </a:r>
+            <a:r>
+              <a:rPr lang="en-US" b="0" dirty="0">
+                <a:solidFill>
+                  <a:srgbClr val="000000"/>
+                </a:solidFill>
+              </a:rPr>
+              <a:t>–</a:t>
+            </a:r>
+            <a:r>
+              <a:rPr lang="en-US" dirty="0">
+                <a:solidFill>
+                  <a:srgbClr val="000000"/>
+                </a:solidFill>
+              </a:rPr>
+              <a:t> </a:t>
+            </a:r>
+            <a:r>
+              <a:rPr lang="en-US" b="0" dirty="0">
+                <a:solidFill>
+                  <a:srgbClr val="000000"/>
+                </a:solidFill>
+              </a:rPr>
+              <a:t>only</a:t>
+            </a:r>
+            <a:r>
+              <a:rPr lang="pl-PL" b="0" dirty="0">
+                <a:solidFill>
+                  <a:srgbClr val="000000"/>
+                </a:solidFill>
+              </a:rPr>
+              <a:t> i</a:t>
+            </a:r>
+            <a:r>
+              <a:rPr lang="en-US" b="0" dirty="0" err="1">
+                <a:solidFill>
+                  <a:srgbClr val="000000"/>
+                </a:solidFill>
+              </a:rPr>
+              <a:t>nteractions</a:t>
+            </a:r>
+            <a:endParaRPr lang="pl-PL" b="0" dirty="0">
+              <a:solidFill>
+                <a:srgbClr val="000000"/>
+              </a:solidFill>
+            </a:endParaRPr>
+          </a:p>
+          <a:p>
+            <a:pPr marL="171450" indent="-171450">
+              <a:buFont typeface="Arial" panose="020B0604020202020204" pitchFamily="34" charset="0"/>
+              <a:buChar char="•"/>
+            </a:pPr>
+            <a:r>
+              <a:rPr lang="en-US" b="0" dirty="0">
+                <a:solidFill>
+                  <a:srgbClr val="000000"/>
+                </a:solidFill>
+              </a:rPr>
+              <a:t> </a:t>
+            </a:r>
+            <a:r>
+              <a:rPr lang="en-US" dirty="0">
+                <a:solidFill>
+                  <a:srgbClr val="000000"/>
+                </a:solidFill>
+              </a:rPr>
+              <a:t>opt</a:t>
+            </a:r>
+            <a:r>
+              <a:rPr lang="pl-PL" dirty="0" err="1">
+                <a:solidFill>
+                  <a:srgbClr val="000000"/>
+                </a:solidFill>
+              </a:rPr>
+              <a:t>ion</a:t>
+            </a:r>
+            <a:r>
+              <a:rPr lang="pl-PL" dirty="0">
+                <a:solidFill>
+                  <a:srgbClr val="000000"/>
+                </a:solidFill>
+              </a:rPr>
+              <a:t> </a:t>
+            </a:r>
+            <a:r>
+              <a:rPr lang="en-US" dirty="0">
+                <a:solidFill>
+                  <a:srgbClr val="000000"/>
+                </a:solidFill>
+              </a:rPr>
+              <a:t>=</a:t>
+            </a:r>
+            <a:r>
+              <a:rPr lang="pl-PL" dirty="0">
+                <a:solidFill>
+                  <a:srgbClr val="000000"/>
+                </a:solidFill>
+              </a:rPr>
+              <a:t> </a:t>
+            </a:r>
+            <a:r>
+              <a:rPr lang="en-US" dirty="0">
+                <a:solidFill>
+                  <a:srgbClr val="000000"/>
+                </a:solidFill>
+              </a:rPr>
+              <a:t>"</a:t>
+            </a:r>
+            <a:r>
+              <a:rPr lang="pl-PL" dirty="0" err="1">
+                <a:solidFill>
+                  <a:srgbClr val="000000"/>
+                </a:solidFill>
+              </a:rPr>
+              <a:t>both</a:t>
+            </a:r>
+            <a:r>
+              <a:rPr lang="en-US" dirty="0">
+                <a:solidFill>
+                  <a:srgbClr val="000000"/>
+                </a:solidFill>
+              </a:rPr>
+              <a:t>"</a:t>
+            </a:r>
+            <a:r>
+              <a:rPr lang="pl-PL" dirty="0">
+                <a:solidFill>
+                  <a:srgbClr val="000000"/>
+                </a:solidFill>
+              </a:rPr>
+              <a:t> </a:t>
+            </a:r>
+            <a:r>
+              <a:rPr lang="en-US" dirty="0">
+                <a:solidFill>
+                  <a:srgbClr val="000000"/>
+                </a:solidFill>
+              </a:rPr>
+              <a:t>-  </a:t>
+            </a:r>
+            <a:r>
+              <a:rPr lang="pl-PL" b="0" dirty="0" err="1">
+                <a:solidFill>
+                  <a:srgbClr val="000000"/>
+                </a:solidFill>
+              </a:rPr>
+              <a:t>object</a:t>
+            </a:r>
+            <a:r>
+              <a:rPr lang="en-US" b="0" dirty="0">
+                <a:solidFill>
+                  <a:srgbClr val="000000"/>
+                </a:solidFill>
+              </a:rPr>
+              <a:t> shows importance both single variables and interactions</a:t>
+            </a:r>
+            <a:r>
+              <a:rPr lang="pl-PL" b="0" dirty="0">
+                <a:solidFill>
+                  <a:srgbClr val="000000"/>
+                </a:solidFill>
+              </a:rPr>
+              <a:t>. </a:t>
+            </a:r>
+            <a:r>
+              <a:rPr lang="pl-PL" b="0" dirty="0" err="1">
+                <a:solidFill>
+                  <a:srgbClr val="000000"/>
+                </a:solidFill>
+              </a:rPr>
+              <a:t>Default</a:t>
+            </a:r>
+            <a:r>
+              <a:rPr lang="pl-PL" b="0" dirty="0">
+                <a:solidFill>
+                  <a:srgbClr val="000000"/>
+                </a:solidFill>
+              </a:rPr>
+              <a:t> </a:t>
+            </a:r>
+            <a:r>
+              <a:rPr lang="pl-PL" b="0" dirty="0" err="1">
+                <a:solidFill>
+                  <a:srgbClr val="000000"/>
+                </a:solidFill>
+              </a:rPr>
+              <a:t>option</a:t>
+            </a:r>
+            <a:r>
+              <a:rPr lang="pl-PL" b="0" dirty="0">
+                <a:solidFill>
+                  <a:srgbClr val="000000"/>
+                </a:solidFill>
+              </a:rPr>
+              <a:t>.</a:t>
+            </a:r>
+            <a:endParaRPr kumimoji="0" lang="pl-PL" sz="1200" b="0" i="0" u="none" strike="noStrike" cap="none" spc="0" normalizeH="0" baseline="0" dirty="0">
+              <a:ln>
+                <a:noFill/>
+              </a:ln>
+              <a:solidFill>
+                <a:srgbClr val="000000"/>
+              </a:solidFill>
+              <a:effectLst/>
+              <a:uFillTx/>
+              <a:sym typeface="Source Sans Pro"/>
+            </a:endParaRPr>
+          </a:p>
+        </p:txBody>
+      </p:sp>
+      <p:sp>
+        <p:nvSpPr>
+          <p:cNvPr id="25" name="pole tekstowe 24">
+            <a:extLst>
+              <a:ext uri="{FF2B5EF4-FFF2-40B4-BE49-F238E27FC236}">
+                <a16:creationId xmlns:a16="http://schemas.microsoft.com/office/drawing/2014/main" id="{D8124FC5-6CB8-4B9B-A63E-C19F2EB45C69}"/>
+              </a:ext>
+            </a:extLst>
+          </p:cNvPr>
+          <p:cNvSpPr txBox="1"/>
+          <p:nvPr/>
+        </p:nvSpPr>
+        <p:spPr>
+          <a:xfrm>
+            <a:off x="4746399" y="3570368"/>
+            <a:ext cx="3046298" cy="1454163"/>
+          </a:xfrm>
+          <a:prstGeom prst="rect">
+            <a:avLst/>
+          </a:prstGeom>
+          <a:noFill/>
+          <a:ln w="12700" cap="flat">
+            <a:noFill/>
+            <a:miter lim="400000"/>
+          </a:ln>
+          <a:effectLst/>
+          <a:sp3d/>
+        </p:spPr>
+        <p:style>
+          <a:lnRef idx="0">
+            <a:scrgbClr r="0" g="0" b="0"/>
+          </a:lnRef>
+          <a:fillRef idx="0">
+            <a:scrgbClr r="0" g="0" b="0"/>
+          </a:fillRef>
+          <a:effectRef idx="0">
+            <a:scrgbClr r="0" g="0" b="0"/>
+          </a:effectRef>
+          <a:fontRef idx="none"/>
+        </p:style>
+        <p:txBody>
+          <a:bodyPr rot="0" spcFirstLastPara="1" vertOverflow="overflow" horzOverflow="overflow" vert="horz" wrap="square" lIns="54570" tIns="54570" rIns="54570" bIns="54570" numCol="1" spcCol="38100" rtlCol="0" anchor="ctr">
+            <a:spAutoFit/>
+          </a:bodyPr>
+          <a:lstStyle/>
+          <a:p>
+            <a:r>
+              <a:rPr lang="pl-PL" dirty="0" err="1">
+                <a:solidFill>
+                  <a:srgbClr val="000000"/>
+                </a:solidFill>
+              </a:rPr>
+              <a:t>Available</a:t>
+            </a:r>
+            <a:r>
+              <a:rPr lang="pl-PL" dirty="0">
+                <a:solidFill>
+                  <a:srgbClr val="000000"/>
+                </a:solidFill>
+              </a:rPr>
+              <a:t> </a:t>
+            </a:r>
+            <a:r>
+              <a:rPr lang="pl-PL" dirty="0" err="1">
+                <a:solidFill>
+                  <a:srgbClr val="000000"/>
+                </a:solidFill>
+              </a:rPr>
+              <a:t>measures</a:t>
+            </a:r>
+            <a:r>
+              <a:rPr lang="pl-PL" dirty="0">
+                <a:solidFill>
+                  <a:srgbClr val="000000"/>
+                </a:solidFill>
+              </a:rPr>
+              <a:t>: </a:t>
+            </a:r>
+            <a:r>
+              <a:rPr lang="en-US" b="0" dirty="0" err="1">
+                <a:solidFill>
+                  <a:srgbClr val="000000"/>
+                </a:solidFill>
+              </a:rPr>
+              <a:t>sumGain</a:t>
+            </a:r>
+            <a:r>
+              <a:rPr lang="pl-PL" b="0" dirty="0">
+                <a:solidFill>
+                  <a:srgbClr val="000000"/>
+                </a:solidFill>
+              </a:rPr>
+              <a:t>, </a:t>
+            </a:r>
+            <a:r>
+              <a:rPr lang="en-US" b="0" dirty="0" err="1">
+                <a:solidFill>
+                  <a:srgbClr val="000000"/>
+                </a:solidFill>
+              </a:rPr>
+              <a:t>sumCove</a:t>
+            </a:r>
+            <a:r>
+              <a:rPr lang="pl-PL" b="0" dirty="0">
+                <a:solidFill>
+                  <a:srgbClr val="000000"/>
+                </a:solidFill>
+              </a:rPr>
+              <a:t>r, </a:t>
+            </a:r>
+            <a:r>
+              <a:rPr lang="en-US" b="0" dirty="0">
+                <a:solidFill>
+                  <a:srgbClr val="000000"/>
+                </a:solidFill>
+              </a:rPr>
+              <a:t>mean5Gain</a:t>
+            </a:r>
+            <a:r>
+              <a:rPr lang="pl-PL" b="0" dirty="0">
+                <a:solidFill>
+                  <a:srgbClr val="000000"/>
+                </a:solidFill>
+              </a:rPr>
+              <a:t> (</a:t>
+            </a:r>
+            <a:r>
+              <a:rPr lang="en-US" b="0" dirty="0">
+                <a:solidFill>
+                  <a:srgbClr val="000000"/>
+                </a:solidFill>
+              </a:rPr>
+              <a:t>mean gain from 5 occurrences </a:t>
             </a:r>
             <a:br>
-              <a:rPr lang="pl-PL" dirty="0"/>
+              <a:rPr lang="pl-PL" b="0" dirty="0">
+                <a:solidFill>
+                  <a:srgbClr val="000000"/>
+                </a:solidFill>
+              </a:rPr>
             </a:br>
             <a:r>
-              <a:rPr lang="en-US" dirty="0"/>
-              <a:t> This package enables to find interactions in the model and also to measure variables' and interactions' importance. It includes the function of model visualization in such way that the most important variables and interactions are visible. It is also possible to analyze the prediction of a single observation taking into account the interactions. </a:t>
-            </a:r>
-            <a:br>
-              <a:rPr lang="pl-PL" dirty="0"/>
-            </a:br>
-            <a:r>
-              <a:rPr lang="en-US" dirty="0"/>
-              <a:t>The last functionality was built using </a:t>
-            </a:r>
-            <a:br>
-              <a:rPr lang="pl-PL" dirty="0"/>
-            </a:br>
-            <a:r>
-              <a:rPr lang="en-US" dirty="0"/>
-              <a:t>the </a:t>
-            </a:r>
-            <a:r>
-              <a:rPr lang="en-US" b="0" dirty="0"/>
-              <a:t>`</a:t>
-            </a:r>
-            <a:r>
-              <a:rPr lang="en-US" b="0" dirty="0" err="1"/>
-              <a:t>xgboostExplainer</a:t>
-            </a:r>
-            <a:r>
-              <a:rPr lang="en-US" b="0" dirty="0"/>
-              <a:t>`</a:t>
-            </a:r>
-            <a:r>
-              <a:rPr lang="en-US" dirty="0"/>
-              <a:t> and </a:t>
-            </a:r>
-            <a:r>
-              <a:rPr lang="en-US" b="0" dirty="0"/>
-              <a:t>`</a:t>
-            </a:r>
-            <a:r>
-              <a:rPr lang="en-US" b="0" dirty="0" err="1"/>
-              <a:t>breakDown</a:t>
-            </a:r>
-            <a:r>
-              <a:rPr lang="en-US" b="0" dirty="0"/>
-              <a:t>` </a:t>
-            </a:r>
-            <a:r>
-              <a:rPr lang="en-US" dirty="0"/>
-              <a:t>package.</a:t>
-            </a:r>
-            <a:endParaRPr lang="pl-PL" dirty="0"/>
-          </a:p>
+              <a:rPr lang="en-US" b="0" dirty="0">
+                <a:solidFill>
+                  <a:srgbClr val="000000"/>
+                </a:solidFill>
+              </a:rPr>
+              <a:t>of given variable with the highest gain</a:t>
+            </a:r>
+            <a:r>
+              <a:rPr lang="pl-PL" b="0" dirty="0">
+                <a:solidFill>
+                  <a:srgbClr val="000000"/>
+                </a:solidFill>
+              </a:rPr>
+              <a:t>), </a:t>
+            </a:r>
+            <a:r>
+              <a:rPr lang="en-US" b="0" dirty="0" err="1">
+                <a:solidFill>
+                  <a:srgbClr val="000000"/>
+                </a:solidFill>
+              </a:rPr>
+              <a:t>meanGain</a:t>
+            </a:r>
+            <a:r>
+              <a:rPr lang="pl-PL" b="0" dirty="0">
+                <a:solidFill>
+                  <a:srgbClr val="000000"/>
+                </a:solidFill>
+              </a:rPr>
+              <a:t>, </a:t>
+            </a:r>
+            <a:r>
+              <a:rPr lang="en-US" b="0" dirty="0" err="1">
+                <a:solidFill>
+                  <a:srgbClr val="000000"/>
+                </a:solidFill>
+              </a:rPr>
+              <a:t>meanCover</a:t>
+            </a:r>
+            <a:r>
+              <a:rPr lang="pl-PL" b="0" dirty="0">
+                <a:solidFill>
+                  <a:srgbClr val="000000"/>
+                </a:solidFill>
+              </a:rPr>
+              <a:t>, </a:t>
+            </a:r>
+            <a:r>
+              <a:rPr lang="en-US" b="0" dirty="0">
+                <a:solidFill>
+                  <a:srgbClr val="000000"/>
+                </a:solidFill>
+              </a:rPr>
+              <a:t>frequency</a:t>
+            </a:r>
+            <a:endParaRPr lang="pl-PL" b="0" dirty="0">
+              <a:solidFill>
+                <a:srgbClr val="000000"/>
+              </a:solidFill>
+            </a:endParaRPr>
+          </a:p>
+          <a:p>
+            <a:r>
+              <a:rPr kumimoji="0" lang="pl-PL" sz="1200" b="1" i="0" u="none" strike="noStrike" cap="none" spc="0" normalizeH="0" baseline="0" dirty="0">
+                <a:ln>
+                  <a:noFill/>
+                </a:ln>
+                <a:solidFill>
+                  <a:srgbClr val="000000"/>
+                </a:solidFill>
+                <a:effectLst/>
+                <a:uFillTx/>
+                <a:latin typeface="Source Sans Pro"/>
+                <a:ea typeface="Source Sans Pro"/>
+                <a:cs typeface="Source Sans Pro"/>
+                <a:sym typeface="Source Sans Pro"/>
+              </a:rPr>
+              <a:t>For single </a:t>
+            </a:r>
+            <a:r>
+              <a:rPr kumimoji="0" lang="pl-PL" sz="1200" b="1" i="0" u="none" strike="noStrike" cap="none" spc="0" normalizeH="0" baseline="0" dirty="0" err="1">
+                <a:ln>
+                  <a:noFill/>
+                </a:ln>
+                <a:solidFill>
+                  <a:srgbClr val="000000"/>
+                </a:solidFill>
+                <a:effectLst/>
+                <a:uFillTx/>
+                <a:latin typeface="Source Sans Pro"/>
+                <a:ea typeface="Source Sans Pro"/>
+                <a:cs typeface="Source Sans Pro"/>
+                <a:sym typeface="Source Sans Pro"/>
+              </a:rPr>
+              <a:t>variables</a:t>
+            </a:r>
+            <a:r>
+              <a:rPr kumimoji="0" lang="pl-PL" sz="1200" b="1" i="0" u="none" strike="noStrike" cap="none" spc="0" normalizeH="0" baseline="0" dirty="0">
+                <a:ln>
+                  <a:noFill/>
+                </a:ln>
+                <a:solidFill>
+                  <a:srgbClr val="000000"/>
+                </a:solidFill>
+                <a:effectLst/>
+                <a:uFillTx/>
+                <a:latin typeface="Source Sans Pro"/>
+                <a:ea typeface="Source Sans Pro"/>
+                <a:cs typeface="Source Sans Pro"/>
+                <a:sym typeface="Source Sans Pro"/>
+              </a:rPr>
+              <a:t> </a:t>
+            </a:r>
+            <a:r>
+              <a:rPr kumimoji="0" lang="en-US" sz="1200" b="1" i="0" u="none" strike="noStrike" cap="none" spc="0" normalizeH="0" baseline="0" dirty="0">
+                <a:ln>
+                  <a:noFill/>
+                </a:ln>
+                <a:solidFill>
+                  <a:srgbClr val="000000"/>
+                </a:solidFill>
+                <a:effectLst/>
+                <a:uFillTx/>
+                <a:latin typeface="Source Sans Pro"/>
+                <a:ea typeface="Source Sans Pro"/>
+                <a:cs typeface="Source Sans Pro"/>
+                <a:sym typeface="Source Sans Pro"/>
+              </a:rPr>
+              <a:t>additionally</a:t>
+            </a:r>
+            <a:r>
+              <a:rPr kumimoji="0" lang="pl-PL" sz="1200" b="1" i="0" u="none" strike="noStrike" cap="none" spc="0" normalizeH="0" baseline="0" dirty="0">
+                <a:ln>
+                  <a:noFill/>
+                </a:ln>
+                <a:solidFill>
+                  <a:srgbClr val="000000"/>
+                </a:solidFill>
+                <a:effectLst/>
+                <a:uFillTx/>
+                <a:latin typeface="Source Sans Pro"/>
+                <a:ea typeface="Source Sans Pro"/>
+                <a:cs typeface="Source Sans Pro"/>
+                <a:sym typeface="Source Sans Pro"/>
+              </a:rPr>
+              <a:t>: </a:t>
+            </a:r>
+            <a:r>
+              <a:rPr kumimoji="0" lang="pl-PL" sz="1200" b="0" i="0" u="none" strike="noStrike" cap="none" spc="0" normalizeH="0" baseline="0" dirty="0" err="1">
+                <a:ln>
+                  <a:noFill/>
+                </a:ln>
+                <a:solidFill>
+                  <a:srgbClr val="000000"/>
+                </a:solidFill>
+                <a:effectLst/>
+                <a:uFillTx/>
+                <a:latin typeface="Source Sans Pro"/>
+                <a:ea typeface="Source Sans Pro"/>
+                <a:cs typeface="Source Sans Pro"/>
+                <a:sym typeface="Source Sans Pro"/>
+              </a:rPr>
+              <a:t>numberOf</a:t>
+            </a:r>
+            <a:r>
+              <a:rPr lang="en-US" b="0" dirty="0">
+                <a:solidFill>
+                  <a:srgbClr val="000000"/>
+                </a:solidFill>
+              </a:rPr>
+              <a:t>Roots</a:t>
+            </a:r>
+            <a:r>
+              <a:rPr lang="pl-PL" b="0" dirty="0">
+                <a:solidFill>
+                  <a:srgbClr val="000000"/>
+                </a:solidFill>
+              </a:rPr>
+              <a:t>, </a:t>
+            </a:r>
+            <a:r>
+              <a:rPr lang="en-US" b="0" dirty="0" err="1">
+                <a:solidFill>
+                  <a:srgbClr val="000000"/>
+                </a:solidFill>
+              </a:rPr>
+              <a:t>meanDepth</a:t>
+            </a:r>
+            <a:r>
+              <a:rPr lang="pl-PL" b="0" dirty="0">
+                <a:solidFill>
+                  <a:srgbClr val="000000"/>
+                </a:solidFill>
+              </a:rPr>
+              <a:t>, </a:t>
+            </a:r>
+            <a:r>
+              <a:rPr lang="en-US" b="0" dirty="0" err="1">
+                <a:solidFill>
+                  <a:srgbClr val="000000"/>
+                </a:solidFill>
+              </a:rPr>
+              <a:t>weightedRoot</a:t>
+            </a:r>
+            <a:r>
+              <a:rPr lang="en-US" b="0" dirty="0">
+                <a:solidFill>
+                  <a:srgbClr val="000000"/>
+                </a:solidFill>
+              </a:rPr>
+              <a:t> (</a:t>
+            </a:r>
+            <a:r>
+              <a:rPr lang="pl-PL" b="0" dirty="0" err="1">
+                <a:solidFill>
+                  <a:srgbClr val="000000"/>
+                </a:solidFill>
+              </a:rPr>
+              <a:t>last</a:t>
+            </a:r>
+            <a:r>
+              <a:rPr lang="pl-PL" b="0" dirty="0">
+                <a:solidFill>
+                  <a:srgbClr val="000000"/>
+                </a:solidFill>
+              </a:rPr>
+              <a:t> </a:t>
+            </a:r>
+            <a:r>
+              <a:rPr lang="pl-PL" b="0" dirty="0" err="1">
+                <a:solidFill>
+                  <a:srgbClr val="000000"/>
+                </a:solidFill>
+              </a:rPr>
+              <a:t>two</a:t>
+            </a:r>
+            <a:r>
+              <a:rPr lang="pl-PL" b="0" dirty="0">
+                <a:solidFill>
+                  <a:srgbClr val="000000"/>
+                </a:solidFill>
+              </a:rPr>
+              <a:t>  </a:t>
+            </a:r>
+            <a:r>
+              <a:rPr lang="en-US" b="0" dirty="0">
+                <a:solidFill>
+                  <a:srgbClr val="000000"/>
+                </a:solidFill>
+              </a:rPr>
+              <a:t>weighted by </a:t>
+            </a:r>
+            <a:r>
+              <a:rPr lang="pl-PL" b="0" dirty="0">
+                <a:solidFill>
+                  <a:srgbClr val="000000"/>
+                </a:solidFill>
+              </a:rPr>
+              <a:t>G</a:t>
+            </a:r>
+            <a:r>
+              <a:rPr lang="en-US" b="0" dirty="0" err="1">
+                <a:solidFill>
+                  <a:srgbClr val="000000"/>
+                </a:solidFill>
+              </a:rPr>
+              <a:t>ain</a:t>
+            </a:r>
+            <a:r>
+              <a:rPr lang="pl-PL" b="0" dirty="0">
+                <a:solidFill>
+                  <a:srgbClr val="000000"/>
+                </a:solidFill>
+              </a:rPr>
+              <a:t> of </a:t>
+            </a:r>
+            <a:r>
+              <a:rPr lang="en-US" b="0" dirty="0">
+                <a:solidFill>
+                  <a:srgbClr val="000000"/>
+                </a:solidFill>
+              </a:rPr>
+              <a:t>variable)</a:t>
+            </a:r>
+          </a:p>
+        </p:txBody>
+      </p:sp>
+      <p:sp>
+        <p:nvSpPr>
+          <p:cNvPr id="26" name="pole tekstowe 25">
+            <a:extLst>
+              <a:ext uri="{FF2B5EF4-FFF2-40B4-BE49-F238E27FC236}">
+                <a16:creationId xmlns:a16="http://schemas.microsoft.com/office/drawing/2014/main" id="{4C08ACEA-BBE9-4032-8440-FF49C174F000}"/>
+              </a:ext>
+            </a:extLst>
+          </p:cNvPr>
+          <p:cNvSpPr txBox="1"/>
+          <p:nvPr/>
+        </p:nvSpPr>
+        <p:spPr>
+          <a:xfrm>
+            <a:off x="2105891" y="3729125"/>
+            <a:ext cx="110270" cy="320520"/>
+          </a:xfrm>
+          <a:prstGeom prst="rect">
+            <a:avLst/>
+          </a:prstGeom>
+          <a:noFill/>
+          <a:ln w="12700" cap="flat">
+            <a:noFill/>
+            <a:miter lim="400000"/>
+          </a:ln>
+          <a:effectLst/>
+          <a:sp3d/>
+        </p:spPr>
+        <p:style>
+          <a:lnRef idx="0">
+            <a:scrgbClr r="0" g="0" b="0"/>
+          </a:lnRef>
+          <a:fillRef idx="0">
+            <a:scrgbClr r="0" g="0" b="0"/>
+          </a:fillRef>
+          <a:effectRef idx="0">
+            <a:scrgbClr r="0" g="0" b="0"/>
+          </a:effectRef>
+          <a:fontRef idx="none"/>
+        </p:style>
+        <p:txBody>
+          <a:bodyPr rot="0" spcFirstLastPara="1" vertOverflow="overflow" horzOverflow="overflow" vert="horz" wrap="none" lIns="54570" tIns="54570" rIns="54570" bIns="54570" numCol="1" spcCol="38100" rtlCol="0" anchor="ctr">
+            <a:spAutoFit/>
+          </a:bodyPr>
+          <a:lstStyle/>
           <a:p>
             <a:pPr marL="0" marR="0" indent="0" algn="l" defTabSz="584200" rtl="0" fontAlgn="auto" latinLnBrk="0" hangingPunct="0">
               <a:lnSpc>
@@ -5846,10 +6914,10 @@
       </p:sp>
       <p:sp>
         <p:nvSpPr>
-          <p:cNvPr id="17" name="pole tekstowe 16">
+          <p:cNvPr id="27" name="pole tekstowe 26">
             <a:extLst>
               <a:ext uri="{FF2B5EF4-FFF2-40B4-BE49-F238E27FC236}">
-                <a16:creationId xmlns:a16="http://schemas.microsoft.com/office/drawing/2014/main" id="{7BF28B84-364B-4A08-A007-D65145FD7B59}"/>
+                <a16:creationId xmlns:a16="http://schemas.microsoft.com/office/drawing/2014/main" id="{DB256376-E3AC-4D8E-97B8-2B59C680938A}"/>
               </a:ext>
             </a:extLst>
           </p:cNvPr>
@@ -5858,8 +6926,1597 @@
         </p:nvSpPr>
         <p:spPr>
           <a:xfrm>
-            <a:off x="4964784" y="6218619"/>
-            <a:ext cx="3765617" cy="1084832"/>
+            <a:off x="546039" y="2934958"/>
+            <a:ext cx="3795194" cy="530834"/>
+          </a:xfrm>
+          <a:prstGeom prst="rect">
+            <a:avLst/>
+          </a:prstGeom>
+          <a:noFill/>
+          <a:ln w="12700" cap="flat">
+            <a:solidFill>
+              <a:schemeClr val="bg2">
+                <a:lumMod val="75000"/>
+              </a:schemeClr>
+            </a:solidFill>
+            <a:miter lim="400000"/>
+          </a:ln>
+          <a:effectLst/>
+          <a:sp3d/>
+        </p:spPr>
+        <p:style>
+          <a:lnRef idx="0">
+            <a:scrgbClr r="0" g="0" b="0"/>
+          </a:lnRef>
+          <a:fillRef idx="0">
+            <a:scrgbClr r="0" g="0" b="0"/>
+          </a:fillRef>
+          <a:effectRef idx="0">
+            <a:scrgbClr r="0" g="0" b="0"/>
+          </a:effectRef>
+          <a:fontRef idx="none"/>
+        </p:style>
+        <p:txBody>
+          <a:bodyPr rot="0" spcFirstLastPara="1" vertOverflow="overflow" horzOverflow="overflow" vert="horz" wrap="square" lIns="54570" tIns="54570" rIns="54570" bIns="54570" numCol="1" spcCol="38100" rtlCol="0" anchor="ctr">
+            <a:spAutoFit/>
+          </a:bodyPr>
+          <a:lstStyle/>
+          <a:p>
+            <a:r>
+              <a:rPr lang="pl-PL" b="0" dirty="0" err="1">
+                <a:solidFill>
+                  <a:srgbClr val="000000"/>
+                </a:solidFill>
+                <a:latin typeface="Menlo"/>
+              </a:rPr>
+              <a:t>devtools</a:t>
+            </a:r>
+            <a:r>
+              <a:rPr lang="pl-PL" b="0" dirty="0">
+                <a:solidFill>
+                  <a:srgbClr val="000000"/>
+                </a:solidFill>
+                <a:latin typeface="Menlo"/>
+              </a:rPr>
+              <a:t> :: </a:t>
+            </a:r>
+            <a:r>
+              <a:rPr lang="pl-PL" dirty="0" err="1">
+                <a:solidFill>
+                  <a:srgbClr val="000000"/>
+                </a:solidFill>
+                <a:latin typeface="Menlo"/>
+              </a:rPr>
+              <a:t>install_github</a:t>
+            </a:r>
+            <a:r>
+              <a:rPr lang="pl-PL" b="0" dirty="0">
+                <a:solidFill>
+                  <a:srgbClr val="000000"/>
+                </a:solidFill>
+                <a:latin typeface="Menlo"/>
+              </a:rPr>
+              <a:t>("</a:t>
+            </a:r>
+            <a:r>
+              <a:rPr lang="pl-PL" b="0" dirty="0" err="1">
+                <a:solidFill>
+                  <a:srgbClr val="000000"/>
+                </a:solidFill>
+                <a:latin typeface="Menlo"/>
+              </a:rPr>
+              <a:t>ekarbowiak</a:t>
+            </a:r>
+            <a:r>
+              <a:rPr lang="pl-PL" b="0" dirty="0">
+                <a:solidFill>
+                  <a:srgbClr val="000000"/>
+                </a:solidFill>
+                <a:latin typeface="Menlo"/>
+              </a:rPr>
+              <a:t>/EIX")</a:t>
+            </a:r>
+          </a:p>
+          <a:p>
+            <a:r>
+              <a:rPr lang="pl-PL" dirty="0" err="1">
+                <a:solidFill>
+                  <a:srgbClr val="000000"/>
+                </a:solidFill>
+                <a:latin typeface="Menlo"/>
+              </a:rPr>
+              <a:t>library</a:t>
+            </a:r>
+            <a:r>
+              <a:rPr lang="pl-PL" b="0" dirty="0">
+                <a:solidFill>
+                  <a:srgbClr val="000000"/>
+                </a:solidFill>
+                <a:latin typeface="Menlo"/>
+              </a:rPr>
+              <a:t>("EIX")</a:t>
+            </a:r>
+          </a:p>
+        </p:txBody>
+      </p:sp>
+      <p:sp>
+        <p:nvSpPr>
+          <p:cNvPr id="28" name="pole tekstowe 27">
+            <a:extLst>
+              <a:ext uri="{FF2B5EF4-FFF2-40B4-BE49-F238E27FC236}">
+                <a16:creationId xmlns:a16="http://schemas.microsoft.com/office/drawing/2014/main" id="{B4B23E5B-2E17-4374-841E-6050F97672DF}"/>
+              </a:ext>
+            </a:extLst>
+          </p:cNvPr>
+          <p:cNvSpPr txBox="1"/>
+          <p:nvPr/>
+        </p:nvSpPr>
+        <p:spPr>
+          <a:xfrm>
+            <a:off x="546038" y="3525551"/>
+            <a:ext cx="3795194" cy="1977384"/>
+          </a:xfrm>
+          <a:prstGeom prst="rect">
+            <a:avLst/>
+          </a:prstGeom>
+          <a:noFill/>
+          <a:ln w="12700" cap="flat">
+            <a:solidFill>
+              <a:schemeClr val="bg2">
+                <a:lumMod val="75000"/>
+              </a:schemeClr>
+            </a:solidFill>
+            <a:miter lim="400000"/>
+          </a:ln>
+          <a:effectLst/>
+          <a:sp3d/>
+        </p:spPr>
+        <p:style>
+          <a:lnRef idx="0">
+            <a:scrgbClr r="0" g="0" b="0"/>
+          </a:lnRef>
+          <a:fillRef idx="0">
+            <a:scrgbClr r="0" g="0" b="0"/>
+          </a:fillRef>
+          <a:effectRef idx="0">
+            <a:scrgbClr r="0" g="0" b="0"/>
+          </a:effectRef>
+          <a:fontRef idx="none"/>
+        </p:style>
+        <p:txBody>
+          <a:bodyPr rot="0" spcFirstLastPara="1" vertOverflow="overflow" horzOverflow="overflow" vert="horz" wrap="square" lIns="54570" tIns="54570" rIns="54570" bIns="54570" numCol="1" spcCol="38100" rtlCol="0" anchor="ctr">
+            <a:spAutoFit/>
+          </a:bodyPr>
+          <a:lstStyle/>
+          <a:p>
+            <a:r>
+              <a:rPr lang="pl-PL" dirty="0" err="1">
+                <a:solidFill>
+                  <a:srgbClr val="000000"/>
+                </a:solidFill>
+                <a:latin typeface="Menlo"/>
+              </a:rPr>
+              <a:t>library</a:t>
+            </a:r>
+            <a:r>
+              <a:rPr lang="pl-PL" b="0" dirty="0">
+                <a:solidFill>
+                  <a:srgbClr val="000000"/>
+                </a:solidFill>
+                <a:latin typeface="Menlo"/>
+              </a:rPr>
+              <a:t>("Matrix")</a:t>
+            </a:r>
+          </a:p>
+          <a:p>
+            <a:r>
+              <a:rPr lang="pl-PL" dirty="0" err="1">
+                <a:solidFill>
+                  <a:srgbClr val="000000"/>
+                </a:solidFill>
+                <a:latin typeface="Menlo"/>
+              </a:rPr>
+              <a:t>library</a:t>
+            </a:r>
+            <a:r>
+              <a:rPr lang="pl-PL" b="0" dirty="0">
+                <a:solidFill>
+                  <a:srgbClr val="000000"/>
+                </a:solidFill>
+                <a:latin typeface="Menlo"/>
+              </a:rPr>
+              <a:t>("</a:t>
+            </a:r>
+            <a:r>
+              <a:rPr lang="pl-PL" b="0" dirty="0" err="1">
+                <a:solidFill>
+                  <a:srgbClr val="000000"/>
+                </a:solidFill>
+                <a:latin typeface="Menlo"/>
+              </a:rPr>
+              <a:t>data.table</a:t>
+            </a:r>
+            <a:r>
+              <a:rPr lang="pl-PL" b="0" dirty="0">
+                <a:solidFill>
+                  <a:srgbClr val="000000"/>
+                </a:solidFill>
+                <a:latin typeface="Menlo"/>
+              </a:rPr>
+              <a:t>")</a:t>
+            </a:r>
+          </a:p>
+          <a:p>
+            <a:r>
+              <a:rPr lang="pl-PL" dirty="0" err="1">
+                <a:solidFill>
+                  <a:srgbClr val="000000"/>
+                </a:solidFill>
+                <a:latin typeface="Menlo"/>
+              </a:rPr>
+              <a:t>library</a:t>
+            </a:r>
+            <a:r>
+              <a:rPr lang="pl-PL" b="0" dirty="0">
+                <a:solidFill>
+                  <a:srgbClr val="000000"/>
+                </a:solidFill>
+                <a:latin typeface="Menlo"/>
+              </a:rPr>
+              <a:t>("</a:t>
+            </a:r>
+            <a:r>
+              <a:rPr lang="pl-PL" b="0" dirty="0" err="1">
+                <a:solidFill>
+                  <a:srgbClr val="000000"/>
+                </a:solidFill>
+                <a:latin typeface="Menlo"/>
+              </a:rPr>
+              <a:t>xgboost</a:t>
+            </a:r>
+            <a:r>
+              <a:rPr lang="pl-PL" b="0" dirty="0">
+                <a:solidFill>
+                  <a:srgbClr val="000000"/>
+                </a:solidFill>
+                <a:latin typeface="Menlo"/>
+              </a:rPr>
+              <a:t>")</a:t>
+            </a:r>
+          </a:p>
+          <a:p>
+            <a:r>
+              <a:rPr lang="pl-PL" b="0" dirty="0" err="1">
+                <a:solidFill>
+                  <a:srgbClr val="000000"/>
+                </a:solidFill>
+                <a:latin typeface="Menlo"/>
+              </a:rPr>
+              <a:t>dt_HR</a:t>
+            </a:r>
+            <a:r>
+              <a:rPr lang="pl-PL" b="0" dirty="0">
+                <a:solidFill>
+                  <a:srgbClr val="000000"/>
+                </a:solidFill>
+                <a:latin typeface="Menlo"/>
+              </a:rPr>
+              <a:t> &lt;- </a:t>
+            </a:r>
+            <a:r>
+              <a:rPr lang="pl-PL" dirty="0" err="1">
+                <a:solidFill>
+                  <a:srgbClr val="000000"/>
+                </a:solidFill>
+                <a:latin typeface="Menlo"/>
+              </a:rPr>
+              <a:t>data.table</a:t>
+            </a:r>
+            <a:r>
+              <a:rPr lang="pl-PL" b="0" dirty="0">
+                <a:solidFill>
+                  <a:srgbClr val="000000"/>
+                </a:solidFill>
+                <a:latin typeface="Menlo"/>
+              </a:rPr>
+              <a:t>(</a:t>
+            </a:r>
+            <a:r>
+              <a:rPr lang="pl-PL" b="0" dirty="0" err="1">
+                <a:solidFill>
+                  <a:srgbClr val="000000"/>
+                </a:solidFill>
+                <a:latin typeface="Menlo"/>
+              </a:rPr>
+              <a:t>HR_data</a:t>
+            </a:r>
+            <a:r>
+              <a:rPr lang="pl-PL" b="0" dirty="0">
+                <a:solidFill>
+                  <a:srgbClr val="000000"/>
+                </a:solidFill>
+                <a:latin typeface="Menlo"/>
+              </a:rPr>
+              <a:t>)</a:t>
+            </a:r>
+          </a:p>
+          <a:p>
+            <a:r>
+              <a:rPr lang="pl-PL" b="0" dirty="0" err="1">
+                <a:solidFill>
+                  <a:srgbClr val="000000"/>
+                </a:solidFill>
+                <a:latin typeface="Menlo"/>
+              </a:rPr>
+              <a:t>sm</a:t>
+            </a:r>
+            <a:r>
+              <a:rPr lang="pl-PL" b="0" dirty="0">
+                <a:solidFill>
+                  <a:srgbClr val="000000"/>
+                </a:solidFill>
+                <a:latin typeface="Menlo"/>
+              </a:rPr>
+              <a:t> &lt;- </a:t>
+            </a:r>
+            <a:r>
+              <a:rPr lang="pl-PL" dirty="0" err="1">
+                <a:solidFill>
+                  <a:srgbClr val="000000"/>
+                </a:solidFill>
+                <a:latin typeface="Menlo"/>
+              </a:rPr>
+              <a:t>sparse.model.matrix</a:t>
+            </a:r>
+            <a:r>
+              <a:rPr lang="pl-PL" b="0" dirty="0">
+                <a:solidFill>
+                  <a:srgbClr val="000000"/>
+                </a:solidFill>
+                <a:latin typeface="Menlo"/>
+              </a:rPr>
+              <a:t>(</a:t>
+            </a:r>
+            <a:r>
+              <a:rPr lang="pl-PL" b="0" dirty="0" err="1">
+                <a:solidFill>
+                  <a:srgbClr val="000000"/>
+                </a:solidFill>
+                <a:latin typeface="Menlo"/>
+              </a:rPr>
+              <a:t>left</a:t>
+            </a:r>
+            <a:r>
+              <a:rPr lang="pl-PL" b="0" dirty="0">
+                <a:solidFill>
+                  <a:srgbClr val="000000"/>
+                </a:solidFill>
+                <a:latin typeface="Menlo"/>
+              </a:rPr>
+              <a:t> ~ . - 1,  data = </a:t>
+            </a:r>
+            <a:r>
+              <a:rPr lang="pl-PL" b="0" dirty="0" err="1">
+                <a:solidFill>
+                  <a:srgbClr val="000000"/>
+                </a:solidFill>
+                <a:latin typeface="Menlo"/>
+              </a:rPr>
+              <a:t>dt_HR</a:t>
+            </a:r>
+            <a:r>
+              <a:rPr lang="pl-PL" b="0" dirty="0">
+                <a:solidFill>
+                  <a:srgbClr val="000000"/>
+                </a:solidFill>
+                <a:latin typeface="Menlo"/>
+              </a:rPr>
+              <a:t>)</a:t>
+            </a:r>
+          </a:p>
+          <a:p>
+            <a:r>
+              <a:rPr lang="pl-PL" b="0" dirty="0">
+                <a:solidFill>
+                  <a:srgbClr val="000000"/>
+                </a:solidFill>
+                <a:latin typeface="Menlo"/>
+              </a:rPr>
+              <a:t>param &lt;- list(</a:t>
+            </a:r>
+            <a:r>
+              <a:rPr lang="pl-PL" b="0" dirty="0" err="1">
+                <a:solidFill>
+                  <a:srgbClr val="000000"/>
+                </a:solidFill>
+                <a:latin typeface="Menlo"/>
+              </a:rPr>
+              <a:t>objective</a:t>
+            </a:r>
+            <a:r>
+              <a:rPr lang="pl-PL" b="0" dirty="0">
+                <a:solidFill>
+                  <a:srgbClr val="000000"/>
+                </a:solidFill>
+                <a:latin typeface="Menlo"/>
+              </a:rPr>
+              <a:t> = "</a:t>
+            </a:r>
+            <a:r>
+              <a:rPr lang="pl-PL" b="0" dirty="0" err="1">
+                <a:solidFill>
+                  <a:srgbClr val="000000"/>
+                </a:solidFill>
+                <a:latin typeface="Menlo"/>
+              </a:rPr>
+              <a:t>binary:logistic</a:t>
+            </a:r>
+            <a:r>
+              <a:rPr lang="pl-PL" b="0" dirty="0">
+                <a:solidFill>
+                  <a:srgbClr val="000000"/>
+                </a:solidFill>
+                <a:latin typeface="Menlo"/>
+              </a:rPr>
+              <a:t>", </a:t>
+            </a:r>
+            <a:r>
+              <a:rPr lang="pl-PL" b="0" dirty="0" err="1">
+                <a:solidFill>
+                  <a:srgbClr val="000000"/>
+                </a:solidFill>
+                <a:latin typeface="Menlo"/>
+              </a:rPr>
+              <a:t>base_score</a:t>
+            </a:r>
+            <a:r>
+              <a:rPr lang="pl-PL" b="0" dirty="0">
+                <a:solidFill>
+                  <a:srgbClr val="000000"/>
+                </a:solidFill>
+                <a:latin typeface="Menlo"/>
+              </a:rPr>
+              <a:t> = 0.5, 				</a:t>
+            </a:r>
+            <a:r>
+              <a:rPr lang="pl-PL" b="0" dirty="0" err="1">
+                <a:solidFill>
+                  <a:srgbClr val="000000"/>
+                </a:solidFill>
+                <a:latin typeface="Menlo"/>
+              </a:rPr>
+              <a:t>max_depth</a:t>
+            </a:r>
+            <a:r>
+              <a:rPr lang="pl-PL" b="0" dirty="0">
+                <a:solidFill>
+                  <a:srgbClr val="000000"/>
+                </a:solidFill>
+                <a:latin typeface="Menlo"/>
+              </a:rPr>
+              <a:t> = 2)</a:t>
+            </a:r>
+          </a:p>
+          <a:p>
+            <a:r>
+              <a:rPr lang="pl-PL" b="0" dirty="0" err="1">
+                <a:solidFill>
+                  <a:srgbClr val="000000"/>
+                </a:solidFill>
+                <a:latin typeface="Menlo"/>
+              </a:rPr>
+              <a:t>xgb.model</a:t>
+            </a:r>
+            <a:r>
+              <a:rPr lang="pl-PL" b="0" dirty="0">
+                <a:solidFill>
+                  <a:srgbClr val="000000"/>
+                </a:solidFill>
+                <a:latin typeface="Menlo"/>
+              </a:rPr>
+              <a:t> &lt;- </a:t>
+            </a:r>
+            <a:r>
+              <a:rPr lang="pl-PL" dirty="0" err="1">
+                <a:solidFill>
+                  <a:srgbClr val="000000"/>
+                </a:solidFill>
+                <a:latin typeface="Menlo"/>
+              </a:rPr>
+              <a:t>xgboost</a:t>
+            </a:r>
+            <a:r>
+              <a:rPr lang="pl-PL" b="0" dirty="0">
+                <a:solidFill>
+                  <a:srgbClr val="000000"/>
+                </a:solidFill>
+                <a:latin typeface="Menlo"/>
+              </a:rPr>
+              <a:t>( param = param, data = </a:t>
+            </a:r>
+            <a:r>
+              <a:rPr lang="pl-PL" b="0" dirty="0" err="1">
+                <a:solidFill>
+                  <a:srgbClr val="000000"/>
+                </a:solidFill>
+                <a:latin typeface="Menlo"/>
+              </a:rPr>
+              <a:t>sm</a:t>
+            </a:r>
+            <a:r>
+              <a:rPr lang="pl-PL" b="0" dirty="0">
+                <a:solidFill>
+                  <a:srgbClr val="000000"/>
+                </a:solidFill>
+                <a:latin typeface="Menlo"/>
+              </a:rPr>
+              <a:t>, </a:t>
+            </a:r>
+          </a:p>
+          <a:p>
+            <a:r>
+              <a:rPr lang="pl-PL" b="0" dirty="0" err="1">
+                <a:solidFill>
+                  <a:srgbClr val="000000"/>
+                </a:solidFill>
+                <a:latin typeface="Menlo"/>
+              </a:rPr>
+              <a:t>label</a:t>
+            </a:r>
+            <a:r>
+              <a:rPr lang="pl-PL" b="0" dirty="0">
+                <a:solidFill>
+                  <a:srgbClr val="000000"/>
+                </a:solidFill>
+                <a:latin typeface="Menlo"/>
+              </a:rPr>
+              <a:t> = </a:t>
+            </a:r>
+            <a:r>
+              <a:rPr lang="pl-PL" b="0" dirty="0" err="1">
+                <a:solidFill>
+                  <a:srgbClr val="000000"/>
+                </a:solidFill>
+                <a:latin typeface="Menlo"/>
+              </a:rPr>
+              <a:t>dt_HR</a:t>
+            </a:r>
+            <a:r>
+              <a:rPr lang="pl-PL" b="0" dirty="0">
+                <a:solidFill>
+                  <a:srgbClr val="000000"/>
+                </a:solidFill>
+                <a:latin typeface="Menlo"/>
+              </a:rPr>
+              <a:t>[, </a:t>
+            </a:r>
+            <a:r>
+              <a:rPr lang="pl-PL" b="0" dirty="0" err="1">
+                <a:solidFill>
+                  <a:srgbClr val="000000"/>
+                </a:solidFill>
+                <a:latin typeface="Menlo"/>
+              </a:rPr>
+              <a:t>left</a:t>
+            </a:r>
+            <a:r>
+              <a:rPr lang="pl-PL" b="0" dirty="0">
+                <a:solidFill>
+                  <a:srgbClr val="000000"/>
+                </a:solidFill>
+                <a:latin typeface="Menlo"/>
+              </a:rPr>
+              <a:t>] == 1, </a:t>
+            </a:r>
+            <a:r>
+              <a:rPr lang="pl-PL" b="0" dirty="0" err="1">
+                <a:solidFill>
+                  <a:srgbClr val="000000"/>
+                </a:solidFill>
+                <a:latin typeface="Menlo"/>
+              </a:rPr>
+              <a:t>nrounds</a:t>
+            </a:r>
+            <a:r>
+              <a:rPr lang="pl-PL" b="0" dirty="0">
+                <a:solidFill>
+                  <a:srgbClr val="000000"/>
+                </a:solidFill>
+                <a:latin typeface="Menlo"/>
+              </a:rPr>
+              <a:t> = 50, </a:t>
+            </a:r>
+            <a:r>
+              <a:rPr lang="pl-PL" b="0" dirty="0" err="1">
+                <a:solidFill>
+                  <a:srgbClr val="000000"/>
+                </a:solidFill>
+                <a:latin typeface="Menlo"/>
+              </a:rPr>
+              <a:t>verbose</a:t>
+            </a:r>
+            <a:r>
+              <a:rPr lang="pl-PL" b="0" dirty="0">
+                <a:solidFill>
+                  <a:srgbClr val="000000"/>
+                </a:solidFill>
+                <a:latin typeface="Menlo"/>
+              </a:rPr>
+              <a:t> = FALSE)</a:t>
+            </a:r>
+          </a:p>
+        </p:txBody>
+      </p:sp>
+      <p:sp>
+        <p:nvSpPr>
+          <p:cNvPr id="29" name="pole tekstowe 28">
+            <a:extLst>
+              <a:ext uri="{FF2B5EF4-FFF2-40B4-BE49-F238E27FC236}">
+                <a16:creationId xmlns:a16="http://schemas.microsoft.com/office/drawing/2014/main" id="{57897840-60C0-4E48-9F1E-11A399E7DBB7}"/>
+              </a:ext>
+            </a:extLst>
+          </p:cNvPr>
+          <p:cNvSpPr txBox="1"/>
+          <p:nvPr/>
+        </p:nvSpPr>
+        <p:spPr>
+          <a:xfrm>
+            <a:off x="559951" y="6610767"/>
+            <a:ext cx="3795194" cy="530834"/>
+          </a:xfrm>
+          <a:prstGeom prst="rect">
+            <a:avLst/>
+          </a:prstGeom>
+          <a:noFill/>
+          <a:ln w="12700" cap="flat">
+            <a:solidFill>
+              <a:schemeClr val="bg2">
+                <a:lumMod val="75000"/>
+              </a:schemeClr>
+            </a:solidFill>
+            <a:miter lim="400000"/>
+          </a:ln>
+          <a:effectLst/>
+          <a:sp3d/>
+        </p:spPr>
+        <p:style>
+          <a:lnRef idx="0">
+            <a:scrgbClr r="0" g="0" b="0"/>
+          </a:lnRef>
+          <a:fillRef idx="0">
+            <a:scrgbClr r="0" g="0" b="0"/>
+          </a:fillRef>
+          <a:effectRef idx="0">
+            <a:scrgbClr r="0" g="0" b="0"/>
+          </a:effectRef>
+          <a:fontRef idx="none"/>
+        </p:style>
+        <p:txBody>
+          <a:bodyPr rot="0" spcFirstLastPara="1" vertOverflow="overflow" horzOverflow="overflow" vert="horz" wrap="square" lIns="54570" tIns="54570" rIns="54570" bIns="54570" numCol="1" spcCol="38100" rtlCol="0" anchor="ctr">
+            <a:spAutoFit/>
+          </a:bodyPr>
+          <a:lstStyle/>
+          <a:p>
+            <a:r>
+              <a:rPr lang="pl-PL" b="0" dirty="0" err="1">
+                <a:solidFill>
+                  <a:srgbClr val="000000"/>
+                </a:solidFill>
+                <a:latin typeface="Menlo"/>
+              </a:rPr>
+              <a:t>lolli</a:t>
+            </a:r>
+            <a:r>
+              <a:rPr lang="pl-PL" b="0" dirty="0">
+                <a:solidFill>
+                  <a:srgbClr val="000000"/>
+                </a:solidFill>
+                <a:latin typeface="Menlo"/>
+              </a:rPr>
+              <a:t> &lt;- </a:t>
+            </a:r>
+            <a:r>
+              <a:rPr lang="pl-PL" dirty="0" err="1">
+                <a:solidFill>
+                  <a:srgbClr val="000000"/>
+                </a:solidFill>
+                <a:latin typeface="Menlo"/>
+              </a:rPr>
+              <a:t>EIX_lollipop</a:t>
+            </a:r>
+            <a:r>
+              <a:rPr lang="pl-PL" b="0" dirty="0">
+                <a:solidFill>
+                  <a:srgbClr val="000000"/>
+                </a:solidFill>
+                <a:latin typeface="Menlo"/>
+              </a:rPr>
+              <a:t>(</a:t>
+            </a:r>
+            <a:r>
+              <a:rPr lang="pl-PL" b="0" dirty="0" err="1">
+                <a:solidFill>
+                  <a:srgbClr val="000000"/>
+                </a:solidFill>
+                <a:latin typeface="Menlo"/>
+              </a:rPr>
+              <a:t>xgb.model</a:t>
+            </a:r>
+            <a:r>
+              <a:rPr lang="pl-PL" b="0" dirty="0">
+                <a:solidFill>
+                  <a:srgbClr val="000000"/>
+                </a:solidFill>
+                <a:latin typeface="Menlo"/>
+              </a:rPr>
+              <a:t>, </a:t>
+            </a:r>
+            <a:r>
+              <a:rPr lang="pl-PL" b="0" dirty="0" err="1">
+                <a:solidFill>
+                  <a:srgbClr val="000000"/>
+                </a:solidFill>
+                <a:latin typeface="Menlo"/>
+              </a:rPr>
+              <a:t>sm</a:t>
+            </a:r>
+            <a:r>
+              <a:rPr lang="pl-PL" b="0" dirty="0">
+                <a:solidFill>
+                  <a:srgbClr val="000000"/>
+                </a:solidFill>
+                <a:latin typeface="Menlo"/>
+              </a:rPr>
+              <a:t>)</a:t>
+            </a:r>
+          </a:p>
+          <a:p>
+            <a:r>
+              <a:rPr lang="pl-PL" dirty="0">
+                <a:solidFill>
+                  <a:srgbClr val="000000"/>
+                </a:solidFill>
+                <a:latin typeface="Menlo"/>
+              </a:rPr>
+              <a:t>plot</a:t>
+            </a:r>
+            <a:r>
+              <a:rPr lang="pl-PL" b="0" dirty="0">
+                <a:solidFill>
+                  <a:srgbClr val="000000"/>
+                </a:solidFill>
+                <a:latin typeface="Menlo"/>
+              </a:rPr>
+              <a:t>(</a:t>
+            </a:r>
+            <a:r>
+              <a:rPr lang="pl-PL" b="0" dirty="0" err="1">
+                <a:solidFill>
+                  <a:srgbClr val="000000"/>
+                </a:solidFill>
+                <a:latin typeface="Menlo"/>
+              </a:rPr>
+              <a:t>lolli</a:t>
+            </a:r>
+            <a:r>
+              <a:rPr lang="pl-PL" b="0" dirty="0">
+                <a:solidFill>
+                  <a:srgbClr val="000000"/>
+                </a:solidFill>
+                <a:latin typeface="Menlo"/>
+              </a:rPr>
+              <a:t>, </a:t>
+            </a:r>
+            <a:r>
+              <a:rPr lang="pl-PL" b="0" dirty="0" err="1">
+                <a:solidFill>
+                  <a:srgbClr val="000000"/>
+                </a:solidFill>
+                <a:latin typeface="Menlo"/>
+              </a:rPr>
+              <a:t>labels</a:t>
+            </a:r>
+            <a:r>
+              <a:rPr lang="pl-PL" b="0" dirty="0">
+                <a:solidFill>
+                  <a:srgbClr val="000000"/>
+                </a:solidFill>
+                <a:latin typeface="Menlo"/>
+              </a:rPr>
+              <a:t> = "</a:t>
+            </a:r>
+            <a:r>
+              <a:rPr lang="pl-PL" b="0" dirty="0" err="1">
+                <a:solidFill>
+                  <a:srgbClr val="000000"/>
+                </a:solidFill>
+                <a:latin typeface="Menlo"/>
+              </a:rPr>
+              <a:t>topAll</a:t>
+            </a:r>
+            <a:r>
+              <a:rPr lang="pl-PL" b="0" dirty="0">
+                <a:solidFill>
+                  <a:srgbClr val="000000"/>
+                </a:solidFill>
+                <a:latin typeface="Menlo"/>
+              </a:rPr>
+              <a:t>", </a:t>
+            </a:r>
+            <a:r>
+              <a:rPr lang="pl-PL" b="0" dirty="0" err="1">
+                <a:solidFill>
+                  <a:srgbClr val="000000"/>
+                </a:solidFill>
+                <a:latin typeface="Menlo"/>
+              </a:rPr>
+              <a:t>log_scale</a:t>
+            </a:r>
+            <a:r>
+              <a:rPr lang="pl-PL" b="0" dirty="0">
+                <a:solidFill>
+                  <a:srgbClr val="000000"/>
+                </a:solidFill>
+                <a:latin typeface="Menlo"/>
+              </a:rPr>
+              <a:t> = TRUE)</a:t>
+            </a:r>
+          </a:p>
+        </p:txBody>
+      </p:sp>
+      <p:sp>
+        <p:nvSpPr>
+          <p:cNvPr id="30" name="pole tekstowe 29">
+            <a:extLst>
+              <a:ext uri="{FF2B5EF4-FFF2-40B4-BE49-F238E27FC236}">
+                <a16:creationId xmlns:a16="http://schemas.microsoft.com/office/drawing/2014/main" id="{1C0ABE41-7282-437E-97E1-94CED0458088}"/>
+              </a:ext>
+            </a:extLst>
+          </p:cNvPr>
+          <p:cNvSpPr txBox="1"/>
+          <p:nvPr/>
+        </p:nvSpPr>
+        <p:spPr>
+          <a:xfrm>
+            <a:off x="8816169" y="6078236"/>
+            <a:ext cx="4048902" cy="925814"/>
+          </a:xfrm>
+          <a:prstGeom prst="rect">
+            <a:avLst/>
+          </a:prstGeom>
+          <a:noFill/>
+          <a:ln w="12700" cap="flat">
+            <a:solidFill>
+              <a:schemeClr val="bg2">
+                <a:lumMod val="75000"/>
+              </a:schemeClr>
+            </a:solidFill>
+            <a:miter lim="400000"/>
+          </a:ln>
+          <a:effectLst/>
+          <a:sp3d/>
+        </p:spPr>
+        <p:style>
+          <a:lnRef idx="0">
+            <a:scrgbClr r="0" g="0" b="0"/>
+          </a:lnRef>
+          <a:fillRef idx="0">
+            <a:scrgbClr r="0" g="0" b="0"/>
+          </a:fillRef>
+          <a:effectRef idx="0">
+            <a:scrgbClr r="0" g="0" b="0"/>
+          </a:effectRef>
+          <a:fontRef idx="none"/>
+        </p:style>
+        <p:txBody>
+          <a:bodyPr rot="0" spcFirstLastPara="1" vertOverflow="overflow" horzOverflow="overflow" vert="horz" wrap="square" lIns="54570" tIns="54570" rIns="54570" bIns="54570" numCol="1" spcCol="38100" rtlCol="0" anchor="ctr">
+            <a:spAutoFit/>
+          </a:bodyPr>
+          <a:lstStyle/>
+          <a:p>
+            <a:r>
+              <a:rPr lang="en-US" b="0" dirty="0" err="1">
+                <a:solidFill>
+                  <a:srgbClr val="000000"/>
+                </a:solidFill>
+                <a:latin typeface="Menlo"/>
+              </a:rPr>
+              <a:t>new_observation</a:t>
+            </a:r>
+            <a:r>
+              <a:rPr lang="en-US" b="0" dirty="0">
+                <a:solidFill>
+                  <a:srgbClr val="000000"/>
+                </a:solidFill>
+                <a:latin typeface="Menlo"/>
+              </a:rPr>
+              <a:t> &lt;- </a:t>
+            </a:r>
+            <a:r>
+              <a:rPr lang="en-US" b="0" dirty="0" err="1">
+                <a:solidFill>
+                  <a:srgbClr val="000000"/>
+                </a:solidFill>
+                <a:latin typeface="Menlo"/>
+              </a:rPr>
+              <a:t>sm</a:t>
+            </a:r>
+            <a:r>
+              <a:rPr lang="en-US" b="0" dirty="0">
+                <a:solidFill>
+                  <a:srgbClr val="000000"/>
+                </a:solidFill>
+                <a:latin typeface="Menlo"/>
+              </a:rPr>
+              <a:t>[9,]</a:t>
+            </a:r>
+          </a:p>
+          <a:p>
+            <a:r>
+              <a:rPr lang="en-US" b="0" dirty="0" err="1">
+                <a:solidFill>
+                  <a:srgbClr val="000000"/>
+                </a:solidFill>
+                <a:latin typeface="Menlo"/>
+              </a:rPr>
+              <a:t>wf</a:t>
+            </a:r>
+            <a:r>
+              <a:rPr lang="en-US" b="0" dirty="0">
+                <a:solidFill>
+                  <a:srgbClr val="000000"/>
+                </a:solidFill>
+                <a:latin typeface="Menlo"/>
+              </a:rPr>
+              <a:t> &lt;- </a:t>
+            </a:r>
+            <a:r>
+              <a:rPr lang="en-US" dirty="0" err="1">
+                <a:solidFill>
+                  <a:srgbClr val="000000"/>
+                </a:solidFill>
+                <a:latin typeface="Menlo"/>
+              </a:rPr>
+              <a:t>EIX_waterfallPlot</a:t>
+            </a:r>
+            <a:r>
+              <a:rPr lang="en-US" b="0" dirty="0">
+                <a:solidFill>
+                  <a:srgbClr val="000000"/>
+                </a:solidFill>
+                <a:latin typeface="Menlo"/>
+              </a:rPr>
+              <a:t>(</a:t>
+            </a:r>
+            <a:r>
+              <a:rPr lang="en-US" b="0" dirty="0" err="1">
+                <a:solidFill>
+                  <a:srgbClr val="000000"/>
+                </a:solidFill>
+                <a:latin typeface="Menlo"/>
+              </a:rPr>
+              <a:t>xgb.model</a:t>
+            </a:r>
+            <a:r>
+              <a:rPr lang="en-US" b="0" dirty="0">
+                <a:solidFill>
+                  <a:srgbClr val="000000"/>
+                </a:solidFill>
+                <a:latin typeface="Menlo"/>
+              </a:rPr>
+              <a:t>, </a:t>
+            </a:r>
+            <a:r>
+              <a:rPr lang="en-US" b="0" dirty="0" err="1">
+                <a:solidFill>
+                  <a:srgbClr val="000000"/>
+                </a:solidFill>
+                <a:latin typeface="Menlo"/>
+              </a:rPr>
+              <a:t>new_observation</a:t>
+            </a:r>
+            <a:r>
+              <a:rPr lang="en-US" b="0" dirty="0">
+                <a:solidFill>
+                  <a:srgbClr val="000000"/>
+                </a:solidFill>
+                <a:latin typeface="Menlo"/>
+              </a:rPr>
+              <a:t>, </a:t>
+            </a:r>
+            <a:br>
+              <a:rPr lang="en-US" b="0" dirty="0">
+                <a:solidFill>
+                  <a:srgbClr val="000000"/>
+                </a:solidFill>
+                <a:latin typeface="Menlo"/>
+              </a:rPr>
+            </a:br>
+            <a:r>
+              <a:rPr lang="en-US" b="0" dirty="0">
+                <a:solidFill>
+                  <a:srgbClr val="000000"/>
+                </a:solidFill>
+                <a:latin typeface="Menlo"/>
+              </a:rPr>
+              <a:t>	        option = "interactions ")</a:t>
+            </a:r>
+          </a:p>
+          <a:p>
+            <a:r>
+              <a:rPr lang="en-US" dirty="0">
+                <a:solidFill>
+                  <a:srgbClr val="000000"/>
+                </a:solidFill>
+                <a:latin typeface="Menlo"/>
+              </a:rPr>
+              <a:t>plot</a:t>
+            </a:r>
+            <a:r>
+              <a:rPr lang="en-US" b="0" dirty="0">
+                <a:solidFill>
+                  <a:srgbClr val="000000"/>
+                </a:solidFill>
+                <a:latin typeface="Menlo"/>
+              </a:rPr>
+              <a:t>(</a:t>
+            </a:r>
+            <a:r>
+              <a:rPr lang="en-US" b="0" dirty="0" err="1">
+                <a:solidFill>
+                  <a:srgbClr val="000000"/>
+                </a:solidFill>
+                <a:latin typeface="Menlo"/>
+              </a:rPr>
+              <a:t>wf</a:t>
+            </a:r>
+            <a:r>
+              <a:rPr lang="en-US" b="0" dirty="0">
+                <a:solidFill>
+                  <a:srgbClr val="000000"/>
+                </a:solidFill>
+                <a:latin typeface="Menlo"/>
+              </a:rPr>
+              <a:t>)</a:t>
+            </a:r>
+            <a:endParaRPr lang="pl-PL" b="0" dirty="0">
+              <a:solidFill>
+                <a:srgbClr val="000000"/>
+              </a:solidFill>
+              <a:latin typeface="Menlo"/>
+            </a:endParaRPr>
+          </a:p>
+        </p:txBody>
+      </p:sp>
+      <p:sp>
+        <p:nvSpPr>
+          <p:cNvPr id="31" name="pole tekstowe 30">
+            <a:extLst>
+              <a:ext uri="{FF2B5EF4-FFF2-40B4-BE49-F238E27FC236}">
+                <a16:creationId xmlns:a16="http://schemas.microsoft.com/office/drawing/2014/main" id="{71919C40-33D5-4EC3-98A9-6353B3F808B5}"/>
+              </a:ext>
+            </a:extLst>
+          </p:cNvPr>
+          <p:cNvSpPr txBox="1"/>
+          <p:nvPr/>
+        </p:nvSpPr>
+        <p:spPr>
+          <a:xfrm>
+            <a:off x="4753024" y="6151504"/>
+            <a:ext cx="3616075" cy="715500"/>
+          </a:xfrm>
+          <a:prstGeom prst="rect">
+            <a:avLst/>
+          </a:prstGeom>
+          <a:noFill/>
+          <a:ln w="12700" cap="flat">
+            <a:solidFill>
+              <a:schemeClr val="bg2">
+                <a:lumMod val="75000"/>
+              </a:schemeClr>
+            </a:solidFill>
+            <a:miter lim="400000"/>
+          </a:ln>
+          <a:effectLst/>
+          <a:sp3d/>
+        </p:spPr>
+        <p:style>
+          <a:lnRef idx="0">
+            <a:scrgbClr r="0" g="0" b="0"/>
+          </a:lnRef>
+          <a:fillRef idx="0">
+            <a:scrgbClr r="0" g="0" b="0"/>
+          </a:fillRef>
+          <a:effectRef idx="0">
+            <a:scrgbClr r="0" g="0" b="0"/>
+          </a:effectRef>
+          <a:fontRef idx="none"/>
+        </p:style>
+        <p:txBody>
+          <a:bodyPr rot="0" spcFirstLastPara="1" vertOverflow="overflow" horzOverflow="overflow" vert="horz" wrap="square" lIns="54570" tIns="54570" rIns="54570" bIns="54570" numCol="1" spcCol="38100" rtlCol="0" anchor="ctr">
+            <a:spAutoFit/>
+          </a:bodyPr>
+          <a:lstStyle/>
+          <a:p>
+            <a:r>
+              <a:rPr lang="fr-FR" b="0" dirty="0">
+                <a:solidFill>
+                  <a:srgbClr val="000000"/>
+                </a:solidFill>
+                <a:latin typeface="Menlo"/>
+              </a:rPr>
+              <a:t>inter &lt;- </a:t>
+            </a:r>
+            <a:r>
+              <a:rPr lang="fr-FR" dirty="0">
+                <a:solidFill>
+                  <a:srgbClr val="000000"/>
+                </a:solidFill>
+                <a:latin typeface="Menlo"/>
+              </a:rPr>
+              <a:t>interactionsTable</a:t>
+            </a:r>
+            <a:r>
+              <a:rPr lang="fr-FR" b="0" dirty="0">
+                <a:solidFill>
+                  <a:srgbClr val="000000"/>
+                </a:solidFill>
+                <a:latin typeface="Menlo"/>
+              </a:rPr>
+              <a:t>(xgb.model, sm, </a:t>
+            </a:r>
+            <a:br>
+              <a:rPr lang="pl-PL" b="0" dirty="0">
+                <a:solidFill>
+                  <a:srgbClr val="000000"/>
+                </a:solidFill>
+                <a:latin typeface="Menlo"/>
+              </a:rPr>
+            </a:br>
+            <a:r>
+              <a:rPr lang="pl-PL" b="0" dirty="0">
+                <a:solidFill>
+                  <a:srgbClr val="000000"/>
+                </a:solidFill>
+                <a:latin typeface="Menlo"/>
+              </a:rPr>
+              <a:t>			</a:t>
+            </a:r>
+            <a:r>
+              <a:rPr lang="fr-FR" b="0" dirty="0">
+                <a:solidFill>
+                  <a:srgbClr val="000000"/>
+                </a:solidFill>
+                <a:latin typeface="Menlo"/>
+              </a:rPr>
+              <a:t>option = "interactions")</a:t>
+            </a:r>
+          </a:p>
+          <a:p>
+            <a:r>
+              <a:rPr lang="fr-FR" dirty="0">
+                <a:solidFill>
+                  <a:srgbClr val="000000"/>
+                </a:solidFill>
+                <a:latin typeface="Menlo"/>
+              </a:rPr>
+              <a:t>plot</a:t>
+            </a:r>
+            <a:r>
+              <a:rPr lang="fr-FR" b="0" dirty="0">
+                <a:solidFill>
+                  <a:srgbClr val="000000"/>
+                </a:solidFill>
+                <a:latin typeface="Menlo"/>
+              </a:rPr>
+              <a:t>(inter)</a:t>
+            </a:r>
+            <a:endParaRPr lang="pl-PL" b="0" dirty="0">
+              <a:solidFill>
+                <a:srgbClr val="000000"/>
+              </a:solidFill>
+              <a:latin typeface="Menlo"/>
+            </a:endParaRPr>
+          </a:p>
+        </p:txBody>
+      </p:sp>
+      <p:sp>
+        <p:nvSpPr>
+          <p:cNvPr id="32" name="pole tekstowe 31">
+            <a:extLst>
+              <a:ext uri="{FF2B5EF4-FFF2-40B4-BE49-F238E27FC236}">
+                <a16:creationId xmlns:a16="http://schemas.microsoft.com/office/drawing/2014/main" id="{C00ADF54-2A5F-442A-86B8-391A688C600B}"/>
+              </a:ext>
+            </a:extLst>
+          </p:cNvPr>
+          <p:cNvSpPr txBox="1"/>
+          <p:nvPr/>
+        </p:nvSpPr>
+        <p:spPr>
+          <a:xfrm>
+            <a:off x="10572414" y="1432749"/>
+            <a:ext cx="2651500" cy="689852"/>
+          </a:xfrm>
+          <a:prstGeom prst="rect">
+            <a:avLst/>
+          </a:prstGeom>
+          <a:noFill/>
+          <a:ln w="12700" cap="flat">
+            <a:solidFill>
+              <a:schemeClr val="bg2">
+                <a:lumMod val="75000"/>
+              </a:schemeClr>
+            </a:solidFill>
+            <a:miter lim="400000"/>
+          </a:ln>
+          <a:effectLst/>
+          <a:sp3d/>
+        </p:spPr>
+        <p:style>
+          <a:lnRef idx="0">
+            <a:scrgbClr r="0" g="0" b="0"/>
+          </a:lnRef>
+          <a:fillRef idx="0">
+            <a:scrgbClr r="0" g="0" b="0"/>
+          </a:fillRef>
+          <a:effectRef idx="0">
+            <a:scrgbClr r="0" g="0" b="0"/>
+          </a:effectRef>
+          <a:fontRef idx="none"/>
+        </p:style>
+        <p:txBody>
+          <a:bodyPr rot="0" spcFirstLastPara="1" vertOverflow="overflow" horzOverflow="overflow" vert="horz" wrap="square" lIns="54570" tIns="54570" rIns="54570" bIns="54570" numCol="1" spcCol="38100" rtlCol="0" anchor="ctr">
+            <a:spAutoFit/>
+          </a:bodyPr>
+          <a:lstStyle/>
+          <a:p>
+            <a:r>
+              <a:rPr lang="en-US" dirty="0">
+                <a:solidFill>
+                  <a:srgbClr val="000000"/>
+                </a:solidFill>
+                <a:latin typeface="Menlo"/>
+              </a:rPr>
+              <a:t>plot</a:t>
+            </a:r>
+            <a:r>
+              <a:rPr lang="en-US" b="0" dirty="0">
+                <a:solidFill>
+                  <a:srgbClr val="000000"/>
+                </a:solidFill>
+                <a:latin typeface="Menlo"/>
+              </a:rPr>
+              <a:t>(imp, radar = FALSE,</a:t>
+            </a:r>
+            <a:br>
+              <a:rPr lang="en-US" b="0" dirty="0">
+                <a:solidFill>
+                  <a:srgbClr val="000000"/>
+                </a:solidFill>
+                <a:latin typeface="Menlo"/>
+              </a:rPr>
+            </a:br>
+            <a:r>
+              <a:rPr lang="en-US" b="0" dirty="0">
+                <a:solidFill>
+                  <a:srgbClr val="000000"/>
+                </a:solidFill>
+                <a:latin typeface="Menlo"/>
+              </a:rPr>
+              <a:t> </a:t>
+            </a:r>
+            <a:r>
+              <a:rPr lang="en-US" b="0" dirty="0" err="1">
+                <a:solidFill>
+                  <a:srgbClr val="000000"/>
+                </a:solidFill>
+                <a:latin typeface="Menlo"/>
+              </a:rPr>
+              <a:t>xmeasure</a:t>
+            </a:r>
+            <a:r>
+              <a:rPr lang="en-US" b="0" dirty="0">
+                <a:solidFill>
+                  <a:srgbClr val="000000"/>
+                </a:solidFill>
+                <a:latin typeface="Menlo"/>
+              </a:rPr>
+              <a:t> = "</a:t>
+            </a:r>
+            <a:r>
+              <a:rPr lang="en-US" b="0" dirty="0" err="1">
+                <a:solidFill>
+                  <a:srgbClr val="000000"/>
+                </a:solidFill>
+                <a:latin typeface="Menlo"/>
+              </a:rPr>
+              <a:t>sumCover</a:t>
+            </a:r>
+            <a:r>
+              <a:rPr lang="en-US" b="0" dirty="0">
+                <a:solidFill>
+                  <a:srgbClr val="000000"/>
+                </a:solidFill>
+                <a:latin typeface="Menlo"/>
+              </a:rPr>
+              <a:t>", </a:t>
+            </a:r>
+            <a:r>
+              <a:rPr lang="en-US" b="0" dirty="0" err="1">
+                <a:solidFill>
+                  <a:srgbClr val="000000"/>
+                </a:solidFill>
+                <a:latin typeface="Menlo"/>
+              </a:rPr>
+              <a:t>ymeasure</a:t>
+            </a:r>
+            <a:r>
+              <a:rPr lang="en-US" b="0" dirty="0">
+                <a:solidFill>
+                  <a:srgbClr val="000000"/>
+                </a:solidFill>
+                <a:latin typeface="Menlo"/>
+              </a:rPr>
+              <a:t> = "</a:t>
+            </a:r>
+            <a:r>
+              <a:rPr lang="en-US" b="0" dirty="0" err="1">
+                <a:solidFill>
+                  <a:srgbClr val="000000"/>
+                </a:solidFill>
+                <a:latin typeface="Menlo"/>
+              </a:rPr>
+              <a:t>sumGain</a:t>
+            </a:r>
+            <a:r>
+              <a:rPr lang="en-US" b="0" dirty="0">
+                <a:solidFill>
+                  <a:srgbClr val="000000"/>
+                </a:solidFill>
+                <a:latin typeface="Menlo"/>
+              </a:rPr>
+              <a:t>",  top = 10)</a:t>
+            </a:r>
+          </a:p>
+        </p:txBody>
+      </p:sp>
+      <p:sp>
+        <p:nvSpPr>
+          <p:cNvPr id="33" name="pole tekstowe 32">
+            <a:extLst>
+              <a:ext uri="{FF2B5EF4-FFF2-40B4-BE49-F238E27FC236}">
+                <a16:creationId xmlns:a16="http://schemas.microsoft.com/office/drawing/2014/main" id="{BC9A6476-2401-4D5A-A9D7-8525E457A005}"/>
+              </a:ext>
+            </a:extLst>
+          </p:cNvPr>
+          <p:cNvSpPr txBox="1"/>
+          <p:nvPr/>
+        </p:nvSpPr>
+        <p:spPr>
+          <a:xfrm>
+            <a:off x="7932538" y="1435918"/>
+            <a:ext cx="2527790" cy="689852"/>
+          </a:xfrm>
+          <a:prstGeom prst="rect">
+            <a:avLst/>
+          </a:prstGeom>
+          <a:noFill/>
+          <a:ln w="12700" cap="flat">
+            <a:solidFill>
+              <a:schemeClr val="bg2">
+                <a:lumMod val="75000"/>
+              </a:schemeClr>
+            </a:solidFill>
+            <a:miter lim="400000"/>
+          </a:ln>
+          <a:effectLst/>
+          <a:sp3d/>
+        </p:spPr>
+        <p:style>
+          <a:lnRef idx="0">
+            <a:scrgbClr r="0" g="0" b="0"/>
+          </a:lnRef>
+          <a:fillRef idx="0">
+            <a:scrgbClr r="0" g="0" b="0"/>
+          </a:fillRef>
+          <a:effectRef idx="0">
+            <a:scrgbClr r="0" g="0" b="0"/>
+          </a:effectRef>
+          <a:fontRef idx="none"/>
+        </p:style>
+        <p:txBody>
+          <a:bodyPr rot="0" spcFirstLastPara="1" vertOverflow="overflow" horzOverflow="overflow" vert="horz" wrap="square" lIns="54570" tIns="54570" rIns="54570" bIns="54570" numCol="1" spcCol="38100" rtlCol="0" anchor="ctr">
+            <a:spAutoFit/>
+          </a:bodyPr>
+          <a:lstStyle/>
+          <a:p>
+            <a:r>
+              <a:rPr lang="en-US" b="0" dirty="0">
+                <a:solidFill>
+                  <a:srgbClr val="000000"/>
+                </a:solidFill>
+                <a:latin typeface="Menlo"/>
+              </a:rPr>
+              <a:t>imp &lt;- </a:t>
+            </a:r>
+            <a:r>
+              <a:rPr lang="en-US" dirty="0" err="1">
+                <a:solidFill>
+                  <a:srgbClr val="000000"/>
+                </a:solidFill>
+                <a:latin typeface="Menlo"/>
+              </a:rPr>
+              <a:t>importanceTable</a:t>
+            </a:r>
+            <a:r>
+              <a:rPr lang="en-US" b="0" dirty="0">
+                <a:solidFill>
+                  <a:srgbClr val="000000"/>
+                </a:solidFill>
+                <a:latin typeface="Menlo"/>
+              </a:rPr>
+              <a:t>(</a:t>
+            </a:r>
+            <a:r>
+              <a:rPr lang="en-US" b="0" dirty="0" err="1">
+                <a:solidFill>
+                  <a:srgbClr val="000000"/>
+                </a:solidFill>
+                <a:latin typeface="Menlo"/>
+              </a:rPr>
+              <a:t>xgb.model</a:t>
+            </a:r>
+            <a:r>
+              <a:rPr lang="en-US" b="0" dirty="0">
+                <a:solidFill>
+                  <a:srgbClr val="000000"/>
+                </a:solidFill>
+                <a:latin typeface="Menlo"/>
+              </a:rPr>
+              <a:t>, </a:t>
+            </a:r>
+            <a:r>
+              <a:rPr lang="pl-PL" b="0" dirty="0">
+                <a:solidFill>
+                  <a:srgbClr val="000000"/>
+                </a:solidFill>
+                <a:latin typeface="Menlo"/>
+              </a:rPr>
+              <a:t>	</a:t>
+            </a:r>
+            <a:r>
+              <a:rPr lang="en-US" b="0" dirty="0" err="1">
+                <a:solidFill>
+                  <a:srgbClr val="000000"/>
+                </a:solidFill>
+                <a:latin typeface="Menlo"/>
+              </a:rPr>
+              <a:t>sm</a:t>
+            </a:r>
+            <a:r>
+              <a:rPr lang="en-US" b="0" dirty="0">
+                <a:solidFill>
+                  <a:srgbClr val="000000"/>
+                </a:solidFill>
+                <a:latin typeface="Menlo"/>
+              </a:rPr>
+              <a:t>,</a:t>
+            </a:r>
+            <a:r>
+              <a:rPr lang="pl-PL" b="0" dirty="0">
+                <a:solidFill>
+                  <a:srgbClr val="000000"/>
+                </a:solidFill>
+                <a:latin typeface="Menlo"/>
+              </a:rPr>
+              <a:t> </a:t>
+            </a:r>
+            <a:r>
+              <a:rPr lang="en-US" b="0" dirty="0">
+                <a:solidFill>
+                  <a:srgbClr val="000000"/>
+                </a:solidFill>
+                <a:latin typeface="Menlo"/>
+              </a:rPr>
+              <a:t>option = "both")</a:t>
+            </a:r>
+            <a:br>
+              <a:rPr lang="pl-PL" b="0" dirty="0">
+                <a:solidFill>
+                  <a:srgbClr val="000000"/>
+                </a:solidFill>
+                <a:latin typeface="Menlo"/>
+              </a:rPr>
+            </a:br>
+            <a:r>
+              <a:rPr lang="en-US" dirty="0">
+                <a:solidFill>
+                  <a:srgbClr val="000000"/>
+                </a:solidFill>
+                <a:latin typeface="Menlo"/>
+              </a:rPr>
+              <a:t>plot</a:t>
+            </a:r>
+            <a:r>
+              <a:rPr lang="en-US" b="0" dirty="0">
+                <a:solidFill>
+                  <a:srgbClr val="000000"/>
+                </a:solidFill>
+                <a:latin typeface="Menlo"/>
+              </a:rPr>
+              <a:t>(imp,  top = 10</a:t>
+            </a:r>
+            <a:r>
+              <a:rPr lang="pl-PL" b="0" dirty="0">
+                <a:solidFill>
+                  <a:srgbClr val="000000"/>
+                </a:solidFill>
+                <a:latin typeface="Menlo"/>
+              </a:rPr>
+              <a:t>)</a:t>
+            </a:r>
+            <a:endParaRPr lang="en-US" b="0" dirty="0">
+              <a:solidFill>
+                <a:srgbClr val="000000"/>
+              </a:solidFill>
+              <a:latin typeface="Menlo"/>
+            </a:endParaRPr>
+          </a:p>
+        </p:txBody>
+      </p:sp>
+      <p:sp>
+        <p:nvSpPr>
+          <p:cNvPr id="72" name="Prostokąt 71">
+            <a:extLst>
+              <a:ext uri="{FF2B5EF4-FFF2-40B4-BE49-F238E27FC236}">
+                <a16:creationId xmlns:a16="http://schemas.microsoft.com/office/drawing/2014/main" id="{570905C4-0232-4F3B-B51C-837B0B254DB9}"/>
+              </a:ext>
+            </a:extLst>
+          </p:cNvPr>
+          <p:cNvSpPr/>
+          <p:nvPr/>
+        </p:nvSpPr>
+        <p:spPr>
+          <a:xfrm>
+            <a:off x="4380035" y="10418456"/>
+            <a:ext cx="2799653" cy="276999"/>
+          </a:xfrm>
+          <a:prstGeom prst="rect">
+            <a:avLst/>
+          </a:prstGeom>
+        </p:spPr>
+        <p:txBody>
+          <a:bodyPr wrap="square">
+            <a:spAutoFit/>
+          </a:bodyPr>
+          <a:lstStyle/>
+          <a:p>
+            <a:r>
+              <a:rPr lang="pl-PL" dirty="0">
+                <a:hlinkClick r:id="rId9"/>
+              </a:rPr>
+              <a:t>https://github.com/ekarbowiak/EIX</a:t>
+            </a:r>
+            <a:endParaRPr lang="pl-PL" dirty="0"/>
+          </a:p>
+        </p:txBody>
+      </p:sp>
+      <p:sp>
+        <p:nvSpPr>
+          <p:cNvPr id="74" name="pole tekstowe 73">
+            <a:extLst>
+              <a:ext uri="{FF2B5EF4-FFF2-40B4-BE49-F238E27FC236}">
+                <a16:creationId xmlns:a16="http://schemas.microsoft.com/office/drawing/2014/main" id="{BBFDA3D4-33CC-4844-B857-CCF339B90F5F}"/>
+              </a:ext>
+            </a:extLst>
+          </p:cNvPr>
+          <p:cNvSpPr txBox="1"/>
+          <p:nvPr/>
+        </p:nvSpPr>
+        <p:spPr>
+          <a:xfrm>
+            <a:off x="559951" y="6092026"/>
+            <a:ext cx="3795194" cy="505186"/>
           </a:xfrm>
           <a:prstGeom prst="rect">
             <a:avLst/>
@@ -5891,113 +8548,54 @@
           <a:lstStyle/>
           <a:p>
             <a:r>
+              <a:rPr lang="en-US" b="0" dirty="0">
+                <a:solidFill>
+                  <a:srgbClr val="000000"/>
+                </a:solidFill>
+              </a:rPr>
+              <a:t>The </a:t>
+            </a:r>
+            <a:r>
+              <a:rPr lang="en-US" dirty="0">
+                <a:solidFill>
+                  <a:srgbClr val="000000"/>
+                </a:solidFill>
+              </a:rPr>
+              <a:t>lollipop</a:t>
+            </a:r>
+            <a:r>
               <a:rPr lang="pl-PL" dirty="0">
-                <a:latin typeface="Menlo"/>
-              </a:rPr>
-              <a:t>*</a:t>
-            </a:r>
-            <a:r>
-              <a:rPr lang="pl-PL" b="0" dirty="0" err="1">
-                <a:latin typeface="Menlo"/>
-              </a:rPr>
-              <a:t>opt</a:t>
-            </a:r>
-            <a:r>
-              <a:rPr lang="pl-PL" b="0" dirty="0">
-                <a:latin typeface="Menlo"/>
-              </a:rPr>
-              <a:t>=”</a:t>
-            </a:r>
-            <a:r>
-              <a:rPr lang="pl-PL" b="0" dirty="0" err="1">
-                <a:latin typeface="Menlo"/>
-              </a:rPr>
-              <a:t>interactions</a:t>
-            </a:r>
-            <a:r>
-              <a:rPr lang="pl-PL" dirty="0">
-                <a:latin typeface="Menlo"/>
-              </a:rPr>
-              <a:t>” - </a:t>
-            </a:r>
-            <a:r>
-              <a:rPr lang="en-US" dirty="0"/>
-              <a:t> these pairs of variables in which variable on the bottom (child) has higher gain than variable on the top (parent)</a:t>
-            </a:r>
-            <a:r>
-              <a:rPr lang="pl-PL" dirty="0"/>
-              <a:t> . </a:t>
-            </a:r>
-            <a:r>
-              <a:rPr lang="pl-PL" dirty="0" err="1"/>
-              <a:t>Default</a:t>
-            </a:r>
-            <a:r>
-              <a:rPr lang="pl-PL" dirty="0"/>
+                <a:solidFill>
+                  <a:srgbClr val="000000"/>
+                </a:solidFill>
+              </a:rPr>
+              <a:t> plot</a:t>
+            </a:r>
+            <a:r>
+              <a:rPr lang="en-US" dirty="0">
+                <a:solidFill>
+                  <a:srgbClr val="000000"/>
+                </a:solidFill>
+              </a:rPr>
               <a:t> </a:t>
             </a:r>
             <a:r>
-              <a:rPr lang="pl-PL" dirty="0" err="1"/>
-              <a:t>option</a:t>
-            </a:r>
-            <a:r>
-              <a:rPr lang="pl-PL" dirty="0"/>
-              <a:t>.</a:t>
-            </a:r>
-          </a:p>
-          <a:p>
-            <a:r>
-              <a:rPr lang="pl-PL" b="0" dirty="0"/>
-              <a:t>*</a:t>
-            </a:r>
-            <a:r>
-              <a:rPr lang="pl-PL" b="0" dirty="0" err="1"/>
-              <a:t>opt</a:t>
-            </a:r>
-            <a:r>
-              <a:rPr lang="pl-PL" b="0" dirty="0"/>
-              <a:t>=”</a:t>
-            </a:r>
-            <a:r>
-              <a:rPr lang="pl-PL" b="0" dirty="0" err="1"/>
-              <a:t>pairs</a:t>
-            </a:r>
-            <a:r>
-              <a:rPr lang="pl-PL" b="0" dirty="0"/>
-              <a:t>” </a:t>
-            </a:r>
-            <a:r>
-              <a:rPr lang="pl-PL" dirty="0"/>
-              <a:t>- </a:t>
-            </a:r>
-            <a:r>
-              <a:rPr lang="en-US" dirty="0"/>
-              <a:t>all pairs of variable</a:t>
-            </a:r>
-            <a:r>
-              <a:rPr lang="pl-PL" dirty="0"/>
-              <a:t>s</a:t>
-            </a:r>
-            <a:r>
-              <a:rPr lang="en-US" dirty="0"/>
-              <a:t>, which occur in the model one above the other</a:t>
-            </a:r>
-            <a:r>
-              <a:rPr lang="pl-PL" dirty="0"/>
-              <a:t>.</a:t>
-            </a:r>
-            <a:endParaRPr kumimoji="0" lang="pl-PL" sz="1200" b="1" i="0" u="none" strike="noStrike" cap="none" spc="0" normalizeH="0" baseline="0" dirty="0">
+              <a:rPr lang="en-US" b="0" dirty="0">
+                <a:solidFill>
+                  <a:srgbClr val="000000"/>
+                </a:solidFill>
+              </a:rPr>
+              <a:t>shows the model with labels of the most important variables and interactions.</a:t>
+            </a:r>
+            <a:endParaRPr kumimoji="0" lang="pl-PL" sz="1200" b="0" i="0" u="none" strike="noStrike" cap="none" spc="0" normalizeH="0" baseline="0" dirty="0">
               <a:ln>
                 <a:noFill/>
               </a:ln>
               <a:solidFill>
-                <a:srgbClr val="4C4C4C"/>
+                <a:srgbClr val="000000"/>
               </a:solidFill>
               <a:effectLst/>
               <a:uFillTx/>
-              <a:latin typeface="Source Sans Pro"/>
-              <a:ea typeface="Source Sans Pro"/>
-              <a:cs typeface="Source Sans Pro"/>
               <a:sym typeface="Source Sans Pro"/>
             </a:endParaRPr>
           </a:p>
@@ -6005,10 +8603,10 @@
       </p:sp>
       <p:sp>
         <p:nvSpPr>
-          <p:cNvPr id="19" name="pole tekstowe 18">
+          <p:cNvPr id="75" name="pole tekstowe 74">
             <a:extLst>
               <a:ext uri="{FF2B5EF4-FFF2-40B4-BE49-F238E27FC236}">
-                <a16:creationId xmlns:a16="http://schemas.microsoft.com/office/drawing/2014/main" id="{18197C1F-2018-4792-95D3-535CF28498D0}"/>
+                <a16:creationId xmlns:a16="http://schemas.microsoft.com/office/drawing/2014/main" id="{7FB339F4-B9CA-4C84-A188-81F59D2A818B}"/>
               </a:ext>
             </a:extLst>
           </p:cNvPr>
@@ -6017,8 +8615,8 @@
         </p:nvSpPr>
         <p:spPr>
           <a:xfrm>
-            <a:off x="4833057" y="1496012"/>
-            <a:ext cx="2545347" cy="1479812"/>
+            <a:off x="4746399" y="1375185"/>
+            <a:ext cx="3090907" cy="874518"/>
           </a:xfrm>
           <a:prstGeom prst="rect">
             <a:avLst/>
@@ -6050,70 +8648,87 @@
           <a:lstStyle/>
           <a:p>
             <a:r>
-              <a:rPr lang="en-US" dirty="0"/>
-              <a:t> </a:t>
-            </a:r>
-            <a:r>
-              <a:rPr lang="en-US" b="0" dirty="0"/>
-              <a:t>* opt="single" </a:t>
-            </a:r>
-            <a:r>
-              <a:rPr lang="en-US" dirty="0"/>
-              <a:t>- </a:t>
-            </a:r>
-            <a:r>
-              <a:rPr lang="pl-PL" dirty="0" err="1"/>
-              <a:t>object</a:t>
-            </a:r>
-            <a:r>
-              <a:rPr lang="en-US" dirty="0"/>
-              <a:t> consists only single variables</a:t>
-            </a:r>
-          </a:p>
-          <a:p>
-            <a:r>
-              <a:rPr lang="en-US" b="0" dirty="0"/>
-              <a:t> * opt="interactions"- </a:t>
-            </a:r>
-            <a:r>
-              <a:rPr lang="en-US" dirty="0"/>
-              <a:t>only interactions</a:t>
-            </a:r>
-          </a:p>
-          <a:p>
-            <a:r>
-              <a:rPr lang="en-US" b="0" dirty="0"/>
-              <a:t> * opt="mixed"-  </a:t>
-            </a:r>
-            <a:r>
-              <a:rPr lang="pl-PL" dirty="0" err="1"/>
-              <a:t>object</a:t>
-            </a:r>
-            <a:r>
-              <a:rPr lang="en-US" dirty="0"/>
-              <a:t> shows importance both single variables and interactions</a:t>
-            </a:r>
-            <a:r>
-              <a:rPr lang="pl-PL" dirty="0"/>
-              <a:t>. </a:t>
-            </a:r>
-            <a:r>
-              <a:rPr lang="pl-PL" dirty="0" err="1"/>
-              <a:t>Default</a:t>
-            </a:r>
-            <a:r>
-              <a:rPr lang="pl-PL" dirty="0"/>
-              <a:t> </a:t>
-            </a:r>
-            <a:r>
-              <a:rPr lang="pl-PL" dirty="0" err="1"/>
-              <a:t>option</a:t>
-            </a:r>
-            <a:r>
-              <a:rPr lang="pl-PL" dirty="0"/>
-              <a:t>.</a:t>
-            </a:r>
-            <a:endParaRPr kumimoji="0" lang="pl-PL" sz="1200" b="1" i="0" u="none" strike="noStrike" cap="none" spc="0" normalizeH="0" baseline="0" dirty="0">
+              <a:rPr lang="en-US" b="0" dirty="0">
+                <a:solidFill>
+                  <a:srgbClr val="000000"/>
+                </a:solidFill>
+                <a:latin typeface="Menlo"/>
+              </a:rPr>
+              <a:t>The </a:t>
+            </a:r>
+            <a:r>
+              <a:rPr lang="en-US" dirty="0">
+                <a:solidFill>
+                  <a:srgbClr val="000000"/>
+                </a:solidFill>
+                <a:latin typeface="Menlo"/>
+              </a:rPr>
+              <a:t>importance</a:t>
+            </a:r>
+            <a:r>
+              <a:rPr lang="pl-PL" dirty="0">
+                <a:solidFill>
+                  <a:srgbClr val="000000"/>
+                </a:solidFill>
+                <a:latin typeface="Menlo"/>
+              </a:rPr>
+              <a:t> t</a:t>
+            </a:r>
+            <a:r>
+              <a:rPr lang="en-US" dirty="0">
+                <a:solidFill>
+                  <a:srgbClr val="000000"/>
+                </a:solidFill>
+                <a:latin typeface="Menlo"/>
+              </a:rPr>
+              <a:t>able</a:t>
+            </a:r>
+            <a:r>
+              <a:rPr lang="en-US" b="0" dirty="0">
+                <a:solidFill>
+                  <a:srgbClr val="000000"/>
+                </a:solidFill>
+                <a:latin typeface="Menlo"/>
+              </a:rPr>
+              <a:t> includes different measures of importance for variables and interactions. It is possible to </a:t>
+            </a:r>
+            <a:r>
+              <a:rPr lang="en-US" b="0" dirty="0" err="1">
+                <a:solidFill>
+                  <a:srgbClr val="000000"/>
+                </a:solidFill>
+                <a:latin typeface="Menlo"/>
+              </a:rPr>
+              <a:t>visualise</a:t>
+            </a:r>
+            <a:r>
+              <a:rPr lang="en-US" b="0" dirty="0">
+                <a:solidFill>
+                  <a:srgbClr val="000000"/>
+                </a:solidFill>
+                <a:latin typeface="Menlo"/>
+              </a:rPr>
+              <a:t> it in two ways using </a:t>
+            </a:r>
+            <a:r>
+              <a:rPr lang="en-US" dirty="0">
+                <a:solidFill>
+                  <a:srgbClr val="000000"/>
+                </a:solidFill>
+                <a:latin typeface="Menlo"/>
+              </a:rPr>
+              <a:t>plot</a:t>
+            </a:r>
+            <a:r>
+              <a:rPr lang="en-US" b="0" dirty="0">
+                <a:solidFill>
+                  <a:srgbClr val="000000"/>
+                </a:solidFill>
+                <a:latin typeface="Menlo"/>
+              </a:rPr>
+              <a:t>() function.</a:t>
+            </a:r>
+            <a:endParaRPr kumimoji="0" lang="pl-PL" sz="1200" b="0" i="0" u="none" strike="noStrike" cap="none" spc="0" normalizeH="0" baseline="0" dirty="0">
               <a:ln>
                 <a:noFill/>
               </a:ln>
@@ -6132,10 +8747,10 @@
       </p:sp>
       <p:sp>
         <p:nvSpPr>
-          <p:cNvPr id="20" name="pole tekstowe 19">
+          <p:cNvPr id="77" name="pole tekstowe 76">
             <a:extLst>
               <a:ext uri="{FF2B5EF4-FFF2-40B4-BE49-F238E27FC236}">
-                <a16:creationId xmlns:a16="http://schemas.microsoft.com/office/drawing/2014/main" id="{D461E63D-96A1-4A67-ACE4-6B281A559276}"/>
+                <a16:creationId xmlns:a16="http://schemas.microsoft.com/office/drawing/2014/main" id="{B94F1EC8-6A1F-4F30-98F9-7ABFCF6F971A}"/>
               </a:ext>
             </a:extLst>
           </p:cNvPr>
@@ -6144,8 +8759,8 @@
         </p:nvSpPr>
         <p:spPr>
           <a:xfrm>
-            <a:off x="4839448" y="3419790"/>
-            <a:ext cx="2446780" cy="1849143"/>
+            <a:off x="4710966" y="5450894"/>
+            <a:ext cx="3657393" cy="689852"/>
           </a:xfrm>
           <a:prstGeom prst="rect">
             <a:avLst/>
@@ -6177,83 +8792,370 @@
           <a:lstStyle/>
           <a:p>
             <a:r>
-              <a:rPr lang="pl-PL" dirty="0" err="1"/>
-              <a:t>Available</a:t>
-            </a:r>
-            <a:r>
-              <a:rPr lang="pl-PL" dirty="0"/>
+              <a:rPr lang="pl-PL" b="0" dirty="0">
+                <a:solidFill>
+                  <a:srgbClr val="000000"/>
+                </a:solidFill>
+              </a:rPr>
+              <a:t>The </a:t>
+            </a:r>
+            <a:r>
+              <a:rPr lang="pl-PL" dirty="0" err="1">
+                <a:solidFill>
+                  <a:srgbClr val="000000"/>
+                </a:solidFill>
+              </a:rPr>
+              <a:t>interactions</a:t>
+            </a:r>
+            <a:r>
+              <a:rPr lang="pl-PL" dirty="0">
+                <a:solidFill>
+                  <a:srgbClr val="000000"/>
+                </a:solidFill>
+              </a:rPr>
               <a:t> </a:t>
             </a:r>
             <a:r>
-              <a:rPr lang="pl-PL" dirty="0" err="1"/>
-              <a:t>measures</a:t>
-            </a:r>
-            <a:r>
-              <a:rPr lang="pl-PL" dirty="0"/>
-              <a:t>: </a:t>
-            </a:r>
-            <a:r>
-              <a:rPr lang="en-US" b="0" dirty="0" err="1"/>
-              <a:t>sumGain</a:t>
-            </a:r>
-            <a:r>
-              <a:rPr lang="pl-PL" b="0" dirty="0"/>
-              <a:t>, </a:t>
-            </a:r>
-            <a:r>
-              <a:rPr lang="en-US" b="0" dirty="0" err="1"/>
-              <a:t>sumCove</a:t>
-            </a:r>
-            <a:r>
-              <a:rPr lang="pl-PL" b="0" dirty="0"/>
-              <a:t>r, </a:t>
-            </a:r>
-            <a:r>
-              <a:rPr lang="en-US" b="0" dirty="0"/>
-              <a:t>mean5Gain</a:t>
-            </a:r>
-            <a:r>
-              <a:rPr lang="pl-PL" b="0" dirty="0"/>
-              <a:t> (</a:t>
-            </a:r>
-            <a:r>
-              <a:rPr lang="en-US" b="0" dirty="0"/>
-              <a:t>mean gain from 5 occurrences of given variable with the highest gain</a:t>
-            </a:r>
-            <a:r>
-              <a:rPr lang="pl-PL" b="0" dirty="0"/>
-              <a:t>), </a:t>
-            </a:r>
-            <a:r>
-              <a:rPr lang="en-US" b="0" dirty="0" err="1"/>
-              <a:t>meanGain</a:t>
-            </a:r>
-            <a:r>
-              <a:rPr lang="pl-PL" b="0" dirty="0"/>
-              <a:t>, </a:t>
-            </a:r>
-            <a:r>
-              <a:rPr lang="en-US" b="0" dirty="0" err="1"/>
-              <a:t>meanCover</a:t>
-            </a:r>
-            <a:r>
-              <a:rPr lang="pl-PL" b="0" dirty="0"/>
-              <a:t>, </a:t>
-            </a:r>
-            <a:r>
-              <a:rPr lang="en-US" b="0" dirty="0"/>
-              <a:t>frequency</a:t>
-            </a:r>
-            <a:endParaRPr lang="pl-PL" b="0" dirty="0"/>
-          </a:p>
-          <a:p>
-            <a:r>
-              <a:rPr kumimoji="0" lang="pl-PL" sz="1200" b="1" i="0" u="none" strike="noStrike" cap="none" spc="0" normalizeH="0" baseline="0" dirty="0">
+              <a:rPr lang="pl-PL" dirty="0" err="1">
+                <a:solidFill>
+                  <a:srgbClr val="000000"/>
+                </a:solidFill>
+              </a:rPr>
+              <a:t>table</a:t>
+            </a:r>
+            <a:r>
+              <a:rPr lang="pl-PL" dirty="0">
+                <a:solidFill>
+                  <a:srgbClr val="000000"/>
+                </a:solidFill>
+              </a:rPr>
+              <a:t> </a:t>
+            </a:r>
+            <a:r>
+              <a:rPr lang="pl-PL" b="0" dirty="0" err="1">
+                <a:solidFill>
+                  <a:srgbClr val="000000"/>
+                </a:solidFill>
+              </a:rPr>
+              <a:t>makes</a:t>
+            </a:r>
+            <a:r>
+              <a:rPr lang="pl-PL" b="0" dirty="0">
+                <a:solidFill>
+                  <a:srgbClr val="000000"/>
+                </a:solidFill>
+              </a:rPr>
+              <a:t>  the ranking of </a:t>
+            </a:r>
+            <a:r>
+              <a:rPr lang="pl-PL" b="0" dirty="0" err="1">
+                <a:solidFill>
+                  <a:srgbClr val="000000"/>
+                </a:solidFill>
+              </a:rPr>
+              <a:t>interactions</a:t>
+            </a:r>
+            <a:r>
+              <a:rPr lang="pl-PL" b="0" dirty="0">
+                <a:solidFill>
+                  <a:srgbClr val="000000"/>
+                </a:solidFill>
+              </a:rPr>
+              <a:t> in the model. </a:t>
+            </a:r>
+            <a:r>
+              <a:rPr lang="pl-PL" b="0" dirty="0" err="1">
+                <a:solidFill>
+                  <a:srgbClr val="000000"/>
+                </a:solidFill>
+              </a:rPr>
+              <a:t>Importance</a:t>
+            </a:r>
+            <a:r>
+              <a:rPr lang="pl-PL" b="0" dirty="0">
+                <a:solidFill>
+                  <a:srgbClr val="000000"/>
+                </a:solidFill>
+              </a:rPr>
+              <a:t> of </a:t>
+            </a:r>
+            <a:r>
+              <a:rPr lang="pl-PL" b="0" dirty="0" err="1">
+                <a:solidFill>
+                  <a:srgbClr val="000000"/>
+                </a:solidFill>
+              </a:rPr>
+              <a:t>interactions</a:t>
+            </a:r>
+            <a:r>
+              <a:rPr lang="pl-PL" b="0" dirty="0">
+                <a:solidFill>
+                  <a:srgbClr val="000000"/>
+                </a:solidFill>
+              </a:rPr>
+              <a:t> </a:t>
+            </a:r>
+            <a:r>
+              <a:rPr lang="pl-PL" b="0" dirty="0" err="1">
+                <a:solidFill>
+                  <a:srgbClr val="000000"/>
+                </a:solidFill>
+              </a:rPr>
+              <a:t>it</a:t>
+            </a:r>
+            <a:r>
+              <a:rPr lang="pl-PL" b="0" dirty="0">
+                <a:solidFill>
+                  <a:srgbClr val="000000"/>
+                </a:solidFill>
+              </a:rPr>
+              <a:t> </a:t>
+            </a:r>
+            <a:r>
+              <a:rPr lang="pl-PL" b="0" dirty="0" err="1">
+                <a:solidFill>
+                  <a:srgbClr val="000000"/>
+                </a:solidFill>
+              </a:rPr>
+              <a:t>can</a:t>
+            </a:r>
+            <a:r>
+              <a:rPr lang="pl-PL" b="0" dirty="0">
+                <a:solidFill>
+                  <a:srgbClr val="000000"/>
+                </a:solidFill>
+              </a:rPr>
+              <a:t> </a:t>
+            </a:r>
+            <a:r>
+              <a:rPr lang="pl-PL" b="0" dirty="0" err="1">
+                <a:solidFill>
+                  <a:srgbClr val="000000"/>
+                </a:solidFill>
+              </a:rPr>
+              <a:t>also</a:t>
+            </a:r>
+            <a:r>
+              <a:rPr lang="pl-PL" b="0" dirty="0">
+                <a:solidFill>
+                  <a:srgbClr val="000000"/>
+                </a:solidFill>
+              </a:rPr>
+              <a:t> </a:t>
+            </a:r>
+            <a:r>
+              <a:rPr lang="pl-PL" b="0" dirty="0" err="1">
+                <a:solidFill>
+                  <a:srgbClr val="000000"/>
+                </a:solidFill>
+              </a:rPr>
+              <a:t>visualise</a:t>
+            </a:r>
+            <a:r>
+              <a:rPr lang="pl-PL" b="0" dirty="0">
+                <a:solidFill>
+                  <a:srgbClr val="000000"/>
+                </a:solidFill>
+              </a:rPr>
+              <a:t> with </a:t>
+            </a:r>
+            <a:r>
+              <a:rPr lang="pl-PL" dirty="0">
+                <a:solidFill>
+                  <a:srgbClr val="000000"/>
+                </a:solidFill>
+              </a:rPr>
+              <a:t>plot</a:t>
+            </a:r>
+            <a:r>
+              <a:rPr lang="pl-PL" b="0" dirty="0">
+                <a:solidFill>
+                  <a:srgbClr val="000000"/>
+                </a:solidFill>
+              </a:rPr>
+              <a:t>() </a:t>
+            </a:r>
+            <a:r>
+              <a:rPr lang="pl-PL" b="0" dirty="0" err="1">
+                <a:solidFill>
+                  <a:srgbClr val="000000"/>
+                </a:solidFill>
+              </a:rPr>
+              <a:t>function</a:t>
+            </a:r>
+            <a:r>
+              <a:rPr lang="pl-PL" b="0" dirty="0">
+                <a:solidFill>
+                  <a:srgbClr val="000000"/>
+                </a:solidFill>
+              </a:rPr>
+              <a:t>. </a:t>
+            </a:r>
+            <a:endParaRPr kumimoji="0" lang="pl-PL" sz="1200" b="0" i="0" u="none" strike="noStrike" cap="none" spc="0" normalizeH="0" baseline="0" dirty="0">
+              <a:ln>
+                <a:noFill/>
+              </a:ln>
+              <a:solidFill>
+                <a:srgbClr val="4C4C4C"/>
+              </a:solidFill>
+              <a:effectLst/>
+              <a:uFillTx/>
+              <a:latin typeface="Source Sans Pro"/>
+              <a:ea typeface="Source Sans Pro"/>
+              <a:cs typeface="Source Sans Pro"/>
+              <a:sym typeface="Source Sans Pro"/>
+            </a:endParaRPr>
+          </a:p>
+        </p:txBody>
+      </p:sp>
+      <p:sp>
+        <p:nvSpPr>
+          <p:cNvPr id="78" name="pole tekstowe 77">
+            <a:extLst>
+              <a:ext uri="{FF2B5EF4-FFF2-40B4-BE49-F238E27FC236}">
+                <a16:creationId xmlns:a16="http://schemas.microsoft.com/office/drawing/2014/main" id="{6934FC8F-D889-4EB8-B14D-5A3BC8157A80}"/>
+              </a:ext>
+            </a:extLst>
+          </p:cNvPr>
+          <p:cNvSpPr txBox="1"/>
+          <p:nvPr/>
+        </p:nvSpPr>
+        <p:spPr>
+          <a:xfrm>
+            <a:off x="6059606" y="6144558"/>
+            <a:ext cx="110270" cy="320520"/>
+          </a:xfrm>
+          <a:prstGeom prst="rect">
+            <a:avLst/>
+          </a:prstGeom>
+          <a:noFill/>
+          <a:ln w="12700" cap="flat">
+            <a:noFill/>
+            <a:miter lim="400000"/>
+          </a:ln>
+          <a:effectLst/>
+          <a:sp3d/>
+        </p:spPr>
+        <p:style>
+          <a:lnRef idx="0">
+            <a:scrgbClr r="0" g="0" b="0"/>
+          </a:lnRef>
+          <a:fillRef idx="0">
+            <a:scrgbClr r="0" g="0" b="0"/>
+          </a:fillRef>
+          <a:effectRef idx="0">
+            <a:scrgbClr r="0" g="0" b="0"/>
+          </a:effectRef>
+          <a:fontRef idx="none"/>
+        </p:style>
+        <p:txBody>
+          <a:bodyPr rot="0" spcFirstLastPara="1" vertOverflow="overflow" horzOverflow="overflow" vert="horz" wrap="none" lIns="54570" tIns="54570" rIns="54570" bIns="54570" numCol="1" spcCol="38100" rtlCol="0" anchor="ctr">
+            <a:spAutoFit/>
+          </a:bodyPr>
+          <a:lstStyle/>
+          <a:p>
+            <a:pPr marL="0" marR="0" indent="0" algn="l" defTabSz="584200" rtl="0" fontAlgn="auto" latinLnBrk="0" hangingPunct="0">
+              <a:lnSpc>
+                <a:spcPct val="100000"/>
+              </a:lnSpc>
+              <a:spcBef>
+                <a:spcPts val="200"/>
+              </a:spcBef>
+              <a:spcAft>
+                <a:spcPts val="0"/>
+              </a:spcAft>
+              <a:buClrTx/>
+              <a:buSzTx/>
+              <a:buFontTx/>
+              <a:buNone/>
+              <a:tabLst/>
+            </a:pPr>
+            <a:endParaRPr kumimoji="0" lang="pl-PL" sz="1200" b="1" i="0" u="none" strike="noStrike" cap="none" spc="0" normalizeH="0" baseline="0" dirty="0">
+              <a:ln>
+                <a:noFill/>
+              </a:ln>
+              <a:solidFill>
+                <a:srgbClr val="4C4C4C"/>
+              </a:solidFill>
+              <a:effectLst/>
+              <a:uFillTx/>
+              <a:latin typeface="Source Sans Pro"/>
+              <a:ea typeface="Source Sans Pro"/>
+              <a:cs typeface="Source Sans Pro"/>
+              <a:sym typeface="Source Sans Pro"/>
+            </a:endParaRPr>
+          </a:p>
+        </p:txBody>
+      </p:sp>
+      <p:sp>
+        <p:nvSpPr>
+          <p:cNvPr id="80" name="pole tekstowe 79">
+            <a:extLst>
+              <a:ext uri="{FF2B5EF4-FFF2-40B4-BE49-F238E27FC236}">
+                <a16:creationId xmlns:a16="http://schemas.microsoft.com/office/drawing/2014/main" id="{A8E6C79E-9EF3-4C4F-8270-6B3242B920D5}"/>
+              </a:ext>
+            </a:extLst>
+          </p:cNvPr>
+          <p:cNvSpPr txBox="1"/>
+          <p:nvPr/>
+        </p:nvSpPr>
+        <p:spPr>
+          <a:xfrm>
+            <a:off x="8827429" y="5503191"/>
+            <a:ext cx="4048902" cy="505186"/>
+          </a:xfrm>
+          <a:prstGeom prst="rect">
+            <a:avLst/>
+          </a:prstGeom>
+          <a:noFill/>
+          <a:ln w="12700" cap="flat">
+            <a:noFill/>
+            <a:miter lim="400000"/>
+          </a:ln>
+          <a:effectLst/>
+          <a:sp3d/>
+        </p:spPr>
+        <p:style>
+          <a:lnRef idx="0">
+            <a:scrgbClr r="0" g="0" b="0"/>
+          </a:lnRef>
+          <a:fillRef idx="0">
+            <a:scrgbClr r="0" g="0" b="0"/>
+          </a:fillRef>
+          <a:effectRef idx="0">
+            <a:scrgbClr r="0" g="0" b="0"/>
+          </a:effectRef>
+          <a:fontRef idx="none"/>
+        </p:style>
+        <p:txBody>
+          <a:bodyPr rot="0" spcFirstLastPara="1" vertOverflow="overflow" horzOverflow="overflow" vert="horz" wrap="square" lIns="54570" tIns="54570" rIns="54570" bIns="54570" numCol="1" spcCol="38100" rtlCol="0" anchor="ctr">
+            <a:spAutoFit/>
+          </a:bodyPr>
+          <a:lstStyle/>
+          <a:p>
+            <a:pPr marL="0" marR="0" indent="0" algn="l" defTabSz="584200" rtl="0" fontAlgn="auto" latinLnBrk="0" hangingPunct="0">
+              <a:lnSpc>
+                <a:spcPct val="100000"/>
+              </a:lnSpc>
+              <a:spcBef>
+                <a:spcPts val="200"/>
+              </a:spcBef>
+              <a:spcAft>
+                <a:spcPts val="0"/>
+              </a:spcAft>
+              <a:buClrTx/>
+              <a:buSzTx/>
+              <a:buFontTx/>
+              <a:buNone/>
+              <a:tabLst/>
+            </a:pPr>
+            <a:r>
+              <a:rPr kumimoji="0" lang="pl-PL" sz="1200" b="0" i="0" u="none" strike="noStrike" cap="none" spc="0" normalizeH="0" baseline="0" dirty="0">
                 <a:ln>
                   <a:noFill/>
                 </a:ln>
                 <a:solidFill>
-                  <a:srgbClr val="4C4C4C"/>
+                  <a:srgbClr val="000000"/>
                 </a:solidFill>
                 <a:effectLst/>
                 <a:uFillTx/>
@@ -6262,15 +9164,15 @@
                 <a:cs typeface="Source Sans Pro"/>
                 <a:sym typeface="Source Sans Pro"/>
               </a:rPr>
-              <a:t>For single </a:t>
-            </a:r>
-            <a:r>
-              <a:rPr kumimoji="0" lang="pl-PL" sz="1200" b="1" i="0" u="none" strike="noStrike" cap="none" spc="0" normalizeH="0" baseline="0" dirty="0" err="1">
+              <a:t>The</a:t>
+            </a:r>
+            <a:r>
+              <a:rPr kumimoji="0" lang="pl-PL" sz="1200" b="1" i="0" u="none" strike="noStrike" cap="none" spc="0" normalizeH="0" baseline="0" dirty="0">
                 <a:ln>
                   <a:noFill/>
                 </a:ln>
                 <a:solidFill>
-                  <a:srgbClr val="4C4C4C"/>
+                  <a:srgbClr val="000000"/>
                 </a:solidFill>
                 <a:effectLst/>
                 <a:uFillTx/>
@@ -6279,15 +9181,15 @@
                 <a:cs typeface="Source Sans Pro"/>
                 <a:sym typeface="Source Sans Pro"/>
               </a:rPr>
-              <a:t>variables</a:t>
-            </a:r>
-            <a:r>
-              <a:rPr kumimoji="0" lang="pl-PL" sz="1200" b="1" i="0" u="none" strike="noStrike" cap="none" spc="0" normalizeH="0" baseline="0" dirty="0">
+              <a:t> </a:t>
+            </a:r>
+            <a:r>
+              <a:rPr kumimoji="0" lang="pl-PL" sz="1200" b="1" i="0" u="none" strike="noStrike" cap="none" spc="0" normalizeH="0" baseline="0" dirty="0" err="1">
                 <a:ln>
                   <a:noFill/>
                 </a:ln>
                 <a:solidFill>
-                  <a:srgbClr val="4C4C4C"/>
+                  <a:srgbClr val="000000"/>
                 </a:solidFill>
                 <a:effectLst/>
                 <a:uFillTx/>
@@ -6296,15 +9198,15 @@
                 <a:cs typeface="Source Sans Pro"/>
                 <a:sym typeface="Source Sans Pro"/>
               </a:rPr>
-              <a:t> </a:t>
-            </a:r>
-            <a:r>
-              <a:rPr kumimoji="0" lang="en-US" sz="1200" b="1" i="0" u="none" strike="noStrike" cap="none" spc="0" normalizeH="0" baseline="0" dirty="0">
+              <a:t>waterfall</a:t>
+            </a:r>
+            <a:r>
+              <a:rPr kumimoji="0" lang="pl-PL" sz="1200" b="1" i="0" u="none" strike="noStrike" cap="none" spc="0" normalizeH="0" baseline="0" dirty="0">
                 <a:ln>
                   <a:noFill/>
                 </a:ln>
                 <a:solidFill>
-                  <a:srgbClr val="4C4C4C"/>
+                  <a:srgbClr val="000000"/>
                 </a:solidFill>
                 <a:effectLst/>
                 <a:uFillTx/>
@@ -6313,89 +9215,142 @@
                 <a:cs typeface="Source Sans Pro"/>
                 <a:sym typeface="Source Sans Pro"/>
               </a:rPr>
-              <a:t>additionally</a:t>
-            </a:r>
-            <a:r>
-              <a:rPr kumimoji="0" lang="pl-PL" sz="1200" b="1" i="0" u="none" strike="noStrike" cap="none" spc="0" normalizeH="0" baseline="0" dirty="0">
-                <a:ln>
-                  <a:noFill/>
-                </a:ln>
-                <a:solidFill>
-                  <a:srgbClr val="4C4C4C"/>
-                </a:solidFill>
-                <a:effectLst/>
-                <a:uFillTx/>
-                <a:latin typeface="Source Sans Pro"/>
-                <a:ea typeface="Source Sans Pro"/>
-                <a:cs typeface="Source Sans Pro"/>
-                <a:sym typeface="Source Sans Pro"/>
-              </a:rPr>
-              <a:t>: </a:t>
-            </a:r>
-            <a:r>
-              <a:rPr lang="en-US" b="0" dirty="0" err="1"/>
-              <a:t>counterRoots</a:t>
-            </a:r>
-            <a:r>
-              <a:rPr lang="pl-PL" b="0" dirty="0"/>
+              <a:t> plot </a:t>
+            </a:r>
+            <a:r>
+              <a:rPr lang="pl-PL" b="0" dirty="0" err="1">
+                <a:solidFill>
+                  <a:srgbClr val="000000"/>
+                </a:solidFill>
+              </a:rPr>
+              <a:t>shows</a:t>
+            </a:r>
+            <a:r>
+              <a:rPr lang="pl-PL" b="0" dirty="0">
+                <a:solidFill>
+                  <a:srgbClr val="000000"/>
+                </a:solidFill>
+              </a:rPr>
               <a:t>, </a:t>
             </a:r>
             <a:r>
-              <a:rPr lang="en-US" b="0" dirty="0" err="1"/>
-              <a:t>meanDepth</a:t>
-            </a:r>
-            <a:r>
-              <a:rPr lang="pl-PL" b="0" dirty="0"/>
-              <a:t>, </a:t>
-            </a:r>
-            <a:r>
-              <a:rPr lang="en-US" b="0" dirty="0" err="1"/>
-              <a:t>weightedRoot</a:t>
-            </a:r>
-            <a:r>
-              <a:rPr lang="en-US" b="0" dirty="0"/>
-              <a:t> (</a:t>
-            </a:r>
-            <a:r>
-              <a:rPr lang="pl-PL" b="0" dirty="0" err="1"/>
-              <a:t>last</a:t>
-            </a:r>
-            <a:r>
-              <a:rPr lang="pl-PL" b="0" dirty="0"/>
+              <a:rPr lang="pl-PL" b="0" dirty="0" err="1">
+                <a:solidFill>
+                  <a:srgbClr val="000000"/>
+                </a:solidFill>
+              </a:rPr>
+              <a:t>which</a:t>
+            </a:r>
+            <a:r>
+              <a:rPr lang="pl-PL" b="0" dirty="0">
+                <a:solidFill>
+                  <a:srgbClr val="000000"/>
+                </a:solidFill>
+              </a:rPr>
               <a:t> </a:t>
             </a:r>
             <a:r>
-              <a:rPr lang="pl-PL" b="0" dirty="0" err="1"/>
-              <a:t>two</a:t>
-            </a:r>
-            <a:r>
-              <a:rPr lang="pl-PL" b="0" dirty="0"/>
-              <a:t>  </a:t>
-            </a:r>
-            <a:r>
-              <a:rPr lang="en-US" b="0" dirty="0"/>
-              <a:t>weighted by </a:t>
-            </a:r>
-            <a:r>
-              <a:rPr lang="pl-PL" b="0" dirty="0"/>
-              <a:t>G</a:t>
-            </a:r>
-            <a:r>
-              <a:rPr lang="en-US" b="0" dirty="0" err="1"/>
-              <a:t>ain</a:t>
-            </a:r>
-            <a:r>
-              <a:rPr lang="pl-PL" b="0" dirty="0"/>
-              <a:t> of </a:t>
-            </a:r>
-            <a:r>
-              <a:rPr lang="en-US" b="0" dirty="0"/>
-              <a:t>variable)</a:t>
-            </a:r>
+              <a:rPr lang="pl-PL" b="0" dirty="0" err="1">
+                <a:solidFill>
+                  <a:srgbClr val="000000"/>
+                </a:solidFill>
+              </a:rPr>
+              <a:t>variables</a:t>
+            </a:r>
+            <a:r>
+              <a:rPr lang="pl-PL" b="0" dirty="0">
+                <a:solidFill>
+                  <a:srgbClr val="000000"/>
+                </a:solidFill>
+              </a:rPr>
+              <a:t> </a:t>
+            </a:r>
+            <a:r>
+              <a:rPr lang="pl-PL" b="0" dirty="0" err="1">
+                <a:solidFill>
+                  <a:srgbClr val="000000"/>
+                </a:solidFill>
+              </a:rPr>
+              <a:t>have</a:t>
+            </a:r>
+            <a:r>
+              <a:rPr lang="pl-PL" b="0" dirty="0">
+                <a:solidFill>
+                  <a:srgbClr val="000000"/>
+                </a:solidFill>
+              </a:rPr>
+              <a:t> influence </a:t>
+            </a:r>
+            <a:br>
+              <a:rPr lang="pl-PL" b="0" dirty="0">
+                <a:solidFill>
+                  <a:srgbClr val="000000"/>
+                </a:solidFill>
+              </a:rPr>
+            </a:br>
+            <a:r>
+              <a:rPr lang="pl-PL" b="0" dirty="0">
+                <a:solidFill>
+                  <a:srgbClr val="000000"/>
+                </a:solidFill>
+              </a:rPr>
+              <a:t>on the </a:t>
+            </a:r>
+            <a:r>
+              <a:rPr lang="pl-PL" b="0" dirty="0" err="1">
+                <a:solidFill>
+                  <a:srgbClr val="000000"/>
+                </a:solidFill>
+              </a:rPr>
+              <a:t>prediction</a:t>
+            </a:r>
+            <a:r>
+              <a:rPr lang="pl-PL" b="0" dirty="0">
+                <a:solidFill>
+                  <a:srgbClr val="000000"/>
+                </a:solidFill>
+              </a:rPr>
+              <a:t> of a single </a:t>
+            </a:r>
+            <a:r>
+              <a:rPr lang="pl-PL" b="0" dirty="0" err="1">
+                <a:solidFill>
+                  <a:srgbClr val="000000"/>
+                </a:solidFill>
+              </a:rPr>
+              <a:t>observation</a:t>
+            </a:r>
+            <a:r>
+              <a:rPr lang="pl-PL" b="0" dirty="0">
+                <a:solidFill>
+                  <a:srgbClr val="000000"/>
+                </a:solidFill>
+              </a:rPr>
+              <a:t>.</a:t>
+            </a:r>
+            <a:endParaRPr kumimoji="0" lang="pl-PL" sz="1200" b="1" i="0" u="none" strike="noStrike" cap="none" spc="0" normalizeH="0" baseline="0" dirty="0">
+              <a:ln>
+                <a:noFill/>
+              </a:ln>
+              <a:solidFill>
+                <a:srgbClr val="000000"/>
+              </a:solidFill>
+              <a:effectLst/>
+              <a:uFillTx/>
+              <a:latin typeface="Source Sans Pro"/>
+              <a:ea typeface="Source Sans Pro"/>
+              <a:cs typeface="Source Sans Pro"/>
+              <a:sym typeface="Source Sans Pro"/>
+            </a:endParaRPr>
           </a:p>
         </p:txBody>
       </p:sp>
     </p:spTree>
+    <p:extLst>
+      <p:ext uri="{BB962C8B-B14F-4D97-AF65-F5344CB8AC3E}">
+        <p14:creationId xmlns:p14="http://schemas.microsoft.com/office/powerpoint/2010/main" val="2311621222"/>
+      </p:ext>
+    </p:extLst>
   </p:cSld>
   <p:clrMapOvr>
     <a:masterClrMapping/>

--- a/cheatsheets/EIX.pptx
+++ b/cheatsheets/EIX.pptx
@@ -2218,7 +2218,7 @@
           </a:ln>
           <a:extLst>
             <a:ext uri="{C572A759-6A51-4108-AA02-DFA0A04FC94B}">
-              <ma14:wrappingTextBoxFlag xmlns="" xmlns:m="http://schemas.openxmlformats.org/officeDocument/2006/math" xmlns:a14="http://schemas.microsoft.com/office/drawing/2010/main" xmlns:ma14="http://schemas.microsoft.com/office/mac/drawingml/2011/main" val="1"/>
+              <ma14:wrappingTextBoxFlag xmlns:ma14="http://schemas.microsoft.com/office/mac/drawingml/2011/main" xmlns:a14="http://schemas.microsoft.com/office/drawing/2010/main" xmlns:m="http://schemas.openxmlformats.org/officeDocument/2006/math" xmlns="" val="1"/>
             </a:ext>
           </a:extLst>
         </p:spPr>
@@ -2257,7 +2257,7 @@
           </a:ln>
           <a:extLst>
             <a:ext uri="{C572A759-6A51-4108-AA02-DFA0A04FC94B}">
-              <ma14:wrappingTextBoxFlag xmlns="" xmlns:m="http://schemas.openxmlformats.org/officeDocument/2006/math" xmlns:a14="http://schemas.microsoft.com/office/drawing/2010/main" xmlns:ma14="http://schemas.microsoft.com/office/mac/drawingml/2011/main" val="1"/>
+              <ma14:wrappingTextBoxFlag xmlns:ma14="http://schemas.microsoft.com/office/mac/drawingml/2011/main" xmlns:a14="http://schemas.microsoft.com/office/drawing/2010/main" xmlns:m="http://schemas.openxmlformats.org/officeDocument/2006/math" xmlns="" val="1"/>
             </a:ext>
           </a:extLst>
         </p:spPr>
@@ -4205,7 +4205,7 @@
           </a:ln>
           <a:extLst>
             <a:ext uri="{C572A759-6A51-4108-AA02-DFA0A04FC94B}">
-              <ma14:wrappingTextBoxFlag xmlns="" xmlns:m="http://schemas.openxmlformats.org/officeDocument/2006/math" xmlns:a14="http://schemas.microsoft.com/office/drawing/2010/main" xmlns:ma14="http://schemas.microsoft.com/office/mac/drawingml/2011/main" val="1"/>
+              <ma14:wrappingTextBoxFlag xmlns:ma14="http://schemas.microsoft.com/office/mac/drawingml/2011/main" xmlns:a14="http://schemas.microsoft.com/office/drawing/2010/main" xmlns:m="http://schemas.openxmlformats.org/officeDocument/2006/math" xmlns="" val="1"/>
             </a:ext>
           </a:extLst>
         </p:spPr>
@@ -4595,7 +4595,7 @@
           </a:ln>
           <a:extLst>
             <a:ext uri="{C572A759-6A51-4108-AA02-DFA0A04FC94B}">
-              <ma14:wrappingTextBoxFlag xmlns="" xmlns:ma14="http://schemas.microsoft.com/office/mac/drawingml/2011/main" val="1"/>
+              <ma14:wrappingTextBoxFlag xmlns:ma14="http://schemas.microsoft.com/office/mac/drawingml/2011/main" xmlns="" val="1"/>
             </a:ext>
           </a:extLst>
         </p:spPr>
@@ -4695,7 +4695,7 @@
           </a:ln>
           <a:extLst>
             <a:ext uri="{C572A759-6A51-4108-AA02-DFA0A04FC94B}">
-              <ma14:wrappingTextBoxFlag xmlns="" xmlns:ma14="http://schemas.microsoft.com/office/mac/drawingml/2011/main" val="1"/>
+              <ma14:wrappingTextBoxFlag xmlns:ma14="http://schemas.microsoft.com/office/mac/drawingml/2011/main" xmlns="" val="1"/>
             </a:ext>
           </a:extLst>
         </p:spPr>
@@ -4843,7 +4843,7 @@
           </a:ln>
           <a:extLst>
             <a:ext uri="{C572A759-6A51-4108-AA02-DFA0A04FC94B}">
-              <ma14:wrappingTextBoxFlag xmlns="" xmlns:ma14="http://schemas.microsoft.com/office/mac/drawingml/2011/main" val="1"/>
+              <ma14:wrappingTextBoxFlag xmlns:ma14="http://schemas.microsoft.com/office/mac/drawingml/2011/main" xmlns="" val="1"/>
             </a:ext>
           </a:extLst>
         </p:spPr>
@@ -4924,7 +4924,7 @@
           </a:ln>
           <a:extLst>
             <a:ext uri="{C572A759-6A51-4108-AA02-DFA0A04FC94B}">
-              <ma14:wrappingTextBoxFlag xmlns="" xmlns:ma14="http://schemas.microsoft.com/office/mac/drawingml/2011/main" val="1"/>
+              <ma14:wrappingTextBoxFlag xmlns:ma14="http://schemas.microsoft.com/office/mac/drawingml/2011/main" xmlns="" val="1"/>
             </a:ext>
           </a:extLst>
         </p:spPr>
@@ -5039,7 +5039,7 @@
           </a:ln>
           <a:extLst>
             <a:ext uri="{C572A759-6A51-4108-AA02-DFA0A04FC94B}">
-              <ma14:wrappingTextBoxFlag xmlns="" xmlns:ma14="http://schemas.microsoft.com/office/mac/drawingml/2011/main" val="1"/>
+              <ma14:wrappingTextBoxFlag xmlns:ma14="http://schemas.microsoft.com/office/mac/drawingml/2011/main" xmlns="" val="1"/>
             </a:ext>
           </a:extLst>
         </p:spPr>
@@ -5153,7 +5153,7 @@
           </a:ln>
           <a:extLst>
             <a:ext uri="{C572A759-6A51-4108-AA02-DFA0A04FC94B}">
-              <ma14:wrappingTextBoxFlag xmlns="" xmlns:ma14="http://schemas.microsoft.com/office/mac/drawingml/2011/main" val="1"/>
+              <ma14:wrappingTextBoxFlag xmlns:ma14="http://schemas.microsoft.com/office/mac/drawingml/2011/main" xmlns="" val="1"/>
             </a:ext>
           </a:extLst>
         </p:spPr>
@@ -8478,7 +8478,7 @@
         </p:nvSpPr>
         <p:spPr>
           <a:xfrm>
-            <a:off x="4380035" y="10418456"/>
+            <a:off x="-4249930" y="9365511"/>
             <a:ext cx="2799653" cy="276999"/>
           </a:xfrm>
           <a:prstGeom prst="rect">
@@ -8491,12 +8491,6 @@
           </a:bodyPr>
           <a:lstStyle/>
           <a:p>
-            <a:r>
-              <a:rPr lang="pl-PL" dirty="0">
-                <a:hlinkClick r:id="rId9"/>
-              </a:rPr>
-              <a:t>https://github.com/ekarbowiak/EIX</a:t>
-            </a:r>
             <a:endParaRPr lang="pl-PL" dirty="0"/>
           </a:p>
         </p:txBody>
@@ -9342,6 +9336,455 @@
               <a:cs typeface="Source Sans Pro"/>
               <a:sym typeface="Source Sans Pro"/>
             </a:endParaRPr>
+          </a:p>
+        </p:txBody>
+      </p:sp>
+      <p:pic>
+        <p:nvPicPr>
+          <p:cNvPr id="3" name="Obraz 2">
+            <a:extLst>
+              <a:ext uri="{FF2B5EF4-FFF2-40B4-BE49-F238E27FC236}">
+                <a16:creationId xmlns:a16="http://schemas.microsoft.com/office/drawing/2014/main" id="{D910B6C2-524F-4B5F-9D66-60C73FA887A0}"/>
+              </a:ext>
+            </a:extLst>
+          </p:cNvPr>
+          <p:cNvPicPr>
+            <a:picLocks noChangeAspect="1"/>
+          </p:cNvPicPr>
+          <p:nvPr/>
+        </p:nvPicPr>
+        <p:blipFill>
+          <a:blip r:embed="rId9" cstate="print">
+            <a:extLst>
+              <a:ext uri="{28A0092B-C50C-407E-A947-70E740481C1C}">
+                <a14:useLocalDpi xmlns:a14="http://schemas.microsoft.com/office/drawing/2010/main" val="0"/>
+              </a:ext>
+            </a:extLst>
+          </a:blip>
+          <a:stretch>
+            <a:fillRect/>
+          </a:stretch>
+        </p:blipFill>
+        <p:spPr>
+          <a:xfrm>
+            <a:off x="12520798" y="92861"/>
+            <a:ext cx="1242688" cy="1247266"/>
+          </a:xfrm>
+          <a:prstGeom prst="rect">
+            <a:avLst/>
+          </a:prstGeom>
+        </p:spPr>
+      </p:pic>
+      <p:sp>
+        <p:nvSpPr>
+          <p:cNvPr id="58" name="RStudio® is a trademark of RStudio, Inc.  •  CC BY SA Your Name •  your@email.com  •  844-448-1212 • your.website.com •  Learn more at webpage or vignette   •  package version  0.5.0 •  Updated: 2017-01">
+            <a:extLst>
+              <a:ext uri="{FF2B5EF4-FFF2-40B4-BE49-F238E27FC236}">
+                <a16:creationId xmlns:a16="http://schemas.microsoft.com/office/drawing/2014/main" id="{72427817-9DFA-4A77-89CC-DBC3CE4634FA}"/>
+              </a:ext>
+            </a:extLst>
+          </p:cNvPr>
+          <p:cNvSpPr txBox="1"/>
+          <p:nvPr/>
+        </p:nvSpPr>
+        <p:spPr>
+          <a:xfrm>
+            <a:off x="2484426" y="10477309"/>
+            <a:ext cx="11322666" cy="234855"/>
+          </a:xfrm>
+          <a:prstGeom prst="rect">
+            <a:avLst/>
+          </a:prstGeom>
+          <a:ln w="12700">
+            <a:miter lim="400000"/>
+          </a:ln>
+          <a:extLst>
+            <a:ext uri="{C572A759-6A51-4108-AA02-DFA0A04FC94B}">
+              <ma14:wrappingTextBoxFlag xmlns="" xmlns:m="http://schemas.openxmlformats.org/officeDocument/2006/math" xmlns:a14="http://schemas.microsoft.com/office/drawing/2010/main" xmlns:ma14="http://schemas.microsoft.com/office/mac/drawingml/2011/main" xmlns:lc="http://schemas.openxmlformats.org/drawingml/2006/lockedCanvas" val="1"/>
+            </a:ext>
+          </a:extLst>
+        </p:spPr>
+        <p:txBody>
+          <a:bodyPr lIns="54570" tIns="54570" rIns="54570" bIns="54570" anchor="ctr">
+            <a:spAutoFit/>
+          </a:bodyPr>
+          <a:lstStyle>
+            <a:defPPr marL="0" marR="0" indent="0" algn="l" defTabSz="914400" rtl="0" fontAlgn="auto" latinLnBrk="1" hangingPunct="0">
+              <a:lnSpc>
+                <a:spcPct val="100000"/>
+              </a:lnSpc>
+              <a:spcBef>
+                <a:spcPts val="0"/>
+              </a:spcBef>
+              <a:spcAft>
+                <a:spcPts val="0"/>
+              </a:spcAft>
+              <a:buClrTx/>
+              <a:buSzTx/>
+              <a:buFontTx/>
+              <a:buNone/>
+              <a:tabLst/>
+              <a:defRPr kumimoji="0" sz="1800" b="0" i="0" u="none" strike="noStrike" cap="none" spc="0" normalizeH="0" baseline="0">
+                <a:ln>
+                  <a:noFill/>
+                </a:ln>
+                <a:solidFill>
+                  <a:srgbClr val="000000"/>
+                </a:solidFill>
+                <a:effectLst/>
+                <a:uFillTx/>
+              </a:defRPr>
+            </a:defPPr>
+            <a:lvl1pPr marL="0" marR="0" indent="0" algn="l" defTabSz="584200" rtl="0" fontAlgn="auto" latinLnBrk="0" hangingPunct="0">
+              <a:lnSpc>
+                <a:spcPct val="100000"/>
+              </a:lnSpc>
+              <a:spcBef>
+                <a:spcPts val="200"/>
+              </a:spcBef>
+              <a:spcAft>
+                <a:spcPts val="0"/>
+              </a:spcAft>
+              <a:buClrTx/>
+              <a:buSzTx/>
+              <a:buFontTx/>
+              <a:buNone/>
+              <a:tabLst/>
+              <a:defRPr kumimoji="0" sz="1200" b="1" i="0" u="none" strike="noStrike" cap="none" spc="0" normalizeH="0" baseline="0">
+                <a:ln>
+                  <a:noFill/>
+                </a:ln>
+                <a:solidFill>
+                  <a:srgbClr val="4C4C4C"/>
+                </a:solidFill>
+                <a:effectLst/>
+                <a:uFillTx/>
+                <a:latin typeface="Source Sans Pro"/>
+                <a:ea typeface="Source Sans Pro"/>
+                <a:cs typeface="Source Sans Pro"/>
+                <a:sym typeface="Source Sans Pro"/>
+              </a:defRPr>
+            </a:lvl1pPr>
+            <a:lvl2pPr marL="0" marR="0" indent="228600" algn="l" defTabSz="584200" rtl="0" fontAlgn="auto" latinLnBrk="0" hangingPunct="0">
+              <a:lnSpc>
+                <a:spcPct val="100000"/>
+              </a:lnSpc>
+              <a:spcBef>
+                <a:spcPts val="200"/>
+              </a:spcBef>
+              <a:spcAft>
+                <a:spcPts val="0"/>
+              </a:spcAft>
+              <a:buClrTx/>
+              <a:buSzTx/>
+              <a:buFontTx/>
+              <a:buNone/>
+              <a:tabLst/>
+              <a:defRPr kumimoji="0" sz="1200" b="1" i="0" u="none" strike="noStrike" cap="none" spc="0" normalizeH="0" baseline="0">
+                <a:ln>
+                  <a:noFill/>
+                </a:ln>
+                <a:solidFill>
+                  <a:srgbClr val="4C4C4C"/>
+                </a:solidFill>
+                <a:effectLst/>
+                <a:uFillTx/>
+                <a:latin typeface="Source Sans Pro"/>
+                <a:ea typeface="Source Sans Pro"/>
+                <a:cs typeface="Source Sans Pro"/>
+                <a:sym typeface="Source Sans Pro"/>
+              </a:defRPr>
+            </a:lvl2pPr>
+            <a:lvl3pPr marL="0" marR="0" indent="457200" algn="l" defTabSz="584200" rtl="0" fontAlgn="auto" latinLnBrk="0" hangingPunct="0">
+              <a:lnSpc>
+                <a:spcPct val="100000"/>
+              </a:lnSpc>
+              <a:spcBef>
+                <a:spcPts val="200"/>
+              </a:spcBef>
+              <a:spcAft>
+                <a:spcPts val="0"/>
+              </a:spcAft>
+              <a:buClrTx/>
+              <a:buSzTx/>
+              <a:buFontTx/>
+              <a:buNone/>
+              <a:tabLst/>
+              <a:defRPr kumimoji="0" sz="1200" b="1" i="0" u="none" strike="noStrike" cap="none" spc="0" normalizeH="0" baseline="0">
+                <a:ln>
+                  <a:noFill/>
+                </a:ln>
+                <a:solidFill>
+                  <a:srgbClr val="4C4C4C"/>
+                </a:solidFill>
+                <a:effectLst/>
+                <a:uFillTx/>
+                <a:latin typeface="Source Sans Pro"/>
+                <a:ea typeface="Source Sans Pro"/>
+                <a:cs typeface="Source Sans Pro"/>
+                <a:sym typeface="Source Sans Pro"/>
+              </a:defRPr>
+            </a:lvl3pPr>
+            <a:lvl4pPr marL="0" marR="0" indent="685800" algn="l" defTabSz="584200" rtl="0" fontAlgn="auto" latinLnBrk="0" hangingPunct="0">
+              <a:lnSpc>
+                <a:spcPct val="100000"/>
+              </a:lnSpc>
+              <a:spcBef>
+                <a:spcPts val="200"/>
+              </a:spcBef>
+              <a:spcAft>
+                <a:spcPts val="0"/>
+              </a:spcAft>
+              <a:buClrTx/>
+              <a:buSzTx/>
+              <a:buFontTx/>
+              <a:buNone/>
+              <a:tabLst/>
+              <a:defRPr kumimoji="0" sz="1200" b="1" i="0" u="none" strike="noStrike" cap="none" spc="0" normalizeH="0" baseline="0">
+                <a:ln>
+                  <a:noFill/>
+                </a:ln>
+                <a:solidFill>
+                  <a:srgbClr val="4C4C4C"/>
+                </a:solidFill>
+                <a:effectLst/>
+                <a:uFillTx/>
+                <a:latin typeface="Source Sans Pro"/>
+                <a:ea typeface="Source Sans Pro"/>
+                <a:cs typeface="Source Sans Pro"/>
+                <a:sym typeface="Source Sans Pro"/>
+              </a:defRPr>
+            </a:lvl4pPr>
+            <a:lvl5pPr marL="0" marR="0" indent="914400" algn="l" defTabSz="584200" rtl="0" fontAlgn="auto" latinLnBrk="0" hangingPunct="0">
+              <a:lnSpc>
+                <a:spcPct val="100000"/>
+              </a:lnSpc>
+              <a:spcBef>
+                <a:spcPts val="200"/>
+              </a:spcBef>
+              <a:spcAft>
+                <a:spcPts val="0"/>
+              </a:spcAft>
+              <a:buClrTx/>
+              <a:buSzTx/>
+              <a:buFontTx/>
+              <a:buNone/>
+              <a:tabLst/>
+              <a:defRPr kumimoji="0" sz="1200" b="1" i="0" u="none" strike="noStrike" cap="none" spc="0" normalizeH="0" baseline="0">
+                <a:ln>
+                  <a:noFill/>
+                </a:ln>
+                <a:solidFill>
+                  <a:srgbClr val="4C4C4C"/>
+                </a:solidFill>
+                <a:effectLst/>
+                <a:uFillTx/>
+                <a:latin typeface="Source Sans Pro"/>
+                <a:ea typeface="Source Sans Pro"/>
+                <a:cs typeface="Source Sans Pro"/>
+                <a:sym typeface="Source Sans Pro"/>
+              </a:defRPr>
+            </a:lvl5pPr>
+            <a:lvl6pPr marL="0" marR="0" indent="1143000" algn="l" defTabSz="584200" rtl="0" fontAlgn="auto" latinLnBrk="0" hangingPunct="0">
+              <a:lnSpc>
+                <a:spcPct val="100000"/>
+              </a:lnSpc>
+              <a:spcBef>
+                <a:spcPts val="200"/>
+              </a:spcBef>
+              <a:spcAft>
+                <a:spcPts val="0"/>
+              </a:spcAft>
+              <a:buClrTx/>
+              <a:buSzTx/>
+              <a:buFontTx/>
+              <a:buNone/>
+              <a:tabLst/>
+              <a:defRPr kumimoji="0" sz="1200" b="1" i="0" u="none" strike="noStrike" cap="none" spc="0" normalizeH="0" baseline="0">
+                <a:ln>
+                  <a:noFill/>
+                </a:ln>
+                <a:solidFill>
+                  <a:srgbClr val="4C4C4C"/>
+                </a:solidFill>
+                <a:effectLst/>
+                <a:uFillTx/>
+                <a:latin typeface="Source Sans Pro"/>
+                <a:ea typeface="Source Sans Pro"/>
+                <a:cs typeface="Source Sans Pro"/>
+                <a:sym typeface="Source Sans Pro"/>
+              </a:defRPr>
+            </a:lvl6pPr>
+            <a:lvl7pPr marL="0" marR="0" indent="1371600" algn="l" defTabSz="584200" rtl="0" fontAlgn="auto" latinLnBrk="0" hangingPunct="0">
+              <a:lnSpc>
+                <a:spcPct val="100000"/>
+              </a:lnSpc>
+              <a:spcBef>
+                <a:spcPts val="200"/>
+              </a:spcBef>
+              <a:spcAft>
+                <a:spcPts val="0"/>
+              </a:spcAft>
+              <a:buClrTx/>
+              <a:buSzTx/>
+              <a:buFontTx/>
+              <a:buNone/>
+              <a:tabLst/>
+              <a:defRPr kumimoji="0" sz="1200" b="1" i="0" u="none" strike="noStrike" cap="none" spc="0" normalizeH="0" baseline="0">
+                <a:ln>
+                  <a:noFill/>
+                </a:ln>
+                <a:solidFill>
+                  <a:srgbClr val="4C4C4C"/>
+                </a:solidFill>
+                <a:effectLst/>
+                <a:uFillTx/>
+                <a:latin typeface="Source Sans Pro"/>
+                <a:ea typeface="Source Sans Pro"/>
+                <a:cs typeface="Source Sans Pro"/>
+                <a:sym typeface="Source Sans Pro"/>
+              </a:defRPr>
+            </a:lvl7pPr>
+            <a:lvl8pPr marL="0" marR="0" indent="1600200" algn="l" defTabSz="584200" rtl="0" fontAlgn="auto" latinLnBrk="0" hangingPunct="0">
+              <a:lnSpc>
+                <a:spcPct val="100000"/>
+              </a:lnSpc>
+              <a:spcBef>
+                <a:spcPts val="200"/>
+              </a:spcBef>
+              <a:spcAft>
+                <a:spcPts val="0"/>
+              </a:spcAft>
+              <a:buClrTx/>
+              <a:buSzTx/>
+              <a:buFontTx/>
+              <a:buNone/>
+              <a:tabLst/>
+              <a:defRPr kumimoji="0" sz="1200" b="1" i="0" u="none" strike="noStrike" cap="none" spc="0" normalizeH="0" baseline="0">
+                <a:ln>
+                  <a:noFill/>
+                </a:ln>
+                <a:solidFill>
+                  <a:srgbClr val="4C4C4C"/>
+                </a:solidFill>
+                <a:effectLst/>
+                <a:uFillTx/>
+                <a:latin typeface="Source Sans Pro"/>
+                <a:ea typeface="Source Sans Pro"/>
+                <a:cs typeface="Source Sans Pro"/>
+                <a:sym typeface="Source Sans Pro"/>
+              </a:defRPr>
+            </a:lvl8pPr>
+            <a:lvl9pPr marL="0" marR="0" indent="1828800" algn="l" defTabSz="584200" rtl="0" fontAlgn="auto" latinLnBrk="0" hangingPunct="0">
+              <a:lnSpc>
+                <a:spcPct val="100000"/>
+              </a:lnSpc>
+              <a:spcBef>
+                <a:spcPts val="200"/>
+              </a:spcBef>
+              <a:spcAft>
+                <a:spcPts val="0"/>
+              </a:spcAft>
+              <a:buClrTx/>
+              <a:buSzTx/>
+              <a:buFontTx/>
+              <a:buNone/>
+              <a:tabLst/>
+              <a:defRPr kumimoji="0" sz="1200" b="1" i="0" u="none" strike="noStrike" cap="none" spc="0" normalizeH="0" baseline="0">
+                <a:ln>
+                  <a:noFill/>
+                </a:ln>
+                <a:solidFill>
+                  <a:srgbClr val="4C4C4C"/>
+                </a:solidFill>
+                <a:effectLst/>
+                <a:uFillTx/>
+                <a:latin typeface="Source Sans Pro"/>
+                <a:ea typeface="Source Sans Pro"/>
+                <a:cs typeface="Source Sans Pro"/>
+                <a:sym typeface="Source Sans Pro"/>
+              </a:defRPr>
+            </a:lvl9pPr>
+          </a:lstStyle>
+          <a:p>
+            <a:pPr algn="r">
+              <a:lnSpc>
+                <a:spcPct val="90000"/>
+              </a:lnSpc>
+              <a:spcBef>
+                <a:spcPts val="0"/>
+              </a:spcBef>
+              <a:defRPr sz="900" b="0">
+                <a:solidFill>
+                  <a:srgbClr val="000000"/>
+                </a:solidFill>
+              </a:defRPr>
+            </a:pPr>
+            <a:r>
+              <a:rPr dirty="0"/>
+              <a:t>  CC BY  </a:t>
+            </a:r>
+            <a:r>
+              <a:rPr lang="pl-PL" dirty="0"/>
+              <a:t>Ewelina Karbowiak</a:t>
+            </a:r>
+            <a:r>
+              <a:rPr dirty="0"/>
+              <a:t> •  </a:t>
+            </a:r>
+            <a:r>
+              <a:rPr lang="pl-PL" dirty="0">
+                <a:hlinkClick r:id="rId10"/>
+              </a:rPr>
+              <a:t>ewelina.karbowiak@student.uw.edu.pl</a:t>
+            </a:r>
+            <a:r>
+              <a:rPr lang="pl-PL" dirty="0"/>
+              <a:t> •</a:t>
+            </a:r>
+            <a:r>
+              <a:rPr dirty="0"/>
+              <a:t>  </a:t>
+            </a:r>
+            <a:r>
+              <a:rPr lang="pl-PL" dirty="0">
+                <a:hlinkClick r:id="rId11"/>
+              </a:rPr>
+              <a:t>https://github.com/ekarbowiak/EIX</a:t>
+            </a:r>
+            <a:r>
+              <a:rPr dirty="0"/>
+              <a:t>•  Learn more at </a:t>
+            </a:r>
+            <a:r>
+              <a:rPr b="1" dirty="0"/>
+              <a:t>webpage or vignette</a:t>
+            </a:r>
+            <a:r>
+              <a:rPr dirty="0"/>
+              <a:t>   •  package version </a:t>
+            </a:r>
+            <a:r>
+              <a:rPr lang="pl-PL" altLang="pl-PL" sz="900" b="0" dirty="0">
+                <a:solidFill>
+                  <a:srgbClr val="000000"/>
+                </a:solidFill>
+                <a:latin typeface="Lucida Console" panose="020B0609040504020204" pitchFamily="49" charset="0"/>
+              </a:rPr>
+              <a:t>0.0.0.9000</a:t>
+            </a:r>
+            <a:r>
+              <a:rPr dirty="0"/>
+              <a:t> •  Updated: 201</a:t>
+            </a:r>
+            <a:r>
+              <a:rPr lang="pl-PL" dirty="0"/>
+              <a:t>9</a:t>
+            </a:r>
+            <a:r>
+              <a:rPr dirty="0"/>
+              <a:t>-01</a:t>
+            </a:r>
           </a:p>
         </p:txBody>
       </p:sp>

--- a/cheatsheets/EIX.pptx
+++ b/cheatsheets/EIX.pptx
@@ -2218,7 +2218,7 @@
           </a:ln>
           <a:extLst>
             <a:ext uri="{C572A759-6A51-4108-AA02-DFA0A04FC94B}">
-              <ma14:wrappingTextBoxFlag xmlns:ma14="http://schemas.microsoft.com/office/mac/drawingml/2011/main" xmlns:a14="http://schemas.microsoft.com/office/drawing/2010/main" xmlns:m="http://schemas.openxmlformats.org/officeDocument/2006/math" xmlns="" val="1"/>
+              <ma14:wrappingTextBoxFlag xmlns="" xmlns:m="http://schemas.openxmlformats.org/officeDocument/2006/math" xmlns:a14="http://schemas.microsoft.com/office/drawing/2010/main" xmlns:ma14="http://schemas.microsoft.com/office/mac/drawingml/2011/main" val="1"/>
             </a:ext>
           </a:extLst>
         </p:spPr>
@@ -2257,7 +2257,7 @@
           </a:ln>
           <a:extLst>
             <a:ext uri="{C572A759-6A51-4108-AA02-DFA0A04FC94B}">
-              <ma14:wrappingTextBoxFlag xmlns:ma14="http://schemas.microsoft.com/office/mac/drawingml/2011/main" xmlns:a14="http://schemas.microsoft.com/office/drawing/2010/main" xmlns:m="http://schemas.openxmlformats.org/officeDocument/2006/math" xmlns="" val="1"/>
+              <ma14:wrappingTextBoxFlag xmlns="" xmlns:m="http://schemas.openxmlformats.org/officeDocument/2006/math" xmlns:a14="http://schemas.microsoft.com/office/drawing/2010/main" xmlns:ma14="http://schemas.microsoft.com/office/mac/drawingml/2011/main" val="1"/>
             </a:ext>
           </a:extLst>
         </p:spPr>
@@ -4205,7 +4205,7 @@
           </a:ln>
           <a:extLst>
             <a:ext uri="{C572A759-6A51-4108-AA02-DFA0A04FC94B}">
-              <ma14:wrappingTextBoxFlag xmlns:ma14="http://schemas.microsoft.com/office/mac/drawingml/2011/main" xmlns:a14="http://schemas.microsoft.com/office/drawing/2010/main" xmlns:m="http://schemas.openxmlformats.org/officeDocument/2006/math" xmlns="" val="1"/>
+              <ma14:wrappingTextBoxFlag xmlns="" xmlns:m="http://schemas.openxmlformats.org/officeDocument/2006/math" xmlns:a14="http://schemas.microsoft.com/office/drawing/2010/main" xmlns:ma14="http://schemas.microsoft.com/office/mac/drawingml/2011/main" val="1"/>
             </a:ext>
           </a:extLst>
         </p:spPr>
@@ -4595,7 +4595,7 @@
           </a:ln>
           <a:extLst>
             <a:ext uri="{C572A759-6A51-4108-AA02-DFA0A04FC94B}">
-              <ma14:wrappingTextBoxFlag xmlns:ma14="http://schemas.microsoft.com/office/mac/drawingml/2011/main" xmlns="" val="1"/>
+              <ma14:wrappingTextBoxFlag xmlns="" xmlns:ma14="http://schemas.microsoft.com/office/mac/drawingml/2011/main" val="1"/>
             </a:ext>
           </a:extLst>
         </p:spPr>
@@ -4695,7 +4695,7 @@
           </a:ln>
           <a:extLst>
             <a:ext uri="{C572A759-6A51-4108-AA02-DFA0A04FC94B}">
-              <ma14:wrappingTextBoxFlag xmlns:ma14="http://schemas.microsoft.com/office/mac/drawingml/2011/main" xmlns="" val="1"/>
+              <ma14:wrappingTextBoxFlag xmlns="" xmlns:ma14="http://schemas.microsoft.com/office/mac/drawingml/2011/main" val="1"/>
             </a:ext>
           </a:extLst>
         </p:spPr>
@@ -4843,7 +4843,7 @@
           </a:ln>
           <a:extLst>
             <a:ext uri="{C572A759-6A51-4108-AA02-DFA0A04FC94B}">
-              <ma14:wrappingTextBoxFlag xmlns:ma14="http://schemas.microsoft.com/office/mac/drawingml/2011/main" xmlns="" val="1"/>
+              <ma14:wrappingTextBoxFlag xmlns="" xmlns:ma14="http://schemas.microsoft.com/office/mac/drawingml/2011/main" val="1"/>
             </a:ext>
           </a:extLst>
         </p:spPr>
@@ -4924,7 +4924,7 @@
           </a:ln>
           <a:extLst>
             <a:ext uri="{C572A759-6A51-4108-AA02-DFA0A04FC94B}">
-              <ma14:wrappingTextBoxFlag xmlns:ma14="http://schemas.microsoft.com/office/mac/drawingml/2011/main" xmlns="" val="1"/>
+              <ma14:wrappingTextBoxFlag xmlns="" xmlns:ma14="http://schemas.microsoft.com/office/mac/drawingml/2011/main" val="1"/>
             </a:ext>
           </a:extLst>
         </p:spPr>
@@ -5039,7 +5039,7 @@
           </a:ln>
           <a:extLst>
             <a:ext uri="{C572A759-6A51-4108-AA02-DFA0A04FC94B}">
-              <ma14:wrappingTextBoxFlag xmlns:ma14="http://schemas.microsoft.com/office/mac/drawingml/2011/main" xmlns="" val="1"/>
+              <ma14:wrappingTextBoxFlag xmlns="" xmlns:ma14="http://schemas.microsoft.com/office/mac/drawingml/2011/main" val="1"/>
             </a:ext>
           </a:extLst>
         </p:spPr>
@@ -5153,7 +5153,7 @@
           </a:ln>
           <a:extLst>
             <a:ext uri="{C572A759-6A51-4108-AA02-DFA0A04FC94B}">
-              <ma14:wrappingTextBoxFlag xmlns:ma14="http://schemas.microsoft.com/office/mac/drawingml/2011/main" xmlns="" val="1"/>
+              <ma14:wrappingTextBoxFlag xmlns="" xmlns:ma14="http://schemas.microsoft.com/office/mac/drawingml/2011/main" val="1"/>
             </a:ext>
           </a:extLst>
         </p:spPr>
@@ -9400,7 +9400,7 @@
           </a:ln>
           <a:extLst>
             <a:ext uri="{C572A759-6A51-4108-AA02-DFA0A04FC94B}">
-              <ma14:wrappingTextBoxFlag xmlns="" xmlns:m="http://schemas.openxmlformats.org/officeDocument/2006/math" xmlns:a14="http://schemas.microsoft.com/office/drawing/2010/main" xmlns:ma14="http://schemas.microsoft.com/office/mac/drawingml/2011/main" xmlns:lc="http://schemas.openxmlformats.org/drawingml/2006/lockedCanvas" val="1"/>
+              <ma14:wrappingTextBoxFlag xmlns:lc="http://schemas.openxmlformats.org/drawingml/2006/lockedCanvas" xmlns:ma14="http://schemas.microsoft.com/office/mac/drawingml/2011/main" xmlns:a14="http://schemas.microsoft.com/office/drawing/2010/main" xmlns:m="http://schemas.openxmlformats.org/officeDocument/2006/math" xmlns="" val="1"/>
             </a:ext>
           </a:extLst>
         </p:spPr>
@@ -9753,16 +9753,26 @@
               <a:t>https://github.com/ekarbowiak/EIX</a:t>
             </a:r>
             <a:r>
+              <a:rPr lang="pl-PL" dirty="0"/>
+              <a:t> </a:t>
+            </a:r>
+            <a:r>
               <a:rPr dirty="0"/>
-              <a:t>•  Learn more at </a:t>
-            </a:r>
-            <a:r>
-              <a:rPr b="1" dirty="0"/>
-              <a:t>webpage or vignette</a:t>
+              <a:t>•  </a:t>
+            </a:r>
+            <a:r>
+              <a:rPr lang="pl-PL" dirty="0">
+                <a:hlinkClick r:id="rId12"/>
+              </a:rPr>
+              <a:t>https://ekarbowiak.github.io/EIX</a:t>
+            </a:r>
+            <a:r>
+              <a:rPr lang="pl-PL" dirty="0"/>
+              <a:t> </a:t>
             </a:r>
             <a:r>
               <a:rPr dirty="0"/>
-              <a:t>   •  package version </a:t>
+              <a:t>•  package version </a:t>
             </a:r>
             <a:r>
               <a:rPr lang="pl-PL" altLang="pl-PL" sz="900" b="0" dirty="0">

--- a/cheatsheets/EIX.pptx
+++ b/cheatsheets/EIX.pptx
@@ -3176,6 +3176,122 @@
           <a:chExt cx="0" cy="0"/>
         </a:xfrm>
       </p:grpSpPr>
+      <p:pic>
+        <p:nvPicPr>
+          <p:cNvPr id="73" name="Grafika 72">
+            <a:extLst>
+              <a:ext uri="{FF2B5EF4-FFF2-40B4-BE49-F238E27FC236}">
+                <a16:creationId xmlns:a16="http://schemas.microsoft.com/office/drawing/2014/main" id="{BA603CE3-2D77-4DC0-A6B7-2787CDF2510A}"/>
+              </a:ext>
+            </a:extLst>
+          </p:cNvPr>
+          <p:cNvPicPr>
+            <a:picLocks noChangeAspect="1"/>
+          </p:cNvPicPr>
+          <p:nvPr/>
+        </p:nvPicPr>
+        <p:blipFill>
+          <a:blip r:embed="rId3">
+            <a:extLst>
+              <a:ext uri="{28A0092B-C50C-407E-A947-70E740481C1C}">
+                <a14:useLocalDpi xmlns:a14="http://schemas.microsoft.com/office/drawing/2010/main" val="0"/>
+              </a:ext>
+              <a:ext uri="{96DAC541-7B7A-43D3-8B79-37D633B846F1}">
+                <asvg:svgBlip xmlns:asvg="http://schemas.microsoft.com/office/drawing/2016/SVG/main" r:embed="rId4"/>
+              </a:ext>
+            </a:extLst>
+          </a:blip>
+          <a:stretch>
+            <a:fillRect/>
+          </a:stretch>
+        </p:blipFill>
+        <p:spPr>
+          <a:xfrm>
+            <a:off x="538680" y="7292824"/>
+            <a:ext cx="3827146" cy="3100630"/>
+          </a:xfrm>
+          <a:prstGeom prst="rect">
+            <a:avLst/>
+          </a:prstGeom>
+        </p:spPr>
+      </p:pic>
+      <p:pic>
+        <p:nvPicPr>
+          <p:cNvPr id="71" name="Grafika 70">
+            <a:extLst>
+              <a:ext uri="{FF2B5EF4-FFF2-40B4-BE49-F238E27FC236}">
+                <a16:creationId xmlns:a16="http://schemas.microsoft.com/office/drawing/2014/main" id="{B9E0E332-2D18-4582-B0BE-352A49B68E53}"/>
+              </a:ext>
+            </a:extLst>
+          </p:cNvPr>
+          <p:cNvPicPr>
+            <a:picLocks noChangeAspect="1"/>
+          </p:cNvPicPr>
+          <p:nvPr/>
+        </p:nvPicPr>
+        <p:blipFill rotWithShape="1">
+          <a:blip r:embed="rId5">
+            <a:extLst>
+              <a:ext uri="{28A0092B-C50C-407E-A947-70E740481C1C}">
+                <a14:useLocalDpi xmlns:a14="http://schemas.microsoft.com/office/drawing/2010/main" val="0"/>
+              </a:ext>
+              <a:ext uri="{96DAC541-7B7A-43D3-8B79-37D633B846F1}">
+                <asvg:svgBlip xmlns:asvg="http://schemas.microsoft.com/office/drawing/2016/SVG/main" r:embed="rId6"/>
+              </a:ext>
+            </a:extLst>
+          </a:blip>
+          <a:srcRect t="7943" b="7931"/>
+          <a:stretch/>
+        </p:blipFill>
+        <p:spPr>
+          <a:xfrm>
+            <a:off x="4752775" y="7867310"/>
+            <a:ext cx="3621958" cy="2491981"/>
+          </a:xfrm>
+          <a:prstGeom prst="rect">
+            <a:avLst/>
+          </a:prstGeom>
+        </p:spPr>
+      </p:pic>
+      <p:pic>
+        <p:nvPicPr>
+          <p:cNvPr id="65" name="Grafika 64">
+            <a:extLst>
+              <a:ext uri="{FF2B5EF4-FFF2-40B4-BE49-F238E27FC236}">
+                <a16:creationId xmlns:a16="http://schemas.microsoft.com/office/drawing/2014/main" id="{0FC2B5B9-BA3E-4E77-B577-CF3A7F881040}"/>
+              </a:ext>
+            </a:extLst>
+          </p:cNvPr>
+          <p:cNvPicPr>
+            <a:picLocks noChangeAspect="1"/>
+          </p:cNvPicPr>
+          <p:nvPr/>
+        </p:nvPicPr>
+        <p:blipFill>
+          <a:blip r:embed="rId7">
+            <a:extLst>
+              <a:ext uri="{28A0092B-C50C-407E-A947-70E740481C1C}">
+                <a14:useLocalDpi xmlns:a14="http://schemas.microsoft.com/office/drawing/2010/main" val="0"/>
+              </a:ext>
+              <a:ext uri="{96DAC541-7B7A-43D3-8B79-37D633B846F1}">
+                <asvg:svgBlip xmlns:asvg="http://schemas.microsoft.com/office/drawing/2016/SVG/main" r:embed="rId8"/>
+              </a:ext>
+            </a:extLst>
+          </a:blip>
+          <a:stretch>
+            <a:fillRect/>
+          </a:stretch>
+        </p:blipFill>
+        <p:spPr>
+          <a:xfrm>
+            <a:off x="8821795" y="7015942"/>
+            <a:ext cx="4037650" cy="3343349"/>
+          </a:xfrm>
+          <a:prstGeom prst="rect">
+            <a:avLst/>
+          </a:prstGeom>
+        </p:spPr>
+      </p:pic>
       <p:grpSp>
         <p:nvGrpSpPr>
           <p:cNvPr id="34" name="Group">
@@ -4107,7 +4223,7 @@
             <p:nvPr/>
           </p:nvPicPr>
           <p:blipFill>
-            <a:blip r:embed="rId3">
+            <a:blip r:embed="rId9">
               <a:extLst/>
             </a:blip>
             <a:stretch>
@@ -4178,6 +4294,44 @@
           </a:p>
         </p:txBody>
       </p:sp>
+      <p:pic>
+        <p:nvPicPr>
+          <p:cNvPr id="64" name="Grafika 63">
+            <a:extLst>
+              <a:ext uri="{FF2B5EF4-FFF2-40B4-BE49-F238E27FC236}">
+                <a16:creationId xmlns:a16="http://schemas.microsoft.com/office/drawing/2014/main" id="{EF6FCDD3-E87E-4A2E-AD94-05D6ABEF1089}"/>
+              </a:ext>
+            </a:extLst>
+          </p:cNvPr>
+          <p:cNvPicPr>
+            <a:picLocks noChangeAspect="1"/>
+          </p:cNvPicPr>
+          <p:nvPr/>
+        </p:nvPicPr>
+        <p:blipFill rotWithShape="1">
+          <a:blip r:embed="rId10" cstate="print">
+            <a:extLst>
+              <a:ext uri="{28A0092B-C50C-407E-A947-70E740481C1C}">
+                <a14:useLocalDpi xmlns:a14="http://schemas.microsoft.com/office/drawing/2010/main" val="0"/>
+              </a:ext>
+              <a:ext uri="{96DAC541-7B7A-43D3-8B79-37D633B846F1}">
+                <asvg:svgBlip xmlns:asvg="http://schemas.microsoft.com/office/drawing/2016/SVG/main" r:embed="rId11"/>
+              </a:ext>
+            </a:extLst>
+          </a:blip>
+          <a:srcRect l="4014" r="4541"/>
+          <a:stretch/>
+        </p:blipFill>
+        <p:spPr>
+          <a:xfrm>
+            <a:off x="7932296" y="2291843"/>
+            <a:ext cx="2525201" cy="2797672"/>
+          </a:xfrm>
+          <a:prstGeom prst="rect">
+            <a:avLst/>
+          </a:prstGeom>
+        </p:spPr>
+      </p:pic>
       <p:sp>
         <p:nvSpPr>
           <p:cNvPr id="5" name="Four Column Layout : : CHEAT SHEET">
@@ -5236,7 +5390,7 @@
           <p:nvPr/>
         </p:nvPicPr>
         <p:blipFill>
-          <a:blip r:embed="rId4">
+          <a:blip r:embed="rId12">
             <a:extLst>
               <a:ext uri="{28A0092B-C50C-407E-A947-70E740481C1C}">
                 <a14:useLocalDpi xmlns:a14="http://schemas.microsoft.com/office/drawing/2010/main" val="0"/>
@@ -5251,148 +5405,6 @@
           <a:xfrm>
             <a:off x="10558446" y="2284079"/>
             <a:ext cx="2665468" cy="2790534"/>
-          </a:xfrm>
-          <a:prstGeom prst="rect">
-            <a:avLst/>
-          </a:prstGeom>
-        </p:spPr>
-      </p:pic>
-      <p:pic>
-        <p:nvPicPr>
-          <p:cNvPr id="18" name="Obraz 17">
-            <a:extLst>
-              <a:ext uri="{FF2B5EF4-FFF2-40B4-BE49-F238E27FC236}">
-                <a16:creationId xmlns:a16="http://schemas.microsoft.com/office/drawing/2014/main" id="{A90FFA45-371F-474D-93B2-0853C62CDB48}"/>
-              </a:ext>
-            </a:extLst>
-          </p:cNvPr>
-          <p:cNvPicPr>
-            <a:picLocks noChangeAspect="1"/>
-          </p:cNvPicPr>
-          <p:nvPr/>
-        </p:nvPicPr>
-        <p:blipFill rotWithShape="1">
-          <a:blip r:embed="rId5">
-            <a:extLst>
-              <a:ext uri="{28A0092B-C50C-407E-A947-70E740481C1C}">
-                <a14:useLocalDpi xmlns:a14="http://schemas.microsoft.com/office/drawing/2010/main" val="0"/>
-              </a:ext>
-            </a:extLst>
-          </a:blip>
-          <a:srcRect l="-247" t="13092" r="247" b="13167"/>
-          <a:stretch/>
-        </p:blipFill>
-        <p:spPr>
-          <a:xfrm>
-            <a:off x="4737741" y="7881078"/>
-            <a:ext cx="3630618" cy="2497320"/>
-          </a:xfrm>
-          <a:prstGeom prst="rect">
-            <a:avLst/>
-          </a:prstGeom>
-        </p:spPr>
-      </p:pic>
-      <p:pic>
-        <p:nvPicPr>
-          <p:cNvPr id="19" name="Obraz 18">
-            <a:extLst>
-              <a:ext uri="{FF2B5EF4-FFF2-40B4-BE49-F238E27FC236}">
-                <a16:creationId xmlns:a16="http://schemas.microsoft.com/office/drawing/2014/main" id="{96292575-CA5A-459A-9E1D-71AED5518428}"/>
-              </a:ext>
-            </a:extLst>
-          </p:cNvPr>
-          <p:cNvPicPr>
-            <a:picLocks noChangeAspect="1"/>
-          </p:cNvPicPr>
-          <p:nvPr/>
-        </p:nvPicPr>
-        <p:blipFill>
-          <a:blip r:embed="rId6">
-            <a:extLst>
-              <a:ext uri="{28A0092B-C50C-407E-A947-70E740481C1C}">
-                <a14:useLocalDpi xmlns:a14="http://schemas.microsoft.com/office/drawing/2010/main" val="0"/>
-              </a:ext>
-            </a:extLst>
-          </a:blip>
-          <a:stretch>
-            <a:fillRect/>
-          </a:stretch>
-        </p:blipFill>
-        <p:spPr>
-          <a:xfrm>
-            <a:off x="543283" y="7292824"/>
-            <a:ext cx="3827146" cy="3085574"/>
-          </a:xfrm>
-          <a:prstGeom prst="rect">
-            <a:avLst/>
-          </a:prstGeom>
-        </p:spPr>
-      </p:pic>
-      <p:pic>
-        <p:nvPicPr>
-          <p:cNvPr id="20" name="Obraz 19">
-            <a:extLst>
-              <a:ext uri="{FF2B5EF4-FFF2-40B4-BE49-F238E27FC236}">
-                <a16:creationId xmlns:a16="http://schemas.microsoft.com/office/drawing/2014/main" id="{F02BB887-4FEC-43A5-A4DD-372457D44117}"/>
-              </a:ext>
-            </a:extLst>
-          </p:cNvPr>
-          <p:cNvPicPr>
-            <a:picLocks noChangeAspect="1"/>
-          </p:cNvPicPr>
-          <p:nvPr/>
-        </p:nvPicPr>
-        <p:blipFill rotWithShape="1">
-          <a:blip r:embed="rId7">
-            <a:extLst>
-              <a:ext uri="{28A0092B-C50C-407E-A947-70E740481C1C}">
-                <a14:useLocalDpi xmlns:a14="http://schemas.microsoft.com/office/drawing/2010/main" val="0"/>
-              </a:ext>
-            </a:extLst>
-          </a:blip>
-          <a:srcRect l="2789" r="3227"/>
-          <a:stretch/>
-        </p:blipFill>
-        <p:spPr>
-          <a:xfrm>
-            <a:off x="7902110" y="2283839"/>
-            <a:ext cx="2588646" cy="2790774"/>
-          </a:xfrm>
-          <a:prstGeom prst="rect">
-            <a:avLst/>
-          </a:prstGeom>
-        </p:spPr>
-      </p:pic>
-      <p:pic>
-        <p:nvPicPr>
-          <p:cNvPr id="21" name="Obraz 20">
-            <a:extLst>
-              <a:ext uri="{FF2B5EF4-FFF2-40B4-BE49-F238E27FC236}">
-                <a16:creationId xmlns:a16="http://schemas.microsoft.com/office/drawing/2014/main" id="{A0140A2C-F837-4493-B638-C377FC6FC92E}"/>
-              </a:ext>
-            </a:extLst>
-          </p:cNvPr>
-          <p:cNvPicPr>
-            <a:picLocks noChangeAspect="1"/>
-          </p:cNvPicPr>
-          <p:nvPr/>
-        </p:nvPicPr>
-        <p:blipFill>
-          <a:blip r:embed="rId8">
-            <a:extLst>
-              <a:ext uri="{28A0092B-C50C-407E-A947-70E740481C1C}">
-                <a14:useLocalDpi xmlns:a14="http://schemas.microsoft.com/office/drawing/2010/main" val="0"/>
-              </a:ext>
-            </a:extLst>
-          </a:blip>
-          <a:stretch>
-            <a:fillRect/>
-          </a:stretch>
-        </p:blipFill>
-        <p:spPr>
-          <a:xfrm>
-            <a:off x="8827429" y="7007475"/>
-            <a:ext cx="4037650" cy="3343350"/>
           </a:xfrm>
           <a:prstGeom prst="rect">
             <a:avLst/>
@@ -8935,7 +8947,7 @@
                   <a:srgbClr val="000000"/>
                 </a:solidFill>
               </a:rPr>
-              <a:t> </a:t>
+              <a:t> be </a:t>
             </a:r>
             <a:r>
               <a:rPr lang="pl-PL" b="0" dirty="0" err="1">
@@ -8943,7 +8955,7 @@
                   <a:srgbClr val="000000"/>
                 </a:solidFill>
               </a:rPr>
-              <a:t>visualise</a:t>
+              <a:t>visualised</a:t>
             </a:r>
             <a:r>
               <a:rPr lang="pl-PL" b="0" dirty="0">
@@ -9354,7 +9366,7 @@
           <p:nvPr/>
         </p:nvPicPr>
         <p:blipFill>
-          <a:blip r:embed="rId9" cstate="print">
+          <a:blip r:embed="rId13" cstate="print">
             <a:extLst>
               <a:ext uri="{28A0092B-C50C-407E-A947-70E740481C1C}">
                 <a14:useLocalDpi xmlns:a14="http://schemas.microsoft.com/office/drawing/2010/main" val="0"/>
@@ -9734,7 +9746,7 @@
             </a:r>
             <a:r>
               <a:rPr lang="pl-PL" dirty="0">
-                <a:hlinkClick r:id="rId10"/>
+                <a:hlinkClick r:id="rId14"/>
               </a:rPr>
               <a:t>ewelina.karbowiak@student.uw.edu.pl</a:t>
             </a:r>
@@ -9748,7 +9760,7 @@
             </a:r>
             <a:r>
               <a:rPr lang="pl-PL" dirty="0">
-                <a:hlinkClick r:id="rId11"/>
+                <a:hlinkClick r:id="rId15"/>
               </a:rPr>
               <a:t>https://github.com/ekarbowiak/EIX</a:t>
             </a:r>
@@ -9762,7 +9774,7 @@
             </a:r>
             <a:r>
               <a:rPr lang="pl-PL" dirty="0">
-                <a:hlinkClick r:id="rId12"/>
+                <a:hlinkClick r:id="rId16"/>
               </a:rPr>
               <a:t>https://ekarbowiak.github.io/EIX</a:t>
             </a:r>
@@ -9798,6 +9810,45 @@
           </a:p>
         </p:txBody>
       </p:sp>
+      <p:pic>
+        <p:nvPicPr>
+          <p:cNvPr id="60" name="Grafika 59">
+            <a:extLst>
+              <a:ext uri="{FF2B5EF4-FFF2-40B4-BE49-F238E27FC236}">
+                <a16:creationId xmlns:a16="http://schemas.microsoft.com/office/drawing/2014/main" id="{90DA34CD-ACD2-4EC9-B662-1A95D0531974}"/>
+              </a:ext>
+            </a:extLst>
+          </p:cNvPr>
+          <p:cNvPicPr>
+            <a:picLocks noChangeAspect="1"/>
+          </p:cNvPicPr>
+          <p:nvPr/>
+        </p:nvPicPr>
+        <p:blipFill>
+          <a:blip r:embed="rId17">
+            <a:extLst>
+              <a:ext uri="{28A0092B-C50C-407E-A947-70E740481C1C}">
+                <a14:useLocalDpi xmlns:a14="http://schemas.microsoft.com/office/drawing/2010/main" val="0"/>
+              </a:ext>
+              <a:ext uri="{96DAC541-7B7A-43D3-8B79-37D633B846F1}">
+                <asvg:svgBlip xmlns:asvg="http://schemas.microsoft.com/office/drawing/2016/SVG/main" r:embed="rId18"/>
+              </a:ext>
+            </a:extLst>
+          </a:blip>
+          <a:stretch>
+            <a:fillRect/>
+          </a:stretch>
+        </p:blipFill>
+        <p:spPr>
+          <a:xfrm>
+            <a:off x="-14346619" y="-5273752"/>
+            <a:ext cx="6400800" cy="6400800"/>
+          </a:xfrm>
+          <a:prstGeom prst="rect">
+            <a:avLst/>
+          </a:prstGeom>
+        </p:spPr>
+      </p:pic>
     </p:spTree>
     <p:extLst>
       <p:ext uri="{BB962C8B-B14F-4D97-AF65-F5344CB8AC3E}">

--- a/cheatsheets/EIX.pptx
+++ b/cheatsheets/EIX.pptx
@@ -2218,7 +2218,7 @@
           </a:ln>
           <a:extLst>
             <a:ext uri="{C572A759-6A51-4108-AA02-DFA0A04FC94B}">
-              <ma14:wrappingTextBoxFlag xmlns="" xmlns:m="http://schemas.openxmlformats.org/officeDocument/2006/math" xmlns:a14="http://schemas.microsoft.com/office/drawing/2010/main" xmlns:ma14="http://schemas.microsoft.com/office/mac/drawingml/2011/main" val="1"/>
+              <ma14:wrappingTextBoxFlag xmlns:ma14="http://schemas.microsoft.com/office/mac/drawingml/2011/main" xmlns:a14="http://schemas.microsoft.com/office/drawing/2010/main" xmlns:m="http://schemas.openxmlformats.org/officeDocument/2006/math" xmlns="" val="1"/>
             </a:ext>
           </a:extLst>
         </p:spPr>
@@ -2257,7 +2257,7 @@
           </a:ln>
           <a:extLst>
             <a:ext uri="{C572A759-6A51-4108-AA02-DFA0A04FC94B}">
-              <ma14:wrappingTextBoxFlag xmlns="" xmlns:m="http://schemas.openxmlformats.org/officeDocument/2006/math" xmlns:a14="http://schemas.microsoft.com/office/drawing/2010/main" xmlns:ma14="http://schemas.microsoft.com/office/mac/drawingml/2011/main" val="1"/>
+              <ma14:wrappingTextBoxFlag xmlns:ma14="http://schemas.microsoft.com/office/mac/drawingml/2011/main" xmlns:a14="http://schemas.microsoft.com/office/drawing/2010/main" xmlns:m="http://schemas.openxmlformats.org/officeDocument/2006/math" xmlns="" val="1"/>
             </a:ext>
           </a:extLst>
         </p:spPr>
@@ -4359,7 +4359,7 @@
           </a:ln>
           <a:extLst>
             <a:ext uri="{C572A759-6A51-4108-AA02-DFA0A04FC94B}">
-              <ma14:wrappingTextBoxFlag xmlns="" xmlns:m="http://schemas.openxmlformats.org/officeDocument/2006/math" xmlns:a14="http://schemas.microsoft.com/office/drawing/2010/main" xmlns:ma14="http://schemas.microsoft.com/office/mac/drawingml/2011/main" val="1"/>
+              <ma14:wrappingTextBoxFlag xmlns:ma14="http://schemas.microsoft.com/office/mac/drawingml/2011/main" xmlns:a14="http://schemas.microsoft.com/office/drawing/2010/main" xmlns:m="http://schemas.openxmlformats.org/officeDocument/2006/math" xmlns="" val="1"/>
             </a:ext>
           </a:extLst>
         </p:spPr>
@@ -4749,7 +4749,7 @@
           </a:ln>
           <a:extLst>
             <a:ext uri="{C572A759-6A51-4108-AA02-DFA0A04FC94B}">
-              <ma14:wrappingTextBoxFlag xmlns="" xmlns:ma14="http://schemas.microsoft.com/office/mac/drawingml/2011/main" val="1"/>
+              <ma14:wrappingTextBoxFlag xmlns:ma14="http://schemas.microsoft.com/office/mac/drawingml/2011/main" xmlns="" val="1"/>
             </a:ext>
           </a:extLst>
         </p:spPr>
@@ -4849,7 +4849,7 @@
           </a:ln>
           <a:extLst>
             <a:ext uri="{C572A759-6A51-4108-AA02-DFA0A04FC94B}">
-              <ma14:wrappingTextBoxFlag xmlns="" xmlns:ma14="http://schemas.microsoft.com/office/mac/drawingml/2011/main" val="1"/>
+              <ma14:wrappingTextBoxFlag xmlns:ma14="http://schemas.microsoft.com/office/mac/drawingml/2011/main" xmlns="" val="1"/>
             </a:ext>
           </a:extLst>
         </p:spPr>
@@ -4997,7 +4997,7 @@
           </a:ln>
           <a:extLst>
             <a:ext uri="{C572A759-6A51-4108-AA02-DFA0A04FC94B}">
-              <ma14:wrappingTextBoxFlag xmlns="" xmlns:ma14="http://schemas.microsoft.com/office/mac/drawingml/2011/main" val="1"/>
+              <ma14:wrappingTextBoxFlag xmlns:ma14="http://schemas.microsoft.com/office/mac/drawingml/2011/main" xmlns="" val="1"/>
             </a:ext>
           </a:extLst>
         </p:spPr>
@@ -5078,7 +5078,7 @@
           </a:ln>
           <a:extLst>
             <a:ext uri="{C572A759-6A51-4108-AA02-DFA0A04FC94B}">
-              <ma14:wrappingTextBoxFlag xmlns="" xmlns:ma14="http://schemas.microsoft.com/office/mac/drawingml/2011/main" val="1"/>
+              <ma14:wrappingTextBoxFlag xmlns:ma14="http://schemas.microsoft.com/office/mac/drawingml/2011/main" xmlns="" val="1"/>
             </a:ext>
           </a:extLst>
         </p:spPr>
@@ -5193,7 +5193,7 @@
           </a:ln>
           <a:extLst>
             <a:ext uri="{C572A759-6A51-4108-AA02-DFA0A04FC94B}">
-              <ma14:wrappingTextBoxFlag xmlns="" xmlns:ma14="http://schemas.microsoft.com/office/mac/drawingml/2011/main" val="1"/>
+              <ma14:wrappingTextBoxFlag xmlns:ma14="http://schemas.microsoft.com/office/mac/drawingml/2011/main" xmlns="" val="1"/>
             </a:ext>
           </a:extLst>
         </p:spPr>
@@ -5307,7 +5307,7 @@
           </a:ln>
           <a:extLst>
             <a:ext uri="{C572A759-6A51-4108-AA02-DFA0A04FC94B}">
-              <ma14:wrappingTextBoxFlag xmlns="" xmlns:ma14="http://schemas.microsoft.com/office/mac/drawingml/2011/main" val="1"/>
+              <ma14:wrappingTextBoxFlag xmlns:ma14="http://schemas.microsoft.com/office/mac/drawingml/2011/main" xmlns="" val="1"/>
             </a:ext>
           </a:extLst>
         </p:spPr>
@@ -5425,7 +5425,7 @@
         </p:nvSpPr>
         <p:spPr>
           <a:xfrm>
-            <a:off x="543282" y="1044347"/>
+            <a:off x="569246" y="1183544"/>
             <a:ext cx="3795194" cy="1823495"/>
           </a:xfrm>
           <a:prstGeom prst="rect">
@@ -6938,7 +6938,7 @@
         </p:nvSpPr>
         <p:spPr>
           <a:xfrm>
-            <a:off x="546039" y="2934958"/>
+            <a:off x="543282" y="3290240"/>
             <a:ext cx="3795194" cy="530834"/>
           </a:xfrm>
           <a:prstGeom prst="rect">
@@ -7065,8 +7065,8 @@
         </p:nvSpPr>
         <p:spPr>
           <a:xfrm>
-            <a:off x="546038" y="3525551"/>
-            <a:ext cx="3795194" cy="1977384"/>
+            <a:off x="557627" y="4024030"/>
+            <a:ext cx="3795194" cy="1346442"/>
           </a:xfrm>
           <a:prstGeom prst="rect">
             <a:avLst/>
@@ -7122,13 +7122,31 @@
           </a:p>
           <a:p>
             <a:r>
+              <a:rPr lang="pl-PL" b="0" dirty="0" err="1">
+                <a:solidFill>
+                  <a:srgbClr val="000000"/>
+                </a:solidFill>
+                <a:latin typeface="Menlo"/>
+              </a:rPr>
+              <a:t>sm</a:t>
+            </a:r>
+            <a:r>
+              <a:rPr lang="pl-PL" b="0" dirty="0">
+                <a:solidFill>
+                  <a:srgbClr val="000000"/>
+                </a:solidFill>
+                <a:latin typeface="Menlo"/>
+              </a:rPr>
+              <a:t> &lt;- </a:t>
+            </a:r>
+            <a:r>
               <a:rPr lang="pl-PL" dirty="0" err="1">
                 <a:solidFill>
                   <a:srgbClr val="000000"/>
                 </a:solidFill>
                 <a:latin typeface="Menlo"/>
               </a:rPr>
-              <a:t>library</a:t>
+              <a:t>sparse.model.matrix</a:t>
             </a:r>
             <a:r>
               <a:rPr lang="pl-PL" b="0" dirty="0">
@@ -7137,7 +7155,7 @@
                 </a:solidFill>
                 <a:latin typeface="Menlo"/>
               </a:rPr>
-              <a:t>("</a:t>
+              <a:t>(</a:t>
             </a:r>
             <a:r>
               <a:rPr lang="pl-PL" b="0" dirty="0" err="1">
@@ -7146,7 +7164,7 @@
                 </a:solidFill>
                 <a:latin typeface="Menlo"/>
               </a:rPr>
-              <a:t>data.table</a:t>
+              <a:t>left</a:t>
             </a:r>
             <a:r>
               <a:rPr lang="pl-PL" b="0" dirty="0">
@@ -7155,7 +7173,25 @@
                 </a:solidFill>
                 <a:latin typeface="Menlo"/>
               </a:rPr>
-              <a:t>")</a:t>
+              <a:t> ~ . - 1,  data = </a:t>
+            </a:r>
+            <a:r>
+              <a:rPr lang="pl-PL" b="0" dirty="0" err="1">
+                <a:solidFill>
+                  <a:srgbClr val="000000"/>
+                </a:solidFill>
+                <a:latin typeface="Menlo"/>
+              </a:rPr>
+              <a:t>HR_data</a:t>
+            </a:r>
+            <a:r>
+              <a:rPr lang="pl-PL" b="0" dirty="0">
+                <a:solidFill>
+                  <a:srgbClr val="000000"/>
+                </a:solidFill>
+                <a:latin typeface="Menlo"/>
+              </a:rPr>
+              <a:t>)</a:t>
             </a:r>
           </a:p>
           <a:p>
@@ -7198,13 +7234,22 @@
           </a:p>
           <a:p>
             <a:r>
+              <a:rPr lang="pl-PL" b="0" dirty="0">
+                <a:solidFill>
+                  <a:srgbClr val="000000"/>
+                </a:solidFill>
+                <a:latin typeface="Menlo"/>
+              </a:rPr>
+              <a:t>param &lt;- list(</a:t>
+            </a:r>
+            <a:r>
               <a:rPr lang="pl-PL" b="0" dirty="0" err="1">
                 <a:solidFill>
                   <a:srgbClr val="000000"/>
                 </a:solidFill>
                 <a:latin typeface="Menlo"/>
               </a:rPr>
-              <a:t>dt_HR</a:t>
+              <a:t>objective</a:t>
             </a:r>
             <a:r>
               <a:rPr lang="pl-PL" b="0" dirty="0">
@@ -7213,16 +7258,16 @@
                 </a:solidFill>
                 <a:latin typeface="Menlo"/>
               </a:rPr>
-              <a:t> &lt;- </a:t>
-            </a:r>
-            <a:r>
-              <a:rPr lang="pl-PL" dirty="0" err="1">
-                <a:solidFill>
-                  <a:srgbClr val="000000"/>
-                </a:solidFill>
-                <a:latin typeface="Menlo"/>
-              </a:rPr>
-              <a:t>data.table</a:t>
+              <a:t> = "</a:t>
+            </a:r>
+            <a:r>
+              <a:rPr lang="pl-PL" b="0" dirty="0" err="1">
+                <a:solidFill>
+                  <a:srgbClr val="000000"/>
+                </a:solidFill>
+                <a:latin typeface="Menlo"/>
+              </a:rPr>
+              <a:t>binary:logistic</a:t>
             </a:r>
             <a:r>
               <a:rPr lang="pl-PL" b="0" dirty="0">
@@ -7231,7 +7276,7 @@
                 </a:solidFill>
                 <a:latin typeface="Menlo"/>
               </a:rPr>
-              <a:t>(</a:t>
+              <a:t>", </a:t>
             </a:r>
             <a:r>
               <a:rPr lang="pl-PL" b="0" dirty="0" err="1">
@@ -7240,7 +7285,7 @@
                 </a:solidFill>
                 <a:latin typeface="Menlo"/>
               </a:rPr>
-              <a:t>HR_data</a:t>
+              <a:t>max_depth</a:t>
             </a:r>
             <a:r>
               <a:rPr lang="pl-PL" b="0" dirty="0">
@@ -7249,7 +7294,7 @@
                 </a:solidFill>
                 <a:latin typeface="Menlo"/>
               </a:rPr>
-              <a:t>)</a:t>
+              <a:t> = 2)</a:t>
             </a:r>
           </a:p>
           <a:p>
@@ -7260,6 +7305,42 @@
                 </a:solidFill>
                 <a:latin typeface="Menlo"/>
               </a:rPr>
+              <a:t>xgb.model</a:t>
+            </a:r>
+            <a:r>
+              <a:rPr lang="pl-PL" b="0" dirty="0">
+                <a:solidFill>
+                  <a:srgbClr val="000000"/>
+                </a:solidFill>
+                <a:latin typeface="Menlo"/>
+              </a:rPr>
+              <a:t> &lt;- </a:t>
+            </a:r>
+            <a:r>
+              <a:rPr lang="pl-PL" dirty="0" err="1">
+                <a:solidFill>
+                  <a:srgbClr val="000000"/>
+                </a:solidFill>
+                <a:latin typeface="Menlo"/>
+              </a:rPr>
+              <a:t>xgboost</a:t>
+            </a:r>
+            <a:r>
+              <a:rPr lang="pl-PL" b="0" dirty="0">
+                <a:solidFill>
+                  <a:srgbClr val="000000"/>
+                </a:solidFill>
+                <a:latin typeface="Menlo"/>
+              </a:rPr>
+              <a:t>(</a:t>
+            </a:r>
+            <a:r>
+              <a:rPr lang="pl-PL" b="0" dirty="0" err="1">
+                <a:solidFill>
+                  <a:srgbClr val="000000"/>
+                </a:solidFill>
+                <a:latin typeface="Menlo"/>
+              </a:rPr>
               <a:t>sm</a:t>
             </a:r>
             <a:r>
@@ -7269,16 +7350,16 @@
                 </a:solidFill>
                 <a:latin typeface="Menlo"/>
               </a:rPr>
-              <a:t> &lt;- </a:t>
-            </a:r>
-            <a:r>
-              <a:rPr lang="pl-PL" dirty="0" err="1">
-                <a:solidFill>
-                  <a:srgbClr val="000000"/>
-                </a:solidFill>
-                <a:latin typeface="Menlo"/>
-              </a:rPr>
-              <a:t>sparse.model.matrix</a:t>
+              <a:t>, </a:t>
+            </a:r>
+            <a:r>
+              <a:rPr lang="pl-PL" b="0" dirty="0" err="1">
+                <a:solidFill>
+                  <a:srgbClr val="000000"/>
+                </a:solidFill>
+                <a:latin typeface="Menlo"/>
+              </a:rPr>
+              <a:t>params</a:t>
             </a:r>
             <a:r>
               <a:rPr lang="pl-PL" b="0" dirty="0">
@@ -7287,7 +7368,7 @@
                 </a:solidFill>
                 <a:latin typeface="Menlo"/>
               </a:rPr>
-              <a:t>(</a:t>
+              <a:t> = param, </a:t>
             </a:r>
             <a:r>
               <a:rPr lang="pl-PL" b="0" dirty="0" err="1">
@@ -7296,6 +7377,42 @@
                 </a:solidFill>
                 <a:latin typeface="Menlo"/>
               </a:rPr>
+              <a:t>label</a:t>
+            </a:r>
+            <a:r>
+              <a:rPr lang="pl-PL" b="0" dirty="0">
+                <a:solidFill>
+                  <a:srgbClr val="000000"/>
+                </a:solidFill>
+                <a:latin typeface="Menlo"/>
+              </a:rPr>
+              <a:t> = </a:t>
+            </a:r>
+            <a:r>
+              <a:rPr lang="pl-PL" b="0" dirty="0" err="1">
+                <a:solidFill>
+                  <a:srgbClr val="000000"/>
+                </a:solidFill>
+                <a:latin typeface="Menlo"/>
+              </a:rPr>
+              <a:t>HR_data</a:t>
+            </a:r>
+            <a:r>
+              <a:rPr lang="pl-PL" b="0" dirty="0">
+                <a:solidFill>
+                  <a:srgbClr val="000000"/>
+                </a:solidFill>
+                <a:latin typeface="Menlo"/>
+              </a:rPr>
+              <a:t>[, </a:t>
+            </a:r>
+            <a:r>
+              <a:rPr lang="pl-PL" b="0" dirty="0" err="1">
+                <a:solidFill>
+                  <a:srgbClr val="000000"/>
+                </a:solidFill>
+                <a:latin typeface="Menlo"/>
+              </a:rPr>
               <a:t>left</a:t>
             </a:r>
             <a:r>
@@ -7305,7 +7422,7 @@
                 </a:solidFill>
                 <a:latin typeface="Menlo"/>
               </a:rPr>
-              <a:t> ~ . - 1,  data = </a:t>
+              <a:t>] == 1, </a:t>
             </a:r>
             <a:r>
               <a:rPr lang="pl-PL" b="0" dirty="0" err="1">
@@ -7314,7 +7431,7 @@
                 </a:solidFill>
                 <a:latin typeface="Menlo"/>
               </a:rPr>
-              <a:t>dt_HR</a:t>
+              <a:t>nrounds</a:t>
             </a:r>
             <a:r>
               <a:rPr lang="pl-PL" b="0" dirty="0">
@@ -7323,238 +7440,7 @@
                 </a:solidFill>
                 <a:latin typeface="Menlo"/>
               </a:rPr>
-              <a:t>)</a:t>
-            </a:r>
-          </a:p>
-          <a:p>
-            <a:r>
-              <a:rPr lang="pl-PL" b="0" dirty="0">
-                <a:solidFill>
-                  <a:srgbClr val="000000"/>
-                </a:solidFill>
-                <a:latin typeface="Menlo"/>
-              </a:rPr>
-              <a:t>param &lt;- list(</a:t>
-            </a:r>
-            <a:r>
-              <a:rPr lang="pl-PL" b="0" dirty="0" err="1">
-                <a:solidFill>
-                  <a:srgbClr val="000000"/>
-                </a:solidFill>
-                <a:latin typeface="Menlo"/>
-              </a:rPr>
-              <a:t>objective</a:t>
-            </a:r>
-            <a:r>
-              <a:rPr lang="pl-PL" b="0" dirty="0">
-                <a:solidFill>
-                  <a:srgbClr val="000000"/>
-                </a:solidFill>
-                <a:latin typeface="Menlo"/>
-              </a:rPr>
-              <a:t> = "</a:t>
-            </a:r>
-            <a:r>
-              <a:rPr lang="pl-PL" b="0" dirty="0" err="1">
-                <a:solidFill>
-                  <a:srgbClr val="000000"/>
-                </a:solidFill>
-                <a:latin typeface="Menlo"/>
-              </a:rPr>
-              <a:t>binary:logistic</a:t>
-            </a:r>
-            <a:r>
-              <a:rPr lang="pl-PL" b="0" dirty="0">
-                <a:solidFill>
-                  <a:srgbClr val="000000"/>
-                </a:solidFill>
-                <a:latin typeface="Menlo"/>
-              </a:rPr>
-              <a:t>", </a:t>
-            </a:r>
-            <a:r>
-              <a:rPr lang="pl-PL" b="0" dirty="0" err="1">
-                <a:solidFill>
-                  <a:srgbClr val="000000"/>
-                </a:solidFill>
-                <a:latin typeface="Menlo"/>
-              </a:rPr>
-              <a:t>base_score</a:t>
-            </a:r>
-            <a:r>
-              <a:rPr lang="pl-PL" b="0" dirty="0">
-                <a:solidFill>
-                  <a:srgbClr val="000000"/>
-                </a:solidFill>
-                <a:latin typeface="Menlo"/>
-              </a:rPr>
-              <a:t> = 0.5, 				</a:t>
-            </a:r>
-            <a:r>
-              <a:rPr lang="pl-PL" b="0" dirty="0" err="1">
-                <a:solidFill>
-                  <a:srgbClr val="000000"/>
-                </a:solidFill>
-                <a:latin typeface="Menlo"/>
-              </a:rPr>
-              <a:t>max_depth</a:t>
-            </a:r>
-            <a:r>
-              <a:rPr lang="pl-PL" b="0" dirty="0">
-                <a:solidFill>
-                  <a:srgbClr val="000000"/>
-                </a:solidFill>
-                <a:latin typeface="Menlo"/>
-              </a:rPr>
-              <a:t> = 2)</a:t>
-            </a:r>
-          </a:p>
-          <a:p>
-            <a:r>
-              <a:rPr lang="pl-PL" b="0" dirty="0" err="1">
-                <a:solidFill>
-                  <a:srgbClr val="000000"/>
-                </a:solidFill>
-                <a:latin typeface="Menlo"/>
-              </a:rPr>
-              <a:t>xgb.model</a:t>
-            </a:r>
-            <a:r>
-              <a:rPr lang="pl-PL" b="0" dirty="0">
-                <a:solidFill>
-                  <a:srgbClr val="000000"/>
-                </a:solidFill>
-                <a:latin typeface="Menlo"/>
-              </a:rPr>
-              <a:t> &lt;- </a:t>
-            </a:r>
-            <a:r>
-              <a:rPr lang="pl-PL" dirty="0" err="1">
-                <a:solidFill>
-                  <a:srgbClr val="000000"/>
-                </a:solidFill>
-                <a:latin typeface="Menlo"/>
-              </a:rPr>
-              <a:t>xgboost</a:t>
-            </a:r>
-            <a:r>
-              <a:rPr lang="pl-PL" b="0" dirty="0">
-                <a:solidFill>
-                  <a:srgbClr val="000000"/>
-                </a:solidFill>
-                <a:latin typeface="Menlo"/>
-              </a:rPr>
-              <a:t>( param = param, data = </a:t>
-            </a:r>
-            <a:r>
-              <a:rPr lang="pl-PL" b="0" dirty="0" err="1">
-                <a:solidFill>
-                  <a:srgbClr val="000000"/>
-                </a:solidFill>
-                <a:latin typeface="Menlo"/>
-              </a:rPr>
-              <a:t>sm</a:t>
-            </a:r>
-            <a:r>
-              <a:rPr lang="pl-PL" b="0" dirty="0">
-                <a:solidFill>
-                  <a:srgbClr val="000000"/>
-                </a:solidFill>
-                <a:latin typeface="Menlo"/>
-              </a:rPr>
-              <a:t>, </a:t>
-            </a:r>
-          </a:p>
-          <a:p>
-            <a:r>
-              <a:rPr lang="pl-PL" b="0" dirty="0" err="1">
-                <a:solidFill>
-                  <a:srgbClr val="000000"/>
-                </a:solidFill>
-                <a:latin typeface="Menlo"/>
-              </a:rPr>
-              <a:t>label</a:t>
-            </a:r>
-            <a:r>
-              <a:rPr lang="pl-PL" b="0" dirty="0">
-                <a:solidFill>
-                  <a:srgbClr val="000000"/>
-                </a:solidFill>
-                <a:latin typeface="Menlo"/>
-              </a:rPr>
-              <a:t> = </a:t>
-            </a:r>
-            <a:r>
-              <a:rPr lang="pl-PL" b="0" dirty="0" err="1">
-                <a:solidFill>
-                  <a:srgbClr val="000000"/>
-                </a:solidFill>
-                <a:latin typeface="Menlo"/>
-              </a:rPr>
-              <a:t>dt_HR</a:t>
-            </a:r>
-            <a:r>
-              <a:rPr lang="pl-PL" b="0" dirty="0">
-                <a:solidFill>
-                  <a:srgbClr val="000000"/>
-                </a:solidFill>
-                <a:latin typeface="Menlo"/>
-              </a:rPr>
-              <a:t>[, </a:t>
-            </a:r>
-            <a:r>
-              <a:rPr lang="pl-PL" b="0" dirty="0" err="1">
-                <a:solidFill>
-                  <a:srgbClr val="000000"/>
-                </a:solidFill>
-                <a:latin typeface="Menlo"/>
-              </a:rPr>
-              <a:t>left</a:t>
-            </a:r>
-            <a:r>
-              <a:rPr lang="pl-PL" b="0" dirty="0">
-                <a:solidFill>
-                  <a:srgbClr val="000000"/>
-                </a:solidFill>
-                <a:latin typeface="Menlo"/>
-              </a:rPr>
-              <a:t>] == 1, </a:t>
-            </a:r>
-            <a:r>
-              <a:rPr lang="pl-PL" b="0" dirty="0" err="1">
-                <a:solidFill>
-                  <a:srgbClr val="000000"/>
-                </a:solidFill>
-                <a:latin typeface="Menlo"/>
-              </a:rPr>
-              <a:t>nrounds</a:t>
-            </a:r>
-            <a:r>
-              <a:rPr lang="pl-PL" b="0" dirty="0">
-                <a:solidFill>
-                  <a:srgbClr val="000000"/>
-                </a:solidFill>
-                <a:latin typeface="Menlo"/>
-              </a:rPr>
-              <a:t> = 50, </a:t>
-            </a:r>
-            <a:r>
-              <a:rPr lang="pl-PL" b="0" dirty="0" err="1">
-                <a:solidFill>
-                  <a:srgbClr val="000000"/>
-                </a:solidFill>
-                <a:latin typeface="Menlo"/>
-              </a:rPr>
-              <a:t>verbose</a:t>
-            </a:r>
-            <a:r>
-              <a:rPr lang="pl-PL" b="0" dirty="0">
-                <a:solidFill>
-                  <a:srgbClr val="000000"/>
-                </a:solidFill>
-                <a:latin typeface="Menlo"/>
-              </a:rPr>
-              <a:t> = FALSE)</a:t>
+              <a:t> = 50)</a:t>
             </a:r>
           </a:p>
         </p:txBody>
@@ -7634,7 +7520,7 @@
                 </a:solidFill>
                 <a:latin typeface="Menlo"/>
               </a:rPr>
-              <a:t>EIX_lollipop</a:t>
+              <a:t>lollipop</a:t>
             </a:r>
             <a:r>
               <a:rPr lang="pl-PL" b="0" dirty="0">
@@ -7883,16 +7769,16 @@
               <a:t> &lt;- </a:t>
             </a:r>
             <a:r>
-              <a:rPr lang="en-US" dirty="0" err="1">
-                <a:solidFill>
-                  <a:srgbClr val="000000"/>
-                </a:solidFill>
-                <a:latin typeface="Menlo"/>
-              </a:rPr>
-              <a:t>EIX_waterfallPlot</a:t>
-            </a:r>
-            <a:r>
-              <a:rPr lang="en-US" b="0" dirty="0">
+              <a:rPr lang="en-US" dirty="0">
+                <a:solidFill>
+                  <a:srgbClr val="000000"/>
+                </a:solidFill>
+                <a:latin typeface="Menlo"/>
+              </a:rPr>
+              <a:t>waterfall</a:t>
+            </a:r>
+            <a:r>
+              <a:rPr lang="pl-PL" b="0" dirty="0">
                 <a:solidFill>
                   <a:srgbClr val="000000"/>
                 </a:solidFill>
@@ -8066,7 +7952,7 @@
                 </a:solidFill>
                 <a:latin typeface="Menlo"/>
               </a:rPr>
-              <a:t>interactionsTable</a:t>
+              <a:t>interactions</a:t>
             </a:r>
             <a:r>
               <a:rPr lang="fr-FR" b="0" dirty="0">
@@ -8352,13 +8238,13 @@
               <a:t>imp &lt;- </a:t>
             </a:r>
             <a:r>
-              <a:rPr lang="en-US" dirty="0" err="1">
-                <a:solidFill>
-                  <a:srgbClr val="000000"/>
-                </a:solidFill>
-                <a:latin typeface="Menlo"/>
-              </a:rPr>
-              <a:t>importanceTable</a:t>
+              <a:rPr lang="en-US" dirty="0">
+                <a:solidFill>
+                  <a:srgbClr val="000000"/>
+                </a:solidFill>
+                <a:latin typeface="Menlo"/>
+              </a:rPr>
+              <a:t>importance</a:t>
             </a:r>
             <a:r>
               <a:rPr lang="en-US" b="0" dirty="0">
@@ -9412,7 +9298,7 @@
           </a:ln>
           <a:extLst>
             <a:ext uri="{C572A759-6A51-4108-AA02-DFA0A04FC94B}">
-              <ma14:wrappingTextBoxFlag xmlns:lc="http://schemas.openxmlformats.org/drawingml/2006/lockedCanvas" xmlns:ma14="http://schemas.microsoft.com/office/mac/drawingml/2011/main" xmlns:a14="http://schemas.microsoft.com/office/drawing/2010/main" xmlns:m="http://schemas.openxmlformats.org/officeDocument/2006/math" xmlns="" val="1"/>
+              <ma14:wrappingTextBoxFlag xmlns="" xmlns:m="http://schemas.openxmlformats.org/officeDocument/2006/math" xmlns:a14="http://schemas.microsoft.com/office/drawing/2010/main" xmlns:ma14="http://schemas.microsoft.com/office/mac/drawingml/2011/main" xmlns:lc="http://schemas.openxmlformats.org/drawingml/2006/lockedCanvas" val="1"/>
             </a:ext>
           </a:extLst>
         </p:spPr>

--- a/cheatsheets/EIX.pptx
+++ b/cheatsheets/EIX.pptx
@@ -2218,7 +2218,7 @@
           </a:ln>
           <a:extLst>
             <a:ext uri="{C572A759-6A51-4108-AA02-DFA0A04FC94B}">
-              <ma14:wrappingTextBoxFlag xmlns:ma14="http://schemas.microsoft.com/office/mac/drawingml/2011/main" xmlns:a14="http://schemas.microsoft.com/office/drawing/2010/main" xmlns:m="http://schemas.openxmlformats.org/officeDocument/2006/math" xmlns="" val="1"/>
+              <ma14:wrappingTextBoxFlag xmlns="" xmlns:m="http://schemas.openxmlformats.org/officeDocument/2006/math" xmlns:a14="http://schemas.microsoft.com/office/drawing/2010/main" xmlns:ma14="http://schemas.microsoft.com/office/mac/drawingml/2011/main" val="1"/>
             </a:ext>
           </a:extLst>
         </p:spPr>
@@ -2257,7 +2257,7 @@
           </a:ln>
           <a:extLst>
             <a:ext uri="{C572A759-6A51-4108-AA02-DFA0A04FC94B}">
-              <ma14:wrappingTextBoxFlag xmlns:ma14="http://schemas.microsoft.com/office/mac/drawingml/2011/main" xmlns:a14="http://schemas.microsoft.com/office/drawing/2010/main" xmlns:m="http://schemas.openxmlformats.org/officeDocument/2006/math" xmlns="" val="1"/>
+              <ma14:wrappingTextBoxFlag xmlns="" xmlns:m="http://schemas.openxmlformats.org/officeDocument/2006/math" xmlns:a14="http://schemas.microsoft.com/office/drawing/2010/main" xmlns:ma14="http://schemas.microsoft.com/office/mac/drawingml/2011/main" val="1"/>
             </a:ext>
           </a:extLst>
         </p:spPr>
@@ -3176,122 +3176,6 @@
           <a:chExt cx="0" cy="0"/>
         </a:xfrm>
       </p:grpSpPr>
-      <p:pic>
-        <p:nvPicPr>
-          <p:cNvPr id="73" name="Grafika 72">
-            <a:extLst>
-              <a:ext uri="{FF2B5EF4-FFF2-40B4-BE49-F238E27FC236}">
-                <a16:creationId xmlns:a16="http://schemas.microsoft.com/office/drawing/2014/main" id="{BA603CE3-2D77-4DC0-A6B7-2787CDF2510A}"/>
-              </a:ext>
-            </a:extLst>
-          </p:cNvPr>
-          <p:cNvPicPr>
-            <a:picLocks noChangeAspect="1"/>
-          </p:cNvPicPr>
-          <p:nvPr/>
-        </p:nvPicPr>
-        <p:blipFill>
-          <a:blip r:embed="rId3">
-            <a:extLst>
-              <a:ext uri="{28A0092B-C50C-407E-A947-70E740481C1C}">
-                <a14:useLocalDpi xmlns:a14="http://schemas.microsoft.com/office/drawing/2010/main" val="0"/>
-              </a:ext>
-              <a:ext uri="{96DAC541-7B7A-43D3-8B79-37D633B846F1}">
-                <asvg:svgBlip xmlns:asvg="http://schemas.microsoft.com/office/drawing/2016/SVG/main" r:embed="rId4"/>
-              </a:ext>
-            </a:extLst>
-          </a:blip>
-          <a:stretch>
-            <a:fillRect/>
-          </a:stretch>
-        </p:blipFill>
-        <p:spPr>
-          <a:xfrm>
-            <a:off x="538680" y="7292824"/>
-            <a:ext cx="3827146" cy="3100630"/>
-          </a:xfrm>
-          <a:prstGeom prst="rect">
-            <a:avLst/>
-          </a:prstGeom>
-        </p:spPr>
-      </p:pic>
-      <p:pic>
-        <p:nvPicPr>
-          <p:cNvPr id="71" name="Grafika 70">
-            <a:extLst>
-              <a:ext uri="{FF2B5EF4-FFF2-40B4-BE49-F238E27FC236}">
-                <a16:creationId xmlns:a16="http://schemas.microsoft.com/office/drawing/2014/main" id="{B9E0E332-2D18-4582-B0BE-352A49B68E53}"/>
-              </a:ext>
-            </a:extLst>
-          </p:cNvPr>
-          <p:cNvPicPr>
-            <a:picLocks noChangeAspect="1"/>
-          </p:cNvPicPr>
-          <p:nvPr/>
-        </p:nvPicPr>
-        <p:blipFill rotWithShape="1">
-          <a:blip r:embed="rId5">
-            <a:extLst>
-              <a:ext uri="{28A0092B-C50C-407E-A947-70E740481C1C}">
-                <a14:useLocalDpi xmlns:a14="http://schemas.microsoft.com/office/drawing/2010/main" val="0"/>
-              </a:ext>
-              <a:ext uri="{96DAC541-7B7A-43D3-8B79-37D633B846F1}">
-                <asvg:svgBlip xmlns:asvg="http://schemas.microsoft.com/office/drawing/2016/SVG/main" r:embed="rId6"/>
-              </a:ext>
-            </a:extLst>
-          </a:blip>
-          <a:srcRect t="7943" b="7931"/>
-          <a:stretch/>
-        </p:blipFill>
-        <p:spPr>
-          <a:xfrm>
-            <a:off x="4752775" y="7867310"/>
-            <a:ext cx="3621958" cy="2491981"/>
-          </a:xfrm>
-          <a:prstGeom prst="rect">
-            <a:avLst/>
-          </a:prstGeom>
-        </p:spPr>
-      </p:pic>
-      <p:pic>
-        <p:nvPicPr>
-          <p:cNvPr id="65" name="Grafika 64">
-            <a:extLst>
-              <a:ext uri="{FF2B5EF4-FFF2-40B4-BE49-F238E27FC236}">
-                <a16:creationId xmlns:a16="http://schemas.microsoft.com/office/drawing/2014/main" id="{0FC2B5B9-BA3E-4E77-B577-CF3A7F881040}"/>
-              </a:ext>
-            </a:extLst>
-          </p:cNvPr>
-          <p:cNvPicPr>
-            <a:picLocks noChangeAspect="1"/>
-          </p:cNvPicPr>
-          <p:nvPr/>
-        </p:nvPicPr>
-        <p:blipFill>
-          <a:blip r:embed="rId7">
-            <a:extLst>
-              <a:ext uri="{28A0092B-C50C-407E-A947-70E740481C1C}">
-                <a14:useLocalDpi xmlns:a14="http://schemas.microsoft.com/office/drawing/2010/main" val="0"/>
-              </a:ext>
-              <a:ext uri="{96DAC541-7B7A-43D3-8B79-37D633B846F1}">
-                <asvg:svgBlip xmlns:asvg="http://schemas.microsoft.com/office/drawing/2016/SVG/main" r:embed="rId8"/>
-              </a:ext>
-            </a:extLst>
-          </a:blip>
-          <a:stretch>
-            <a:fillRect/>
-          </a:stretch>
-        </p:blipFill>
-        <p:spPr>
-          <a:xfrm>
-            <a:off x="8821795" y="7015942"/>
-            <a:ext cx="4037650" cy="3343349"/>
-          </a:xfrm>
-          <a:prstGeom prst="rect">
-            <a:avLst/>
-          </a:prstGeom>
-        </p:spPr>
-      </p:pic>
       <p:grpSp>
         <p:nvGrpSpPr>
           <p:cNvPr id="34" name="Group">
@@ -4223,7 +4107,7 @@
             <p:nvPr/>
           </p:nvPicPr>
           <p:blipFill>
-            <a:blip r:embed="rId9">
+            <a:blip r:embed="rId3">
               <a:extLst/>
             </a:blip>
             <a:stretch>
@@ -4246,6 +4130,123 @@
           </p:spPr>
         </p:pic>
       </p:grpSp>
+      <p:pic>
+        <p:nvPicPr>
+          <p:cNvPr id="63" name="Grafika 62">
+            <a:extLst>
+              <a:ext uri="{FF2B5EF4-FFF2-40B4-BE49-F238E27FC236}">
+                <a16:creationId xmlns:a16="http://schemas.microsoft.com/office/drawing/2014/main" id="{03BD99B6-4F28-467B-BA92-6FE5029F5665}"/>
+              </a:ext>
+            </a:extLst>
+          </p:cNvPr>
+          <p:cNvPicPr>
+            <a:picLocks noChangeAspect="1"/>
+          </p:cNvPicPr>
+          <p:nvPr/>
+        </p:nvPicPr>
+        <p:blipFill>
+          <a:blip r:embed="rId4" cstate="print">
+            <a:extLst>
+              <a:ext uri="{28A0092B-C50C-407E-A947-70E740481C1C}">
+                <a14:useLocalDpi xmlns:a14="http://schemas.microsoft.com/office/drawing/2010/main" val="0"/>
+              </a:ext>
+              <a:ext uri="{96DAC541-7B7A-43D3-8B79-37D633B846F1}">
+                <asvg:svgBlip xmlns:asvg="http://schemas.microsoft.com/office/drawing/2016/SVG/main" r:embed="rId5"/>
+              </a:ext>
+            </a:extLst>
+          </a:blip>
+          <a:stretch>
+            <a:fillRect/>
+          </a:stretch>
+        </p:blipFill>
+        <p:spPr>
+          <a:xfrm>
+            <a:off x="7801357" y="2285255"/>
+            <a:ext cx="2771057" cy="2787177"/>
+          </a:xfrm>
+          <a:prstGeom prst="rect">
+            <a:avLst/>
+          </a:prstGeom>
+        </p:spPr>
+      </p:pic>
+      <p:pic>
+        <p:nvPicPr>
+          <p:cNvPr id="15" name="Grafika 14">
+            <a:extLst>
+              <a:ext uri="{FF2B5EF4-FFF2-40B4-BE49-F238E27FC236}">
+                <a16:creationId xmlns:a16="http://schemas.microsoft.com/office/drawing/2014/main" id="{089561AD-AD52-498C-A0E1-21292515E8EA}"/>
+              </a:ext>
+            </a:extLst>
+          </p:cNvPr>
+          <p:cNvPicPr>
+            <a:picLocks noChangeAspect="1"/>
+          </p:cNvPicPr>
+          <p:nvPr/>
+        </p:nvPicPr>
+        <p:blipFill>
+          <a:blip r:embed="rId6">
+            <a:extLst>
+              <a:ext uri="{28A0092B-C50C-407E-A947-70E740481C1C}">
+                <a14:useLocalDpi xmlns:a14="http://schemas.microsoft.com/office/drawing/2010/main" val="0"/>
+              </a:ext>
+              <a:ext uri="{96DAC541-7B7A-43D3-8B79-37D633B846F1}">
+                <asvg:svgBlip xmlns:asvg="http://schemas.microsoft.com/office/drawing/2016/SVG/main" r:embed="rId7"/>
+              </a:ext>
+            </a:extLst>
+          </a:blip>
+          <a:stretch>
+            <a:fillRect/>
+          </a:stretch>
+        </p:blipFill>
+        <p:spPr>
+          <a:xfrm>
+            <a:off x="569246" y="7297351"/>
+            <a:ext cx="3810789" cy="3096103"/>
+          </a:xfrm>
+          <a:prstGeom prst="rect">
+            <a:avLst/>
+          </a:prstGeom>
+        </p:spPr>
+      </p:pic>
+      <p:pic>
+        <p:nvPicPr>
+          <p:cNvPr id="19" name="Grafika 18">
+            <a:extLst>
+              <a:ext uri="{FF2B5EF4-FFF2-40B4-BE49-F238E27FC236}">
+                <a16:creationId xmlns:a16="http://schemas.microsoft.com/office/drawing/2014/main" id="{7AE01739-32D8-4A12-BD5F-F224F64D1DD0}"/>
+              </a:ext>
+            </a:extLst>
+          </p:cNvPr>
+          <p:cNvPicPr>
+            <a:picLocks noChangeAspect="1"/>
+          </p:cNvPicPr>
+          <p:nvPr/>
+        </p:nvPicPr>
+        <p:blipFill>
+          <a:blip r:embed="rId8">
+            <a:extLst>
+              <a:ext uri="{28A0092B-C50C-407E-A947-70E740481C1C}">
+                <a14:useLocalDpi xmlns:a14="http://schemas.microsoft.com/office/drawing/2010/main" val="0"/>
+              </a:ext>
+              <a:ext uri="{96DAC541-7B7A-43D3-8B79-37D633B846F1}">
+                <asvg:svgBlip xmlns:asvg="http://schemas.microsoft.com/office/drawing/2016/SVG/main" r:embed="rId9"/>
+              </a:ext>
+            </a:extLst>
+          </a:blip>
+          <a:stretch>
+            <a:fillRect/>
+          </a:stretch>
+        </p:blipFill>
+        <p:spPr>
+          <a:xfrm>
+            <a:off x="4752776" y="7835927"/>
+            <a:ext cx="3621958" cy="2511148"/>
+          </a:xfrm>
+          <a:prstGeom prst="rect">
+            <a:avLst/>
+          </a:prstGeom>
+        </p:spPr>
+      </p:pic>
       <p:sp>
         <p:nvSpPr>
           <p:cNvPr id="4" name="Line">
@@ -4294,44 +4295,6 @@
           </a:p>
         </p:txBody>
       </p:sp>
-      <p:pic>
-        <p:nvPicPr>
-          <p:cNvPr id="64" name="Grafika 63">
-            <a:extLst>
-              <a:ext uri="{FF2B5EF4-FFF2-40B4-BE49-F238E27FC236}">
-                <a16:creationId xmlns:a16="http://schemas.microsoft.com/office/drawing/2014/main" id="{EF6FCDD3-E87E-4A2E-AD94-05D6ABEF1089}"/>
-              </a:ext>
-            </a:extLst>
-          </p:cNvPr>
-          <p:cNvPicPr>
-            <a:picLocks noChangeAspect="1"/>
-          </p:cNvPicPr>
-          <p:nvPr/>
-        </p:nvPicPr>
-        <p:blipFill rotWithShape="1">
-          <a:blip r:embed="rId10" cstate="print">
-            <a:extLst>
-              <a:ext uri="{28A0092B-C50C-407E-A947-70E740481C1C}">
-                <a14:useLocalDpi xmlns:a14="http://schemas.microsoft.com/office/drawing/2010/main" val="0"/>
-              </a:ext>
-              <a:ext uri="{96DAC541-7B7A-43D3-8B79-37D633B846F1}">
-                <asvg:svgBlip xmlns:asvg="http://schemas.microsoft.com/office/drawing/2016/SVG/main" r:embed="rId11"/>
-              </a:ext>
-            </a:extLst>
-          </a:blip>
-          <a:srcRect l="4014" r="4541"/>
-          <a:stretch/>
-        </p:blipFill>
-        <p:spPr>
-          <a:xfrm>
-            <a:off x="7932296" y="2291843"/>
-            <a:ext cx="2525201" cy="2797672"/>
-          </a:xfrm>
-          <a:prstGeom prst="rect">
-            <a:avLst/>
-          </a:prstGeom>
-        </p:spPr>
-      </p:pic>
       <p:sp>
         <p:nvSpPr>
           <p:cNvPr id="5" name="Four Column Layout : : CHEAT SHEET">
@@ -4359,7 +4322,7 @@
           </a:ln>
           <a:extLst>
             <a:ext uri="{C572A759-6A51-4108-AA02-DFA0A04FC94B}">
-              <ma14:wrappingTextBoxFlag xmlns:ma14="http://schemas.microsoft.com/office/mac/drawingml/2011/main" xmlns:a14="http://schemas.microsoft.com/office/drawing/2010/main" xmlns:m="http://schemas.openxmlformats.org/officeDocument/2006/math" xmlns="" val="1"/>
+              <ma14:wrappingTextBoxFlag xmlns="" xmlns:m="http://schemas.openxmlformats.org/officeDocument/2006/math" xmlns:a14="http://schemas.microsoft.com/office/drawing/2010/main" xmlns:ma14="http://schemas.microsoft.com/office/mac/drawingml/2011/main" val="1"/>
             </a:ext>
           </a:extLst>
         </p:spPr>
@@ -4749,7 +4712,7 @@
           </a:ln>
           <a:extLst>
             <a:ext uri="{C572A759-6A51-4108-AA02-DFA0A04FC94B}">
-              <ma14:wrappingTextBoxFlag xmlns:ma14="http://schemas.microsoft.com/office/mac/drawingml/2011/main" xmlns="" val="1"/>
+              <ma14:wrappingTextBoxFlag xmlns="" xmlns:ma14="http://schemas.microsoft.com/office/mac/drawingml/2011/main" val="1"/>
             </a:ext>
           </a:extLst>
         </p:spPr>
@@ -4849,7 +4812,7 @@
           </a:ln>
           <a:extLst>
             <a:ext uri="{C572A759-6A51-4108-AA02-DFA0A04FC94B}">
-              <ma14:wrappingTextBoxFlag xmlns:ma14="http://schemas.microsoft.com/office/mac/drawingml/2011/main" xmlns="" val="1"/>
+              <ma14:wrappingTextBoxFlag xmlns="" xmlns:ma14="http://schemas.microsoft.com/office/mac/drawingml/2011/main" val="1"/>
             </a:ext>
           </a:extLst>
         </p:spPr>
@@ -4997,7 +4960,7 @@
           </a:ln>
           <a:extLst>
             <a:ext uri="{C572A759-6A51-4108-AA02-DFA0A04FC94B}">
-              <ma14:wrappingTextBoxFlag xmlns:ma14="http://schemas.microsoft.com/office/mac/drawingml/2011/main" xmlns="" val="1"/>
+              <ma14:wrappingTextBoxFlag xmlns="" xmlns:ma14="http://schemas.microsoft.com/office/mac/drawingml/2011/main" val="1"/>
             </a:ext>
           </a:extLst>
         </p:spPr>
@@ -5067,7 +5030,7 @@
         </p:nvSpPr>
         <p:spPr>
           <a:xfrm>
-            <a:off x="8738949" y="5126397"/>
+            <a:off x="8738949" y="5239992"/>
             <a:ext cx="4490012" cy="647806"/>
           </a:xfrm>
           <a:prstGeom prst="rect">
@@ -5078,7 +5041,7 @@
           </a:ln>
           <a:extLst>
             <a:ext uri="{C572A759-6A51-4108-AA02-DFA0A04FC94B}">
-              <ma14:wrappingTextBoxFlag xmlns:ma14="http://schemas.microsoft.com/office/mac/drawingml/2011/main" xmlns="" val="1"/>
+              <ma14:wrappingTextBoxFlag xmlns="" xmlns:ma14="http://schemas.microsoft.com/office/mac/drawingml/2011/main" val="1"/>
             </a:ext>
           </a:extLst>
         </p:spPr>
@@ -5193,7 +5156,7 @@
           </a:ln>
           <a:extLst>
             <a:ext uri="{C572A759-6A51-4108-AA02-DFA0A04FC94B}">
-              <ma14:wrappingTextBoxFlag xmlns:ma14="http://schemas.microsoft.com/office/mac/drawingml/2011/main" xmlns="" val="1"/>
+              <ma14:wrappingTextBoxFlag xmlns="" xmlns:ma14="http://schemas.microsoft.com/office/mac/drawingml/2011/main" val="1"/>
             </a:ext>
           </a:extLst>
         </p:spPr>
@@ -5296,7 +5259,7 @@
         </p:nvSpPr>
         <p:spPr>
           <a:xfrm>
-            <a:off x="4746399" y="5126397"/>
+            <a:off x="4714578" y="5238907"/>
             <a:ext cx="1641475" cy="647806"/>
           </a:xfrm>
           <a:prstGeom prst="rect">
@@ -5307,7 +5270,7 @@
           </a:ln>
           <a:extLst>
             <a:ext uri="{C572A759-6A51-4108-AA02-DFA0A04FC94B}">
-              <ma14:wrappingTextBoxFlag xmlns:ma14="http://schemas.microsoft.com/office/mac/drawingml/2011/main" xmlns="" val="1"/>
+              <ma14:wrappingTextBoxFlag xmlns="" xmlns:ma14="http://schemas.microsoft.com/office/mac/drawingml/2011/main" val="1"/>
             </a:ext>
           </a:extLst>
         </p:spPr>
@@ -5375,42 +5338,6 @@
           </a:p>
         </p:txBody>
       </p:sp>
-      <p:pic>
-        <p:nvPicPr>
-          <p:cNvPr id="17" name="Obraz 16">
-            <a:extLst>
-              <a:ext uri="{FF2B5EF4-FFF2-40B4-BE49-F238E27FC236}">
-                <a16:creationId xmlns:a16="http://schemas.microsoft.com/office/drawing/2014/main" id="{B53BDE8D-0AFB-4316-8035-300B171DEFBF}"/>
-              </a:ext>
-            </a:extLst>
-          </p:cNvPr>
-          <p:cNvPicPr>
-            <a:picLocks noChangeAspect="1"/>
-          </p:cNvPicPr>
-          <p:nvPr/>
-        </p:nvPicPr>
-        <p:blipFill>
-          <a:blip r:embed="rId12">
-            <a:extLst>
-              <a:ext uri="{28A0092B-C50C-407E-A947-70E740481C1C}">
-                <a14:useLocalDpi xmlns:a14="http://schemas.microsoft.com/office/drawing/2010/main" val="0"/>
-              </a:ext>
-            </a:extLst>
-          </a:blip>
-          <a:stretch>
-            <a:fillRect/>
-          </a:stretch>
-        </p:blipFill>
-        <p:spPr>
-          <a:xfrm>
-            <a:off x="10558446" y="2284079"/>
-            <a:ext cx="2665468" cy="2790534"/>
-          </a:xfrm>
-          <a:prstGeom prst="rect">
-            <a:avLst/>
-          </a:prstGeom>
-        </p:spPr>
-      </p:pic>
       <p:sp>
         <p:nvSpPr>
           <p:cNvPr id="22" name="pole tekstowe 21">
@@ -7305,7 +7232,7 @@
                 </a:solidFill>
                 <a:latin typeface="Menlo"/>
               </a:rPr>
-              <a:t>xgb.model</a:t>
+              <a:t>xgb_model</a:t>
             </a:r>
             <a:r>
               <a:rPr lang="pl-PL" b="0" dirty="0">
@@ -7538,7 +7465,7 @@
                 </a:solidFill>
                 <a:latin typeface="Menlo"/>
               </a:rPr>
-              <a:t>xgb.model</a:t>
+              <a:t>xgb_model</a:t>
             </a:r>
             <a:r>
               <a:rPr lang="pl-PL" b="0" dirty="0">
@@ -7676,8 +7603,8 @@
         </p:nvSpPr>
         <p:spPr>
           <a:xfrm>
-            <a:off x="8816169" y="6078236"/>
-            <a:ext cx="4048902" cy="925814"/>
+            <a:off x="8738949" y="6170569"/>
+            <a:ext cx="4484960" cy="741148"/>
           </a:xfrm>
           <a:prstGeom prst="rect">
             <a:avLst/>
@@ -7793,7 +7720,7 @@
                 </a:solidFill>
                 <a:latin typeface="Menlo"/>
               </a:rPr>
-              <a:t>xgb.model</a:t>
+              <a:t>xgb_model</a:t>
             </a:r>
             <a:r>
               <a:rPr lang="en-US" b="0" dirty="0">
@@ -7814,30 +7741,22 @@
               <a:t>new_observation</a:t>
             </a:r>
             <a:r>
+              <a:rPr lang="pl-PL" b="0" dirty="0">
+                <a:solidFill>
+                  <a:srgbClr val="000000"/>
+                </a:solidFill>
+                <a:latin typeface="Menlo"/>
+              </a:rPr>
+              <a:t>,</a:t>
+            </a:r>
+            <a:r>
               <a:rPr lang="en-US" b="0" dirty="0">
                 <a:solidFill>
                   <a:srgbClr val="000000"/>
                 </a:solidFill>
                 <a:latin typeface="Menlo"/>
               </a:rPr>
-              <a:t>, </a:t>
-            </a:r>
-            <a:br>
-              <a:rPr lang="en-US" b="0" dirty="0">
-                <a:solidFill>
-                  <a:srgbClr val="000000"/>
-                </a:solidFill>
-                <a:latin typeface="Menlo"/>
-              </a:rPr>
-            </a:br>
-            <a:r>
-              <a:rPr lang="en-US" b="0" dirty="0">
-                <a:solidFill>
-                  <a:srgbClr val="000000"/>
-                </a:solidFill>
-                <a:latin typeface="Menlo"/>
-              </a:rPr>
-              <a:t>	        option = "interactions ")</a:t>
+              <a:t> option = "interactions ")</a:t>
             </a:r>
           </a:p>
           <a:p>
@@ -7961,7 +7880,16 @@
                 </a:solidFill>
                 <a:latin typeface="Menlo"/>
               </a:rPr>
-              <a:t>(xgb.model, sm, </a:t>
+              <a:t>(xgb_model, sm</a:t>
+            </a:r>
+            <a:r>
+              <a:rPr lang="fr-FR" b="0">
+                <a:solidFill>
+                  <a:srgbClr val="000000"/>
+                </a:solidFill>
+                <a:latin typeface="Menlo"/>
+              </a:rPr>
+              <a:t>, </a:t>
             </a:r>
             <a:br>
               <a:rPr lang="pl-PL" b="0" dirty="0">
@@ -8262,7 +8190,7 @@
                 </a:solidFill>
                 <a:latin typeface="Menlo"/>
               </a:rPr>
-              <a:t>xgb.model</a:t>
+              <a:t>xgb_model</a:t>
             </a:r>
             <a:r>
               <a:rPr lang="en-US" b="0" dirty="0">
@@ -8993,7 +8921,7 @@
         </p:nvSpPr>
         <p:spPr>
           <a:xfrm>
-            <a:off x="8827429" y="5503191"/>
+            <a:off x="8827429" y="5584021"/>
             <a:ext cx="4048902" cy="505186"/>
           </a:xfrm>
           <a:prstGeom prst="rect">
@@ -9252,7 +9180,7 @@
           <p:nvPr/>
         </p:nvPicPr>
         <p:blipFill>
-          <a:blip r:embed="rId13" cstate="print">
+          <a:blip r:embed="rId10" cstate="print">
             <a:extLst>
               <a:ext uri="{28A0092B-C50C-407E-A947-70E740481C1C}">
                 <a14:useLocalDpi xmlns:a14="http://schemas.microsoft.com/office/drawing/2010/main" val="0"/>
@@ -9298,7 +9226,7 @@
           </a:ln>
           <a:extLst>
             <a:ext uri="{C572A759-6A51-4108-AA02-DFA0A04FC94B}">
-              <ma14:wrappingTextBoxFlag xmlns="" xmlns:m="http://schemas.openxmlformats.org/officeDocument/2006/math" xmlns:a14="http://schemas.microsoft.com/office/drawing/2010/main" xmlns:ma14="http://schemas.microsoft.com/office/mac/drawingml/2011/main" xmlns:lc="http://schemas.openxmlformats.org/drawingml/2006/lockedCanvas" val="1"/>
+              <ma14:wrappingTextBoxFlag xmlns:lc="http://schemas.openxmlformats.org/drawingml/2006/lockedCanvas" xmlns:ma14="http://schemas.microsoft.com/office/mac/drawingml/2011/main" xmlns:a14="http://schemas.microsoft.com/office/drawing/2010/main" xmlns:m="http://schemas.openxmlformats.org/officeDocument/2006/math" xmlns="" val="1"/>
             </a:ext>
           </a:extLst>
         </p:spPr>
@@ -9632,7 +9560,7 @@
             </a:r>
             <a:r>
               <a:rPr lang="pl-PL" dirty="0">
-                <a:hlinkClick r:id="rId14"/>
+                <a:hlinkClick r:id="rId11"/>
               </a:rPr>
               <a:t>ewelina.karbowiak@student.uw.edu.pl</a:t>
             </a:r>
@@ -9646,7 +9574,7 @@
             </a:r>
             <a:r>
               <a:rPr lang="pl-PL" dirty="0">
-                <a:hlinkClick r:id="rId15"/>
+                <a:hlinkClick r:id="rId12"/>
               </a:rPr>
               <a:t>https://github.com/ekarbowiak/EIX</a:t>
             </a:r>
@@ -9660,7 +9588,7 @@
             </a:r>
             <a:r>
               <a:rPr lang="pl-PL" dirty="0">
-                <a:hlinkClick r:id="rId16"/>
+                <a:hlinkClick r:id="rId13"/>
               </a:rPr>
               <a:t>https://ekarbowiak.github.io/EIX</a:t>
             </a:r>
@@ -9679,7 +9607,7 @@
                 </a:solidFill>
                 <a:latin typeface="Lucida Console" panose="020B0609040504020204" pitchFamily="49" charset="0"/>
               </a:rPr>
-              <a:t>0.0.0.9000</a:t>
+              <a:t>0.1</a:t>
             </a:r>
             <a:r>
               <a:rPr dirty="0"/>
@@ -9691,8 +9619,13 @@
             </a:r>
             <a:r>
               <a:rPr dirty="0"/>
-              <a:t>-01</a:t>
-            </a:r>
+              <a:t>-0</a:t>
+            </a:r>
+            <a:r>
+              <a:rPr lang="pl-PL" dirty="0"/>
+              <a:t>2</a:t>
+            </a:r>
+            <a:endParaRPr dirty="0"/>
           </a:p>
         </p:txBody>
       </p:sp>
@@ -9711,13 +9644,13 @@
           <p:nvPr/>
         </p:nvPicPr>
         <p:blipFill>
-          <a:blip r:embed="rId17">
+          <a:blip r:embed="rId14">
             <a:extLst>
               <a:ext uri="{28A0092B-C50C-407E-A947-70E740481C1C}">
                 <a14:useLocalDpi xmlns:a14="http://schemas.microsoft.com/office/drawing/2010/main" val="0"/>
               </a:ext>
               <a:ext uri="{96DAC541-7B7A-43D3-8B79-37D633B846F1}">
-                <asvg:svgBlip xmlns:asvg="http://schemas.microsoft.com/office/drawing/2016/SVG/main" r:embed="rId18"/>
+                <asvg:svgBlip xmlns:asvg="http://schemas.microsoft.com/office/drawing/2016/SVG/main" r:embed="rId15"/>
               </a:ext>
             </a:extLst>
           </a:blip>
@@ -9729,6 +9662,84 @@
           <a:xfrm>
             <a:off x="-14346619" y="-5273752"/>
             <a:ext cx="6400800" cy="6400800"/>
+          </a:xfrm>
+          <a:prstGeom prst="rect">
+            <a:avLst/>
+          </a:prstGeom>
+        </p:spPr>
+      </p:pic>
+      <p:pic>
+        <p:nvPicPr>
+          <p:cNvPr id="61" name="Grafika 60">
+            <a:extLst>
+              <a:ext uri="{FF2B5EF4-FFF2-40B4-BE49-F238E27FC236}">
+                <a16:creationId xmlns:a16="http://schemas.microsoft.com/office/drawing/2014/main" id="{AA8C619C-5D25-415A-9123-21791606DFD8}"/>
+              </a:ext>
+            </a:extLst>
+          </p:cNvPr>
+          <p:cNvPicPr>
+            <a:picLocks noChangeAspect="1"/>
+          </p:cNvPicPr>
+          <p:nvPr/>
+        </p:nvPicPr>
+        <p:blipFill>
+          <a:blip r:embed="rId16">
+            <a:extLst>
+              <a:ext uri="{28A0092B-C50C-407E-A947-70E740481C1C}">
+                <a14:useLocalDpi xmlns:a14="http://schemas.microsoft.com/office/drawing/2010/main" val="0"/>
+              </a:ext>
+              <a:ext uri="{96DAC541-7B7A-43D3-8B79-37D633B846F1}">
+                <asvg:svgBlip xmlns:asvg="http://schemas.microsoft.com/office/drawing/2016/SVG/main" r:embed="rId17"/>
+              </a:ext>
+            </a:extLst>
+          </a:blip>
+          <a:stretch>
+            <a:fillRect/>
+          </a:stretch>
+        </p:blipFill>
+        <p:spPr>
+          <a:xfrm>
+            <a:off x="10597096" y="2287708"/>
+            <a:ext cx="2626818" cy="2787177"/>
+          </a:xfrm>
+          <a:prstGeom prst="rect">
+            <a:avLst/>
+          </a:prstGeom>
+        </p:spPr>
+      </p:pic>
+      <p:pic>
+        <p:nvPicPr>
+          <p:cNvPr id="67" name="Grafika 66">
+            <a:extLst>
+              <a:ext uri="{FF2B5EF4-FFF2-40B4-BE49-F238E27FC236}">
+                <a16:creationId xmlns:a16="http://schemas.microsoft.com/office/drawing/2014/main" id="{1A70761F-EC37-4D4E-AAF5-A0489BBF87D3}"/>
+              </a:ext>
+            </a:extLst>
+          </p:cNvPr>
+          <p:cNvPicPr>
+            <a:picLocks noChangeAspect="1"/>
+          </p:cNvPicPr>
+          <p:nvPr/>
+        </p:nvPicPr>
+        <p:blipFill>
+          <a:blip r:embed="rId18">
+            <a:extLst>
+              <a:ext uri="{28A0092B-C50C-407E-A947-70E740481C1C}">
+                <a14:useLocalDpi xmlns:a14="http://schemas.microsoft.com/office/drawing/2010/main" val="0"/>
+              </a:ext>
+              <a:ext uri="{96DAC541-7B7A-43D3-8B79-37D633B846F1}">
+                <asvg:svgBlip xmlns:asvg="http://schemas.microsoft.com/office/drawing/2016/SVG/main" r:embed="rId19"/>
+              </a:ext>
+            </a:extLst>
+          </a:blip>
+          <a:stretch>
+            <a:fillRect/>
+          </a:stretch>
+        </p:blipFill>
+        <p:spPr>
+          <a:xfrm>
+            <a:off x="8769549" y="7045977"/>
+            <a:ext cx="4454354" cy="3296736"/>
           </a:xfrm>
           <a:prstGeom prst="rect">
             <a:avLst/>

--- a/cheatsheets/EIX.pptx
+++ b/cheatsheets/EIX.pptx
@@ -2218,7 +2218,7 @@
           </a:ln>
           <a:extLst>
             <a:ext uri="{C572A759-6A51-4108-AA02-DFA0A04FC94B}">
-              <ma14:wrappingTextBoxFlag xmlns="" xmlns:m="http://schemas.openxmlformats.org/officeDocument/2006/math" xmlns:a14="http://schemas.microsoft.com/office/drawing/2010/main" xmlns:ma14="http://schemas.microsoft.com/office/mac/drawingml/2011/main" val="1"/>
+              <ma14:wrappingTextBoxFlag xmlns:ma14="http://schemas.microsoft.com/office/mac/drawingml/2011/main" xmlns:a14="http://schemas.microsoft.com/office/drawing/2010/main" xmlns:m="http://schemas.openxmlformats.org/officeDocument/2006/math" xmlns="" val="1"/>
             </a:ext>
           </a:extLst>
         </p:spPr>
@@ -2257,7 +2257,7 @@
           </a:ln>
           <a:extLst>
             <a:ext uri="{C572A759-6A51-4108-AA02-DFA0A04FC94B}">
-              <ma14:wrappingTextBoxFlag xmlns="" xmlns:m="http://schemas.openxmlformats.org/officeDocument/2006/math" xmlns:a14="http://schemas.microsoft.com/office/drawing/2010/main" xmlns:ma14="http://schemas.microsoft.com/office/mac/drawingml/2011/main" val="1"/>
+              <ma14:wrappingTextBoxFlag xmlns:ma14="http://schemas.microsoft.com/office/mac/drawingml/2011/main" xmlns:a14="http://schemas.microsoft.com/office/drawing/2010/main" xmlns:m="http://schemas.openxmlformats.org/officeDocument/2006/math" xmlns="" val="1"/>
             </a:ext>
           </a:extLst>
         </p:spPr>
@@ -4322,7 +4322,7 @@
           </a:ln>
           <a:extLst>
             <a:ext uri="{C572A759-6A51-4108-AA02-DFA0A04FC94B}">
-              <ma14:wrappingTextBoxFlag xmlns="" xmlns:m="http://schemas.openxmlformats.org/officeDocument/2006/math" xmlns:a14="http://schemas.microsoft.com/office/drawing/2010/main" xmlns:ma14="http://schemas.microsoft.com/office/mac/drawingml/2011/main" val="1"/>
+              <ma14:wrappingTextBoxFlag xmlns:ma14="http://schemas.microsoft.com/office/mac/drawingml/2011/main" xmlns:a14="http://schemas.microsoft.com/office/drawing/2010/main" xmlns:m="http://schemas.openxmlformats.org/officeDocument/2006/math" xmlns="" val="1"/>
             </a:ext>
           </a:extLst>
         </p:spPr>
@@ -4712,7 +4712,7 @@
           </a:ln>
           <a:extLst>
             <a:ext uri="{C572A759-6A51-4108-AA02-DFA0A04FC94B}">
-              <ma14:wrappingTextBoxFlag xmlns="" xmlns:ma14="http://schemas.microsoft.com/office/mac/drawingml/2011/main" val="1"/>
+              <ma14:wrappingTextBoxFlag xmlns:ma14="http://schemas.microsoft.com/office/mac/drawingml/2011/main" xmlns="" val="1"/>
             </a:ext>
           </a:extLst>
         </p:spPr>
@@ -4812,7 +4812,7 @@
           </a:ln>
           <a:extLst>
             <a:ext uri="{C572A759-6A51-4108-AA02-DFA0A04FC94B}">
-              <ma14:wrappingTextBoxFlag xmlns="" xmlns:ma14="http://schemas.microsoft.com/office/mac/drawingml/2011/main" val="1"/>
+              <ma14:wrappingTextBoxFlag xmlns:ma14="http://schemas.microsoft.com/office/mac/drawingml/2011/main" xmlns="" val="1"/>
             </a:ext>
           </a:extLst>
         </p:spPr>
@@ -4960,7 +4960,7 @@
           </a:ln>
           <a:extLst>
             <a:ext uri="{C572A759-6A51-4108-AA02-DFA0A04FC94B}">
-              <ma14:wrappingTextBoxFlag xmlns="" xmlns:ma14="http://schemas.microsoft.com/office/mac/drawingml/2011/main" val="1"/>
+              <ma14:wrappingTextBoxFlag xmlns:ma14="http://schemas.microsoft.com/office/mac/drawingml/2011/main" xmlns="" val="1"/>
             </a:ext>
           </a:extLst>
         </p:spPr>
@@ -5041,7 +5041,7 @@
           </a:ln>
           <a:extLst>
             <a:ext uri="{C572A759-6A51-4108-AA02-DFA0A04FC94B}">
-              <ma14:wrappingTextBoxFlag xmlns="" xmlns:ma14="http://schemas.microsoft.com/office/mac/drawingml/2011/main" val="1"/>
+              <ma14:wrappingTextBoxFlag xmlns:ma14="http://schemas.microsoft.com/office/mac/drawingml/2011/main" xmlns="" val="1"/>
             </a:ext>
           </a:extLst>
         </p:spPr>
@@ -5156,7 +5156,7 @@
           </a:ln>
           <a:extLst>
             <a:ext uri="{C572A759-6A51-4108-AA02-DFA0A04FC94B}">
-              <ma14:wrappingTextBoxFlag xmlns="" xmlns:ma14="http://schemas.microsoft.com/office/mac/drawingml/2011/main" val="1"/>
+              <ma14:wrappingTextBoxFlag xmlns:ma14="http://schemas.microsoft.com/office/mac/drawingml/2011/main" xmlns="" val="1"/>
             </a:ext>
           </a:extLst>
         </p:spPr>
@@ -5270,7 +5270,7 @@
           </a:ln>
           <a:extLst>
             <a:ext uri="{C572A759-6A51-4108-AA02-DFA0A04FC94B}">
-              <ma14:wrappingTextBoxFlag xmlns="" xmlns:ma14="http://schemas.microsoft.com/office/mac/drawingml/2011/main" val="1"/>
+              <ma14:wrappingTextBoxFlag xmlns:ma14="http://schemas.microsoft.com/office/mac/drawingml/2011/main" xmlns="" val="1"/>
             </a:ext>
           </a:extLst>
         </p:spPr>
@@ -9226,7 +9226,7 @@
           </a:ln>
           <a:extLst>
             <a:ext uri="{C572A759-6A51-4108-AA02-DFA0A04FC94B}">
-              <ma14:wrappingTextBoxFlag xmlns:lc="http://schemas.openxmlformats.org/drawingml/2006/lockedCanvas" xmlns:ma14="http://schemas.microsoft.com/office/mac/drawingml/2011/main" xmlns:a14="http://schemas.microsoft.com/office/drawing/2010/main" xmlns:m="http://schemas.openxmlformats.org/officeDocument/2006/math" xmlns="" val="1"/>
+              <ma14:wrappingTextBoxFlag xmlns="" xmlns:m="http://schemas.openxmlformats.org/officeDocument/2006/math" xmlns:a14="http://schemas.microsoft.com/office/drawing/2010/main" xmlns:ma14="http://schemas.microsoft.com/office/mac/drawingml/2011/main" xmlns:lc="http://schemas.openxmlformats.org/drawingml/2006/lockedCanvas" val="1"/>
             </a:ext>
           </a:extLst>
         </p:spPr>
@@ -9576,7 +9576,21 @@
               <a:rPr lang="pl-PL" dirty="0">
                 <a:hlinkClick r:id="rId12"/>
               </a:rPr>
-              <a:t>https://github.com/ekarbowiak/EIX</a:t>
+              <a:t>https://github.com/ModelOriented/EIX</a:t>
+            </a:r>
+            <a:r>
+              <a:rPr lang="pl-PL" dirty="0"/>
+              <a:t>  </a:t>
+            </a:r>
+            <a:r>
+              <a:rPr dirty="0"/>
+              <a:t>•  </a:t>
+            </a:r>
+            <a:r>
+              <a:rPr lang="pl-PL" dirty="0">
+                <a:hlinkClick r:id="rId13"/>
+              </a:rPr>
+              <a:t>https://modeloriented.github.io/EIX/</a:t>
             </a:r>
             <a:r>
               <a:rPr lang="pl-PL" dirty="0"/>
@@ -9584,20 +9598,6 @@
             </a:r>
             <a:r>
               <a:rPr dirty="0"/>
-              <a:t>•  </a:t>
-            </a:r>
-            <a:r>
-              <a:rPr lang="pl-PL" dirty="0">
-                <a:hlinkClick r:id="rId13"/>
-              </a:rPr>
-              <a:t>https://ekarbowiak.github.io/EIX</a:t>
-            </a:r>
-            <a:r>
-              <a:rPr lang="pl-PL" dirty="0"/>
-              <a:t> </a:t>
-            </a:r>
-            <a:r>
-              <a:rPr dirty="0"/>
               <a:t>•  package version </a:t>
             </a:r>
             <a:r>
@@ -9607,7 +9607,7 @@
                 </a:solidFill>
                 <a:latin typeface="Lucida Console" panose="020B0609040504020204" pitchFamily="49" charset="0"/>
               </a:rPr>
-              <a:t>0.1</a:t>
+              <a:t>0.2</a:t>
             </a:r>
             <a:r>
               <a:rPr dirty="0"/>
@@ -9623,7 +9623,7 @@
             </a:r>
             <a:r>
               <a:rPr lang="pl-PL" dirty="0"/>
-              <a:t>2</a:t>
+              <a:t>3</a:t>
             </a:r>
             <a:endParaRPr dirty="0"/>
           </a:p>

--- a/cheatsheets/EIX.pptx
+++ b/cheatsheets/EIX.pptx
@@ -2218,7 +2218,7 @@
           </a:ln>
           <a:extLst>
             <a:ext uri="{C572A759-6A51-4108-AA02-DFA0A04FC94B}">
-              <ma14:wrappingTextBoxFlag xmlns:ma14="http://schemas.microsoft.com/office/mac/drawingml/2011/main" xmlns:a14="http://schemas.microsoft.com/office/drawing/2010/main" xmlns:m="http://schemas.openxmlformats.org/officeDocument/2006/math" xmlns="" val="1"/>
+              <ma14:wrappingTextBoxFlag xmlns="" xmlns:m="http://schemas.openxmlformats.org/officeDocument/2006/math" xmlns:a14="http://schemas.microsoft.com/office/drawing/2010/main" xmlns:ma14="http://schemas.microsoft.com/office/mac/drawingml/2011/main" val="1"/>
             </a:ext>
           </a:extLst>
         </p:spPr>
@@ -2257,7 +2257,7 @@
           </a:ln>
           <a:extLst>
             <a:ext uri="{C572A759-6A51-4108-AA02-DFA0A04FC94B}">
-              <ma14:wrappingTextBoxFlag xmlns:ma14="http://schemas.microsoft.com/office/mac/drawingml/2011/main" xmlns:a14="http://schemas.microsoft.com/office/drawing/2010/main" xmlns:m="http://schemas.openxmlformats.org/officeDocument/2006/math" xmlns="" val="1"/>
+              <ma14:wrappingTextBoxFlag xmlns="" xmlns:m="http://schemas.openxmlformats.org/officeDocument/2006/math" xmlns:a14="http://schemas.microsoft.com/office/drawing/2010/main" xmlns:ma14="http://schemas.microsoft.com/office/mac/drawingml/2011/main" val="1"/>
             </a:ext>
           </a:extLst>
         </p:spPr>
@@ -4132,10 +4132,10 @@
       </p:grpSp>
       <p:pic>
         <p:nvPicPr>
-          <p:cNvPr id="63" name="Grafika 62">
+          <p:cNvPr id="65" name="Grafika 64">
             <a:extLst>
               <a:ext uri="{FF2B5EF4-FFF2-40B4-BE49-F238E27FC236}">
-                <a16:creationId xmlns:a16="http://schemas.microsoft.com/office/drawing/2014/main" id="{03BD99B6-4F28-467B-BA92-6FE5029F5665}"/>
+                <a16:creationId xmlns:a16="http://schemas.microsoft.com/office/drawing/2014/main" id="{73BB5D9E-0AD6-41DD-9839-F14AE5F5D296}"/>
               </a:ext>
             </a:extLst>
           </p:cNvPr>
@@ -4145,7 +4145,7 @@
           <p:nvPr/>
         </p:nvPicPr>
         <p:blipFill>
-          <a:blip r:embed="rId4" cstate="print">
+          <a:blip r:embed="rId4">
             <a:extLst>
               <a:ext uri="{28A0092B-C50C-407E-A947-70E740481C1C}">
                 <a14:useLocalDpi xmlns:a14="http://schemas.microsoft.com/office/drawing/2010/main" val="0"/>
@@ -4161,86 +4161,8 @@
         </p:blipFill>
         <p:spPr>
           <a:xfrm>
-            <a:off x="7801357" y="2285255"/>
-            <a:ext cx="2771057" cy="2787177"/>
-          </a:xfrm>
-          <a:prstGeom prst="rect">
-            <a:avLst/>
-          </a:prstGeom>
-        </p:spPr>
-      </p:pic>
-      <p:pic>
-        <p:nvPicPr>
-          <p:cNvPr id="15" name="Grafika 14">
-            <a:extLst>
-              <a:ext uri="{FF2B5EF4-FFF2-40B4-BE49-F238E27FC236}">
-                <a16:creationId xmlns:a16="http://schemas.microsoft.com/office/drawing/2014/main" id="{089561AD-AD52-498C-A0E1-21292515E8EA}"/>
-              </a:ext>
-            </a:extLst>
-          </p:cNvPr>
-          <p:cNvPicPr>
-            <a:picLocks noChangeAspect="1"/>
-          </p:cNvPicPr>
-          <p:nvPr/>
-        </p:nvPicPr>
-        <p:blipFill>
-          <a:blip r:embed="rId6">
-            <a:extLst>
-              <a:ext uri="{28A0092B-C50C-407E-A947-70E740481C1C}">
-                <a14:useLocalDpi xmlns:a14="http://schemas.microsoft.com/office/drawing/2010/main" val="0"/>
-              </a:ext>
-              <a:ext uri="{96DAC541-7B7A-43D3-8B79-37D633B846F1}">
-                <asvg:svgBlip xmlns:asvg="http://schemas.microsoft.com/office/drawing/2016/SVG/main" r:embed="rId7"/>
-              </a:ext>
-            </a:extLst>
-          </a:blip>
-          <a:stretch>
-            <a:fillRect/>
-          </a:stretch>
-        </p:blipFill>
-        <p:spPr>
-          <a:xfrm>
-            <a:off x="569246" y="7297351"/>
-            <a:ext cx="3810789" cy="3096103"/>
-          </a:xfrm>
-          <a:prstGeom prst="rect">
-            <a:avLst/>
-          </a:prstGeom>
-        </p:spPr>
-      </p:pic>
-      <p:pic>
-        <p:nvPicPr>
-          <p:cNvPr id="19" name="Grafika 18">
-            <a:extLst>
-              <a:ext uri="{FF2B5EF4-FFF2-40B4-BE49-F238E27FC236}">
-                <a16:creationId xmlns:a16="http://schemas.microsoft.com/office/drawing/2014/main" id="{7AE01739-32D8-4A12-BD5F-F224F64D1DD0}"/>
-              </a:ext>
-            </a:extLst>
-          </p:cNvPr>
-          <p:cNvPicPr>
-            <a:picLocks noChangeAspect="1"/>
-          </p:cNvPicPr>
-          <p:nvPr/>
-        </p:nvPicPr>
-        <p:blipFill>
-          <a:blip r:embed="rId8">
-            <a:extLst>
-              <a:ext uri="{28A0092B-C50C-407E-A947-70E740481C1C}">
-                <a14:useLocalDpi xmlns:a14="http://schemas.microsoft.com/office/drawing/2010/main" val="0"/>
-              </a:ext>
-              <a:ext uri="{96DAC541-7B7A-43D3-8B79-37D633B846F1}">
-                <asvg:svgBlip xmlns:asvg="http://schemas.microsoft.com/office/drawing/2016/SVG/main" r:embed="rId9"/>
-              </a:ext>
-            </a:extLst>
-          </a:blip>
-          <a:stretch>
-            <a:fillRect/>
-          </a:stretch>
-        </p:blipFill>
-        <p:spPr>
-          <a:xfrm>
-            <a:off x="4752776" y="7835927"/>
-            <a:ext cx="3621958" cy="2511148"/>
+            <a:off x="7452963" y="2153049"/>
+            <a:ext cx="3616075" cy="2792962"/>
           </a:xfrm>
           <a:prstGeom prst="rect">
             <a:avLst/>
@@ -4322,7 +4244,7 @@
           </a:ln>
           <a:extLst>
             <a:ext uri="{C572A759-6A51-4108-AA02-DFA0A04FC94B}">
-              <ma14:wrappingTextBoxFlag xmlns:ma14="http://schemas.microsoft.com/office/mac/drawingml/2011/main" xmlns:a14="http://schemas.microsoft.com/office/drawing/2010/main" xmlns:m="http://schemas.openxmlformats.org/officeDocument/2006/math" xmlns="" val="1"/>
+              <ma14:wrappingTextBoxFlag xmlns="" xmlns:m="http://schemas.openxmlformats.org/officeDocument/2006/math" xmlns:a14="http://schemas.microsoft.com/office/drawing/2010/main" xmlns:ma14="http://schemas.microsoft.com/office/mac/drawingml/2011/main" val="1"/>
             </a:ext>
           </a:extLst>
         </p:spPr>
@@ -4712,7 +4634,7 @@
           </a:ln>
           <a:extLst>
             <a:ext uri="{C572A759-6A51-4108-AA02-DFA0A04FC94B}">
-              <ma14:wrappingTextBoxFlag xmlns:ma14="http://schemas.microsoft.com/office/mac/drawingml/2011/main" xmlns="" val="1"/>
+              <ma14:wrappingTextBoxFlag xmlns="" xmlns:ma14="http://schemas.microsoft.com/office/mac/drawingml/2011/main" val="1"/>
             </a:ext>
           </a:extLst>
         </p:spPr>
@@ -4812,7 +4734,7 @@
           </a:ln>
           <a:extLst>
             <a:ext uri="{C572A759-6A51-4108-AA02-DFA0A04FC94B}">
-              <ma14:wrappingTextBoxFlag xmlns:ma14="http://schemas.microsoft.com/office/mac/drawingml/2011/main" xmlns="" val="1"/>
+              <ma14:wrappingTextBoxFlag xmlns="" xmlns:ma14="http://schemas.microsoft.com/office/mac/drawingml/2011/main" val="1"/>
             </a:ext>
           </a:extLst>
         </p:spPr>
@@ -4960,7 +4882,7 @@
           </a:ln>
           <a:extLst>
             <a:ext uri="{C572A759-6A51-4108-AA02-DFA0A04FC94B}">
-              <ma14:wrappingTextBoxFlag xmlns:ma14="http://schemas.microsoft.com/office/mac/drawingml/2011/main" xmlns="" val="1"/>
+              <ma14:wrappingTextBoxFlag xmlns="" xmlns:ma14="http://schemas.microsoft.com/office/mac/drawingml/2011/main" val="1"/>
             </a:ext>
           </a:extLst>
         </p:spPr>
@@ -5030,7 +4952,7 @@
         </p:nvSpPr>
         <p:spPr>
           <a:xfrm>
-            <a:off x="8738949" y="5239992"/>
+            <a:off x="8738948" y="5209890"/>
             <a:ext cx="4490012" cy="647806"/>
           </a:xfrm>
           <a:prstGeom prst="rect">
@@ -5041,7 +4963,7 @@
           </a:ln>
           <a:extLst>
             <a:ext uri="{C572A759-6A51-4108-AA02-DFA0A04FC94B}">
-              <ma14:wrappingTextBoxFlag xmlns:ma14="http://schemas.microsoft.com/office/mac/drawingml/2011/main" xmlns="" val="1"/>
+              <ma14:wrappingTextBoxFlag xmlns="" xmlns:ma14="http://schemas.microsoft.com/office/mac/drawingml/2011/main" val="1"/>
             </a:ext>
           </a:extLst>
         </p:spPr>
@@ -5156,7 +5078,7 @@
           </a:ln>
           <a:extLst>
             <a:ext uri="{C572A759-6A51-4108-AA02-DFA0A04FC94B}">
-              <ma14:wrappingTextBoxFlag xmlns:ma14="http://schemas.microsoft.com/office/mac/drawingml/2011/main" xmlns="" val="1"/>
+              <ma14:wrappingTextBoxFlag xmlns="" xmlns:ma14="http://schemas.microsoft.com/office/mac/drawingml/2011/main" val="1"/>
             </a:ext>
           </a:extLst>
         </p:spPr>
@@ -5259,7 +5181,7 @@
         </p:nvSpPr>
         <p:spPr>
           <a:xfrm>
-            <a:off x="4714578" y="5238907"/>
+            <a:off x="4707624" y="5126515"/>
             <a:ext cx="1641475" cy="647806"/>
           </a:xfrm>
           <a:prstGeom prst="rect">
@@ -5270,7 +5192,7 @@
           </a:ln>
           <a:extLst>
             <a:ext uri="{C572A759-6A51-4108-AA02-DFA0A04FC94B}">
-              <ma14:wrappingTextBoxFlag xmlns:ma14="http://schemas.microsoft.com/office/mac/drawingml/2011/main" xmlns="" val="1"/>
+              <ma14:wrappingTextBoxFlag xmlns="" xmlns:ma14="http://schemas.microsoft.com/office/mac/drawingml/2011/main" val="1"/>
             </a:ext>
           </a:extLst>
         </p:spPr>
@@ -7603,8 +7525,8 @@
         </p:nvSpPr>
         <p:spPr>
           <a:xfrm>
-            <a:off x="8738949" y="6170569"/>
-            <a:ext cx="4484960" cy="741148"/>
+            <a:off x="8738948" y="6029879"/>
+            <a:ext cx="4808234" cy="1161776"/>
           </a:xfrm>
           <a:prstGeom prst="rect">
             <a:avLst/>
@@ -7640,13 +7562,31 @@
           <a:lstStyle/>
           <a:p>
             <a:r>
+              <a:rPr lang="en-US" dirty="0">
+                <a:solidFill>
+                  <a:srgbClr val="000000"/>
+                </a:solidFill>
+                <a:latin typeface="Menlo"/>
+              </a:rPr>
+              <a:t>require</a:t>
+            </a:r>
+            <a:r>
+              <a:rPr lang="en-US" b="0" dirty="0">
+                <a:solidFill>
+                  <a:srgbClr val="000000"/>
+                </a:solidFill>
+                <a:latin typeface="Menlo"/>
+              </a:rPr>
+              <a:t>("</a:t>
+            </a:r>
+            <a:r>
               <a:rPr lang="en-US" b="0" dirty="0" err="1">
                 <a:solidFill>
                   <a:srgbClr val="000000"/>
                 </a:solidFill>
                 <a:latin typeface="Menlo"/>
               </a:rPr>
-              <a:t>new_observation</a:t>
+              <a:t>iBreakDown</a:t>
             </a:r>
             <a:r>
               <a:rPr lang="en-US" b="0" dirty="0">
@@ -7655,25 +7595,7 @@
                 </a:solidFill>
                 <a:latin typeface="Menlo"/>
               </a:rPr>
-              <a:t> &lt;- </a:t>
-            </a:r>
-            <a:r>
-              <a:rPr lang="en-US" b="0" dirty="0" err="1">
-                <a:solidFill>
-                  <a:srgbClr val="000000"/>
-                </a:solidFill>
-                <a:latin typeface="Menlo"/>
-              </a:rPr>
-              <a:t>sm</a:t>
-            </a:r>
-            <a:r>
-              <a:rPr lang="en-US" b="0" dirty="0">
-                <a:solidFill>
-                  <a:srgbClr val="000000"/>
-                </a:solidFill>
-                <a:latin typeface="Menlo"/>
-              </a:rPr>
-              <a:t>[9,]</a:t>
+              <a:t>")</a:t>
             </a:r>
           </a:p>
           <a:p>
@@ -7684,7 +7606,7 @@
                 </a:solidFill>
                 <a:latin typeface="Menlo"/>
               </a:rPr>
-              <a:t>wf</a:t>
+              <a:t>new_observation</a:t>
             </a:r>
             <a:r>
               <a:rPr lang="en-US" b="0" dirty="0">
@@ -7696,31 +7618,13 @@
               <a:t> &lt;- </a:t>
             </a:r>
             <a:r>
-              <a:rPr lang="en-US" dirty="0">
-                <a:solidFill>
-                  <a:srgbClr val="000000"/>
-                </a:solidFill>
-                <a:latin typeface="Menlo"/>
-              </a:rPr>
-              <a:t>waterfall</a:t>
-            </a:r>
-            <a:r>
-              <a:rPr lang="pl-PL" b="0" dirty="0">
-                <a:solidFill>
-                  <a:srgbClr val="000000"/>
-                </a:solidFill>
-                <a:latin typeface="Menlo"/>
-              </a:rPr>
-              <a:t>(</a:t>
-            </a:r>
-            <a:r>
               <a:rPr lang="en-US" b="0" dirty="0" err="1">
                 <a:solidFill>
                   <a:srgbClr val="000000"/>
                 </a:solidFill>
                 <a:latin typeface="Menlo"/>
               </a:rPr>
-              <a:t>xgb_model</a:t>
+              <a:t>sm</a:t>
             </a:r>
             <a:r>
               <a:rPr lang="en-US" b="0" dirty="0">
@@ -7729,44 +7633,138 @@
                 </a:solidFill>
                 <a:latin typeface="Menlo"/>
               </a:rPr>
-              <a:t>, </a:t>
-            </a:r>
-            <a:r>
-              <a:rPr lang="en-US" b="0" dirty="0" err="1">
-                <a:solidFill>
-                  <a:srgbClr val="000000"/>
-                </a:solidFill>
-                <a:latin typeface="Menlo"/>
-              </a:rPr>
-              <a:t>new_observation</a:t>
-            </a:r>
-            <a:r>
-              <a:rPr lang="pl-PL" b="0" dirty="0">
-                <a:solidFill>
-                  <a:srgbClr val="000000"/>
-                </a:solidFill>
-                <a:latin typeface="Menlo"/>
-              </a:rPr>
-              <a:t>,</a:t>
-            </a:r>
-            <a:r>
-              <a:rPr lang="en-US" b="0" dirty="0">
-                <a:solidFill>
-                  <a:srgbClr val="000000"/>
-                </a:solidFill>
-                <a:latin typeface="Menlo"/>
-              </a:rPr>
-              <a:t> option = "interactions ")</a:t>
+              <a:t>[9,]</a:t>
             </a:r>
           </a:p>
           <a:p>
             <a:r>
+              <a:rPr lang="en-US" b="0" dirty="0">
+                <a:solidFill>
+                  <a:srgbClr val="000000"/>
+                </a:solidFill>
+                <a:latin typeface="Menlo"/>
+              </a:rPr>
+              <a:t>data &lt;- </a:t>
+            </a:r>
+            <a:r>
+              <a:rPr lang="en-US" b="0" dirty="0" err="1">
+                <a:solidFill>
+                  <a:srgbClr val="000000"/>
+                </a:solidFill>
+                <a:latin typeface="Menlo"/>
+              </a:rPr>
+              <a:t>HR_data</a:t>
+            </a:r>
+            <a:r>
+              <a:rPr lang="en-US" b="0" dirty="0">
+                <a:solidFill>
+                  <a:srgbClr val="000000"/>
+                </a:solidFill>
+                <a:latin typeface="Menlo"/>
+              </a:rPr>
+              <a:t>[9,-7]</a:t>
+            </a:r>
+          </a:p>
+          <a:p>
+            <a:r>
+              <a:rPr lang="en-US" b="0" dirty="0" err="1">
+                <a:solidFill>
+                  <a:srgbClr val="000000"/>
+                </a:solidFill>
+                <a:latin typeface="Menlo"/>
+              </a:rPr>
+              <a:t>wf</a:t>
+            </a:r>
+            <a:r>
+              <a:rPr lang="en-US" b="0" dirty="0">
+                <a:solidFill>
+                  <a:srgbClr val="000000"/>
+                </a:solidFill>
+                <a:latin typeface="Menlo"/>
+              </a:rPr>
+              <a:t> &lt;- </a:t>
+            </a:r>
+            <a:r>
               <a:rPr lang="en-US" dirty="0">
                 <a:solidFill>
                   <a:srgbClr val="000000"/>
                 </a:solidFill>
                 <a:latin typeface="Menlo"/>
               </a:rPr>
+              <a:t>waterfall</a:t>
+            </a:r>
+            <a:r>
+              <a:rPr lang="en-US" b="0" dirty="0">
+                <a:solidFill>
+                  <a:srgbClr val="000000"/>
+                </a:solidFill>
+                <a:latin typeface="Menlo"/>
+              </a:rPr>
+              <a:t>(</a:t>
+            </a:r>
+            <a:r>
+              <a:rPr lang="en-US" b="0" dirty="0" err="1">
+                <a:solidFill>
+                  <a:srgbClr val="000000"/>
+                </a:solidFill>
+                <a:latin typeface="Menlo"/>
+              </a:rPr>
+              <a:t>xgb_model</a:t>
+            </a:r>
+            <a:r>
+              <a:rPr lang="en-US" b="0" dirty="0">
+                <a:solidFill>
+                  <a:srgbClr val="000000"/>
+                </a:solidFill>
+                <a:latin typeface="Menlo"/>
+              </a:rPr>
+              <a:t>, </a:t>
+            </a:r>
+            <a:r>
+              <a:rPr lang="en-US" b="0" dirty="0" err="1">
+                <a:solidFill>
+                  <a:srgbClr val="000000"/>
+                </a:solidFill>
+                <a:latin typeface="Menlo"/>
+              </a:rPr>
+              <a:t>new_observation</a:t>
+            </a:r>
+            <a:r>
+              <a:rPr lang="en-US" b="0" dirty="0">
+                <a:solidFill>
+                  <a:srgbClr val="000000"/>
+                </a:solidFill>
+                <a:latin typeface="Menlo"/>
+              </a:rPr>
+              <a:t>,</a:t>
+            </a:r>
+            <a:r>
+              <a:rPr lang="pl-PL" b="0" dirty="0">
+                <a:solidFill>
+                  <a:srgbClr val="000000"/>
+                </a:solidFill>
+                <a:latin typeface="Menlo"/>
+              </a:rPr>
+              <a:t> data,</a:t>
+            </a:r>
+            <a:r>
+              <a:rPr lang="en-US" b="0" dirty="0">
+                <a:solidFill>
+                  <a:srgbClr val="000000"/>
+                </a:solidFill>
+                <a:latin typeface="Menlo"/>
+              </a:rPr>
+              <a:t> option = "interactions")</a:t>
+            </a:r>
+          </a:p>
+          <a:p>
+            <a:r>
+              <a:rPr lang="en-US" dirty="0">
+                <a:solidFill>
+                  <a:srgbClr val="000000"/>
+                </a:solidFill>
+                <a:latin typeface="Menlo"/>
+              </a:rPr>
               <a:t>plot</a:t>
             </a:r>
             <a:r>
@@ -7796,12 +7794,6 @@
               </a:rPr>
               <a:t>)</a:t>
             </a:r>
-            <a:endParaRPr lang="pl-PL" b="0" dirty="0">
-              <a:solidFill>
-                <a:srgbClr val="000000"/>
-              </a:solidFill>
-              <a:latin typeface="Menlo"/>
-            </a:endParaRPr>
           </a:p>
         </p:txBody>
       </p:sp>
@@ -7880,16 +7872,7 @@
                 </a:solidFill>
                 <a:latin typeface="Menlo"/>
               </a:rPr>
-              <a:t>(xgb_model, sm</a:t>
-            </a:r>
-            <a:r>
-              <a:rPr lang="fr-FR" b="0">
-                <a:solidFill>
-                  <a:srgbClr val="000000"/>
-                </a:solidFill>
-                <a:latin typeface="Menlo"/>
-              </a:rPr>
-              <a:t>, </a:t>
+              <a:t>(xgb_model, sm, </a:t>
             </a:r>
             <a:br>
               <a:rPr lang="pl-PL" b="0" dirty="0">
@@ -7960,8 +7943,8 @@
         </p:nvSpPr>
         <p:spPr>
           <a:xfrm>
-            <a:off x="10572414" y="1432749"/>
-            <a:ext cx="2651500" cy="689852"/>
+            <a:off x="10804984" y="1500783"/>
+            <a:ext cx="2801600" cy="689852"/>
           </a:xfrm>
           <a:prstGeom prst="rect">
             <a:avLst/>
@@ -8103,190 +8086,6 @@
               </a:rPr>
               <a:t>",  top = 10)</a:t>
             </a:r>
-          </a:p>
-        </p:txBody>
-      </p:sp>
-      <p:sp>
-        <p:nvSpPr>
-          <p:cNvPr id="33" name="pole tekstowe 32">
-            <a:extLst>
-              <a:ext uri="{FF2B5EF4-FFF2-40B4-BE49-F238E27FC236}">
-                <a16:creationId xmlns:a16="http://schemas.microsoft.com/office/drawing/2014/main" id="{BC9A6476-2401-4D5A-A9D7-8525E457A005}"/>
-              </a:ext>
-            </a:extLst>
-          </p:cNvPr>
-          <p:cNvSpPr txBox="1"/>
-          <p:nvPr/>
-        </p:nvSpPr>
-        <p:spPr>
-          <a:xfrm>
-            <a:off x="7932538" y="1435918"/>
-            <a:ext cx="2527790" cy="689852"/>
-          </a:xfrm>
-          <a:prstGeom prst="rect">
-            <a:avLst/>
-          </a:prstGeom>
-          <a:noFill/>
-          <a:ln w="12700" cap="flat">
-            <a:solidFill>
-              <a:schemeClr val="bg2">
-                <a:lumMod val="75000"/>
-              </a:schemeClr>
-            </a:solidFill>
-            <a:miter lim="400000"/>
-          </a:ln>
-          <a:effectLst/>
-          <a:sp3d/>
-        </p:spPr>
-        <p:style>
-          <a:lnRef idx="0">
-            <a:scrgbClr r="0" g="0" b="0"/>
-          </a:lnRef>
-          <a:fillRef idx="0">
-            <a:scrgbClr r="0" g="0" b="0"/>
-          </a:fillRef>
-          <a:effectRef idx="0">
-            <a:scrgbClr r="0" g="0" b="0"/>
-          </a:effectRef>
-          <a:fontRef idx="none"/>
-        </p:style>
-        <p:txBody>
-          <a:bodyPr rot="0" spcFirstLastPara="1" vertOverflow="overflow" horzOverflow="overflow" vert="horz" wrap="square" lIns="54570" tIns="54570" rIns="54570" bIns="54570" numCol="1" spcCol="38100" rtlCol="0" anchor="ctr">
-            <a:spAutoFit/>
-          </a:bodyPr>
-          <a:lstStyle/>
-          <a:p>
-            <a:r>
-              <a:rPr lang="en-US" b="0" dirty="0">
-                <a:solidFill>
-                  <a:srgbClr val="000000"/>
-                </a:solidFill>
-                <a:latin typeface="Menlo"/>
-              </a:rPr>
-              <a:t>imp &lt;- </a:t>
-            </a:r>
-            <a:r>
-              <a:rPr lang="en-US" dirty="0">
-                <a:solidFill>
-                  <a:srgbClr val="000000"/>
-                </a:solidFill>
-                <a:latin typeface="Menlo"/>
-              </a:rPr>
-              <a:t>importance</a:t>
-            </a:r>
-            <a:r>
-              <a:rPr lang="en-US" b="0" dirty="0">
-                <a:solidFill>
-                  <a:srgbClr val="000000"/>
-                </a:solidFill>
-                <a:latin typeface="Menlo"/>
-              </a:rPr>
-              <a:t>(</a:t>
-            </a:r>
-            <a:r>
-              <a:rPr lang="en-US" b="0" dirty="0" err="1">
-                <a:solidFill>
-                  <a:srgbClr val="000000"/>
-                </a:solidFill>
-                <a:latin typeface="Menlo"/>
-              </a:rPr>
-              <a:t>xgb_model</a:t>
-            </a:r>
-            <a:r>
-              <a:rPr lang="en-US" b="0" dirty="0">
-                <a:solidFill>
-                  <a:srgbClr val="000000"/>
-                </a:solidFill>
-                <a:latin typeface="Menlo"/>
-              </a:rPr>
-              <a:t>, </a:t>
-            </a:r>
-            <a:r>
-              <a:rPr lang="pl-PL" b="0" dirty="0">
-                <a:solidFill>
-                  <a:srgbClr val="000000"/>
-                </a:solidFill>
-                <a:latin typeface="Menlo"/>
-              </a:rPr>
-              <a:t>	</a:t>
-            </a:r>
-            <a:r>
-              <a:rPr lang="en-US" b="0" dirty="0" err="1">
-                <a:solidFill>
-                  <a:srgbClr val="000000"/>
-                </a:solidFill>
-                <a:latin typeface="Menlo"/>
-              </a:rPr>
-              <a:t>sm</a:t>
-            </a:r>
-            <a:r>
-              <a:rPr lang="en-US" b="0" dirty="0">
-                <a:solidFill>
-                  <a:srgbClr val="000000"/>
-                </a:solidFill>
-                <a:latin typeface="Menlo"/>
-              </a:rPr>
-              <a:t>,</a:t>
-            </a:r>
-            <a:r>
-              <a:rPr lang="pl-PL" b="0" dirty="0">
-                <a:solidFill>
-                  <a:srgbClr val="000000"/>
-                </a:solidFill>
-                <a:latin typeface="Menlo"/>
-              </a:rPr>
-              <a:t> </a:t>
-            </a:r>
-            <a:r>
-              <a:rPr lang="en-US" b="0" dirty="0">
-                <a:solidFill>
-                  <a:srgbClr val="000000"/>
-                </a:solidFill>
-                <a:latin typeface="Menlo"/>
-              </a:rPr>
-              <a:t>option = "both")</a:t>
-            </a:r>
-            <a:br>
-              <a:rPr lang="pl-PL" b="0" dirty="0">
-                <a:solidFill>
-                  <a:srgbClr val="000000"/>
-                </a:solidFill>
-                <a:latin typeface="Menlo"/>
-              </a:rPr>
-            </a:br>
-            <a:r>
-              <a:rPr lang="en-US" dirty="0">
-                <a:solidFill>
-                  <a:srgbClr val="000000"/>
-                </a:solidFill>
-                <a:latin typeface="Menlo"/>
-              </a:rPr>
-              <a:t>plot</a:t>
-            </a:r>
-            <a:r>
-              <a:rPr lang="en-US" b="0" dirty="0">
-                <a:solidFill>
-                  <a:srgbClr val="000000"/>
-                </a:solidFill>
-                <a:latin typeface="Menlo"/>
-              </a:rPr>
-              <a:t>(imp,  top = 10</a:t>
-            </a:r>
-            <a:r>
-              <a:rPr lang="pl-PL" b="0" dirty="0">
-                <a:solidFill>
-                  <a:srgbClr val="000000"/>
-                </a:solidFill>
-                <a:latin typeface="Menlo"/>
-              </a:rPr>
-              <a:t>)</a:t>
-            </a:r>
-            <a:endParaRPr lang="en-US" b="0" dirty="0">
-              <a:solidFill>
-                <a:srgbClr val="000000"/>
-              </a:solidFill>
-              <a:latin typeface="Menlo"/>
-            </a:endParaRPr>
           </a:p>
         </p:txBody>
       </p:sp>
@@ -8921,7 +8720,7 @@
         </p:nvSpPr>
         <p:spPr>
           <a:xfrm>
-            <a:off x="8827429" y="5584021"/>
+            <a:off x="8772295" y="5531248"/>
             <a:ext cx="4048902" cy="505186"/>
           </a:xfrm>
           <a:prstGeom prst="rect">
@@ -9180,7 +8979,7 @@
           <p:nvPr/>
         </p:nvPicPr>
         <p:blipFill>
-          <a:blip r:embed="rId10" cstate="print">
+          <a:blip r:embed="rId6" cstate="print">
             <a:extLst>
               <a:ext uri="{28A0092B-C50C-407E-A947-70E740481C1C}">
                 <a14:useLocalDpi xmlns:a14="http://schemas.microsoft.com/office/drawing/2010/main" val="0"/>
@@ -9226,7 +9025,7 @@
           </a:ln>
           <a:extLst>
             <a:ext uri="{C572A759-6A51-4108-AA02-DFA0A04FC94B}">
-              <ma14:wrappingTextBoxFlag xmlns="" xmlns:m="http://schemas.openxmlformats.org/officeDocument/2006/math" xmlns:a14="http://schemas.microsoft.com/office/drawing/2010/main" xmlns:ma14="http://schemas.microsoft.com/office/mac/drawingml/2011/main" xmlns:lc="http://schemas.openxmlformats.org/drawingml/2006/lockedCanvas" val="1"/>
+              <ma14:wrappingTextBoxFlag xmlns:lc="http://schemas.openxmlformats.org/drawingml/2006/lockedCanvas" xmlns:ma14="http://schemas.microsoft.com/office/mac/drawingml/2011/main" xmlns:a14="http://schemas.microsoft.com/office/drawing/2010/main" xmlns:m="http://schemas.openxmlformats.org/officeDocument/2006/math" xmlns="" val="1"/>
             </a:ext>
           </a:extLst>
         </p:spPr>
@@ -9560,7 +9359,7 @@
             </a:r>
             <a:r>
               <a:rPr lang="pl-PL" dirty="0">
-                <a:hlinkClick r:id="rId11"/>
+                <a:hlinkClick r:id="rId7"/>
               </a:rPr>
               <a:t>ewelina.karbowiak@student.uw.edu.pl</a:t>
             </a:r>
@@ -9574,7 +9373,7 @@
             </a:r>
             <a:r>
               <a:rPr lang="pl-PL" dirty="0">
-                <a:hlinkClick r:id="rId12"/>
+                <a:hlinkClick r:id="rId8"/>
               </a:rPr>
               <a:t>https://github.com/ModelOriented/EIX</a:t>
             </a:r>
@@ -9588,7 +9387,7 @@
             </a:r>
             <a:r>
               <a:rPr lang="pl-PL" dirty="0">
-                <a:hlinkClick r:id="rId13"/>
+                <a:hlinkClick r:id="rId9"/>
               </a:rPr>
               <a:t>https://modeloriented.github.io/EIX/</a:t>
             </a:r>
@@ -9607,7 +9406,7 @@
                 </a:solidFill>
                 <a:latin typeface="Lucida Console" panose="020B0609040504020204" pitchFamily="49" charset="0"/>
               </a:rPr>
-              <a:t>0.2</a:t>
+              <a:t>0.3</a:t>
             </a:r>
             <a:r>
               <a:rPr dirty="0"/>
@@ -9623,7 +9422,7 @@
             </a:r>
             <a:r>
               <a:rPr lang="pl-PL" dirty="0"/>
-              <a:t>3</a:t>
+              <a:t>4</a:t>
             </a:r>
             <a:endParaRPr dirty="0"/>
           </a:p>
@@ -9635,6 +9434,84 @@
             <a:extLst>
               <a:ext uri="{FF2B5EF4-FFF2-40B4-BE49-F238E27FC236}">
                 <a16:creationId xmlns:a16="http://schemas.microsoft.com/office/drawing/2014/main" id="{90DA34CD-ACD2-4EC9-B662-1A95D0531974}"/>
+              </a:ext>
+            </a:extLst>
+          </p:cNvPr>
+          <p:cNvPicPr>
+            <a:picLocks noChangeAspect="1"/>
+          </p:cNvPicPr>
+          <p:nvPr/>
+        </p:nvPicPr>
+        <p:blipFill>
+          <a:blip r:embed="rId10">
+            <a:extLst>
+              <a:ext uri="{28A0092B-C50C-407E-A947-70E740481C1C}">
+                <a14:useLocalDpi xmlns:a14="http://schemas.microsoft.com/office/drawing/2010/main" val="0"/>
+              </a:ext>
+              <a:ext uri="{96DAC541-7B7A-43D3-8B79-37D633B846F1}">
+                <asvg:svgBlip xmlns:asvg="http://schemas.microsoft.com/office/drawing/2016/SVG/main" r:embed="rId11"/>
+              </a:ext>
+            </a:extLst>
+          </a:blip>
+          <a:stretch>
+            <a:fillRect/>
+          </a:stretch>
+        </p:blipFill>
+        <p:spPr>
+          <a:xfrm>
+            <a:off x="-14346619" y="-5273752"/>
+            <a:ext cx="6400800" cy="6400800"/>
+          </a:xfrm>
+          <a:prstGeom prst="rect">
+            <a:avLst/>
+          </a:prstGeom>
+        </p:spPr>
+      </p:pic>
+      <p:pic>
+        <p:nvPicPr>
+          <p:cNvPr id="17" name="Grafika 16">
+            <a:extLst>
+              <a:ext uri="{FF2B5EF4-FFF2-40B4-BE49-F238E27FC236}">
+                <a16:creationId xmlns:a16="http://schemas.microsoft.com/office/drawing/2014/main" id="{11736E4D-67B5-4AF4-914D-893B331C89F8}"/>
+              </a:ext>
+            </a:extLst>
+          </p:cNvPr>
+          <p:cNvPicPr>
+            <a:picLocks noChangeAspect="1"/>
+          </p:cNvPicPr>
+          <p:nvPr/>
+        </p:nvPicPr>
+        <p:blipFill>
+          <a:blip r:embed="rId12">
+            <a:extLst>
+              <a:ext uri="{28A0092B-C50C-407E-A947-70E740481C1C}">
+                <a14:useLocalDpi xmlns:a14="http://schemas.microsoft.com/office/drawing/2010/main" val="0"/>
+              </a:ext>
+              <a:ext uri="{96DAC541-7B7A-43D3-8B79-37D633B846F1}">
+                <asvg:svgBlip xmlns:asvg="http://schemas.microsoft.com/office/drawing/2016/SVG/main" r:embed="rId13"/>
+              </a:ext>
+            </a:extLst>
+          </a:blip>
+          <a:stretch>
+            <a:fillRect/>
+          </a:stretch>
+        </p:blipFill>
+        <p:spPr>
+          <a:xfrm>
+            <a:off x="10788132" y="2323103"/>
+            <a:ext cx="2759050" cy="2613090"/>
+          </a:xfrm>
+          <a:prstGeom prst="rect">
+            <a:avLst/>
+          </a:prstGeom>
+        </p:spPr>
+      </p:pic>
+      <p:pic>
+        <p:nvPicPr>
+          <p:cNvPr id="20" name="Grafika 19">
+            <a:extLst>
+              <a:ext uri="{FF2B5EF4-FFF2-40B4-BE49-F238E27FC236}">
+                <a16:creationId xmlns:a16="http://schemas.microsoft.com/office/drawing/2014/main" id="{9E69F3A9-F0C5-44F7-92F0-31A9CFB7564C}"/>
               </a:ext>
             </a:extLst>
           </p:cNvPr>
@@ -9660,8 +9537,8 @@
         </p:blipFill>
         <p:spPr>
           <a:xfrm>
-            <a:off x="-14346619" y="-5273752"/>
-            <a:ext cx="6400800" cy="6400800"/>
+            <a:off x="4554084" y="7889466"/>
+            <a:ext cx="3658712" cy="2419591"/>
           </a:xfrm>
           <a:prstGeom prst="rect">
             <a:avLst/>
@@ -9670,10 +9547,10 @@
       </p:pic>
       <p:pic>
         <p:nvPicPr>
-          <p:cNvPr id="61" name="Grafika 60">
+          <p:cNvPr id="53" name="Grafika 52">
             <a:extLst>
               <a:ext uri="{FF2B5EF4-FFF2-40B4-BE49-F238E27FC236}">
-                <a16:creationId xmlns:a16="http://schemas.microsoft.com/office/drawing/2014/main" id="{AA8C619C-5D25-415A-9123-21791606DFD8}"/>
+                <a16:creationId xmlns:a16="http://schemas.microsoft.com/office/drawing/2014/main" id="{7BC08755-7679-428C-9FE6-09BEC7B28350}"/>
               </a:ext>
             </a:extLst>
           </p:cNvPr>
@@ -9699,8 +9576,8 @@
         </p:blipFill>
         <p:spPr>
           <a:xfrm>
-            <a:off x="10597096" y="2287708"/>
-            <a:ext cx="2626818" cy="2787177"/>
+            <a:off x="557493" y="7267185"/>
+            <a:ext cx="3780983" cy="3024786"/>
           </a:xfrm>
           <a:prstGeom prst="rect">
             <a:avLst/>
@@ -9709,10 +9586,10 @@
       </p:pic>
       <p:pic>
         <p:nvPicPr>
-          <p:cNvPr id="67" name="Grafika 66">
+          <p:cNvPr id="62" name="Grafika 61">
             <a:extLst>
               <a:ext uri="{FF2B5EF4-FFF2-40B4-BE49-F238E27FC236}">
-                <a16:creationId xmlns:a16="http://schemas.microsoft.com/office/drawing/2014/main" id="{1A70761F-EC37-4D4E-AAF5-A0489BBF87D3}"/>
+                <a16:creationId xmlns:a16="http://schemas.microsoft.com/office/drawing/2014/main" id="{BE9D962A-FE3D-4295-B4B0-CF30AA9122A2}"/>
               </a:ext>
             </a:extLst>
           </p:cNvPr>
@@ -9738,14 +9615,198 @@
         </p:blipFill>
         <p:spPr>
           <a:xfrm>
-            <a:off x="8769549" y="7045977"/>
-            <a:ext cx="4454354" cy="3296736"/>
+            <a:off x="8798357" y="7290558"/>
+            <a:ext cx="4808226" cy="3053565"/>
           </a:xfrm>
           <a:prstGeom prst="rect">
             <a:avLst/>
           </a:prstGeom>
         </p:spPr>
       </p:pic>
+      <p:sp>
+        <p:nvSpPr>
+          <p:cNvPr id="33" name="pole tekstowe 32">
+            <a:extLst>
+              <a:ext uri="{FF2B5EF4-FFF2-40B4-BE49-F238E27FC236}">
+                <a16:creationId xmlns:a16="http://schemas.microsoft.com/office/drawing/2014/main" id="{BC9A6476-2401-4D5A-A9D7-8525E457A005}"/>
+              </a:ext>
+            </a:extLst>
+          </p:cNvPr>
+          <p:cNvSpPr txBox="1"/>
+          <p:nvPr/>
+        </p:nvSpPr>
+        <p:spPr>
+          <a:xfrm>
+            <a:off x="7983503" y="1505839"/>
+            <a:ext cx="2703233" cy="689852"/>
+          </a:xfrm>
+          <a:prstGeom prst="rect">
+            <a:avLst/>
+          </a:prstGeom>
+          <a:noFill/>
+          <a:ln w="12700" cap="flat">
+            <a:solidFill>
+              <a:schemeClr val="bg2">
+                <a:lumMod val="75000"/>
+              </a:schemeClr>
+            </a:solidFill>
+            <a:miter lim="400000"/>
+          </a:ln>
+          <a:effectLst/>
+          <a:sp3d/>
+        </p:spPr>
+        <p:style>
+          <a:lnRef idx="0">
+            <a:scrgbClr r="0" g="0" b="0"/>
+          </a:lnRef>
+          <a:fillRef idx="0">
+            <a:scrgbClr r="0" g="0" b="0"/>
+          </a:fillRef>
+          <a:effectRef idx="0">
+            <a:scrgbClr r="0" g="0" b="0"/>
+          </a:effectRef>
+          <a:fontRef idx="none"/>
+        </p:style>
+        <p:txBody>
+          <a:bodyPr rot="0" spcFirstLastPara="1" vertOverflow="overflow" horzOverflow="overflow" vert="horz" wrap="square" lIns="54570" tIns="54570" rIns="54570" bIns="54570" numCol="1" spcCol="38100" rtlCol="0" anchor="ctr">
+            <a:spAutoFit/>
+          </a:bodyPr>
+          <a:lstStyle/>
+          <a:p>
+            <a:r>
+              <a:rPr lang="en-US" b="0" dirty="0">
+                <a:solidFill>
+                  <a:srgbClr val="000000"/>
+                </a:solidFill>
+                <a:latin typeface="Menlo"/>
+              </a:rPr>
+              <a:t>imp &lt;- </a:t>
+            </a:r>
+            <a:r>
+              <a:rPr lang="en-US" dirty="0">
+                <a:solidFill>
+                  <a:srgbClr val="000000"/>
+                </a:solidFill>
+                <a:latin typeface="Menlo"/>
+              </a:rPr>
+              <a:t>importance</a:t>
+            </a:r>
+            <a:r>
+              <a:rPr lang="en-US" b="0" dirty="0">
+                <a:solidFill>
+                  <a:srgbClr val="000000"/>
+                </a:solidFill>
+                <a:latin typeface="Menlo"/>
+              </a:rPr>
+              <a:t>(</a:t>
+            </a:r>
+            <a:r>
+              <a:rPr lang="en-US" b="0" dirty="0" err="1">
+                <a:solidFill>
+                  <a:srgbClr val="000000"/>
+                </a:solidFill>
+                <a:latin typeface="Menlo"/>
+              </a:rPr>
+              <a:t>xgb_model</a:t>
+            </a:r>
+            <a:r>
+              <a:rPr lang="en-US" b="0" dirty="0">
+                <a:solidFill>
+                  <a:srgbClr val="000000"/>
+                </a:solidFill>
+                <a:latin typeface="Menlo"/>
+              </a:rPr>
+              <a:t>,</a:t>
+            </a:r>
+            <a:r>
+              <a:rPr lang="pl-PL" b="0" dirty="0">
+                <a:solidFill>
+                  <a:srgbClr val="000000"/>
+                </a:solidFill>
+                <a:latin typeface="Menlo"/>
+              </a:rPr>
+              <a:t> </a:t>
+            </a:r>
+            <a:r>
+              <a:rPr lang="en-US" b="0" dirty="0" err="1">
+                <a:solidFill>
+                  <a:srgbClr val="000000"/>
+                </a:solidFill>
+                <a:latin typeface="Menlo"/>
+              </a:rPr>
+              <a:t>sm</a:t>
+            </a:r>
+            <a:r>
+              <a:rPr lang="en-US" b="0" dirty="0">
+                <a:solidFill>
+                  <a:srgbClr val="000000"/>
+                </a:solidFill>
+                <a:latin typeface="Menlo"/>
+              </a:rPr>
+              <a:t>,</a:t>
+            </a:r>
+            <a:r>
+              <a:rPr lang="pl-PL" b="0" dirty="0">
+                <a:solidFill>
+                  <a:srgbClr val="000000"/>
+                </a:solidFill>
+                <a:latin typeface="Menlo"/>
+              </a:rPr>
+              <a:t> 	</a:t>
+            </a:r>
+            <a:r>
+              <a:rPr lang="en-US" b="0" dirty="0">
+                <a:solidFill>
+                  <a:srgbClr val="000000"/>
+                </a:solidFill>
+                <a:latin typeface="Menlo"/>
+              </a:rPr>
+              <a:t>option = "both")</a:t>
+            </a:r>
+            <a:br>
+              <a:rPr lang="pl-PL" b="0" dirty="0">
+                <a:solidFill>
+                  <a:srgbClr val="000000"/>
+                </a:solidFill>
+                <a:latin typeface="Menlo"/>
+              </a:rPr>
+            </a:br>
+            <a:r>
+              <a:rPr lang="en-US" dirty="0">
+                <a:solidFill>
+                  <a:srgbClr val="000000"/>
+                </a:solidFill>
+                <a:latin typeface="Menlo"/>
+              </a:rPr>
+              <a:t>plot</a:t>
+            </a:r>
+            <a:r>
+              <a:rPr lang="en-US" b="0" dirty="0">
+                <a:solidFill>
+                  <a:srgbClr val="000000"/>
+                </a:solidFill>
+                <a:latin typeface="Menlo"/>
+              </a:rPr>
+              <a:t>(imp,  top = 10</a:t>
+            </a:r>
+            <a:r>
+              <a:rPr lang="pl-PL" b="0" dirty="0">
+                <a:solidFill>
+                  <a:srgbClr val="000000"/>
+                </a:solidFill>
+                <a:latin typeface="Menlo"/>
+              </a:rPr>
+              <a:t>)</a:t>
+            </a:r>
+            <a:endParaRPr lang="en-US" b="0" dirty="0">
+              <a:solidFill>
+                <a:srgbClr val="000000"/>
+              </a:solidFill>
+              <a:latin typeface="Menlo"/>
+            </a:endParaRPr>
+          </a:p>
+        </p:txBody>
+      </p:sp>
     </p:spTree>
     <p:extLst>
       <p:ext uri="{BB962C8B-B14F-4D97-AF65-F5344CB8AC3E}">

--- a/cheatsheets/EIX.pptx
+++ b/cheatsheets/EIX.pptx
@@ -2218,7 +2218,7 @@
           </a:ln>
           <a:extLst>
             <a:ext uri="{C572A759-6A51-4108-AA02-DFA0A04FC94B}">
-              <ma14:wrappingTextBoxFlag xmlns="" xmlns:m="http://schemas.openxmlformats.org/officeDocument/2006/math" xmlns:a14="http://schemas.microsoft.com/office/drawing/2010/main" xmlns:ma14="http://schemas.microsoft.com/office/mac/drawingml/2011/main" val="1"/>
+              <ma14:wrappingTextBoxFlag xmlns:ma14="http://schemas.microsoft.com/office/mac/drawingml/2011/main" xmlns:a14="http://schemas.microsoft.com/office/drawing/2010/main" xmlns:m="http://schemas.openxmlformats.org/officeDocument/2006/math" xmlns="" val="1"/>
             </a:ext>
           </a:extLst>
         </p:spPr>
@@ -2257,7 +2257,7 @@
           </a:ln>
           <a:extLst>
             <a:ext uri="{C572A759-6A51-4108-AA02-DFA0A04FC94B}">
-              <ma14:wrappingTextBoxFlag xmlns="" xmlns:m="http://schemas.openxmlformats.org/officeDocument/2006/math" xmlns:a14="http://schemas.microsoft.com/office/drawing/2010/main" xmlns:ma14="http://schemas.microsoft.com/office/mac/drawingml/2011/main" val="1"/>
+              <ma14:wrappingTextBoxFlag xmlns:ma14="http://schemas.microsoft.com/office/mac/drawingml/2011/main" xmlns:a14="http://schemas.microsoft.com/office/drawing/2010/main" xmlns:m="http://schemas.openxmlformats.org/officeDocument/2006/math" xmlns="" val="1"/>
             </a:ext>
           </a:extLst>
         </p:spPr>
@@ -4244,7 +4244,7 @@
           </a:ln>
           <a:extLst>
             <a:ext uri="{C572A759-6A51-4108-AA02-DFA0A04FC94B}">
-              <ma14:wrappingTextBoxFlag xmlns="" xmlns:m="http://schemas.openxmlformats.org/officeDocument/2006/math" xmlns:a14="http://schemas.microsoft.com/office/drawing/2010/main" xmlns:ma14="http://schemas.microsoft.com/office/mac/drawingml/2011/main" val="1"/>
+              <ma14:wrappingTextBoxFlag xmlns:ma14="http://schemas.microsoft.com/office/mac/drawingml/2011/main" xmlns:a14="http://schemas.microsoft.com/office/drawing/2010/main" xmlns:m="http://schemas.openxmlformats.org/officeDocument/2006/math" xmlns="" val="1"/>
             </a:ext>
           </a:extLst>
         </p:spPr>
@@ -4634,7 +4634,7 @@
           </a:ln>
           <a:extLst>
             <a:ext uri="{C572A759-6A51-4108-AA02-DFA0A04FC94B}">
-              <ma14:wrappingTextBoxFlag xmlns="" xmlns:ma14="http://schemas.microsoft.com/office/mac/drawingml/2011/main" val="1"/>
+              <ma14:wrappingTextBoxFlag xmlns:ma14="http://schemas.microsoft.com/office/mac/drawingml/2011/main" xmlns="" val="1"/>
             </a:ext>
           </a:extLst>
         </p:spPr>
@@ -4734,7 +4734,7 @@
           </a:ln>
           <a:extLst>
             <a:ext uri="{C572A759-6A51-4108-AA02-DFA0A04FC94B}">
-              <ma14:wrappingTextBoxFlag xmlns="" xmlns:ma14="http://schemas.microsoft.com/office/mac/drawingml/2011/main" val="1"/>
+              <ma14:wrappingTextBoxFlag xmlns:ma14="http://schemas.microsoft.com/office/mac/drawingml/2011/main" xmlns="" val="1"/>
             </a:ext>
           </a:extLst>
         </p:spPr>
@@ -4882,7 +4882,7 @@
           </a:ln>
           <a:extLst>
             <a:ext uri="{C572A759-6A51-4108-AA02-DFA0A04FC94B}">
-              <ma14:wrappingTextBoxFlag xmlns="" xmlns:ma14="http://schemas.microsoft.com/office/mac/drawingml/2011/main" val="1"/>
+              <ma14:wrappingTextBoxFlag xmlns:ma14="http://schemas.microsoft.com/office/mac/drawingml/2011/main" xmlns="" val="1"/>
             </a:ext>
           </a:extLst>
         </p:spPr>
@@ -4963,7 +4963,7 @@
           </a:ln>
           <a:extLst>
             <a:ext uri="{C572A759-6A51-4108-AA02-DFA0A04FC94B}">
-              <ma14:wrappingTextBoxFlag xmlns="" xmlns:ma14="http://schemas.microsoft.com/office/mac/drawingml/2011/main" val="1"/>
+              <ma14:wrappingTextBoxFlag xmlns:ma14="http://schemas.microsoft.com/office/mac/drawingml/2011/main" xmlns="" val="1"/>
             </a:ext>
           </a:extLst>
         </p:spPr>
@@ -5078,7 +5078,7 @@
           </a:ln>
           <a:extLst>
             <a:ext uri="{C572A759-6A51-4108-AA02-DFA0A04FC94B}">
-              <ma14:wrappingTextBoxFlag xmlns="" xmlns:ma14="http://schemas.microsoft.com/office/mac/drawingml/2011/main" val="1"/>
+              <ma14:wrappingTextBoxFlag xmlns:ma14="http://schemas.microsoft.com/office/mac/drawingml/2011/main" xmlns="" val="1"/>
             </a:ext>
           </a:extLst>
         </p:spPr>
@@ -5192,7 +5192,7 @@
           </a:ln>
           <a:extLst>
             <a:ext uri="{C572A759-6A51-4108-AA02-DFA0A04FC94B}">
-              <ma14:wrappingTextBoxFlag xmlns="" xmlns:ma14="http://schemas.microsoft.com/office/mac/drawingml/2011/main" val="1"/>
+              <ma14:wrappingTextBoxFlag xmlns:ma14="http://schemas.microsoft.com/office/mac/drawingml/2011/main" xmlns="" val="1"/>
             </a:ext>
           </a:extLst>
         </p:spPr>
@@ -7525,8 +7525,8 @@
         </p:nvSpPr>
         <p:spPr>
           <a:xfrm>
-            <a:off x="8738948" y="6029879"/>
-            <a:ext cx="4808234" cy="1161776"/>
+            <a:off x="8738948" y="6135036"/>
+            <a:ext cx="4808234" cy="951462"/>
           </a:xfrm>
           <a:prstGeom prst="rect">
             <a:avLst/>
@@ -7560,44 +7560,6 @@
             <a:spAutoFit/>
           </a:bodyPr>
           <a:lstStyle/>
-          <a:p>
-            <a:r>
-              <a:rPr lang="en-US" dirty="0">
-                <a:solidFill>
-                  <a:srgbClr val="000000"/>
-                </a:solidFill>
-                <a:latin typeface="Menlo"/>
-              </a:rPr>
-              <a:t>require</a:t>
-            </a:r>
-            <a:r>
-              <a:rPr lang="en-US" b="0" dirty="0">
-                <a:solidFill>
-                  <a:srgbClr val="000000"/>
-                </a:solidFill>
-                <a:latin typeface="Menlo"/>
-              </a:rPr>
-              <a:t>("</a:t>
-            </a:r>
-            <a:r>
-              <a:rPr lang="en-US" b="0" dirty="0" err="1">
-                <a:solidFill>
-                  <a:srgbClr val="000000"/>
-                </a:solidFill>
-                <a:latin typeface="Menlo"/>
-              </a:rPr>
-              <a:t>iBreakDown</a:t>
-            </a:r>
-            <a:r>
-              <a:rPr lang="en-US" b="0" dirty="0">
-                <a:solidFill>
-                  <a:srgbClr val="000000"/>
-                </a:solidFill>
-                <a:latin typeface="Menlo"/>
-              </a:rPr>
-              <a:t>")</a:t>
-            </a:r>
-          </a:p>
           <a:p>
             <a:r>
               <a:rPr lang="en-US" b="0" dirty="0" err="1">
@@ -9025,7 +8987,7 @@
           </a:ln>
           <a:extLst>
             <a:ext uri="{C572A759-6A51-4108-AA02-DFA0A04FC94B}">
-              <ma14:wrappingTextBoxFlag xmlns:lc="http://schemas.openxmlformats.org/drawingml/2006/lockedCanvas" xmlns:ma14="http://schemas.microsoft.com/office/mac/drawingml/2011/main" xmlns:a14="http://schemas.microsoft.com/office/drawing/2010/main" xmlns:m="http://schemas.openxmlformats.org/officeDocument/2006/math" xmlns="" val="1"/>
+              <ma14:wrappingTextBoxFlag xmlns="" xmlns:m="http://schemas.openxmlformats.org/officeDocument/2006/math" xmlns:a14="http://schemas.microsoft.com/office/drawing/2010/main" xmlns:ma14="http://schemas.microsoft.com/office/mac/drawingml/2011/main" xmlns:lc="http://schemas.openxmlformats.org/drawingml/2006/lockedCanvas" val="1"/>
             </a:ext>
           </a:extLst>
         </p:spPr>
